--- a/Module-D-JPN-Acceleration-Features.pptx
+++ b/Module-D-JPN-Acceleration-Features.pptx
@@ -253,7 +253,7 @@
           <a:p>
             <a:fld id="{3ED0610A-76C4-469E-9CA4-16C082B9DDEE}" type="datetimeFigureOut">
               <a:rPr kumimoji="1" lang="ja-JP" altLang="en-US" smtClean="0"/>
-              <a:t>2019/9/5</a:t>
+              <a:t>2019/9/11</a:t>
             </a:fld>
             <a:endParaRPr kumimoji="1" lang="ja-JP" altLang="en-US"/>
           </a:p>
@@ -16354,7 +16354,7 @@
         </p:nvSpPr>
         <p:spPr>
           <a:xfrm rot="10800000" flipH="1">
-            <a:off x="8183880" y="8101080"/>
+            <a:off x="7996680" y="2898360"/>
             <a:ext cx="1131120" cy="1733760"/>
           </a:xfrm>
           <a:prstGeom prst="roundRect">
@@ -17077,7 +17077,8 @@
               </a:lnSpc>
             </a:pPr>
             <a:endParaRPr lang="en-US" sz="1800" b="0" strike="noStrike" spc="-1" dirty="0">
-              <a:latin typeface="Arial"/>
+              <a:latin typeface="ＭＳ ゴシック" panose="020B0609070205080204" pitchFamily="49" charset="-128"/>
+              <a:ea typeface="ＭＳ ゴシック" panose="020B0609070205080204" pitchFamily="49" charset="-128"/>
             </a:endParaRPr>
           </a:p>
           <a:p>
@@ -17096,7 +17097,8 @@
                 <a:solidFill>
                   <a:srgbClr val="000000"/>
                 </a:solidFill>
-                <a:ea typeface="Arial"/>
+                <a:latin typeface="ＭＳ ゴシック" panose="020B0609070205080204" pitchFamily="49" charset="-128"/>
+                <a:ea typeface="ＭＳ ゴシック" panose="020B0609070205080204" pitchFamily="49" charset="-128"/>
               </a:rPr>
               <a:t>コンポーネントのアップロードと消去</a:t>
             </a:r>
@@ -17105,13 +17107,14 @@
                 <a:solidFill>
                   <a:srgbClr val="000000"/>
                 </a:solidFill>
-                <a:latin typeface="Arial"/>
-                <a:ea typeface="Arial"/>
+                <a:latin typeface="ＭＳ ゴシック" panose="020B0609070205080204" pitchFamily="49" charset="-128"/>
+                <a:ea typeface="ＭＳ ゴシック" panose="020B0609070205080204" pitchFamily="49" charset="-128"/>
               </a:rPr>
               <a:t>:</a:t>
             </a:r>
             <a:endParaRPr lang="en-US" sz="1900" b="0" strike="noStrike" spc="-1" dirty="0">
-              <a:latin typeface="Arial"/>
+              <a:latin typeface="ＭＳ ゴシック" panose="020B0609070205080204" pitchFamily="49" charset="-128"/>
+              <a:ea typeface="ＭＳ ゴシック" panose="020B0609070205080204" pitchFamily="49" charset="-128"/>
             </a:endParaRPr>
           </a:p>
           <a:p>
@@ -17130,7 +17133,8 @@
                 <a:solidFill>
                   <a:srgbClr val="000000"/>
                 </a:solidFill>
-                <a:latin typeface="Arial"/>
+                <a:latin typeface="ＭＳ ゴシック" panose="020B0609070205080204" pitchFamily="49" charset="-128"/>
+                <a:ea typeface="ＭＳ ゴシック" panose="020B0609070205080204" pitchFamily="49" charset="-128"/>
               </a:rPr>
               <a:t>ファイル</a:t>
             </a:r>
@@ -17139,7 +17143,8 @@
                 <a:solidFill>
                   <a:srgbClr val="000000"/>
                 </a:solidFill>
-                <a:latin typeface="Arial"/>
+                <a:latin typeface="ＭＳ ゴシック" panose="020B0609070205080204" pitchFamily="49" charset="-128"/>
+                <a:ea typeface="ＭＳ ゴシック" panose="020B0609070205080204" pitchFamily="49" charset="-128"/>
               </a:rPr>
               <a:t>ベース</a:t>
             </a:r>
@@ -17148,7 +17153,8 @@
                 <a:solidFill>
                   <a:srgbClr val="000000"/>
                 </a:solidFill>
-                <a:latin typeface="Arial"/>
+                <a:latin typeface="ＭＳ ゴシック" panose="020B0609070205080204" pitchFamily="49" charset="-128"/>
+                <a:ea typeface="ＭＳ ゴシック" panose="020B0609070205080204" pitchFamily="49" charset="-128"/>
               </a:rPr>
               <a:t>で</a:t>
             </a:r>
@@ -17157,7 +17163,8 @@
                 <a:solidFill>
                   <a:srgbClr val="000000"/>
                 </a:solidFill>
-                <a:latin typeface="Arial"/>
+                <a:latin typeface="ＭＳ ゴシック" panose="020B0609070205080204" pitchFamily="49" charset="-128"/>
+                <a:ea typeface="ＭＳ ゴシック" panose="020B0609070205080204" pitchFamily="49" charset="-128"/>
               </a:rPr>
               <a:t>進</a:t>
             </a:r>
@@ -17166,12 +17173,14 @@
                 <a:solidFill>
                   <a:srgbClr val="000000"/>
                 </a:solidFill>
-                <a:latin typeface="Arial"/>
+                <a:latin typeface="ＭＳ ゴシック" panose="020B0609070205080204" pitchFamily="49" charset="-128"/>
+                <a:ea typeface="ＭＳ ゴシック" panose="020B0609070205080204" pitchFamily="49" charset="-128"/>
               </a:rPr>
               <a:t>める</a:t>
             </a:r>
             <a:endParaRPr lang="en-US" sz="1900" b="0" strike="noStrike" spc="-1" dirty="0">
-              <a:latin typeface="Arial"/>
+              <a:latin typeface="ＭＳ ゴシック" panose="020B0609070205080204" pitchFamily="49" charset="-128"/>
+              <a:ea typeface="ＭＳ ゴシック" panose="020B0609070205080204" pitchFamily="49" charset="-128"/>
             </a:endParaRPr>
           </a:p>
           <a:p>
@@ -17190,13 +17199,14 @@
                 <a:solidFill>
                   <a:srgbClr val="000000"/>
                 </a:solidFill>
-                <a:latin typeface="Arial"/>
-                <a:ea typeface="Arial"/>
+                <a:latin typeface="ＭＳ ゴシック" panose="020B0609070205080204" pitchFamily="49" charset="-128"/>
+                <a:ea typeface="ＭＳ ゴシック" panose="020B0609070205080204" pitchFamily="49" charset="-128"/>
               </a:rPr>
               <a:t>おそらくバルクフレーズ利用</a:t>
             </a:r>
             <a:endParaRPr lang="en-US" sz="1900" b="0" strike="noStrike" spc="-1" dirty="0">
-              <a:latin typeface="Arial"/>
+              <a:latin typeface="ＭＳ ゴシック" panose="020B0609070205080204" pitchFamily="49" charset="-128"/>
+              <a:ea typeface="ＭＳ ゴシック" panose="020B0609070205080204" pitchFamily="49" charset="-128"/>
             </a:endParaRPr>
           </a:p>
           <a:p>
@@ -17212,12 +17222,14 @@
             </a:pPr>
             <a:r>
               <a:rPr lang="ja-JP" altLang="en-US" sz="1900" b="0" strike="noStrike" spc="-1" dirty="0" smtClean="0">
-                <a:latin typeface="Arial"/>
+                <a:latin typeface="ＭＳ ゴシック" panose="020B0609070205080204" pitchFamily="49" charset="-128"/>
+                <a:ea typeface="ＭＳ ゴシック" panose="020B0609070205080204" pitchFamily="49" charset="-128"/>
               </a:rPr>
               <a:t>コピーライトレビュー</a:t>
             </a:r>
             <a:endParaRPr lang="en-US" sz="1900" b="0" strike="noStrike" spc="-1" dirty="0" smtClean="0">
-              <a:latin typeface="Arial"/>
+              <a:latin typeface="ＭＳ ゴシック" panose="020B0609070205080204" pitchFamily="49" charset="-128"/>
+              <a:ea typeface="ＭＳ ゴシック" panose="020B0609070205080204" pitchFamily="49" charset="-128"/>
             </a:endParaRPr>
           </a:p>
           <a:p>
@@ -17239,13 +17251,14 @@
                 <a:solidFill>
                   <a:srgbClr val="000000"/>
                 </a:solidFill>
-                <a:latin typeface="Arial"/>
-                <a:ea typeface="Arial"/>
+                <a:latin typeface="ＭＳ ゴシック" panose="020B0609070205080204" pitchFamily="49" charset="-128"/>
+                <a:ea typeface="ＭＳ ゴシック" panose="020B0609070205080204" pitchFamily="49" charset="-128"/>
               </a:rPr>
               <a:t>新バージョンアップロード</a:t>
             </a:r>
             <a:endParaRPr lang="en-US" sz="1900" b="0" strike="noStrike" spc="-1" dirty="0">
-              <a:latin typeface="Arial"/>
+              <a:latin typeface="ＭＳ ゴシック" panose="020B0609070205080204" pitchFamily="49" charset="-128"/>
+              <a:ea typeface="ＭＳ ゴシック" panose="020B0609070205080204" pitchFamily="49" charset="-128"/>
             </a:endParaRPr>
           </a:p>
           <a:p>
@@ -17264,7 +17277,8 @@
                 <a:solidFill>
                   <a:srgbClr val="000000"/>
                 </a:solidFill>
-                <a:ea typeface="Arial"/>
+                <a:latin typeface="ＭＳ ゴシック" panose="020B0609070205080204" pitchFamily="49" charset="-128"/>
+                <a:ea typeface="ＭＳ ゴシック" panose="020B0609070205080204" pitchFamily="49" charset="-128"/>
               </a:rPr>
               <a:t>すべてのファイルをもう一度調べる</a:t>
             </a:r>
@@ -17273,7 +17287,8 @@
                 <a:solidFill>
                   <a:srgbClr val="000000"/>
                 </a:solidFill>
-                <a:ea typeface="Arial"/>
+                <a:latin typeface="ＭＳ ゴシック" panose="020B0609070205080204" pitchFamily="49" charset="-128"/>
+                <a:ea typeface="ＭＳ ゴシック" panose="020B0609070205080204" pitchFamily="49" charset="-128"/>
               </a:rPr>
               <a:t>必要があるか</a:t>
             </a:r>
@@ -17282,13 +17297,14 @@
                 <a:solidFill>
                   <a:srgbClr val="000000"/>
                 </a:solidFill>
-                <a:latin typeface="Arial"/>
-                <a:ea typeface="Arial"/>
+                <a:latin typeface="ＭＳ ゴシック" panose="020B0609070205080204" pitchFamily="49" charset="-128"/>
+                <a:ea typeface="ＭＳ ゴシック" panose="020B0609070205080204" pitchFamily="49" charset="-128"/>
               </a:rPr>
               <a:t>?</a:t>
             </a:r>
             <a:endParaRPr lang="en-US" sz="1900" b="0" strike="noStrike" spc="-1" dirty="0">
-              <a:latin typeface="Arial"/>
+              <a:latin typeface="ＭＳ ゴシック" panose="020B0609070205080204" pitchFamily="49" charset="-128"/>
+              <a:ea typeface="ＭＳ ゴシック" panose="020B0609070205080204" pitchFamily="49" charset="-128"/>
             </a:endParaRPr>
           </a:p>
           <a:p>
@@ -18203,7 +18219,7 @@
               <a:buChar char="∙"/>
             </a:pPr>
             <a:r>
-              <a:rPr lang="en-US" altLang="ja-JP" sz="1900" spc="-1" dirty="0">
+              <a:rPr lang="en-US" altLang="ja-JP" sz="1900" spc="-1" dirty="0" smtClean="0">
                 <a:solidFill>
                   <a:srgbClr val="000000"/>
                 </a:solidFill>
@@ -18212,13 +18228,22 @@
               <a:t>3</a:t>
             </a:r>
             <a:r>
-              <a:rPr lang="ja-JP" altLang="en-US" sz="1900" spc="-1" dirty="0" err="1">
-                <a:solidFill>
-                  <a:srgbClr val="000000"/>
-                </a:solidFill>
-                <a:ea typeface="Arial"/>
-              </a:rPr>
-              <a:t>つの</a:t>
+              <a:rPr lang="ja-JP" altLang="en-US" sz="1900" spc="-1" dirty="0">
+                <a:solidFill>
+                  <a:srgbClr val="000000"/>
+                </a:solidFill>
+                <a:ea typeface="Arial"/>
+              </a:rPr>
+              <a:t>種</a:t>
+            </a:r>
+            <a:r>
+              <a:rPr lang="ja-JP" altLang="en-US" sz="1900" spc="-1" dirty="0" smtClean="0">
+                <a:solidFill>
+                  <a:srgbClr val="000000"/>
+                </a:solidFill>
+                <a:ea typeface="Arial"/>
+              </a:rPr>
+              <a:t>の</a:t>
             </a:r>
             <a:r>
               <a:rPr lang="ja-JP" altLang="en-US" sz="1900" spc="-1" dirty="0">
@@ -19095,7 +19120,8 @@
                 <a:solidFill>
                   <a:srgbClr val="000000"/>
                 </a:solidFill>
-                <a:ea typeface="Arial"/>
+                <a:latin typeface="ＭＳ ゴシック" panose="020B0609070205080204" pitchFamily="49" charset="-128"/>
+                <a:ea typeface="ＭＳ ゴシック" panose="020B0609070205080204" pitchFamily="49" charset="-128"/>
               </a:rPr>
               <a:t>2008</a:t>
             </a:r>
@@ -19104,7 +19130,8 @@
                 <a:solidFill>
                   <a:srgbClr val="000000"/>
                 </a:solidFill>
-                <a:ea typeface="Arial"/>
+                <a:latin typeface="ＭＳ ゴシック" panose="020B0609070205080204" pitchFamily="49" charset="-128"/>
+                <a:ea typeface="ＭＳ ゴシック" panose="020B0609070205080204" pitchFamily="49" charset="-128"/>
               </a:rPr>
               <a:t>年</a:t>
             </a:r>
@@ -19113,7 +19140,8 @@
                 <a:solidFill>
                   <a:srgbClr val="000000"/>
                 </a:solidFill>
-                <a:ea typeface="Arial"/>
+                <a:latin typeface="ＭＳ ゴシック" panose="020B0609070205080204" pitchFamily="49" charset="-128"/>
+                <a:ea typeface="ＭＳ ゴシック" panose="020B0609070205080204" pitchFamily="49" charset="-128"/>
               </a:rPr>
               <a:t>: GPL-2.0</a:t>
             </a:r>
@@ -19122,11 +19150,15 @@
                 <a:solidFill>
                   <a:srgbClr val="000000"/>
                 </a:solidFill>
-                <a:ea typeface="Arial"/>
+                <a:latin typeface="ＭＳ ゴシック" panose="020B0609070205080204" pitchFamily="49" charset="-128"/>
+                <a:ea typeface="ＭＳ ゴシック" panose="020B0609070205080204" pitchFamily="49" charset="-128"/>
               </a:rPr>
               <a:t>で公開</a:t>
             </a:r>
-            <a:endParaRPr lang="en-US" altLang="ja-JP" spc="-1" dirty="0"/>
+            <a:endParaRPr lang="en-US" altLang="ja-JP" spc="-1" dirty="0">
+              <a:latin typeface="ＭＳ ゴシック" panose="020B0609070205080204" pitchFamily="49" charset="-128"/>
+              <a:ea typeface="ＭＳ ゴシック" panose="020B0609070205080204" pitchFamily="49" charset="-128"/>
+            </a:endParaRPr>
           </a:p>
           <a:p>
             <a:pPr marL="190440" lvl="1" indent="-196200">
@@ -19147,7 +19179,8 @@
                 <a:solidFill>
                   <a:srgbClr val="000000"/>
                 </a:solidFill>
-                <a:ea typeface="Arial"/>
+                <a:latin typeface="ＭＳ ゴシック" panose="020B0609070205080204" pitchFamily="49" charset="-128"/>
+                <a:ea typeface="ＭＳ ゴシック" panose="020B0609070205080204" pitchFamily="49" charset="-128"/>
               </a:rPr>
               <a:t>2015</a:t>
             </a:r>
@@ -19156,7 +19189,8 @@
                 <a:solidFill>
                   <a:srgbClr val="000000"/>
                 </a:solidFill>
-                <a:ea typeface="Arial"/>
+                <a:latin typeface="ＭＳ ゴシック" panose="020B0609070205080204" pitchFamily="49" charset="-128"/>
+                <a:ea typeface="ＭＳ ゴシック" panose="020B0609070205080204" pitchFamily="49" charset="-128"/>
               </a:rPr>
               <a:t>年</a:t>
             </a:r>
@@ -19165,7 +19199,8 @@
                 <a:solidFill>
                   <a:srgbClr val="000000"/>
                 </a:solidFill>
-                <a:ea typeface="Arial"/>
+                <a:latin typeface="ＭＳ ゴシック" panose="020B0609070205080204" pitchFamily="49" charset="-128"/>
+                <a:ea typeface="ＭＳ ゴシック" panose="020B0609070205080204" pitchFamily="49" charset="-128"/>
               </a:rPr>
               <a:t>: Linux Foundation</a:t>
             </a:r>
@@ -19174,7 +19209,8 @@
                 <a:solidFill>
                   <a:srgbClr val="000000"/>
                 </a:solidFill>
-                <a:ea typeface="Arial"/>
+                <a:latin typeface="ＭＳ ゴシック" panose="020B0609070205080204" pitchFamily="49" charset="-128"/>
+                <a:ea typeface="ＭＳ ゴシック" panose="020B0609070205080204" pitchFamily="49" charset="-128"/>
               </a:rPr>
               <a:t> のコラボレーションプロジェクトとなる</a:t>
             </a:r>
@@ -19183,7 +19219,8 @@
                 <a:solidFill>
                   <a:srgbClr val="000000"/>
                 </a:solidFill>
-                <a:ea typeface="Arial"/>
+                <a:latin typeface="ＭＳ ゴシック" panose="020B0609070205080204" pitchFamily="49" charset="-128"/>
+                <a:ea typeface="ＭＳ ゴシック" panose="020B0609070205080204" pitchFamily="49" charset="-128"/>
               </a:rPr>
               <a:t> </a:t>
             </a:r>
@@ -19207,10 +19244,15 @@
                 <a:solidFill>
                   <a:srgbClr val="000000"/>
                 </a:solidFill>
+                <a:latin typeface="ＭＳ ゴシック" panose="020B0609070205080204" pitchFamily="49" charset="-128"/>
+                <a:ea typeface="ＭＳ ゴシック" panose="020B0609070205080204" pitchFamily="49" charset="-128"/>
               </a:rPr>
               <a:t>ウェブサーバによるコマンドラインインターフェイス実装</a:t>
             </a:r>
-            <a:endParaRPr lang="en-US" altLang="ja-JP" spc="-1" dirty="0"/>
+            <a:endParaRPr lang="en-US" altLang="ja-JP" spc="-1" dirty="0">
+              <a:latin typeface="ＭＳ ゴシック" panose="020B0609070205080204" pitchFamily="49" charset="-128"/>
+              <a:ea typeface="ＭＳ ゴシック" panose="020B0609070205080204" pitchFamily="49" charset="-128"/>
+            </a:endParaRPr>
           </a:p>
           <a:p>
             <a:pPr marL="190440" lvl="1" indent="-196200">
@@ -19234,7 +19276,8 @@
                 <a:solidFill>
                   <a:srgbClr val="000000"/>
                 </a:solidFill>
-                <a:ea typeface="Arial"/>
+                <a:latin typeface="ＭＳ ゴシック" panose="020B0609070205080204" pitchFamily="49" charset="-128"/>
+                <a:ea typeface="ＭＳ ゴシック" panose="020B0609070205080204" pitchFamily="49" charset="-128"/>
               </a:rPr>
               <a:t>ライセンスやコピーライトを検索するスキャニング機能などを搭載</a:t>
             </a:r>
@@ -19242,7 +19285,8 @@
               <a:solidFill>
                 <a:srgbClr val="000000"/>
               </a:solidFill>
-              <a:ea typeface="Arial"/>
+              <a:latin typeface="ＭＳ ゴシック" panose="020B0609070205080204" pitchFamily="49" charset="-128"/>
+              <a:ea typeface="ＭＳ ゴシック" panose="020B0609070205080204" pitchFamily="49" charset="-128"/>
             </a:endParaRPr>
           </a:p>
           <a:p>
@@ -19267,6 +19311,8 @@
                 <a:solidFill>
                   <a:srgbClr val="000000"/>
                 </a:solidFill>
+                <a:latin typeface="ＭＳ ゴシック" panose="020B0609070205080204" pitchFamily="49" charset="-128"/>
+                <a:ea typeface="ＭＳ ゴシック" panose="020B0609070205080204" pitchFamily="49" charset="-128"/>
               </a:rPr>
               <a:t>組織で分析タスクを行うためのマルチユーザ</a:t>
             </a:r>
@@ -19275,6 +19321,8 @@
                 <a:solidFill>
                   <a:srgbClr val="000000"/>
                 </a:solidFill>
+                <a:latin typeface="ＭＳ ゴシック" panose="020B0609070205080204" pitchFamily="49" charset="-128"/>
+                <a:ea typeface="ＭＳ ゴシック" panose="020B0609070205080204" pitchFamily="49" charset="-128"/>
               </a:rPr>
               <a:t>/</a:t>
             </a:r>
@@ -19283,6 +19331,8 @@
                 <a:solidFill>
                   <a:srgbClr val="000000"/>
                 </a:solidFill>
+                <a:latin typeface="ＭＳ ゴシック" panose="020B0609070205080204" pitchFamily="49" charset="-128"/>
+                <a:ea typeface="ＭＳ ゴシック" panose="020B0609070205080204" pitchFamily="49" charset="-128"/>
               </a:rPr>
               <a:t>マルチテナント対応の</a:t>
             </a:r>
@@ -19291,6 +19341,8 @@
                 <a:solidFill>
                   <a:srgbClr val="000000"/>
                 </a:solidFill>
+                <a:latin typeface="ＭＳ ゴシック" panose="020B0609070205080204" pitchFamily="49" charset="-128"/>
+                <a:ea typeface="ＭＳ ゴシック" panose="020B0609070205080204" pitchFamily="49" charset="-128"/>
               </a:rPr>
               <a:t>Web</a:t>
             </a:r>
@@ -19299,6 +19351,8 @@
                 <a:solidFill>
                   <a:srgbClr val="000000"/>
                 </a:solidFill>
+                <a:latin typeface="ＭＳ ゴシック" panose="020B0609070205080204" pitchFamily="49" charset="-128"/>
+                <a:ea typeface="ＭＳ ゴシック" panose="020B0609070205080204" pitchFamily="49" charset="-128"/>
               </a:rPr>
               <a:t>機能搭載</a:t>
             </a:r>
@@ -19306,6 +19360,8 @@
               <a:solidFill>
                 <a:srgbClr val="000000"/>
               </a:solidFill>
+              <a:latin typeface="ＭＳ ゴシック" panose="020B0609070205080204" pitchFamily="49" charset="-128"/>
+              <a:ea typeface="ＭＳ ゴシック" panose="020B0609070205080204" pitchFamily="49" charset="-128"/>
             </a:endParaRPr>
           </a:p>
           <a:p>
@@ -19471,7 +19527,8 @@
                 <a:solidFill>
                   <a:srgbClr val="000000"/>
                 </a:solidFill>
-                <a:ea typeface="Arial"/>
+                <a:latin typeface="ＭＳ ゴシック" panose="020B0609070205080204" pitchFamily="49" charset="-128"/>
+                <a:ea typeface="ＭＳ ゴシック" panose="020B0609070205080204" pitchFamily="49" charset="-128"/>
               </a:rPr>
               <a:t>標準のアプリケーション群</a:t>
             </a:r>
@@ -19480,11 +19537,15 @@
                 <a:solidFill>
                   <a:srgbClr val="000000"/>
                 </a:solidFill>
-                <a:ea typeface="Arial"/>
+                <a:latin typeface="ＭＳ ゴシック" panose="020B0609070205080204" pitchFamily="49" charset="-128"/>
+                <a:ea typeface="ＭＳ ゴシック" panose="020B0609070205080204" pitchFamily="49" charset="-128"/>
               </a:rPr>
               <a:t>:</a:t>
             </a:r>
-            <a:endParaRPr lang="en-US" altLang="ja-JP" sz="1900" spc="-1" dirty="0"/>
+            <a:endParaRPr lang="en-US" altLang="ja-JP" sz="1900" spc="-1" dirty="0">
+              <a:latin typeface="ＭＳ ゴシック" panose="020B0609070205080204" pitchFamily="49" charset="-128"/>
+              <a:ea typeface="ＭＳ ゴシック" panose="020B0609070205080204" pitchFamily="49" charset="-128"/>
+            </a:endParaRPr>
           </a:p>
           <a:p>
             <a:pPr marL="444600" lvl="2" indent="-259560">
@@ -19502,11 +19563,15 @@
                 <a:solidFill>
                   <a:srgbClr val="000000"/>
                 </a:solidFill>
-                <a:ea typeface="Arial"/>
+                <a:latin typeface="ＭＳ ゴシック" panose="020B0609070205080204" pitchFamily="49" charset="-128"/>
+                <a:ea typeface="ＭＳ ゴシック" panose="020B0609070205080204" pitchFamily="49" charset="-128"/>
               </a:rPr>
               <a:t>Linux, Apache 2, PostgreSQL, PHP, </a:t>
             </a:r>
-            <a:endParaRPr lang="en-US" altLang="ja-JP" sz="1900" spc="-1" dirty="0"/>
+            <a:endParaRPr lang="en-US" altLang="ja-JP" sz="1900" spc="-1" dirty="0">
+              <a:latin typeface="ＭＳ ゴシック" panose="020B0609070205080204" pitchFamily="49" charset="-128"/>
+              <a:ea typeface="ＭＳ ゴシック" panose="020B0609070205080204" pitchFamily="49" charset="-128"/>
+            </a:endParaRPr>
           </a:p>
           <a:p>
             <a:pPr marL="254160" lvl="1" indent="-259560">
@@ -19527,6 +19592,8 @@
                 <a:solidFill>
                   <a:srgbClr val="000000"/>
                 </a:solidFill>
+                <a:latin typeface="ＭＳ ゴシック" panose="020B0609070205080204" pitchFamily="49" charset="-128"/>
+                <a:ea typeface="ＭＳ ゴシック" panose="020B0609070205080204" pitchFamily="49" charset="-128"/>
               </a:rPr>
               <a:t>ネット上の</a:t>
             </a:r>
@@ -19535,6 +19602,8 @@
                 <a:solidFill>
                   <a:srgbClr val="000000"/>
                 </a:solidFill>
+                <a:latin typeface="ＭＳ ゴシック" panose="020B0609070205080204" pitchFamily="49" charset="-128"/>
+                <a:ea typeface="ＭＳ ゴシック" panose="020B0609070205080204" pitchFamily="49" charset="-128"/>
               </a:rPr>
               <a:t>UI</a:t>
             </a:r>
@@ -19543,6 +19612,8 @@
                 <a:solidFill>
                   <a:srgbClr val="000000"/>
                 </a:solidFill>
+                <a:latin typeface="ＭＳ ゴシック" panose="020B0609070205080204" pitchFamily="49" charset="-128"/>
+                <a:ea typeface="ＭＳ ゴシック" panose="020B0609070205080204" pitchFamily="49" charset="-128"/>
               </a:rPr>
               <a:t>は</a:t>
             </a:r>
@@ -19551,6 +19622,8 @@
                 <a:solidFill>
                   <a:srgbClr val="000000"/>
                 </a:solidFill>
+                <a:latin typeface="ＭＳ ゴシック" panose="020B0609070205080204" pitchFamily="49" charset="-128"/>
+                <a:ea typeface="ＭＳ ゴシック" panose="020B0609070205080204" pitchFamily="49" charset="-128"/>
               </a:rPr>
               <a:t>PHP</a:t>
             </a:r>
@@ -19559,6 +19632,8 @@
                 <a:solidFill>
                   <a:srgbClr val="000000"/>
                 </a:solidFill>
+                <a:latin typeface="ＭＳ ゴシック" panose="020B0609070205080204" pitchFamily="49" charset="-128"/>
+                <a:ea typeface="ＭＳ ゴシック" panose="020B0609070205080204" pitchFamily="49" charset="-128"/>
               </a:rPr>
               <a:t>で、スキャナー機能は</a:t>
             </a:r>
@@ -19567,6 +19642,8 @@
                 <a:solidFill>
                   <a:srgbClr val="000000"/>
                 </a:solidFill>
+                <a:latin typeface="ＭＳ ゴシック" panose="020B0609070205080204" pitchFamily="49" charset="-128"/>
+                <a:ea typeface="ＭＳ ゴシック" panose="020B0609070205080204" pitchFamily="49" charset="-128"/>
               </a:rPr>
               <a:t>C/C++</a:t>
             </a:r>
@@ -19575,10 +19652,15 @@
                 <a:solidFill>
                   <a:srgbClr val="000000"/>
                 </a:solidFill>
+                <a:latin typeface="ＭＳ ゴシック" panose="020B0609070205080204" pitchFamily="49" charset="-128"/>
+                <a:ea typeface="ＭＳ ゴシック" panose="020B0609070205080204" pitchFamily="49" charset="-128"/>
               </a:rPr>
               <a:t>で実装</a:t>
             </a:r>
-            <a:endParaRPr lang="en-US" altLang="ja-JP" sz="1900" spc="-1" dirty="0"/>
+            <a:endParaRPr lang="en-US" altLang="ja-JP" sz="1900" spc="-1" dirty="0">
+              <a:latin typeface="ＭＳ ゴシック" panose="020B0609070205080204" pitchFamily="49" charset="-128"/>
+              <a:ea typeface="ＭＳ ゴシック" panose="020B0609070205080204" pitchFamily="49" charset="-128"/>
+            </a:endParaRPr>
           </a:p>
           <a:p>
             <a:pPr marL="254160" lvl="1" indent="-265680">
@@ -19596,8 +19678,8 @@
                 <a:solidFill>
                   <a:srgbClr val="000000"/>
                 </a:solidFill>
-                <a:latin typeface="Arial"/>
-                <a:ea typeface="Arial"/>
+                <a:latin typeface="ＭＳ ゴシック" panose="020B0609070205080204" pitchFamily="49" charset="-128"/>
+                <a:ea typeface="ＭＳ ゴシック" panose="020B0609070205080204" pitchFamily="49" charset="-128"/>
               </a:rPr>
               <a:t>Web U</a:t>
             </a:r>
@@ -19606,8 +19688,8 @@
                 <a:solidFill>
                   <a:srgbClr val="000000"/>
                 </a:solidFill>
-                <a:latin typeface="Arial"/>
-                <a:ea typeface="Arial"/>
+                <a:latin typeface="ＭＳ ゴシック" panose="020B0609070205080204" pitchFamily="49" charset="-128"/>
+                <a:ea typeface="ＭＳ ゴシック" panose="020B0609070205080204" pitchFamily="49" charset="-128"/>
               </a:rPr>
               <a:t>I</a:t>
             </a:r>
@@ -19616,8 +19698,8 @@
                 <a:solidFill>
                   <a:srgbClr val="000000"/>
                 </a:solidFill>
-                <a:latin typeface="Arial"/>
-                <a:ea typeface="Arial"/>
+                <a:latin typeface="ＭＳ ゴシック" panose="020B0609070205080204" pitchFamily="49" charset="-128"/>
+                <a:ea typeface="ＭＳ ゴシック" panose="020B0609070205080204" pitchFamily="49" charset="-128"/>
               </a:rPr>
               <a:t>　以外に</a:t>
             </a:r>
@@ -19626,13 +19708,14 @@
                 <a:solidFill>
                   <a:srgbClr val="000000"/>
                 </a:solidFill>
-                <a:latin typeface="Arial"/>
-                <a:ea typeface="Arial"/>
+                <a:latin typeface="ＭＳ ゴシック" panose="020B0609070205080204" pitchFamily="49" charset="-128"/>
+                <a:ea typeface="ＭＳ ゴシック" panose="020B0609070205080204" pitchFamily="49" charset="-128"/>
               </a:rPr>
               <a:t>:</a:t>
             </a:r>
             <a:endParaRPr lang="en-US" sz="2000" b="0" strike="noStrike" spc="-1" dirty="0">
-              <a:latin typeface="Arial"/>
+              <a:latin typeface="ＭＳ ゴシック" panose="020B0609070205080204" pitchFamily="49" charset="-128"/>
+              <a:ea typeface="ＭＳ ゴシック" panose="020B0609070205080204" pitchFamily="49" charset="-128"/>
             </a:endParaRPr>
           </a:p>
           <a:p>
@@ -19648,12 +19731,14 @@
             </a:pPr>
             <a:r>
               <a:rPr lang="ja-JP" altLang="en-US" sz="2000" b="0" strike="noStrike" spc="-1" dirty="0" smtClean="0">
-                <a:latin typeface="Arial"/>
+                <a:latin typeface="ＭＳ ゴシック" panose="020B0609070205080204" pitchFamily="49" charset="-128"/>
+                <a:ea typeface="ＭＳ ゴシック" panose="020B0609070205080204" pitchFamily="49" charset="-128"/>
               </a:rPr>
               <a:t>コマンドラインインターフェイス</a:t>
             </a:r>
             <a:endParaRPr lang="en-US" sz="2000" b="0" strike="noStrike" spc="-1" dirty="0">
-              <a:latin typeface="Arial"/>
+              <a:latin typeface="ＭＳ ゴシック" panose="020B0609070205080204" pitchFamily="49" charset="-128"/>
+              <a:ea typeface="ＭＳ ゴシック" panose="020B0609070205080204" pitchFamily="49" charset="-128"/>
             </a:endParaRPr>
           </a:p>
         </p:txBody>
@@ -19779,8 +19864,8 @@
                 <a:solidFill>
                   <a:srgbClr val="000000"/>
                 </a:solidFill>
-                <a:latin typeface="Arial"/>
-                <a:ea typeface="Arial"/>
+                <a:latin typeface="ＭＳ Ｐゴシック" panose="020B0600070205080204" pitchFamily="50" charset="-128"/>
+                <a:ea typeface="ＭＳ Ｐゴシック" panose="020B0600070205080204" pitchFamily="50" charset="-128"/>
               </a:rPr>
               <a:t>ソフトウェアコンポーネント</a:t>
             </a:r>
@@ -19789,8 +19874,8 @@
                 <a:solidFill>
                   <a:srgbClr val="000000"/>
                 </a:solidFill>
-                <a:latin typeface="Arial"/>
-                <a:ea typeface="Arial"/>
+                <a:latin typeface="ＭＳ Ｐゴシック" panose="020B0600070205080204" pitchFamily="50" charset="-128"/>
+                <a:ea typeface="ＭＳ Ｐゴシック" panose="020B0600070205080204" pitchFamily="50" charset="-128"/>
               </a:rPr>
               <a:t>の</a:t>
             </a:r>
@@ -19799,8 +19884,8 @@
                 <a:solidFill>
                   <a:srgbClr val="000000"/>
                 </a:solidFill>
-                <a:latin typeface="Arial"/>
-                <a:ea typeface="Arial"/>
+                <a:latin typeface="ＭＳ Ｐゴシック" panose="020B0600070205080204" pitchFamily="50" charset="-128"/>
+                <a:ea typeface="ＭＳ Ｐゴシック" panose="020B0600070205080204" pitchFamily="50" charset="-128"/>
               </a:rPr>
               <a:t>ライセンスとコピーライトを追従する</a:t>
             </a:r>
@@ -19809,8 +19894,8 @@
                 <a:solidFill>
                   <a:srgbClr val="000000"/>
                 </a:solidFill>
-                <a:latin typeface="Arial"/>
-                <a:ea typeface="Arial"/>
+                <a:latin typeface="ＭＳ Ｐゴシック" panose="020B0600070205080204" pitchFamily="50" charset="-128"/>
+                <a:ea typeface="ＭＳ Ｐゴシック" panose="020B0600070205080204" pitchFamily="50" charset="-128"/>
               </a:rPr>
               <a:t/>
             </a:r>
@@ -19819,8 +19904,8 @@
                 <a:solidFill>
                   <a:srgbClr val="000000"/>
                 </a:solidFill>
-                <a:latin typeface="Arial"/>
-                <a:ea typeface="Arial"/>
+                <a:latin typeface="ＭＳ Ｐゴシック" panose="020B0600070205080204" pitchFamily="50" charset="-128"/>
+                <a:ea typeface="ＭＳ Ｐゴシック" panose="020B0600070205080204" pitchFamily="50" charset="-128"/>
               </a:rPr>
             </a:br>
             <a:r>
@@ -19828,8 +19913,8 @@
                 <a:solidFill>
                   <a:srgbClr val="000000"/>
                 </a:solidFill>
-                <a:latin typeface="Arial"/>
-                <a:ea typeface="Arial"/>
+                <a:latin typeface="ＭＳ Ｐゴシック" panose="020B0600070205080204" pitchFamily="50" charset="-128"/>
+                <a:ea typeface="ＭＳ Ｐゴシック" panose="020B0600070205080204" pitchFamily="50" charset="-128"/>
               </a:rPr>
               <a:t>ウェブサーバーアプリケーション</a:t>
             </a:r>
@@ -19837,8 +19922,8 @@
               <a:solidFill>
                 <a:srgbClr val="000000"/>
               </a:solidFill>
-              <a:latin typeface="Arial"/>
-              <a:ea typeface="Arial"/>
+              <a:latin typeface="ＭＳ Ｐゴシック" panose="020B0600070205080204" pitchFamily="50" charset="-128"/>
+              <a:ea typeface="ＭＳ Ｐゴシック" panose="020B0600070205080204" pitchFamily="50" charset="-128"/>
             </a:endParaRPr>
           </a:p>
           <a:p>
@@ -25864,16 +25949,25 @@
                 </a:solidFill>
                 <a:ea typeface="Arial"/>
               </a:rPr>
-              <a:t>。なぜそれらに</a:t>
-            </a:r>
-            <a:r>
-              <a:rPr lang="ja-JP" altLang="en-US" sz="1600" i="1" spc="-1" dirty="0">
-                <a:solidFill>
-                  <a:srgbClr val="000000"/>
-                </a:solidFill>
-                <a:ea typeface="Arial"/>
-              </a:rPr>
-              <a:t>仕事をさせないのですか？</a:t>
+              <a:t>。</a:t>
+            </a:r>
+            <a:r>
+              <a:rPr lang="ja-JP" altLang="en-US" sz="1600" i="1" spc="-1" dirty="0" smtClean="0">
+                <a:solidFill>
+                  <a:srgbClr val="000000"/>
+                </a:solidFill>
+                <a:ea typeface="Arial"/>
+              </a:rPr>
+              <a:t>どうしていきましょう</a:t>
+            </a:r>
+            <a:r>
+              <a:rPr lang="ja-JP" altLang="en-US" sz="1600" i="1" spc="-1" dirty="0" smtClean="0">
+                <a:solidFill>
+                  <a:srgbClr val="000000"/>
+                </a:solidFill>
+                <a:ea typeface="Arial"/>
+              </a:rPr>
+              <a:t>？</a:t>
             </a:r>
             <a:r>
               <a:rPr lang="en-US" sz="1600" b="0" i="1" strike="noStrike" spc="-1" dirty="0" smtClean="0">
@@ -29406,8 +29500,8 @@
                 <a:solidFill>
                   <a:srgbClr val="000000"/>
                 </a:solidFill>
-                <a:latin typeface="Arial"/>
-                <a:ea typeface="Arial"/>
+                <a:latin typeface="ＭＳ ゴシック" panose="020B0609070205080204" pitchFamily="49" charset="-128"/>
+                <a:ea typeface="ＭＳ ゴシック" panose="020B0609070205080204" pitchFamily="49" charset="-128"/>
               </a:rPr>
               <a:t>“</a:t>
             </a:r>
@@ -29416,8 +29510,8 @@
                 <a:solidFill>
                   <a:srgbClr val="000000"/>
                 </a:solidFill>
-                <a:latin typeface="Arial"/>
-                <a:ea typeface="Arial"/>
+                <a:latin typeface="ＭＳ ゴシック" panose="020B0609070205080204" pitchFamily="49" charset="-128"/>
+                <a:ea typeface="ＭＳ ゴシック" panose="020B0609070205080204" pitchFamily="49" charset="-128"/>
               </a:rPr>
               <a:t>clearing</a:t>
             </a:r>
@@ -29426,8 +29520,8 @@
                 <a:solidFill>
                   <a:srgbClr val="000000"/>
                 </a:solidFill>
-                <a:latin typeface="Arial"/>
-                <a:ea typeface="Arial"/>
+                <a:latin typeface="ＭＳ ゴシック" panose="020B0609070205080204" pitchFamily="49" charset="-128"/>
+                <a:ea typeface="ＭＳ ゴシック" panose="020B0609070205080204" pitchFamily="49" charset="-128"/>
               </a:rPr>
               <a:t>”</a:t>
             </a:r>
@@ -29436,13 +29530,14 @@
                 <a:solidFill>
                   <a:srgbClr val="000000"/>
                 </a:solidFill>
-                <a:latin typeface="Arial"/>
-                <a:ea typeface="Arial"/>
+                <a:latin typeface="ＭＳ ゴシック" panose="020B0609070205080204" pitchFamily="49" charset="-128"/>
+                <a:ea typeface="ＭＳ ゴシック" panose="020B0609070205080204" pitchFamily="49" charset="-128"/>
               </a:rPr>
               <a:t>の結果</a:t>
             </a:r>
             <a:endParaRPr lang="en-US" sz="2000" b="0" strike="noStrike" spc="-1" dirty="0">
-              <a:latin typeface="Arial"/>
+              <a:latin typeface="ＭＳ ゴシック" panose="020B0609070205080204" pitchFamily="49" charset="-128"/>
+              <a:ea typeface="ＭＳ ゴシック" panose="020B0609070205080204" pitchFamily="49" charset="-128"/>
             </a:endParaRPr>
           </a:p>
           <a:p>
@@ -29461,8 +29556,8 @@
                 <a:solidFill>
                   <a:srgbClr val="000000"/>
                 </a:solidFill>
-                <a:latin typeface="Arial"/>
-                <a:ea typeface="Arial"/>
+                <a:latin typeface="ＭＳ ゴシック" panose="020B0609070205080204" pitchFamily="49" charset="-128"/>
+                <a:ea typeface="ＭＳ ゴシック" panose="020B0609070205080204" pitchFamily="49" charset="-128"/>
               </a:rPr>
               <a:t>SPDX </a:t>
             </a:r>
@@ -29471,8 +29566,8 @@
                 <a:solidFill>
                   <a:srgbClr val="000000"/>
                 </a:solidFill>
-                <a:latin typeface="Arial"/>
-                <a:ea typeface="Arial"/>
+                <a:latin typeface="ＭＳ ゴシック" panose="020B0609070205080204" pitchFamily="49" charset="-128"/>
+                <a:ea typeface="ＭＳ ゴシック" panose="020B0609070205080204" pitchFamily="49" charset="-128"/>
               </a:rPr>
               <a:t>形式</a:t>
             </a:r>
@@ -29481,13 +29576,14 @@
                 <a:solidFill>
                   <a:srgbClr val="000000"/>
                 </a:solidFill>
-                <a:latin typeface="Arial"/>
-                <a:ea typeface="Arial"/>
+                <a:latin typeface="ＭＳ ゴシック" panose="020B0609070205080204" pitchFamily="49" charset="-128"/>
+                <a:ea typeface="ＭＳ ゴシック" panose="020B0609070205080204" pitchFamily="49" charset="-128"/>
               </a:rPr>
               <a:t>のレポート</a:t>
             </a:r>
             <a:endParaRPr lang="en-US" sz="2000" b="0" strike="noStrike" spc="-1" dirty="0">
-              <a:latin typeface="Arial"/>
+              <a:latin typeface="ＭＳ ゴシック" panose="020B0609070205080204" pitchFamily="49" charset="-128"/>
+              <a:ea typeface="ＭＳ ゴシック" panose="020B0609070205080204" pitchFamily="49" charset="-128"/>
             </a:endParaRPr>
           </a:p>
           <a:p>
@@ -29506,8 +29602,8 @@
                 <a:solidFill>
                   <a:srgbClr val="000000"/>
                 </a:solidFill>
-                <a:latin typeface="Arial"/>
-                <a:ea typeface="Arial"/>
+                <a:latin typeface="ＭＳ ゴシック" panose="020B0609070205080204" pitchFamily="49" charset="-128"/>
+                <a:ea typeface="ＭＳ ゴシック" panose="020B0609070205080204" pitchFamily="49" charset="-128"/>
               </a:rPr>
               <a:t>注意書き</a:t>
             </a:r>
@@ -29516,8 +29612,8 @@
                 <a:solidFill>
                   <a:srgbClr val="000000"/>
                 </a:solidFill>
-                <a:latin typeface="Arial"/>
-                <a:ea typeface="Arial"/>
+                <a:latin typeface="ＭＳ ゴシック" panose="020B0609070205080204" pitchFamily="49" charset="-128"/>
+                <a:ea typeface="ＭＳ ゴシック" panose="020B0609070205080204" pitchFamily="49" charset="-128"/>
               </a:rPr>
               <a:t>や</a:t>
             </a:r>
@@ -29526,8 +29622,8 @@
                 <a:solidFill>
                   <a:srgbClr val="000000"/>
                 </a:solidFill>
-                <a:latin typeface="Arial"/>
-                <a:ea typeface="Arial"/>
+                <a:latin typeface="ＭＳ ゴシック" panose="020B0609070205080204" pitchFamily="49" charset="-128"/>
+                <a:ea typeface="ＭＳ ゴシック" panose="020B0609070205080204" pitchFamily="49" charset="-128"/>
               </a:rPr>
               <a:t> </a:t>
             </a:r>
@@ -29536,8 +29632,8 @@
                 <a:solidFill>
                   <a:srgbClr val="000000"/>
                 </a:solidFill>
-                <a:latin typeface="Arial"/>
-                <a:ea typeface="Arial"/>
+                <a:latin typeface="ＭＳ ゴシック" panose="020B0609070205080204" pitchFamily="49" charset="-128"/>
+                <a:ea typeface="ＭＳ ゴシック" panose="020B0609070205080204" pitchFamily="49" charset="-128"/>
               </a:rPr>
               <a:t>readme </a:t>
             </a:r>
@@ -29546,13 +29642,14 @@
                 <a:solidFill>
                   <a:srgbClr val="000000"/>
                 </a:solidFill>
-                <a:latin typeface="Arial"/>
-                <a:ea typeface="Arial"/>
+                <a:latin typeface="ＭＳ ゴシック" panose="020B0609070205080204" pitchFamily="49" charset="-128"/>
+                <a:ea typeface="ＭＳ ゴシック" panose="020B0609070205080204" pitchFamily="49" charset="-128"/>
               </a:rPr>
               <a:t>ファイル作成</a:t>
             </a:r>
             <a:endParaRPr lang="en-US" sz="2000" b="0" strike="noStrike" spc="-1" dirty="0">
-              <a:latin typeface="Arial"/>
+              <a:latin typeface="ＭＳ ゴシック" panose="020B0609070205080204" pitchFamily="49" charset="-128"/>
+              <a:ea typeface="ＭＳ ゴシック" panose="020B0609070205080204" pitchFamily="49" charset="-128"/>
             </a:endParaRPr>
           </a:p>
           <a:p>
@@ -29571,8 +29668,8 @@
                 <a:solidFill>
                   <a:srgbClr val="000000"/>
                 </a:solidFill>
-                <a:latin typeface="Arial"/>
-                <a:ea typeface="Arial"/>
+                <a:latin typeface="ＭＳ ゴシック" panose="020B0609070205080204" pitchFamily="49" charset="-128"/>
+                <a:ea typeface="ＭＳ ゴシック" panose="020B0609070205080204" pitchFamily="49" charset="-128"/>
               </a:rPr>
               <a:t>debian</a:t>
             </a:r>
@@ -29581,13 +29678,14 @@
                 <a:solidFill>
                   <a:srgbClr val="000000"/>
                 </a:solidFill>
-                <a:latin typeface="Arial"/>
-                <a:ea typeface="Arial"/>
+                <a:latin typeface="ＭＳ ゴシック" panose="020B0609070205080204" pitchFamily="49" charset="-128"/>
+                <a:ea typeface="ＭＳ ゴシック" panose="020B0609070205080204" pitchFamily="49" charset="-128"/>
               </a:rPr>
               <a:t>-copyright</a:t>
             </a:r>
             <a:endParaRPr lang="en-US" sz="2000" b="0" strike="noStrike" spc="-1" dirty="0">
-              <a:latin typeface="Arial"/>
+              <a:latin typeface="ＭＳ ゴシック" panose="020B0609070205080204" pitchFamily="49" charset="-128"/>
+              <a:ea typeface="ＭＳ ゴシック" panose="020B0609070205080204" pitchFamily="49" charset="-128"/>
             </a:endParaRPr>
           </a:p>
         </p:txBody>
@@ -29832,8 +29930,8 @@
                 <a:solidFill>
                   <a:srgbClr val="000000"/>
                 </a:solidFill>
-                <a:latin typeface="Arial"/>
-                <a:ea typeface="Arial"/>
+                <a:latin typeface="ＭＳ Ｐゴシック" panose="020B0600070205080204" pitchFamily="50" charset="-128"/>
+                <a:ea typeface="ＭＳ Ｐゴシック" panose="020B0600070205080204" pitchFamily="50" charset="-128"/>
               </a:rPr>
               <a:t>コンポーネント</a:t>
             </a:r>
@@ -29842,8 +29940,8 @@
                 <a:solidFill>
                   <a:srgbClr val="000000"/>
                 </a:solidFill>
-                <a:latin typeface="Arial"/>
-                <a:ea typeface="Arial"/>
+                <a:latin typeface="ＭＳ Ｐゴシック" panose="020B0600070205080204" pitchFamily="50" charset="-128"/>
+                <a:ea typeface="ＭＳ Ｐゴシック" panose="020B0600070205080204" pitchFamily="50" charset="-128"/>
               </a:rPr>
               <a:t/>
             </a:r>
@@ -29852,8 +29950,8 @@
                 <a:solidFill>
                   <a:srgbClr val="000000"/>
                 </a:solidFill>
-                <a:latin typeface="Arial"/>
-                <a:ea typeface="Arial"/>
+                <a:latin typeface="ＭＳ Ｐゴシック" panose="020B0600070205080204" pitchFamily="50" charset="-128"/>
+                <a:ea typeface="ＭＳ Ｐゴシック" panose="020B0600070205080204" pitchFamily="50" charset="-128"/>
               </a:rPr>
             </a:br>
             <a:r>
@@ -29861,13 +29959,14 @@
                 <a:solidFill>
                   <a:srgbClr val="000000"/>
                 </a:solidFill>
-                <a:latin typeface="Arial"/>
-                <a:ea typeface="Arial"/>
+                <a:latin typeface="ＭＳ Ｐゴシック" panose="020B0600070205080204" pitchFamily="50" charset="-128"/>
+                <a:ea typeface="ＭＳ Ｐゴシック" panose="020B0600070205080204" pitchFamily="50" charset="-128"/>
               </a:rPr>
               <a:t>アップロード</a:t>
             </a:r>
             <a:endParaRPr lang="en-US" sz="1300" b="0" strike="noStrike" spc="-1" dirty="0">
-              <a:latin typeface="Arial"/>
+              <a:latin typeface="ＭＳ Ｐゴシック" panose="020B0600070205080204" pitchFamily="50" charset="-128"/>
+              <a:ea typeface="ＭＳ Ｐゴシック" panose="020B0600070205080204" pitchFamily="50" charset="-128"/>
             </a:endParaRPr>
           </a:p>
           <a:p>
@@ -29927,7 +30026,8 @@
                 <a:solidFill>
                   <a:srgbClr val="000000"/>
                 </a:solidFill>
-                <a:latin typeface="Arial"/>
+                <a:latin typeface="ＭＳ Ｐゴシック" panose="020B0600070205080204" pitchFamily="50" charset="-128"/>
+                <a:ea typeface="ＭＳ Ｐゴシック" panose="020B0600070205080204" pitchFamily="50" charset="-128"/>
               </a:rPr>
               <a:t>スキャニング方法</a:t>
             </a:r>
@@ -29936,7 +30036,8 @@
                 <a:solidFill>
                   <a:srgbClr val="000000"/>
                 </a:solidFill>
-                <a:latin typeface="Arial"/>
+                <a:latin typeface="ＭＳ Ｐゴシック" panose="020B0600070205080204" pitchFamily="50" charset="-128"/>
+                <a:ea typeface="ＭＳ Ｐゴシック" panose="020B0600070205080204" pitchFamily="50" charset="-128"/>
               </a:rPr>
               <a:t/>
             </a:r>
@@ -29945,7 +30046,8 @@
                 <a:solidFill>
                   <a:srgbClr val="000000"/>
                 </a:solidFill>
-                <a:latin typeface="Arial"/>
+                <a:latin typeface="ＭＳ Ｐゴシック" panose="020B0600070205080204" pitchFamily="50" charset="-128"/>
+                <a:ea typeface="ＭＳ Ｐゴシック" panose="020B0600070205080204" pitchFamily="50" charset="-128"/>
               </a:rPr>
             </a:br>
             <a:r>
@@ -29953,12 +30055,14 @@
                 <a:solidFill>
                   <a:srgbClr val="000000"/>
                 </a:solidFill>
-                <a:latin typeface="Arial"/>
+                <a:latin typeface="ＭＳ Ｐゴシック" panose="020B0600070205080204" pitchFamily="50" charset="-128"/>
+                <a:ea typeface="ＭＳ Ｐゴシック" panose="020B0600070205080204" pitchFamily="50" charset="-128"/>
               </a:rPr>
               <a:t>選択</a:t>
             </a:r>
             <a:endParaRPr lang="en-US" sz="1300" b="0" strike="noStrike" spc="-1" dirty="0">
-              <a:latin typeface="Arial"/>
+              <a:latin typeface="ＭＳ Ｐゴシック" panose="020B0600070205080204" pitchFamily="50" charset="-128"/>
+              <a:ea typeface="ＭＳ Ｐゴシック" panose="020B0600070205080204" pitchFamily="50" charset="-128"/>
             </a:endParaRPr>
           </a:p>
           <a:p>
@@ -30015,12 +30119,14 @@
             </a:pPr>
             <a:r>
               <a:rPr lang="ja-JP" altLang="en-US" sz="1300" b="1" strike="noStrike" spc="-1" dirty="0" smtClean="0">
-                <a:latin typeface="Arial"/>
+                <a:latin typeface="ＭＳ Ｐゴシック" panose="020B0600070205080204" pitchFamily="50" charset="-128"/>
+                <a:ea typeface="ＭＳ Ｐゴシック" panose="020B0600070205080204" pitchFamily="50" charset="-128"/>
               </a:rPr>
               <a:t>結果レビュー</a:t>
             </a:r>
             <a:endParaRPr lang="en-US" sz="1300" b="1" strike="noStrike" spc="-1" dirty="0">
-              <a:latin typeface="Arial"/>
+              <a:latin typeface="ＭＳ Ｐゴシック" panose="020B0600070205080204" pitchFamily="50" charset="-128"/>
+              <a:ea typeface="ＭＳ Ｐゴシック" panose="020B0600070205080204" pitchFamily="50" charset="-128"/>
             </a:endParaRPr>
           </a:p>
         </p:txBody>
@@ -30067,12 +30173,14 @@
             </a:pPr>
             <a:r>
               <a:rPr lang="ja-JP" altLang="en-US" sz="1300" b="1" strike="noStrike" spc="-1" dirty="0" smtClean="0">
-                <a:latin typeface="Arial"/>
+                <a:latin typeface="ＭＳ Ｐゴシック" panose="020B0600070205080204" pitchFamily="50" charset="-128"/>
+                <a:ea typeface="ＭＳ Ｐゴシック" panose="020B0600070205080204" pitchFamily="50" charset="-128"/>
               </a:rPr>
               <a:t>レポート作成</a:t>
             </a:r>
             <a:endParaRPr lang="en-US" sz="1300" b="1" strike="noStrike" spc="-1" dirty="0">
-              <a:latin typeface="Arial"/>
+              <a:latin typeface="ＭＳ Ｐゴシック" panose="020B0600070205080204" pitchFamily="50" charset="-128"/>
+              <a:ea typeface="ＭＳ Ｐゴシック" panose="020B0600070205080204" pitchFamily="50" charset="-128"/>
             </a:endParaRPr>
           </a:p>
         </p:txBody>
@@ -30119,29 +30227,34 @@
             </a:pPr>
             <a:r>
               <a:rPr lang="ja-JP" altLang="en-US" sz="1300" b="0" strike="noStrike" spc="-1" dirty="0" smtClean="0">
-                <a:latin typeface="Arial"/>
+                <a:latin typeface="ＭＳ ゴシック" panose="020B0609070205080204" pitchFamily="49" charset="-128"/>
+                <a:ea typeface="ＭＳ ゴシック" panose="020B0609070205080204" pitchFamily="49" charset="-128"/>
               </a:rPr>
               <a:t>クライアントに</a:t>
             </a:r>
             <a:r>
               <a:rPr lang="en-US" altLang="ja-JP" sz="1300" b="0" strike="noStrike" spc="-1" dirty="0" smtClean="0">
-                <a:latin typeface="Arial"/>
+                <a:latin typeface="ＭＳ ゴシック" panose="020B0609070205080204" pitchFamily="49" charset="-128"/>
+                <a:ea typeface="ＭＳ ゴシック" panose="020B0609070205080204" pitchFamily="49" charset="-128"/>
               </a:rPr>
               <a:t/>
             </a:r>
             <a:br>
               <a:rPr lang="en-US" altLang="ja-JP" sz="1300" b="0" strike="noStrike" spc="-1" dirty="0" smtClean="0">
-                <a:latin typeface="Arial"/>
+                <a:latin typeface="ＭＳ ゴシック" panose="020B0609070205080204" pitchFamily="49" charset="-128"/>
+                <a:ea typeface="ＭＳ ゴシック" panose="020B0609070205080204" pitchFamily="49" charset="-128"/>
               </a:rPr>
             </a:br>
             <a:r>
               <a:rPr lang="ja-JP" altLang="en-US" sz="1300" b="0" strike="noStrike" spc="-1" dirty="0" smtClean="0">
-                <a:latin typeface="Arial"/>
+                <a:latin typeface="ＭＳ ゴシック" panose="020B0609070205080204" pitchFamily="49" charset="-128"/>
+                <a:ea typeface="ＭＳ ゴシック" panose="020B0609070205080204" pitchFamily="49" charset="-128"/>
               </a:rPr>
               <a:t>レポートを渡す</a:t>
             </a:r>
             <a:endParaRPr lang="en-US" sz="1300" b="0" strike="noStrike" spc="-1" dirty="0">
-              <a:latin typeface="Arial"/>
+              <a:latin typeface="ＭＳ ゴシック" panose="020B0609070205080204" pitchFamily="49" charset="-128"/>
+              <a:ea typeface="ＭＳ ゴシック" panose="020B0609070205080204" pitchFamily="49" charset="-128"/>
             </a:endParaRPr>
           </a:p>
         </p:txBody>
@@ -33489,7 +33602,8 @@
                 <a:solidFill>
                   <a:srgbClr val="000000"/>
                 </a:solidFill>
-                <a:ea typeface="Arial"/>
+                <a:latin typeface="ＭＳ ゴシック" panose="020B0609070205080204" pitchFamily="49" charset="-128"/>
+                <a:ea typeface="ＭＳ ゴシック" panose="020B0609070205080204" pitchFamily="49" charset="-128"/>
               </a:rPr>
               <a:t>2008</a:t>
             </a:r>
@@ -33498,7 +33612,8 @@
                 <a:solidFill>
                   <a:srgbClr val="000000"/>
                 </a:solidFill>
-                <a:ea typeface="Arial"/>
+                <a:latin typeface="ＭＳ ゴシック" panose="020B0609070205080204" pitchFamily="49" charset="-128"/>
+                <a:ea typeface="ＭＳ ゴシック" panose="020B0609070205080204" pitchFamily="49" charset="-128"/>
               </a:rPr>
               <a:t>年</a:t>
             </a:r>
@@ -33507,7 +33622,8 @@
                 <a:solidFill>
                   <a:srgbClr val="000000"/>
                 </a:solidFill>
-                <a:ea typeface="Arial"/>
+                <a:latin typeface="ＭＳ ゴシック" panose="020B0609070205080204" pitchFamily="49" charset="-128"/>
+                <a:ea typeface="ＭＳ ゴシック" panose="020B0609070205080204" pitchFamily="49" charset="-128"/>
               </a:rPr>
               <a:t>: GPL-2.0</a:t>
             </a:r>
@@ -33516,11 +33632,15 @@
                 <a:solidFill>
                   <a:srgbClr val="000000"/>
                 </a:solidFill>
-                <a:ea typeface="Arial"/>
+                <a:latin typeface="ＭＳ ゴシック" panose="020B0609070205080204" pitchFamily="49" charset="-128"/>
+                <a:ea typeface="ＭＳ ゴシック" panose="020B0609070205080204" pitchFamily="49" charset="-128"/>
               </a:rPr>
               <a:t>で公開</a:t>
             </a:r>
-            <a:endParaRPr lang="en-US" altLang="ja-JP" sz="1900" spc="-1" dirty="0"/>
+            <a:endParaRPr lang="en-US" altLang="ja-JP" sz="1900" spc="-1" dirty="0">
+              <a:latin typeface="ＭＳ ゴシック" panose="020B0609070205080204" pitchFamily="49" charset="-128"/>
+              <a:ea typeface="ＭＳ ゴシック" panose="020B0609070205080204" pitchFamily="49" charset="-128"/>
+            </a:endParaRPr>
           </a:p>
           <a:p>
             <a:pPr marL="190440" lvl="1" indent="-196200">
@@ -33541,7 +33661,8 @@
                 <a:solidFill>
                   <a:srgbClr val="000000"/>
                 </a:solidFill>
-                <a:ea typeface="Arial"/>
+                <a:latin typeface="ＭＳ ゴシック" panose="020B0609070205080204" pitchFamily="49" charset="-128"/>
+                <a:ea typeface="ＭＳ ゴシック" panose="020B0609070205080204" pitchFamily="49" charset="-128"/>
               </a:rPr>
               <a:t>2015</a:t>
             </a:r>
@@ -33550,7 +33671,8 @@
                 <a:solidFill>
                   <a:srgbClr val="000000"/>
                 </a:solidFill>
-                <a:ea typeface="Arial"/>
+                <a:latin typeface="ＭＳ ゴシック" panose="020B0609070205080204" pitchFamily="49" charset="-128"/>
+                <a:ea typeface="ＭＳ ゴシック" panose="020B0609070205080204" pitchFamily="49" charset="-128"/>
               </a:rPr>
               <a:t>年</a:t>
             </a:r>
@@ -33559,7 +33681,8 @@
                 <a:solidFill>
                   <a:srgbClr val="000000"/>
                 </a:solidFill>
-                <a:ea typeface="Arial"/>
+                <a:latin typeface="ＭＳ ゴシック" panose="020B0609070205080204" pitchFamily="49" charset="-128"/>
+                <a:ea typeface="ＭＳ ゴシック" panose="020B0609070205080204" pitchFamily="49" charset="-128"/>
               </a:rPr>
               <a:t>: Linux Foundation</a:t>
             </a:r>
@@ -33568,7 +33691,8 @@
                 <a:solidFill>
                   <a:srgbClr val="000000"/>
                 </a:solidFill>
-                <a:ea typeface="Arial"/>
+                <a:latin typeface="ＭＳ ゴシック" panose="020B0609070205080204" pitchFamily="49" charset="-128"/>
+                <a:ea typeface="ＭＳ ゴシック" panose="020B0609070205080204" pitchFamily="49" charset="-128"/>
               </a:rPr>
               <a:t> のコラボレーションプロジェクトとなる</a:t>
             </a:r>
@@ -33577,7 +33701,8 @@
                 <a:solidFill>
                   <a:srgbClr val="000000"/>
                 </a:solidFill>
-                <a:ea typeface="Arial"/>
+                <a:latin typeface="ＭＳ ゴシック" panose="020B0609070205080204" pitchFamily="49" charset="-128"/>
+                <a:ea typeface="ＭＳ ゴシック" panose="020B0609070205080204" pitchFamily="49" charset="-128"/>
               </a:rPr>
               <a:t> </a:t>
             </a:r>
@@ -33601,10 +33726,15 @@
                 <a:solidFill>
                   <a:srgbClr val="000000"/>
                 </a:solidFill>
+                <a:latin typeface="ＭＳ ゴシック" panose="020B0609070205080204" pitchFamily="49" charset="-128"/>
+                <a:ea typeface="ＭＳ ゴシック" panose="020B0609070205080204" pitchFamily="49" charset="-128"/>
               </a:rPr>
               <a:t>ウェブサーバによるコマンドラインインターフェイス実装</a:t>
             </a:r>
-            <a:endParaRPr lang="en-US" altLang="ja-JP" sz="1900" spc="-1" dirty="0"/>
+            <a:endParaRPr lang="en-US" altLang="ja-JP" sz="1900" spc="-1" dirty="0">
+              <a:latin typeface="ＭＳ ゴシック" panose="020B0609070205080204" pitchFamily="49" charset="-128"/>
+              <a:ea typeface="ＭＳ ゴシック" panose="020B0609070205080204" pitchFamily="49" charset="-128"/>
+            </a:endParaRPr>
           </a:p>
           <a:p>
             <a:pPr marL="190440" lvl="1" indent="-196200">
@@ -33628,7 +33758,8 @@
                 <a:solidFill>
                   <a:srgbClr val="000000"/>
                 </a:solidFill>
-                <a:ea typeface="Arial"/>
+                <a:latin typeface="ＭＳ ゴシック" panose="020B0609070205080204" pitchFamily="49" charset="-128"/>
+                <a:ea typeface="ＭＳ ゴシック" panose="020B0609070205080204" pitchFamily="49" charset="-128"/>
               </a:rPr>
               <a:t>ライセンスやコピーライトを検索するスキャニング機能などを搭載</a:t>
             </a:r>
@@ -33636,7 +33767,8 @@
               <a:solidFill>
                 <a:srgbClr val="000000"/>
               </a:solidFill>
-              <a:ea typeface="Arial"/>
+              <a:latin typeface="ＭＳ ゴシック" panose="020B0609070205080204" pitchFamily="49" charset="-128"/>
+              <a:ea typeface="ＭＳ ゴシック" panose="020B0609070205080204" pitchFamily="49" charset="-128"/>
             </a:endParaRPr>
           </a:p>
           <a:p>
@@ -33661,6 +33793,8 @@
                 <a:solidFill>
                   <a:srgbClr val="000000"/>
                 </a:solidFill>
+                <a:latin typeface="ＭＳ ゴシック" panose="020B0609070205080204" pitchFamily="49" charset="-128"/>
+                <a:ea typeface="ＭＳ ゴシック" panose="020B0609070205080204" pitchFamily="49" charset="-128"/>
               </a:rPr>
               <a:t>組織で分析タスクを行うためのマルチユーザ</a:t>
             </a:r>
@@ -33669,6 +33803,8 @@
                 <a:solidFill>
                   <a:srgbClr val="000000"/>
                 </a:solidFill>
+                <a:latin typeface="ＭＳ ゴシック" panose="020B0609070205080204" pitchFamily="49" charset="-128"/>
+                <a:ea typeface="ＭＳ ゴシック" panose="020B0609070205080204" pitchFamily="49" charset="-128"/>
               </a:rPr>
               <a:t>/</a:t>
             </a:r>
@@ -33677,6 +33813,8 @@
                 <a:solidFill>
                   <a:srgbClr val="000000"/>
                 </a:solidFill>
+                <a:latin typeface="ＭＳ ゴシック" panose="020B0609070205080204" pitchFamily="49" charset="-128"/>
+                <a:ea typeface="ＭＳ ゴシック" panose="020B0609070205080204" pitchFamily="49" charset="-128"/>
               </a:rPr>
               <a:t>マルチテナント対応の</a:t>
             </a:r>
@@ -33685,6 +33823,8 @@
                 <a:solidFill>
                   <a:srgbClr val="000000"/>
                 </a:solidFill>
+                <a:latin typeface="ＭＳ ゴシック" panose="020B0609070205080204" pitchFamily="49" charset="-128"/>
+                <a:ea typeface="ＭＳ ゴシック" panose="020B0609070205080204" pitchFamily="49" charset="-128"/>
               </a:rPr>
               <a:t>Web</a:t>
             </a:r>
@@ -33693,6 +33833,8 @@
                 <a:solidFill>
                   <a:srgbClr val="000000"/>
                 </a:solidFill>
+                <a:latin typeface="ＭＳ ゴシック" panose="020B0609070205080204" pitchFamily="49" charset="-128"/>
+                <a:ea typeface="ＭＳ ゴシック" panose="020B0609070205080204" pitchFamily="49" charset="-128"/>
               </a:rPr>
               <a:t>機能搭載</a:t>
             </a:r>
@@ -33700,6 +33842,8 @@
               <a:solidFill>
                 <a:srgbClr val="000000"/>
               </a:solidFill>
+              <a:latin typeface="ＭＳ ゴシック" panose="020B0609070205080204" pitchFamily="49" charset="-128"/>
+              <a:ea typeface="ＭＳ ゴシック" panose="020B0609070205080204" pitchFamily="49" charset="-128"/>
             </a:endParaRPr>
           </a:p>
           <a:p>
@@ -33897,7 +34041,8 @@
                 <a:solidFill>
                   <a:srgbClr val="000000"/>
                 </a:solidFill>
-                <a:ea typeface="Arial"/>
+                <a:latin typeface="ＭＳ ゴシック" panose="020B0609070205080204" pitchFamily="49" charset="-128"/>
+                <a:ea typeface="ＭＳ ゴシック" panose="020B0609070205080204" pitchFamily="49" charset="-128"/>
               </a:rPr>
               <a:t>標準のアプリケーション群</a:t>
             </a:r>
@@ -33906,11 +34051,15 @@
                 <a:solidFill>
                   <a:srgbClr val="000000"/>
                 </a:solidFill>
-                <a:ea typeface="Arial"/>
+                <a:latin typeface="ＭＳ ゴシック" panose="020B0609070205080204" pitchFamily="49" charset="-128"/>
+                <a:ea typeface="ＭＳ ゴシック" panose="020B0609070205080204" pitchFamily="49" charset="-128"/>
               </a:rPr>
               <a:t>:</a:t>
             </a:r>
-            <a:endParaRPr lang="en-US" altLang="ja-JP" sz="1900" spc="-1" dirty="0"/>
+            <a:endParaRPr lang="en-US" altLang="ja-JP" sz="1900" spc="-1" dirty="0">
+              <a:latin typeface="ＭＳ ゴシック" panose="020B0609070205080204" pitchFamily="49" charset="-128"/>
+              <a:ea typeface="ＭＳ ゴシック" panose="020B0609070205080204" pitchFamily="49" charset="-128"/>
+            </a:endParaRPr>
           </a:p>
           <a:p>
             <a:pPr marL="444600" lvl="2" indent="-259560">
@@ -33928,11 +34077,15 @@
                 <a:solidFill>
                   <a:srgbClr val="000000"/>
                 </a:solidFill>
-                <a:ea typeface="Arial"/>
+                <a:latin typeface="ＭＳ ゴシック" panose="020B0609070205080204" pitchFamily="49" charset="-128"/>
+                <a:ea typeface="ＭＳ ゴシック" panose="020B0609070205080204" pitchFamily="49" charset="-128"/>
               </a:rPr>
               <a:t>Linux, Apache 2, PostgreSQL, PHP, </a:t>
             </a:r>
-            <a:endParaRPr lang="en-US" altLang="ja-JP" sz="1900" spc="-1" dirty="0"/>
+            <a:endParaRPr lang="en-US" altLang="ja-JP" sz="1900" spc="-1" dirty="0">
+              <a:latin typeface="ＭＳ ゴシック" panose="020B0609070205080204" pitchFamily="49" charset="-128"/>
+              <a:ea typeface="ＭＳ ゴシック" panose="020B0609070205080204" pitchFamily="49" charset="-128"/>
+            </a:endParaRPr>
           </a:p>
           <a:p>
             <a:pPr marL="254160" lvl="1" indent="-259560">
@@ -33953,6 +34106,8 @@
                 <a:solidFill>
                   <a:srgbClr val="000000"/>
                 </a:solidFill>
+                <a:latin typeface="ＭＳ ゴシック" panose="020B0609070205080204" pitchFamily="49" charset="-128"/>
+                <a:ea typeface="ＭＳ ゴシック" panose="020B0609070205080204" pitchFamily="49" charset="-128"/>
               </a:rPr>
               <a:t>ネット上の</a:t>
             </a:r>
@@ -33961,6 +34116,8 @@
                 <a:solidFill>
                   <a:srgbClr val="000000"/>
                 </a:solidFill>
+                <a:latin typeface="ＭＳ ゴシック" panose="020B0609070205080204" pitchFamily="49" charset="-128"/>
+                <a:ea typeface="ＭＳ ゴシック" panose="020B0609070205080204" pitchFamily="49" charset="-128"/>
               </a:rPr>
               <a:t>UI</a:t>
             </a:r>
@@ -33969,6 +34126,8 @@
                 <a:solidFill>
                   <a:srgbClr val="000000"/>
                 </a:solidFill>
+                <a:latin typeface="ＭＳ ゴシック" panose="020B0609070205080204" pitchFamily="49" charset="-128"/>
+                <a:ea typeface="ＭＳ ゴシック" panose="020B0609070205080204" pitchFamily="49" charset="-128"/>
               </a:rPr>
               <a:t>は</a:t>
             </a:r>
@@ -33977,6 +34136,8 @@
                 <a:solidFill>
                   <a:srgbClr val="000000"/>
                 </a:solidFill>
+                <a:latin typeface="ＭＳ ゴシック" panose="020B0609070205080204" pitchFamily="49" charset="-128"/>
+                <a:ea typeface="ＭＳ ゴシック" panose="020B0609070205080204" pitchFamily="49" charset="-128"/>
               </a:rPr>
               <a:t>PHP</a:t>
             </a:r>
@@ -33985,6 +34146,8 @@
                 <a:solidFill>
                   <a:srgbClr val="000000"/>
                 </a:solidFill>
+                <a:latin typeface="ＭＳ ゴシック" panose="020B0609070205080204" pitchFamily="49" charset="-128"/>
+                <a:ea typeface="ＭＳ ゴシック" panose="020B0609070205080204" pitchFamily="49" charset="-128"/>
               </a:rPr>
               <a:t>で、スキャナー機能は</a:t>
             </a:r>
@@ -33993,6 +34156,8 @@
                 <a:solidFill>
                   <a:srgbClr val="000000"/>
                 </a:solidFill>
+                <a:latin typeface="ＭＳ ゴシック" panose="020B0609070205080204" pitchFamily="49" charset="-128"/>
+                <a:ea typeface="ＭＳ ゴシック" panose="020B0609070205080204" pitchFamily="49" charset="-128"/>
               </a:rPr>
               <a:t>C/C++</a:t>
             </a:r>
@@ -34001,10 +34166,15 @@
                 <a:solidFill>
                   <a:srgbClr val="000000"/>
                 </a:solidFill>
+                <a:latin typeface="ＭＳ ゴシック" panose="020B0609070205080204" pitchFamily="49" charset="-128"/>
+                <a:ea typeface="ＭＳ ゴシック" panose="020B0609070205080204" pitchFamily="49" charset="-128"/>
               </a:rPr>
               <a:t>で実装</a:t>
             </a:r>
-            <a:endParaRPr lang="en-US" altLang="ja-JP" sz="1900" spc="-1" dirty="0"/>
+            <a:endParaRPr lang="en-US" altLang="ja-JP" sz="1900" spc="-1" dirty="0">
+              <a:latin typeface="ＭＳ ゴシック" panose="020B0609070205080204" pitchFamily="49" charset="-128"/>
+              <a:ea typeface="ＭＳ ゴシック" panose="020B0609070205080204" pitchFamily="49" charset="-128"/>
+            </a:endParaRPr>
           </a:p>
           <a:p>
             <a:pPr marL="254160" lvl="1" indent="-265680">
@@ -34022,7 +34192,8 @@
                 <a:solidFill>
                   <a:srgbClr val="000000"/>
                 </a:solidFill>
-                <a:ea typeface="Arial"/>
+                <a:latin typeface="ＭＳ ゴシック" panose="020B0609070205080204" pitchFamily="49" charset="-128"/>
+                <a:ea typeface="ＭＳ ゴシック" panose="020B0609070205080204" pitchFamily="49" charset="-128"/>
               </a:rPr>
               <a:t>Web UI</a:t>
             </a:r>
@@ -34031,7 +34202,8 @@
                 <a:solidFill>
                   <a:srgbClr val="000000"/>
                 </a:solidFill>
-                <a:ea typeface="Arial"/>
+                <a:latin typeface="ＭＳ ゴシック" panose="020B0609070205080204" pitchFamily="49" charset="-128"/>
+                <a:ea typeface="ＭＳ ゴシック" panose="020B0609070205080204" pitchFamily="49" charset="-128"/>
               </a:rPr>
               <a:t>　以外に</a:t>
             </a:r>
@@ -34040,11 +34212,15 @@
                 <a:solidFill>
                   <a:srgbClr val="000000"/>
                 </a:solidFill>
-                <a:ea typeface="Arial"/>
+                <a:latin typeface="ＭＳ ゴシック" panose="020B0609070205080204" pitchFamily="49" charset="-128"/>
+                <a:ea typeface="ＭＳ ゴシック" panose="020B0609070205080204" pitchFamily="49" charset="-128"/>
               </a:rPr>
               <a:t>:</a:t>
             </a:r>
-            <a:endParaRPr lang="en-US" altLang="ja-JP" sz="2000" spc="-1" dirty="0"/>
+            <a:endParaRPr lang="en-US" altLang="ja-JP" sz="2000" spc="-1" dirty="0">
+              <a:latin typeface="ＭＳ ゴシック" panose="020B0609070205080204" pitchFamily="49" charset="-128"/>
+              <a:ea typeface="ＭＳ ゴシック" panose="020B0609070205080204" pitchFamily="49" charset="-128"/>
+            </a:endParaRPr>
           </a:p>
           <a:p>
             <a:pPr marL="444600" lvl="2" indent="-265680">
@@ -34058,10 +34234,16 @@
               <a:buChar char="▪"/>
             </a:pPr>
             <a:r>
-              <a:rPr lang="ja-JP" altLang="en-US" sz="2000" spc="-1" dirty="0"/>
+              <a:rPr lang="ja-JP" altLang="en-US" sz="2000" spc="-1" dirty="0">
+                <a:latin typeface="ＭＳ ゴシック" panose="020B0609070205080204" pitchFamily="49" charset="-128"/>
+                <a:ea typeface="ＭＳ ゴシック" panose="020B0609070205080204" pitchFamily="49" charset="-128"/>
+              </a:rPr>
               <a:t>コマンドラインインターフェイス</a:t>
             </a:r>
-            <a:endParaRPr lang="en-US" altLang="ja-JP" sz="2000" spc="-1" dirty="0"/>
+            <a:endParaRPr lang="en-US" altLang="ja-JP" sz="2000" spc="-1" dirty="0">
+              <a:latin typeface="ＭＳ ゴシック" panose="020B0609070205080204" pitchFamily="49" charset="-128"/>
+              <a:ea typeface="ＭＳ ゴシック" panose="020B0609070205080204" pitchFamily="49" charset="-128"/>
+            </a:endParaRPr>
           </a:p>
         </p:txBody>
       </p:sp>
@@ -36798,7 +36980,17 @@
                 <a:latin typeface="Arial"/>
                 <a:ea typeface="Arial"/>
               </a:rPr>
-              <a:t>の機能拡張や向上のためのコードコントリビューションを歓迎！</a:t>
+              <a:t>の機能拡張や向上のためのコードコントリビューションを</a:t>
+            </a:r>
+            <a:r>
+              <a:rPr lang="ja-JP" altLang="en-US" sz="2000" b="0" strike="noStrike" spc="-1" dirty="0" smtClean="0">
+                <a:solidFill>
+                  <a:srgbClr val="000000"/>
+                </a:solidFill>
+                <a:latin typeface="Arial"/>
+                <a:ea typeface="Arial"/>
+              </a:rPr>
+              <a:t>歓迎します！</a:t>
             </a:r>
             <a:r>
               <a:rPr lang="en-US" sz="2000" b="0" strike="noStrike" spc="-1" dirty="0" smtClean="0">
@@ -36810,6 +37002,13 @@
               </a:rPr>
               <a:t>  </a:t>
             </a:r>
+            <a:endParaRPr lang="en-US" sz="2000" b="0" strike="noStrike" spc="-1" dirty="0" smtClean="0">
+              <a:solidFill>
+                <a:srgbClr val="000000"/>
+              </a:solidFill>
+              <a:latin typeface="Arial"/>
+              <a:ea typeface="Arial"/>
+            </a:endParaRPr>
           </a:p>
           <a:p>
             <a:pPr marL="216000" lvl="1" indent="-240120">
@@ -37060,7 +37259,17 @@
                 <a:latin typeface="Arial"/>
                 <a:ea typeface="Arial"/>
               </a:rPr>
-              <a:t>このコースを向上に役立てるので、サーベイ</a:t>
+              <a:t>この</a:t>
+            </a:r>
+            <a:r>
+              <a:rPr lang="ja-JP" altLang="en-US" sz="3000" b="0" strike="noStrike" spc="-1" dirty="0" smtClean="0">
+                <a:solidFill>
+                  <a:srgbClr val="000000"/>
+                </a:solidFill>
+                <a:latin typeface="Arial"/>
+                <a:ea typeface="Arial"/>
+              </a:rPr>
+              <a:t>コース</a:t>
             </a:r>
             <a:r>
               <a:rPr lang="ja-JP" altLang="en-US" sz="3000" spc="-1" dirty="0" smtClean="0">
@@ -37070,7 +37279,67 @@
                 <a:latin typeface="Arial"/>
                 <a:ea typeface="Arial"/>
               </a:rPr>
-              <a:t>記入お願いします</a:t>
+              <a:t>の</a:t>
+            </a:r>
+            <a:r>
+              <a:rPr lang="ja-JP" altLang="en-US" sz="3000" spc="-1" dirty="0">
+                <a:solidFill>
+                  <a:srgbClr val="000000"/>
+                </a:solidFill>
+                <a:latin typeface="Arial"/>
+                <a:ea typeface="Arial"/>
+              </a:rPr>
+              <a:t>質</a:t>
+            </a:r>
+            <a:r>
+              <a:rPr lang="ja-JP" altLang="en-US" sz="3000" spc="-1" dirty="0" smtClean="0">
+                <a:solidFill>
+                  <a:srgbClr val="000000"/>
+                </a:solidFill>
+                <a:latin typeface="Arial"/>
+                <a:ea typeface="Arial"/>
+              </a:rPr>
+              <a:t>を</a:t>
+            </a:r>
+            <a:r>
+              <a:rPr lang="ja-JP" altLang="en-US" sz="3000" spc="-1" dirty="0">
+                <a:solidFill>
+                  <a:srgbClr val="000000"/>
+                </a:solidFill>
+                <a:latin typeface="Arial"/>
+                <a:ea typeface="Arial"/>
+              </a:rPr>
+              <a:t>上</a:t>
+            </a:r>
+            <a:r>
+              <a:rPr lang="ja-JP" altLang="en-US" sz="3000" spc="-1" dirty="0" smtClean="0">
+                <a:solidFill>
+                  <a:srgbClr val="000000"/>
+                </a:solidFill>
+                <a:latin typeface="Arial"/>
+                <a:ea typeface="Arial"/>
+              </a:rPr>
+              <a:t>げるため</a:t>
+            </a:r>
+            <a:r>
+              <a:rPr lang="ja-JP" altLang="en-US" sz="3000" b="0" strike="noStrike" spc="-1" dirty="0" smtClean="0">
+                <a:solidFill>
+                  <a:srgbClr val="000000"/>
+                </a:solidFill>
+                <a:latin typeface="Arial"/>
+                <a:ea typeface="Arial"/>
+              </a:rPr>
+              <a:t>、</a:t>
+            </a:r>
+            <a:r>
+              <a:rPr lang="ja-JP" altLang="en-US" sz="3000" spc="-1" dirty="0" smtClean="0">
+                <a:solidFill>
+                  <a:srgbClr val="000000"/>
+                </a:solidFill>
+                <a:latin typeface="Arial"/>
+                <a:ea typeface="Arial"/>
+              </a:rPr>
+              <a:t>記入をお願いします</a:t>
             </a:r>
             <a:r>
               <a:rPr lang="en-US" sz="3000" b="0" strike="noStrike" spc="-1" dirty="0" smtClean="0">
@@ -37080,7 +37349,17 @@
                 <a:latin typeface="Arial"/>
                 <a:ea typeface="Arial"/>
               </a:rPr>
-              <a:t> :</a:t>
+              <a:t> </a:t>
+            </a:r>
+            <a:r>
+              <a:rPr lang="en-US" sz="3000" b="0" strike="noStrike" spc="-1" dirty="0" smtClean="0">
+                <a:solidFill>
+                  <a:srgbClr val="000000"/>
+                </a:solidFill>
+                <a:latin typeface="Arial"/>
+                <a:ea typeface="Arial"/>
+              </a:rPr>
+              <a:t>:</a:t>
             </a:r>
             <a:endParaRPr lang="en-US" sz="3000" b="0" strike="noStrike" spc="-1" dirty="0">
               <a:latin typeface="Arial"/>
@@ -37403,8 +37682,8 @@
                 <a:solidFill>
                   <a:srgbClr val="000000"/>
                 </a:solidFill>
-                <a:latin typeface="Arial"/>
-                <a:ea typeface="Arial"/>
+                <a:latin typeface="ＭＳ ゴシック" panose="020B0609070205080204" pitchFamily="49" charset="-128"/>
+                <a:ea typeface="ＭＳ ゴシック" panose="020B0609070205080204" pitchFamily="49" charset="-128"/>
               </a:rPr>
               <a:t>集中的に作業を行う箇所</a:t>
             </a:r>
@@ -37413,8 +37692,8 @@
                 <a:solidFill>
                   <a:srgbClr val="000000"/>
                 </a:solidFill>
-                <a:latin typeface="Arial"/>
-                <a:ea typeface="Arial"/>
+                <a:latin typeface="ＭＳ ゴシック" panose="020B0609070205080204" pitchFamily="49" charset="-128"/>
+                <a:ea typeface="ＭＳ ゴシック" panose="020B0609070205080204" pitchFamily="49" charset="-128"/>
               </a:rPr>
               <a:t>:</a:t>
             </a:r>
@@ -37423,8 +37702,8 @@
                 <a:solidFill>
                   <a:srgbClr val="000000"/>
                 </a:solidFill>
-                <a:latin typeface="Arial"/>
-                <a:ea typeface="Arial"/>
+                <a:latin typeface="ＭＳ ゴシック" panose="020B0609070205080204" pitchFamily="49" charset="-128"/>
+                <a:ea typeface="ＭＳ ゴシック" panose="020B0609070205080204" pitchFamily="49" charset="-128"/>
               </a:rPr>
               <a:t>レビュ</a:t>
             </a:r>
@@ -37433,13 +37712,14 @@
                 <a:solidFill>
                   <a:srgbClr val="000000"/>
                 </a:solidFill>
-                <a:latin typeface="Arial"/>
-                <a:ea typeface="Arial"/>
+                <a:latin typeface="ＭＳ ゴシック" panose="020B0609070205080204" pitchFamily="49" charset="-128"/>
+                <a:ea typeface="ＭＳ ゴシック" panose="020B0609070205080204" pitchFamily="49" charset="-128"/>
               </a:rPr>
               <a:t>ーと訂正</a:t>
             </a:r>
             <a:endParaRPr lang="en-US" sz="1900" b="0" strike="noStrike" spc="-1" dirty="0" smtClean="0">
-              <a:latin typeface="Arial"/>
+              <a:latin typeface="ＭＳ ゴシック" panose="020B0609070205080204" pitchFamily="49" charset="-128"/>
+              <a:ea typeface="ＭＳ ゴシック" panose="020B0609070205080204" pitchFamily="49" charset="-128"/>
             </a:endParaRPr>
           </a:p>
           <a:p>
@@ -37461,13 +37741,14 @@
                 <a:solidFill>
                   <a:srgbClr val="000000"/>
                 </a:solidFill>
-                <a:latin typeface="Arial"/>
-                <a:ea typeface="Arial"/>
+                <a:latin typeface="ＭＳ ゴシック" panose="020B0609070205080204" pitchFamily="49" charset="-128"/>
+                <a:ea typeface="ＭＳ ゴシック" panose="020B0609070205080204" pitchFamily="49" charset="-128"/>
               </a:rPr>
               <a:t>ユーザインターフェイスを通し過去数年多くの反復作業を一掃する</a:t>
             </a:r>
             <a:endParaRPr lang="en-US" sz="1900" b="0" strike="noStrike" spc="-1" dirty="0" smtClean="0">
-              <a:latin typeface="Arial"/>
+              <a:latin typeface="ＭＳ ゴシック" panose="020B0609070205080204" pitchFamily="49" charset="-128"/>
+              <a:ea typeface="ＭＳ ゴシック" panose="020B0609070205080204" pitchFamily="49" charset="-128"/>
             </a:endParaRPr>
           </a:p>
           <a:p>
@@ -37489,7 +37770,8 @@
                 <a:solidFill>
                   <a:srgbClr val="000000"/>
                 </a:solidFill>
-                <a:latin typeface="Arial"/>
+                <a:latin typeface="ＭＳ ゴシック" panose="020B0609070205080204" pitchFamily="49" charset="-128"/>
+                <a:ea typeface="ＭＳ ゴシック" panose="020B0609070205080204" pitchFamily="49" charset="-128"/>
               </a:rPr>
               <a:t>大量</a:t>
             </a:r>
@@ -37498,24 +37780,31 @@
                 <a:solidFill>
                   <a:srgbClr val="000000"/>
                 </a:solidFill>
-                <a:latin typeface="Arial"/>
+                <a:latin typeface="ＭＳ ゴシック" panose="020B0609070205080204" pitchFamily="49" charset="-128"/>
+                <a:ea typeface="ＭＳ ゴシック" panose="020B0609070205080204" pitchFamily="49" charset="-128"/>
               </a:rPr>
               <a:t>のパッケージをサポート</a:t>
             </a:r>
             <a:r>
-              <a:rPr dirty="0"/>
+              <a:rPr dirty="0">
+                <a:latin typeface="ＭＳ ゴシック" panose="020B0609070205080204" pitchFamily="49" charset="-128"/>
+                <a:ea typeface="ＭＳ ゴシック" panose="020B0609070205080204" pitchFamily="49" charset="-128"/>
+              </a:rPr>
               <a:t/>
             </a:r>
             <a:br>
-              <a:rPr dirty="0"/>
+              <a:rPr dirty="0">
+                <a:latin typeface="ＭＳ ゴシック" panose="020B0609070205080204" pitchFamily="49" charset="-128"/>
+                <a:ea typeface="ＭＳ ゴシック" panose="020B0609070205080204" pitchFamily="49" charset="-128"/>
+              </a:rPr>
             </a:br>
             <a:r>
               <a:rPr lang="en-US" sz="1900" b="0" strike="noStrike" spc="-1" dirty="0" smtClean="0">
                 <a:solidFill>
                   <a:srgbClr val="000000"/>
                 </a:solidFill>
-                <a:latin typeface="Arial"/>
-                <a:ea typeface="Arial"/>
+                <a:latin typeface="ＭＳ ゴシック" panose="020B0609070205080204" pitchFamily="49" charset="-128"/>
+                <a:ea typeface="ＭＳ ゴシック" panose="020B0609070205080204" pitchFamily="49" charset="-128"/>
               </a:rPr>
               <a:t>(10.000 </a:t>
             </a:r>
@@ -37524,8 +37813,8 @@
                 <a:solidFill>
                   <a:srgbClr val="000000"/>
                 </a:solidFill>
-                <a:latin typeface="Arial"/>
-                <a:ea typeface="Arial"/>
+                <a:latin typeface="ＭＳ ゴシック" panose="020B0609070205080204" pitchFamily="49" charset="-128"/>
+                <a:ea typeface="ＭＳ ゴシック" panose="020B0609070205080204" pitchFamily="49" charset="-128"/>
               </a:rPr>
               <a:t>ファイル以上</a:t>
             </a:r>
@@ -37534,8 +37823,8 @@
                 <a:solidFill>
                   <a:srgbClr val="000000"/>
                 </a:solidFill>
-                <a:latin typeface="Arial"/>
-                <a:ea typeface="Arial"/>
+                <a:latin typeface="ＭＳ ゴシック" panose="020B0609070205080204" pitchFamily="49" charset="-128"/>
+                <a:ea typeface="ＭＳ ゴシック" panose="020B0609070205080204" pitchFamily="49" charset="-128"/>
               </a:rPr>
               <a:t>,</a:t>
             </a:r>
@@ -37544,8 +37833,8 @@
                 <a:solidFill>
                   <a:srgbClr val="000000"/>
                 </a:solidFill>
-                <a:latin typeface="Arial"/>
-                <a:ea typeface="Arial"/>
+                <a:latin typeface="ＭＳ ゴシック" panose="020B0609070205080204" pitchFamily="49" charset="-128"/>
+                <a:ea typeface="ＭＳ ゴシック" panose="020B0609070205080204" pitchFamily="49" charset="-128"/>
               </a:rPr>
             </a:br>
             <a:r>
@@ -37553,8 +37842,8 @@
                 <a:solidFill>
                   <a:srgbClr val="000000"/>
                 </a:solidFill>
-                <a:latin typeface="Arial"/>
-                <a:ea typeface="Arial"/>
+                <a:latin typeface="ＭＳ ゴシック" panose="020B0609070205080204" pitchFamily="49" charset="-128"/>
+                <a:ea typeface="ＭＳ ゴシック" panose="020B0609070205080204" pitchFamily="49" charset="-128"/>
               </a:rPr>
               <a:t> </a:t>
             </a:r>
@@ -37563,8 +37852,8 @@
                 <a:solidFill>
                   <a:srgbClr val="000000"/>
                 </a:solidFill>
-                <a:latin typeface="Arial"/>
-                <a:ea typeface="Arial"/>
+                <a:latin typeface="ＭＳ ゴシック" panose="020B0609070205080204" pitchFamily="49" charset="-128"/>
+                <a:ea typeface="ＭＳ ゴシック" panose="020B0609070205080204" pitchFamily="49" charset="-128"/>
               </a:rPr>
               <a:t>例</a:t>
             </a:r>
@@ -37573,8 +37862,8 @@
                 <a:solidFill>
                   <a:srgbClr val="000000"/>
                 </a:solidFill>
-                <a:latin typeface="Arial"/>
-                <a:ea typeface="Arial"/>
+                <a:latin typeface="ＭＳ ゴシック" panose="020B0609070205080204" pitchFamily="49" charset="-128"/>
+                <a:ea typeface="ＭＳ ゴシック" panose="020B0609070205080204" pitchFamily="49" charset="-128"/>
               </a:rPr>
               <a:t>: </a:t>
             </a:r>
@@ -37583,8 +37872,8 @@
                 <a:solidFill>
                   <a:srgbClr val="000000"/>
                 </a:solidFill>
-                <a:latin typeface="Arial"/>
-                <a:ea typeface="Arial"/>
+                <a:latin typeface="ＭＳ ゴシック" panose="020B0609070205080204" pitchFamily="49" charset="-128"/>
+                <a:ea typeface="ＭＳ ゴシック" panose="020B0609070205080204" pitchFamily="49" charset="-128"/>
               </a:rPr>
               <a:t>Boost</a:t>
             </a:r>
@@ -37593,13 +37882,14 @@
                 <a:solidFill>
                   <a:srgbClr val="000000"/>
                 </a:solidFill>
-                <a:latin typeface="Arial"/>
-                <a:ea typeface="Arial"/>
+                <a:latin typeface="ＭＳ ゴシック" panose="020B0609070205080204" pitchFamily="49" charset="-128"/>
+                <a:ea typeface="ＭＳ ゴシック" panose="020B0609070205080204" pitchFamily="49" charset="-128"/>
               </a:rPr>
               <a:t>, Linux Kernel,…)</a:t>
             </a:r>
             <a:endParaRPr lang="en-US" sz="1900" b="0" strike="noStrike" spc="-1" dirty="0">
-              <a:latin typeface="Arial"/>
+              <a:latin typeface="ＭＳ ゴシック" panose="020B0609070205080204" pitchFamily="49" charset="-128"/>
+              <a:ea typeface="ＭＳ ゴシック" panose="020B0609070205080204" pitchFamily="49" charset="-128"/>
             </a:endParaRPr>
           </a:p>
           <a:p>
@@ -37924,13 +38214,14 @@
                 <a:solidFill>
                   <a:srgbClr val="000000"/>
                 </a:solidFill>
-                <a:latin typeface="Arial"/>
-                <a:ea typeface="Arial"/>
+                <a:latin typeface="ＭＳ ゴシック" panose="020B0609070205080204" pitchFamily="49" charset="-128"/>
+                <a:ea typeface="ＭＳ ゴシック" panose="020B0609070205080204" pitchFamily="49" charset="-128"/>
               </a:rPr>
               <a:t>ご清聴ありがとうございました。</a:t>
             </a:r>
             <a:endParaRPr lang="en-US" sz="3000" b="0" strike="noStrike" spc="-1" dirty="0">
-              <a:latin typeface="Arial"/>
+              <a:latin typeface="ＭＳ ゴシック" panose="020B0609070205080204" pitchFamily="49" charset="-128"/>
+              <a:ea typeface="ＭＳ ゴシック" panose="020B0609070205080204" pitchFamily="49" charset="-128"/>
             </a:endParaRPr>
           </a:p>
         </p:txBody>
@@ -38485,8 +38776,8 @@
                 <a:solidFill>
                   <a:srgbClr val="000000"/>
                 </a:solidFill>
-                <a:latin typeface="Arial"/>
-                <a:ea typeface="Arial"/>
+                <a:latin typeface="ＭＳ ゴシック" panose="020B0609070205080204" pitchFamily="49" charset="-128"/>
+                <a:ea typeface="ＭＳ ゴシック" panose="020B0609070205080204" pitchFamily="49" charset="-128"/>
               </a:rPr>
               <a:t>サンプルファイルアップロード</a:t>
             </a:r>
@@ -38495,8 +38786,8 @@
                 <a:solidFill>
                   <a:srgbClr val="000000"/>
                 </a:solidFill>
-                <a:latin typeface="Arial"/>
-                <a:ea typeface="Arial"/>
+                <a:latin typeface="ＭＳ ゴシック" panose="020B0609070205080204" pitchFamily="49" charset="-128"/>
+                <a:ea typeface="ＭＳ ゴシック" panose="020B0609070205080204" pitchFamily="49" charset="-128"/>
               </a:rPr>
               <a:t>, </a:t>
             </a:r>
@@ -38505,13 +38796,14 @@
                 <a:solidFill>
                   <a:srgbClr val="000000"/>
                 </a:solidFill>
-                <a:latin typeface="Arial"/>
-                <a:ea typeface="Arial"/>
+                <a:latin typeface="ＭＳ ゴシック" panose="020B0609070205080204" pitchFamily="49" charset="-128"/>
+                <a:ea typeface="ＭＳ ゴシック" panose="020B0609070205080204" pitchFamily="49" charset="-128"/>
               </a:rPr>
               <a:t>jakarta-oro-2.0.7</a:t>
             </a:r>
             <a:endParaRPr lang="en-US" sz="1700" b="0" strike="noStrike" spc="-1" dirty="0">
-              <a:latin typeface="Arial"/>
+              <a:latin typeface="ＭＳ ゴシック" panose="020B0609070205080204" pitchFamily="49" charset="-128"/>
+              <a:ea typeface="ＭＳ ゴシック" panose="020B0609070205080204" pitchFamily="49" charset="-128"/>
             </a:endParaRPr>
           </a:p>
           <a:p>
@@ -38530,13 +38822,14 @@
                 <a:solidFill>
                   <a:srgbClr val="000000"/>
                 </a:solidFill>
-                <a:latin typeface="Arial"/>
-                <a:ea typeface="Arial"/>
+                <a:latin typeface="ＭＳ ゴシック" panose="020B0609070205080204" pitchFamily="49" charset="-128"/>
+                <a:ea typeface="ＭＳ ゴシック" panose="020B0609070205080204" pitchFamily="49" charset="-128"/>
               </a:rPr>
               <a:t>アップロードメニューからオプション選択</a:t>
             </a:r>
             <a:endParaRPr lang="en-US" sz="1700" b="0" strike="noStrike" spc="-1" dirty="0">
-              <a:latin typeface="Arial"/>
+              <a:latin typeface="ＭＳ ゴシック" panose="020B0609070205080204" pitchFamily="49" charset="-128"/>
+              <a:ea typeface="ＭＳ ゴシック" panose="020B0609070205080204" pitchFamily="49" charset="-128"/>
             </a:endParaRPr>
           </a:p>
           <a:p>
@@ -38555,8 +38848,8 @@
                 <a:solidFill>
                   <a:srgbClr val="000000"/>
                 </a:solidFill>
-                <a:latin typeface="Arial"/>
-                <a:ea typeface="Arial"/>
+                <a:latin typeface="ＭＳ ゴシック" panose="020B0609070205080204" pitchFamily="49" charset="-128"/>
+                <a:ea typeface="ＭＳ ゴシック" panose="020B0609070205080204" pitchFamily="49" charset="-128"/>
               </a:rPr>
               <a:t>ブラウザを開き、</a:t>
             </a:r>
@@ -38565,8 +38858,8 @@
                 <a:solidFill>
                   <a:srgbClr val="000000"/>
                 </a:solidFill>
-                <a:latin typeface="Arial"/>
-                <a:ea typeface="Arial"/>
+                <a:latin typeface="ＭＳ ゴシック" panose="020B0609070205080204" pitchFamily="49" charset="-128"/>
+                <a:ea typeface="ＭＳ ゴシック" panose="020B0609070205080204" pitchFamily="49" charset="-128"/>
               </a:rPr>
               <a:t>UI</a:t>
             </a:r>
@@ -38575,13 +38868,14 @@
                 <a:solidFill>
                   <a:srgbClr val="000000"/>
                 </a:solidFill>
-                <a:latin typeface="Arial"/>
-                <a:ea typeface="Arial"/>
+                <a:latin typeface="ＭＳ ゴシック" panose="020B0609070205080204" pitchFamily="49" charset="-128"/>
+                <a:ea typeface="ＭＳ ゴシック" panose="020B0609070205080204" pitchFamily="49" charset="-128"/>
               </a:rPr>
               <a:t>上でレビュー</a:t>
             </a:r>
             <a:endParaRPr lang="en-US" sz="1700" b="0" strike="noStrike" spc="-1" dirty="0">
-              <a:latin typeface="Arial"/>
+              <a:latin typeface="ＭＳ ゴシック" panose="020B0609070205080204" pitchFamily="49" charset="-128"/>
+              <a:ea typeface="ＭＳ ゴシック" panose="020B0609070205080204" pitchFamily="49" charset="-128"/>
             </a:endParaRPr>
           </a:p>
           <a:p>
@@ -38600,8 +38894,8 @@
                 <a:solidFill>
                   <a:srgbClr val="000000"/>
                 </a:solidFill>
-                <a:latin typeface="Arial"/>
-                <a:ea typeface="Arial"/>
+                <a:latin typeface="ＭＳ ゴシック" panose="020B0609070205080204" pitchFamily="49" charset="-128"/>
+                <a:ea typeface="ＭＳ ゴシック" panose="020B0609070205080204" pitchFamily="49" charset="-128"/>
               </a:rPr>
               <a:t>アップロードしたものに対しドロップダウンメニューからライセンスを選択</a:t>
             </a:r>
@@ -38609,8 +38903,8 @@
               <a:solidFill>
                 <a:srgbClr val="000000"/>
               </a:solidFill>
-              <a:latin typeface="Arial"/>
-              <a:ea typeface="Arial"/>
+              <a:latin typeface="ＭＳ ゴシック" panose="020B0609070205080204" pitchFamily="49" charset="-128"/>
+              <a:ea typeface="ＭＳ ゴシック" panose="020B0609070205080204" pitchFamily="49" charset="-128"/>
             </a:endParaRPr>
           </a:p>
           <a:p>
@@ -38629,7 +38923,8 @@
                 <a:solidFill>
                   <a:srgbClr val="000000"/>
                 </a:solidFill>
-                <a:latin typeface="Arial"/>
+                <a:latin typeface="ＭＳ ゴシック" panose="020B0609070205080204" pitchFamily="49" charset="-128"/>
+                <a:ea typeface="ＭＳ ゴシック" panose="020B0609070205080204" pitchFamily="49" charset="-128"/>
               </a:rPr>
               <a:t>ビューしてまとめたもの、シングルファイルのビューをみる：決定を行う</a:t>
             </a:r>
@@ -38638,7 +38933,8 @@
                 <a:solidFill>
                   <a:srgbClr val="000000"/>
                 </a:solidFill>
-                <a:latin typeface="Arial"/>
+                <a:latin typeface="ＭＳ ゴシック" panose="020B0609070205080204" pitchFamily="49" charset="-128"/>
+                <a:ea typeface="ＭＳ ゴシック" panose="020B0609070205080204" pitchFamily="49" charset="-128"/>
               </a:rPr>
               <a:t/>
             </a:r>
@@ -38647,7 +38943,8 @@
                 <a:solidFill>
                   <a:srgbClr val="000000"/>
                 </a:solidFill>
-                <a:latin typeface="Arial"/>
+                <a:latin typeface="ＭＳ ゴシック" panose="020B0609070205080204" pitchFamily="49" charset="-128"/>
+                <a:ea typeface="ＭＳ ゴシック" panose="020B0609070205080204" pitchFamily="49" charset="-128"/>
               </a:rPr>
             </a:br>
             <a:r>
@@ -38655,7 +38952,8 @@
                 <a:solidFill>
                   <a:srgbClr val="000000"/>
                 </a:solidFill>
-                <a:latin typeface="Arial"/>
+                <a:latin typeface="ＭＳ ゴシック" panose="020B0609070205080204" pitchFamily="49" charset="-128"/>
+                <a:ea typeface="ＭＳ ゴシック" panose="020B0609070205080204" pitchFamily="49" charset="-128"/>
               </a:rPr>
               <a:t>バルク機能の初利用</a:t>
             </a:r>
@@ -38663,8 +38961,8 @@
               <a:solidFill>
                 <a:srgbClr val="000000"/>
               </a:solidFill>
-              <a:latin typeface="Arial"/>
-              <a:ea typeface="Arial"/>
+              <a:latin typeface="ＭＳ ゴシック" panose="020B0609070205080204" pitchFamily="49" charset="-128"/>
+              <a:ea typeface="ＭＳ ゴシック" panose="020B0609070205080204" pitchFamily="49" charset="-128"/>
             </a:endParaRPr>
           </a:p>
           <a:p>
@@ -38683,12 +38981,14 @@
                 <a:solidFill>
                   <a:srgbClr val="000000"/>
                 </a:solidFill>
-                <a:latin typeface="Arial"/>
+                <a:latin typeface="ＭＳ ゴシック" panose="020B0609070205080204" pitchFamily="49" charset="-128"/>
+                <a:ea typeface="ＭＳ ゴシック" panose="020B0609070205080204" pitchFamily="49" charset="-128"/>
               </a:rPr>
               <a:t>コピーライトの箇所に行き、検索結果修正</a:t>
             </a:r>
             <a:endParaRPr lang="en-US" sz="1700" b="0" strike="noStrike" spc="-1" dirty="0">
-              <a:latin typeface="Arial"/>
+              <a:latin typeface="ＭＳ ゴシック" panose="020B0609070205080204" pitchFamily="49" charset="-128"/>
+              <a:ea typeface="ＭＳ ゴシック" panose="020B0609070205080204" pitchFamily="49" charset="-128"/>
             </a:endParaRPr>
           </a:p>
           <a:p>
@@ -38707,8 +39007,8 @@
                 <a:solidFill>
                   <a:srgbClr val="000000"/>
                 </a:solidFill>
-                <a:latin typeface="Arial"/>
-                <a:ea typeface="Arial"/>
+                <a:latin typeface="ＭＳ ゴシック" panose="020B0609070205080204" pitchFamily="49" charset="-128"/>
+                <a:ea typeface="ＭＳ ゴシック" panose="020B0609070205080204" pitchFamily="49" charset="-128"/>
               </a:rPr>
               <a:t>ECC</a:t>
             </a:r>
@@ -38717,13 +39017,14 @@
                 <a:solidFill>
                   <a:srgbClr val="000000"/>
                 </a:solidFill>
-                <a:latin typeface="Arial"/>
-                <a:ea typeface="Arial"/>
+                <a:latin typeface="ＭＳ ゴシック" panose="020B0609070205080204" pitchFamily="49" charset="-128"/>
+                <a:ea typeface="ＭＳ ゴシック" panose="020B0609070205080204" pitchFamily="49" charset="-128"/>
               </a:rPr>
               <a:t>も同様</a:t>
             </a:r>
             <a:endParaRPr lang="en-US" sz="1700" b="0" strike="noStrike" spc="-1" dirty="0">
-              <a:latin typeface="Arial"/>
+              <a:latin typeface="ＭＳ ゴシック" panose="020B0609070205080204" pitchFamily="49" charset="-128"/>
+              <a:ea typeface="ＭＳ ゴシック" panose="020B0609070205080204" pitchFamily="49" charset="-128"/>
             </a:endParaRPr>
           </a:p>
           <a:p>
@@ -38742,8 +39043,8 @@
                 <a:solidFill>
                   <a:srgbClr val="000000"/>
                 </a:solidFill>
-                <a:latin typeface="Arial"/>
-                <a:ea typeface="Arial"/>
+                <a:latin typeface="ＭＳ ゴシック" panose="020B0609070205080204" pitchFamily="49" charset="-128"/>
+                <a:ea typeface="ＭＳ ゴシック" panose="020B0609070205080204" pitchFamily="49" charset="-128"/>
               </a:rPr>
               <a:t>SPDX</a:t>
             </a:r>
@@ -38752,8 +39053,8 @@
                 <a:solidFill>
                   <a:srgbClr val="000000"/>
                 </a:solidFill>
-                <a:latin typeface="Arial"/>
-                <a:ea typeface="Arial"/>
+                <a:latin typeface="ＭＳ ゴシック" panose="020B0609070205080204" pitchFamily="49" charset="-128"/>
+                <a:ea typeface="ＭＳ ゴシック" panose="020B0609070205080204" pitchFamily="49" charset="-128"/>
               </a:rPr>
               <a:t>の出力形式</a:t>
             </a:r>
@@ -38762,13 +39063,14 @@
                 <a:solidFill>
                   <a:srgbClr val="000000"/>
                 </a:solidFill>
-                <a:latin typeface="Arial"/>
-                <a:ea typeface="Arial"/>
+                <a:latin typeface="ＭＳ ゴシック" panose="020B0609070205080204" pitchFamily="49" charset="-128"/>
+                <a:ea typeface="ＭＳ ゴシック" panose="020B0609070205080204" pitchFamily="49" charset="-128"/>
               </a:rPr>
               <a:t>をドロップダウンから選択</a:t>
             </a:r>
             <a:endParaRPr lang="en-US" sz="1700" b="0" strike="noStrike" spc="-1" dirty="0">
-              <a:latin typeface="Arial"/>
+              <a:latin typeface="ＭＳ ゴシック" panose="020B0609070205080204" pitchFamily="49" charset="-128"/>
+              <a:ea typeface="ＭＳ ゴシック" panose="020B0609070205080204" pitchFamily="49" charset="-128"/>
             </a:endParaRPr>
           </a:p>
           <a:p>
@@ -38846,7 +39148,8 @@
                 <a:solidFill>
                   <a:srgbClr val="000000"/>
                 </a:solidFill>
-                <a:ea typeface="Arial"/>
+                <a:latin typeface="ＭＳ ゴシック" panose="020B0609070205080204" pitchFamily="49" charset="-128"/>
+                <a:ea typeface="ＭＳ ゴシック" panose="020B0609070205080204" pitchFamily="49" charset="-128"/>
               </a:rPr>
               <a:t>FOSSology</a:t>
             </a:r>
@@ -38855,11 +39158,15 @@
                 <a:solidFill>
                   <a:srgbClr val="000000"/>
                 </a:solidFill>
-                <a:ea typeface="Arial"/>
+                <a:latin typeface="ＭＳ ゴシック" panose="020B0609070205080204" pitchFamily="49" charset="-128"/>
+                <a:ea typeface="ＭＳ ゴシック" panose="020B0609070205080204" pitchFamily="49" charset="-128"/>
               </a:rPr>
               <a:t> 一連作業</a:t>
             </a:r>
-            <a:endParaRPr lang="en-US" altLang="ja-JP" sz="1900" spc="-1" dirty="0"/>
+            <a:endParaRPr lang="en-US" altLang="ja-JP" sz="1900" spc="-1" dirty="0">
+              <a:latin typeface="ＭＳ ゴシック" panose="020B0609070205080204" pitchFamily="49" charset="-128"/>
+              <a:ea typeface="ＭＳ ゴシック" panose="020B0609070205080204" pitchFamily="49" charset="-128"/>
+            </a:endParaRPr>
           </a:p>
           <a:p>
             <a:pPr marL="520560" lvl="2" indent="-374040">
@@ -38877,7 +39184,8 @@
                 <a:solidFill>
                   <a:srgbClr val="000000"/>
                 </a:solidFill>
-                <a:ea typeface="Arial"/>
+                <a:latin typeface="ＭＳ ゴシック" panose="020B0609070205080204" pitchFamily="49" charset="-128"/>
+                <a:ea typeface="ＭＳ ゴシック" panose="020B0609070205080204" pitchFamily="49" charset="-128"/>
               </a:rPr>
               <a:t>アップロード</a:t>
             </a:r>
@@ -38886,7 +39194,8 @@
                 <a:solidFill>
                   <a:srgbClr val="000000"/>
                 </a:solidFill>
-                <a:ea typeface="Arial"/>
+                <a:latin typeface="ＭＳ ゴシック" panose="020B0609070205080204" pitchFamily="49" charset="-128"/>
+                <a:ea typeface="ＭＳ ゴシック" panose="020B0609070205080204" pitchFamily="49" charset="-128"/>
               </a:rPr>
               <a:t>…</a:t>
             </a:r>
@@ -38907,7 +39216,8 @@
                 <a:solidFill>
                   <a:srgbClr val="000000"/>
                 </a:solidFill>
-                <a:ea typeface="Arial"/>
+                <a:latin typeface="ＭＳ ゴシック" panose="020B0609070205080204" pitchFamily="49" charset="-128"/>
+                <a:ea typeface="ＭＳ ゴシック" panose="020B0609070205080204" pitchFamily="49" charset="-128"/>
               </a:rPr>
               <a:t>… </a:t>
             </a:r>
@@ -38916,7 +39226,8 @@
                 <a:solidFill>
                   <a:srgbClr val="000000"/>
                 </a:solidFill>
-                <a:ea typeface="Arial"/>
+                <a:latin typeface="ＭＳ ゴシック" panose="020B0609070205080204" pitchFamily="49" charset="-128"/>
+                <a:ea typeface="ＭＳ ゴシック" panose="020B0609070205080204" pitchFamily="49" charset="-128"/>
               </a:rPr>
               <a:t>レポート作成</a:t>
             </a:r>
@@ -38925,11 +39236,15 @@
                 <a:solidFill>
                   <a:srgbClr val="000000"/>
                 </a:solidFill>
-                <a:ea typeface="Arial"/>
+                <a:latin typeface="ＭＳ ゴシック" panose="020B0609070205080204" pitchFamily="49" charset="-128"/>
+                <a:ea typeface="ＭＳ ゴシック" panose="020B0609070205080204" pitchFamily="49" charset="-128"/>
               </a:rPr>
               <a:t>: SPDX</a:t>
             </a:r>
-            <a:endParaRPr lang="en-US" altLang="ja-JP" sz="1900" spc="-1" dirty="0"/>
+            <a:endParaRPr lang="en-US" altLang="ja-JP" sz="1900" spc="-1" dirty="0">
+              <a:latin typeface="ＭＳ ゴシック" panose="020B0609070205080204" pitchFamily="49" charset="-128"/>
+              <a:ea typeface="ＭＳ ゴシック" panose="020B0609070205080204" pitchFamily="49" charset="-128"/>
+            </a:endParaRPr>
           </a:p>
           <a:p>
             <a:pPr marL="343080" lvl="1" indent="-361080">
@@ -38950,7 +39265,8 @@
                 <a:solidFill>
                   <a:srgbClr val="000000"/>
                 </a:solidFill>
-                <a:ea typeface="Arial"/>
+                <a:latin typeface="ＭＳ ゴシック" panose="020B0609070205080204" pitchFamily="49" charset="-128"/>
+                <a:ea typeface="ＭＳ ゴシック" panose="020B0609070205080204" pitchFamily="49" charset="-128"/>
               </a:rPr>
               <a:t>アップロード</a:t>
             </a:r>
@@ -38959,7 +39275,8 @@
                 <a:solidFill>
                   <a:srgbClr val="000000"/>
                 </a:solidFill>
-                <a:ea typeface="Arial"/>
+                <a:latin typeface="ＭＳ ゴシック" panose="020B0609070205080204" pitchFamily="49" charset="-128"/>
+                <a:ea typeface="ＭＳ ゴシック" panose="020B0609070205080204" pitchFamily="49" charset="-128"/>
               </a:rPr>
               <a:t> – </a:t>
             </a:r>
@@ -38968,7 +39285,8 @@
                 <a:solidFill>
                   <a:srgbClr val="000000"/>
                 </a:solidFill>
-                <a:ea typeface="Arial"/>
+                <a:latin typeface="ＭＳ ゴシック" panose="020B0609070205080204" pitchFamily="49" charset="-128"/>
+                <a:ea typeface="ＭＳ ゴシック" panose="020B0609070205080204" pitchFamily="49" charset="-128"/>
               </a:rPr>
               <a:t>様々な方法を提供</a:t>
             </a:r>
@@ -38976,7 +39294,8 @@
               <a:solidFill>
                 <a:srgbClr val="000000"/>
               </a:solidFill>
-              <a:ea typeface="Arial"/>
+              <a:latin typeface="ＭＳ ゴシック" panose="020B0609070205080204" pitchFamily="49" charset="-128"/>
+              <a:ea typeface="ＭＳ ゴシック" panose="020B0609070205080204" pitchFamily="49" charset="-128"/>
             </a:endParaRPr>
           </a:p>
           <a:p>
@@ -38998,7 +39317,8 @@
                 <a:solidFill>
                   <a:srgbClr val="000000"/>
                 </a:solidFill>
-                <a:ea typeface="Arial"/>
+                <a:latin typeface="ＭＳ ゴシック" panose="020B0609070205080204" pitchFamily="49" charset="-128"/>
+                <a:ea typeface="ＭＳ ゴシック" panose="020B0609070205080204" pitchFamily="49" charset="-128"/>
               </a:rPr>
               <a:t>ブラウザでアップロードファイルのレビュー</a:t>
             </a:r>
@@ -39006,7 +39326,8 @@
               <a:solidFill>
                 <a:srgbClr val="000000"/>
               </a:solidFill>
-              <a:ea typeface="Arial"/>
+              <a:latin typeface="ＭＳ ゴシック" panose="020B0609070205080204" pitchFamily="49" charset="-128"/>
+              <a:ea typeface="ＭＳ ゴシック" panose="020B0609070205080204" pitchFamily="49" charset="-128"/>
             </a:endParaRPr>
           </a:p>
           <a:p>
@@ -39028,11 +39349,15 @@
                 <a:solidFill>
                   <a:srgbClr val="000000"/>
                 </a:solidFill>
-                <a:ea typeface="Arial"/>
+                <a:latin typeface="ＭＳ ゴシック" panose="020B0609070205080204" pitchFamily="49" charset="-128"/>
+                <a:ea typeface="ＭＳ ゴシック" panose="020B0609070205080204" pitchFamily="49" charset="-128"/>
               </a:rPr>
               <a:t>検知されたライセンスの全体レビュー</a:t>
             </a:r>
-            <a:endParaRPr lang="en-US" altLang="ja-JP" sz="1900" spc="-1" dirty="0"/>
+            <a:endParaRPr lang="en-US" altLang="ja-JP" sz="1900" spc="-1" dirty="0">
+              <a:latin typeface="ＭＳ ゴシック" panose="020B0609070205080204" pitchFamily="49" charset="-128"/>
+              <a:ea typeface="ＭＳ ゴシック" panose="020B0609070205080204" pitchFamily="49" charset="-128"/>
+            </a:endParaRPr>
           </a:p>
           <a:p>
             <a:pPr marL="343080" lvl="1" indent="-361080">
@@ -39053,7 +39378,8 @@
                 <a:solidFill>
                   <a:srgbClr val="000000"/>
                 </a:solidFill>
-                <a:ea typeface="Arial"/>
+                <a:latin typeface="ＭＳ ゴシック" panose="020B0609070205080204" pitchFamily="49" charset="-128"/>
+                <a:ea typeface="ＭＳ ゴシック" panose="020B0609070205080204" pitchFamily="49" charset="-128"/>
               </a:rPr>
               <a:t>“Clearing” </a:t>
             </a:r>
@@ -39062,11 +39388,15 @@
                 <a:solidFill>
                   <a:srgbClr val="000000"/>
                 </a:solidFill>
-                <a:ea typeface="Arial"/>
+                <a:latin typeface="ＭＳ ゴシック" panose="020B0609070205080204" pitchFamily="49" charset="-128"/>
+                <a:ea typeface="ＭＳ ゴシック" panose="020B0609070205080204" pitchFamily="49" charset="-128"/>
               </a:rPr>
               <a:t>作業</a:t>
             </a:r>
-            <a:endParaRPr lang="en-US" altLang="ja-JP" sz="1900" spc="-1" dirty="0"/>
+            <a:endParaRPr lang="en-US" altLang="ja-JP" sz="1900" spc="-1" dirty="0">
+              <a:latin typeface="ＭＳ ゴシック" panose="020B0609070205080204" pitchFamily="49" charset="-128"/>
+              <a:ea typeface="ＭＳ ゴシック" panose="020B0609070205080204" pitchFamily="49" charset="-128"/>
+            </a:endParaRPr>
           </a:p>
           <a:p>
             <a:pPr marL="343080" lvl="1" indent="-361080">
@@ -39087,10 +39417,15 @@
                 <a:solidFill>
                   <a:srgbClr val="000000"/>
                 </a:solidFill>
+                <a:latin typeface="ＭＳ ゴシック" panose="020B0609070205080204" pitchFamily="49" charset="-128"/>
+                <a:ea typeface="ＭＳ ゴシック" panose="020B0609070205080204" pitchFamily="49" charset="-128"/>
               </a:rPr>
               <a:t>コピーライトのレビュー</a:t>
             </a:r>
-            <a:endParaRPr lang="en-US" altLang="ja-JP" sz="1900" spc="-1" dirty="0"/>
+            <a:endParaRPr lang="en-US" altLang="ja-JP" sz="1900" spc="-1" dirty="0">
+              <a:latin typeface="ＭＳ ゴシック" panose="020B0609070205080204" pitchFamily="49" charset="-128"/>
+              <a:ea typeface="ＭＳ ゴシック" panose="020B0609070205080204" pitchFamily="49" charset="-128"/>
+            </a:endParaRPr>
           </a:p>
           <a:p>
             <a:pPr marL="343080" lvl="1" indent="-361080">
@@ -39111,7 +39446,8 @@
                 <a:solidFill>
                   <a:srgbClr val="000000"/>
                 </a:solidFill>
-                <a:ea typeface="Arial"/>
+                <a:latin typeface="ＭＳ ゴシック" panose="020B0609070205080204" pitchFamily="49" charset="-128"/>
+                <a:ea typeface="ＭＳ ゴシック" panose="020B0609070205080204" pitchFamily="49" charset="-128"/>
               </a:rPr>
               <a:t>輸出管理情報</a:t>
             </a:r>
@@ -39120,7 +39456,8 @@
                 <a:solidFill>
                   <a:srgbClr val="000000"/>
                 </a:solidFill>
-                <a:ea typeface="Arial"/>
+                <a:latin typeface="ＭＳ ゴシック" panose="020B0609070205080204" pitchFamily="49" charset="-128"/>
+                <a:ea typeface="ＭＳ ゴシック" panose="020B0609070205080204" pitchFamily="49" charset="-128"/>
               </a:rPr>
               <a:t>(ECC)</a:t>
             </a:r>
@@ -39129,11 +39466,15 @@
                 <a:solidFill>
                   <a:srgbClr val="000000"/>
                 </a:solidFill>
-                <a:ea typeface="Arial"/>
+                <a:latin typeface="ＭＳ ゴシック" panose="020B0609070205080204" pitchFamily="49" charset="-128"/>
+                <a:ea typeface="ＭＳ ゴシック" panose="020B0609070205080204" pitchFamily="49" charset="-128"/>
               </a:rPr>
               <a:t>レビュー</a:t>
             </a:r>
-            <a:endParaRPr lang="en-US" altLang="ja-JP" sz="1900" spc="-1" dirty="0"/>
+            <a:endParaRPr lang="en-US" altLang="ja-JP" sz="1900" spc="-1" dirty="0">
+              <a:latin typeface="ＭＳ ゴシック" panose="020B0609070205080204" pitchFamily="49" charset="-128"/>
+              <a:ea typeface="ＭＳ ゴシック" panose="020B0609070205080204" pitchFamily="49" charset="-128"/>
+            </a:endParaRPr>
           </a:p>
           <a:p>
             <a:pPr marL="343080" lvl="1" indent="-361080">
@@ -39154,11 +39495,15 @@
                 <a:solidFill>
                   <a:srgbClr val="000000"/>
                 </a:solidFill>
-                <a:ea typeface="Arial"/>
+                <a:latin typeface="ＭＳ ゴシック" panose="020B0609070205080204" pitchFamily="49" charset="-128"/>
+                <a:ea typeface="ＭＳ ゴシック" panose="020B0609070205080204" pitchFamily="49" charset="-128"/>
               </a:rPr>
               <a:t>要求されたレポート出力作成</a:t>
             </a:r>
-            <a:endParaRPr lang="en-US" altLang="ja-JP" sz="1900" spc="-1" dirty="0"/>
+            <a:endParaRPr lang="en-US" altLang="ja-JP" sz="1900" spc="-1" dirty="0">
+              <a:latin typeface="ＭＳ ゴシック" panose="020B0609070205080204" pitchFamily="49" charset="-128"/>
+              <a:ea typeface="ＭＳ ゴシック" panose="020B0609070205080204" pitchFamily="49" charset="-128"/>
+            </a:endParaRPr>
           </a:p>
           <a:p>
             <a:pPr>

--- a/Module-D-JPN-Acceleration-Features.pptx
+++ b/Module-D-JPN-Acceleration-Features.pptx
@@ -253,7 +253,7 @@
           <a:p>
             <a:fld id="{3ED0610A-76C4-469E-9CA4-16C082B9DDEE}" type="datetimeFigureOut">
               <a:rPr kumimoji="1" lang="ja-JP" altLang="en-US" smtClean="0"/>
-              <a:t>2019/9/11</a:t>
+              <a:t>2019/9/12</a:t>
             </a:fld>
             <a:endParaRPr kumimoji="1" lang="ja-JP" altLang="en-US"/>
           </a:p>
@@ -11757,30 +11757,19 @@
                 <a:latin typeface="Arial"/>
                 <a:ea typeface="Arial"/>
               </a:rPr>
-              <a:t>: </a:t>
-            </a:r>
-            <a:r>
-              <a:rPr lang="ja-JP" altLang="en-US" sz="3200" b="1" strike="noStrike" spc="-1" dirty="0" smtClean="0">
-                <a:solidFill>
-                  <a:srgbClr val="000000"/>
-                </a:solidFill>
-                <a:latin typeface="Arial"/>
-                <a:ea typeface="Arial"/>
-              </a:rPr>
-              <a:t>一括検索</a:t>
+              <a:t>:</a:t>
+            </a:r>
+            <a:r>
+              <a:rPr lang="ja-JP" altLang="en-US" sz="3200" b="1" spc="-1" dirty="0">
+                <a:solidFill>
+                  <a:srgbClr val="000000"/>
+                </a:solidFill>
+                <a:ea typeface="Arial"/>
+              </a:rPr>
+              <a:t>バルクスキャン</a:t>
             </a:r>
             <a:r>
               <a:rPr lang="en-US" sz="3200" b="1" strike="noStrike" spc="-1" dirty="0" smtClean="0">
-                <a:solidFill>
-                  <a:srgbClr val="000000"/>
-                </a:solidFill>
-                <a:latin typeface="Arial"/>
-                <a:ea typeface="Arial"/>
-              </a:rPr>
-              <a:t> </a:t>
-            </a:r>
-            <a:r>
-              <a:rPr lang="en-US" sz="3200" b="1" strike="noStrike" spc="-1" dirty="0">
                 <a:solidFill>
                   <a:srgbClr val="000000"/>
                 </a:solidFill>
@@ -11861,14 +11850,39 @@
               </a:lnSpc>
             </a:pPr>
             <a:r>
-              <a:rPr lang="ja-JP" altLang="en-US" sz="1900" b="1" strike="noStrike" spc="-1" dirty="0" smtClean="0">
-                <a:solidFill>
-                  <a:srgbClr val="000000"/>
-                </a:solidFill>
-                <a:latin typeface="Arial"/>
-                <a:ea typeface="Arial"/>
-              </a:rPr>
-              <a:t>一括スキャン対象</a:t>
+              <a:rPr lang="ja-JP" altLang="en-US" sz="1900" b="1" spc="-1" dirty="0" smtClean="0">
+                <a:solidFill>
+                  <a:srgbClr val="000000"/>
+                </a:solidFill>
+                <a:ea typeface="Arial"/>
+              </a:rPr>
+              <a:t>バルクスキャン</a:t>
+            </a:r>
+            <a:r>
+              <a:rPr lang="en-US" altLang="ja-JP" sz="1900" b="1" spc="-1" dirty="0" smtClean="0">
+                <a:solidFill>
+                  <a:srgbClr val="000000"/>
+                </a:solidFill>
+                <a:ea typeface="Arial"/>
+              </a:rPr>
+              <a:t/>
+            </a:r>
+            <a:br>
+              <a:rPr lang="en-US" altLang="ja-JP" sz="1900" b="1" spc="-1" dirty="0" smtClean="0">
+                <a:solidFill>
+                  <a:srgbClr val="000000"/>
+                </a:solidFill>
+                <a:ea typeface="Arial"/>
+              </a:rPr>
+            </a:br>
+            <a:r>
+              <a:rPr lang="ja-JP" altLang="en-US" sz="1900" b="1" spc="-1" dirty="0" smtClean="0">
+                <a:solidFill>
+                  <a:srgbClr val="000000"/>
+                </a:solidFill>
+                <a:ea typeface="Arial"/>
+              </a:rPr>
+              <a:t>の対象</a:t>
             </a:r>
             <a:endParaRPr lang="en-US" sz="1900" b="0" strike="noStrike" spc="-1" dirty="0">
               <a:latin typeface="Arial"/>
@@ -12540,6 +12554,10 @@
               <a:buChar char="•"/>
             </a:pPr>
             <a:r>
+              <a:rPr lang="ja-JP" altLang="en-US" dirty="0"/>
+              <a:t>バルクスキャン</a:t>
+            </a:r>
+            <a:r>
               <a:rPr lang="ja-JP" altLang="en-US" sz="1900" spc="-1" dirty="0" smtClean="0">
                 <a:solidFill>
                   <a:srgbClr val="000000"/>
@@ -12547,17 +12565,7 @@
                 <a:latin typeface="Arial"/>
                 <a:ea typeface="Arial"/>
               </a:rPr>
-              <a:t>一括</a:t>
-            </a:r>
-            <a:r>
-              <a:rPr lang="ja-JP" altLang="en-US" sz="1900" spc="-1" dirty="0">
-                <a:solidFill>
-                  <a:srgbClr val="000000"/>
-                </a:solidFill>
-                <a:latin typeface="Arial"/>
-                <a:ea typeface="Arial"/>
-              </a:rPr>
-              <a:t>検索</a:t>
+              <a:t>は</a:t>
             </a:r>
             <a:r>
               <a:rPr lang="ja-JP" altLang="en-US" sz="1900" spc="-1" dirty="0" smtClean="0">
@@ -12567,7 +12575,7 @@
                 <a:latin typeface="Arial"/>
                 <a:ea typeface="Arial"/>
               </a:rPr>
-              <a:t>は適用フォルダだけでなく、全アップロード物に対して行われる</a:t>
+              <a:t>適用フォルダだけでなく、全アップロード物に対して行われる</a:t>
             </a:r>
             <a:r>
               <a:rPr lang="en-US" sz="1700" b="0" strike="noStrike" spc="-1" dirty="0" smtClean="0">
@@ -14074,7 +14082,46 @@
                 <a:latin typeface="Arial"/>
                 <a:ea typeface="Arial"/>
               </a:rPr>
-              <a:t>コピーライトの調査結果は主計ビューで表示される</a:t>
+              <a:t>コピーライトの調査結果</a:t>
+            </a:r>
+            <a:r>
+              <a:rPr lang="ja-JP" altLang="en-US" sz="1900" b="0" strike="noStrike" spc="-1" dirty="0" smtClean="0">
+                <a:solidFill>
+                  <a:srgbClr val="000000"/>
+                </a:solidFill>
+                <a:latin typeface="Arial"/>
+                <a:ea typeface="Arial"/>
+              </a:rPr>
+              <a:t>は</a:t>
+            </a:r>
+            <a:r>
+              <a:rPr lang="en-US" altLang="ja-JP" sz="1900" spc="-1" dirty="0">
+                <a:solidFill>
+                  <a:srgbClr val="000000"/>
+                </a:solidFill>
+                <a:ea typeface="Arial"/>
+              </a:rPr>
+              <a:t>Aggregated view</a:t>
+            </a:r>
+            <a:r>
+              <a:rPr lang="ja-JP" altLang="en-US" sz="1900" b="0" strike="noStrike" spc="-1" dirty="0" smtClean="0">
+                <a:solidFill>
+                  <a:srgbClr val="000000"/>
+                </a:solidFill>
+                <a:latin typeface="Arial"/>
+                <a:ea typeface="Arial"/>
+              </a:rPr>
+              <a:t>で</a:t>
+            </a:r>
+            <a:r>
+              <a:rPr lang="ja-JP" altLang="en-US" sz="1900" b="0" strike="noStrike" spc="-1" dirty="0" smtClean="0">
+                <a:solidFill>
+                  <a:srgbClr val="000000"/>
+                </a:solidFill>
+                <a:latin typeface="Arial"/>
+                <a:ea typeface="Arial"/>
+              </a:rPr>
+              <a:t>表示される</a:t>
             </a:r>
             <a:endParaRPr lang="en-US" sz="1900" b="0" strike="noStrike" spc="-1" dirty="0" smtClean="0">
               <a:latin typeface="Arial"/>
@@ -16042,61 +16089,59 @@
               <a:buChar char="∙"/>
             </a:pPr>
             <a:r>
+              <a:rPr lang="en-US" altLang="ja-JP" spc="-1" dirty="0">
+                <a:solidFill>
+                  <a:srgbClr val="000000"/>
+                </a:solidFill>
+                <a:ea typeface="Arial"/>
+              </a:rPr>
+              <a:t>At aggregated license browser </a:t>
+            </a:r>
+            <a:r>
+              <a:rPr lang="en-US" altLang="ja-JP" spc="-1" dirty="0" smtClean="0">
+                <a:solidFill>
+                  <a:srgbClr val="000000"/>
+                </a:solidFill>
+                <a:ea typeface="Arial"/>
+              </a:rPr>
+              <a:t>view</a:t>
+            </a:r>
+            <a:r>
+              <a:rPr lang="ja-JP" altLang="en-US" spc="-1" dirty="0" smtClean="0">
+                <a:solidFill>
+                  <a:srgbClr val="000000"/>
+                </a:solidFill>
+                <a:ea typeface="Arial"/>
+              </a:rPr>
+              <a:t>から</a:t>
+            </a:r>
+            <a:r>
               <a:rPr lang="ja-JP" altLang="en-US" sz="1900" spc="-1" dirty="0" smtClean="0">
                 <a:solidFill>
                   <a:srgbClr val="000000"/>
                 </a:solidFill>
                 <a:ea typeface="Arial"/>
               </a:rPr>
-              <a:t>集約</a:t>
-            </a:r>
-            <a:r>
-              <a:rPr lang="ja-JP" altLang="en-US" sz="1900" spc="-1" dirty="0">
-                <a:solidFill>
-                  <a:srgbClr val="000000"/>
-                </a:solidFill>
-                <a:ea typeface="Arial"/>
-              </a:rPr>
-              <a:t>ライセンスブラウザビューでリンクを</a:t>
+              <a:t> </a:t>
+            </a:r>
+            <a:r>
+              <a:rPr lang="en-US" sz="1900" b="0" strike="noStrike" spc="-1" dirty="0" smtClean="0">
+                <a:solidFill>
+                  <a:srgbClr val="000000"/>
+                </a:solidFill>
+                <a:latin typeface="Arial"/>
+                <a:ea typeface="Arial"/>
+              </a:rPr>
+              <a:t>[Edit]</a:t>
             </a:r>
             <a:r>
               <a:rPr lang="ja-JP" altLang="en-US" sz="1900" spc="-1" dirty="0" smtClean="0">
                 <a:solidFill>
                   <a:srgbClr val="000000"/>
                 </a:solidFill>
-                <a:ea typeface="Arial"/>
-              </a:rPr>
-              <a:t>選択 </a:t>
-            </a:r>
-            <a:r>
-              <a:rPr lang="en-US" sz="1900" b="0" strike="noStrike" spc="-1" dirty="0" smtClean="0">
-                <a:solidFill>
-                  <a:srgbClr val="000000"/>
-                </a:solidFill>
-                <a:latin typeface="Arial"/>
-                <a:ea typeface="Arial"/>
-              </a:rPr>
-              <a:t>[</a:t>
-            </a:r>
-            <a:r>
-              <a:rPr lang="ja-JP" altLang="en-US" sz="1900" b="0" strike="noStrike" spc="-1" dirty="0" smtClean="0">
-                <a:solidFill>
-                  <a:srgbClr val="000000"/>
-                </a:solidFill>
-                <a:latin typeface="Arial"/>
-                <a:ea typeface="Arial"/>
-              </a:rPr>
-              <a:t>編集</a:t>
-            </a:r>
-            <a:r>
-              <a:rPr lang="en-US" sz="1900" b="0" strike="noStrike" spc="-1" dirty="0" smtClean="0">
-                <a:solidFill>
-                  <a:srgbClr val="000000"/>
-                </a:solidFill>
-                <a:latin typeface="Arial"/>
-                <a:ea typeface="Arial"/>
-              </a:rPr>
-              <a:t>]</a:t>
+                <a:latin typeface="Arial"/>
+              </a:rPr>
+              <a:t>リンク選択</a:t>
             </a:r>
             <a:endParaRPr lang="en-US" sz="1900" b="0" strike="noStrike" spc="-1" dirty="0">
               <a:latin typeface="Arial"/>
@@ -20608,13 +20653,23 @@
               <a:buAutoNum type="arabicPeriod"/>
             </a:pPr>
             <a:r>
+              <a:rPr lang="en-US" altLang="ja-JP" sz="1900" b="1" spc="-1" dirty="0">
+                <a:solidFill>
+                  <a:srgbClr val="000000"/>
+                </a:solidFill>
+                <a:latin typeface="ＭＳ ゴシック" panose="020B0609070205080204" pitchFamily="49" charset="-128"/>
+                <a:ea typeface="ＭＳ ゴシック" panose="020B0609070205080204" pitchFamily="49" charset="-128"/>
+              </a:rPr>
+              <a:t>Aggregated view</a:t>
+            </a:r>
+            <a:r>
               <a:rPr lang="ja-JP" altLang="en-US" sz="1900" b="1" spc="-1" dirty="0" smtClean="0">
                 <a:solidFill>
                   <a:srgbClr val="000000"/>
                 </a:solidFill>
                 <a:ea typeface="Arial"/>
               </a:rPr>
-              <a:t>集計</a:t>
+              <a:t>で</a:t>
             </a:r>
             <a:r>
               <a:rPr lang="ja-JP" altLang="en-US" sz="1900" b="1" spc="-1" dirty="0">
@@ -20623,7 +20678,7 @@
                 </a:solidFill>
                 <a:ea typeface="Arial"/>
               </a:rPr>
-              <a:t>ビューで再利用率を</a:t>
+              <a:t>再利用率を</a:t>
             </a:r>
             <a:r>
               <a:rPr lang="ja-JP" altLang="en-US" sz="1900" b="1" spc="-1" dirty="0" smtClean="0">
@@ -25949,25 +26004,7 @@
                 </a:solidFill>
                 <a:ea typeface="Arial"/>
               </a:rPr>
-              <a:t>。</a:t>
-            </a:r>
-            <a:r>
-              <a:rPr lang="ja-JP" altLang="en-US" sz="1600" i="1" spc="-1" dirty="0" smtClean="0">
-                <a:solidFill>
-                  <a:srgbClr val="000000"/>
-                </a:solidFill>
-                <a:ea typeface="Arial"/>
-              </a:rPr>
-              <a:t>どうしていきましょう</a:t>
-            </a:r>
-            <a:r>
-              <a:rPr lang="ja-JP" altLang="en-US" sz="1600" i="1" spc="-1" dirty="0" smtClean="0">
-                <a:solidFill>
-                  <a:srgbClr val="000000"/>
-                </a:solidFill>
-                <a:ea typeface="Arial"/>
-              </a:rPr>
-              <a:t>？</a:t>
+              <a:t>。どうしていきましょう？</a:t>
             </a:r>
             <a:r>
               <a:rPr lang="en-US" sz="1600" b="0" i="1" strike="noStrike" spc="-1" dirty="0" smtClean="0">
@@ -28994,34 +29031,22 @@
               </a:lnSpc>
             </a:pPr>
             <a:r>
-              <a:rPr lang="en-US" sz="3200" b="1" strike="noStrike" spc="-1" dirty="0" smtClean="0">
-                <a:solidFill>
-                  <a:srgbClr val="000000"/>
-                </a:solidFill>
-                <a:latin typeface="Arial"/>
+              <a:rPr lang="en-US" sz="3200" b="1" spc="-1" dirty="0">
+                <a:solidFill>
+                  <a:srgbClr val="000000"/>
+                </a:solidFill>
                 <a:ea typeface="Arial"/>
               </a:rPr>
               <a:t>FOSSology</a:t>
             </a:r>
             <a:r>
-              <a:rPr lang="ja-JP" altLang="en-US" sz="3200" b="1" strike="noStrike" spc="-1" dirty="0" smtClean="0">
-                <a:solidFill>
-                  <a:srgbClr val="000000"/>
-                </a:solidFill>
-                <a:latin typeface="Arial"/>
-                <a:ea typeface="Arial"/>
-              </a:rPr>
-              <a:t>どう動かすか</a:t>
-            </a:r>
-            <a:r>
-              <a:rPr lang="en-US" sz="3200" b="1" strike="noStrike" spc="-1" dirty="0" smtClean="0">
-                <a:solidFill>
-                  <a:srgbClr val="000000"/>
-                </a:solidFill>
-                <a:latin typeface="Arial"/>
-                <a:ea typeface="Arial"/>
-              </a:rPr>
-              <a:t>?</a:t>
+              <a:rPr lang="ja-JP" altLang="en-US" sz="3200" b="1" spc="-1" dirty="0">
+                <a:solidFill>
+                  <a:srgbClr val="000000"/>
+                </a:solidFill>
+                <a:ea typeface="Arial"/>
+              </a:rPr>
+              <a:t>を使った作業の流れ</a:t>
             </a:r>
             <a:endParaRPr lang="en-US" sz="3200" b="0" strike="noStrike" spc="-1" dirty="0">
               <a:latin typeface="Arial"/>
@@ -34899,8 +34924,8 @@
                 <a:solidFill>
                   <a:srgbClr val="000000"/>
                 </a:solidFill>
-                <a:latin typeface="Arial"/>
-                <a:ea typeface="Arial"/>
+                <a:latin typeface="ＭＳ ゴシック" panose="020B0609070205080204" pitchFamily="49" charset="-128"/>
+                <a:ea typeface="ＭＳ ゴシック" panose="020B0609070205080204" pitchFamily="49" charset="-128"/>
               </a:rPr>
               <a:t>FOSSology </a:t>
             </a:r>
@@ -34909,13 +34934,14 @@
                 <a:solidFill>
                   <a:srgbClr val="000000"/>
                 </a:solidFill>
-                <a:latin typeface="Arial"/>
-                <a:ea typeface="Arial"/>
+                <a:latin typeface="ＭＳ ゴシック" panose="020B0609070205080204" pitchFamily="49" charset="-128"/>
+                <a:ea typeface="ＭＳ ゴシック" panose="020B0609070205080204" pitchFamily="49" charset="-128"/>
               </a:rPr>
               <a:t>を最初から最後まで使ってみる</a:t>
             </a:r>
-            <a:endParaRPr lang="en-US" sz="1900" b="0" strike="noStrike" spc="-1" dirty="0">
-              <a:latin typeface="Arial"/>
+            <a:endParaRPr lang="en-US" sz="1900" b="1" strike="noStrike" spc="-1" dirty="0">
+              <a:latin typeface="ＭＳ ゴシック" panose="020B0609070205080204" pitchFamily="49" charset="-128"/>
+              <a:ea typeface="ＭＳ ゴシック" panose="020B0609070205080204" pitchFamily="49" charset="-128"/>
             </a:endParaRPr>
           </a:p>
           <a:p>
@@ -34930,37 +34956,38 @@
               <a:buChar char="∙"/>
             </a:pPr>
             <a:r>
-              <a:rPr lang="ja-JP" altLang="en-US" sz="1900" spc="-1" dirty="0" smtClean="0">
-                <a:solidFill>
-                  <a:srgbClr val="000000"/>
-                </a:solidFill>
-                <a:latin typeface="Arial"/>
-                <a:ea typeface="Arial"/>
+              <a:rPr lang="ja-JP" altLang="en-US" sz="1900" b="1" spc="-1" dirty="0" smtClean="0">
+                <a:solidFill>
+                  <a:srgbClr val="000000"/>
+                </a:solidFill>
+                <a:latin typeface="ＭＳ ゴシック" panose="020B0609070205080204" pitchFamily="49" charset="-128"/>
+                <a:ea typeface="ＭＳ ゴシック" panose="020B0609070205080204" pitchFamily="49" charset="-128"/>
               </a:rPr>
               <a:t>アップロードから</a:t>
             </a:r>
             <a:r>
-              <a:rPr lang="en-US" sz="1900" b="0" strike="noStrike" spc="-1" dirty="0" smtClean="0">
-                <a:solidFill>
-                  <a:srgbClr val="000000"/>
-                </a:solidFill>
-                <a:latin typeface="Arial"/>
-                <a:ea typeface="Arial"/>
+              <a:rPr lang="en-US" sz="1900" b="1" strike="noStrike" spc="-1" dirty="0" smtClean="0">
+                <a:solidFill>
+                  <a:srgbClr val="000000"/>
+                </a:solidFill>
+                <a:latin typeface="ＭＳ ゴシック" panose="020B0609070205080204" pitchFamily="49" charset="-128"/>
+                <a:ea typeface="ＭＳ ゴシック" panose="020B0609070205080204" pitchFamily="49" charset="-128"/>
               </a:rPr>
               <a:t> </a:t>
             </a:r>
             <a:r>
-              <a:rPr lang="en-US" sz="1900" b="0" strike="noStrike" spc="-1" dirty="0">
-                <a:solidFill>
-                  <a:srgbClr val="000000"/>
-                </a:solidFill>
-                <a:latin typeface="Arial"/>
-                <a:ea typeface="Arial"/>
+              <a:rPr lang="en-US" sz="1900" b="1" strike="noStrike" spc="-1" dirty="0">
+                <a:solidFill>
+                  <a:srgbClr val="000000"/>
+                </a:solidFill>
+                <a:latin typeface="ＭＳ ゴシック" panose="020B0609070205080204" pitchFamily="49" charset="-128"/>
+                <a:ea typeface="ＭＳ ゴシック" panose="020B0609070205080204" pitchFamily="49" charset="-128"/>
               </a:rPr>
               <a:t>…</a:t>
             </a:r>
-            <a:endParaRPr lang="en-US" sz="1900" b="0" strike="noStrike" spc="-1" dirty="0">
-              <a:latin typeface="Arial"/>
+            <a:endParaRPr lang="en-US" sz="1900" b="1" strike="noStrike" spc="-1" dirty="0">
+              <a:latin typeface="ＭＳ ゴシック" panose="020B0609070205080204" pitchFamily="49" charset="-128"/>
+              <a:ea typeface="ＭＳ ゴシック" panose="020B0609070205080204" pitchFamily="49" charset="-128"/>
             </a:endParaRPr>
           </a:p>
           <a:p>
@@ -34975,77 +35002,78 @@
               <a:buChar char="∙"/>
             </a:pPr>
             <a:r>
-              <a:rPr lang="en-US" sz="1900" b="0" strike="noStrike" spc="-1" dirty="0">
-                <a:solidFill>
-                  <a:srgbClr val="000000"/>
-                </a:solidFill>
-                <a:latin typeface="Arial"/>
-                <a:ea typeface="Arial"/>
+              <a:rPr lang="en-US" sz="1900" b="1" strike="noStrike" spc="-1" dirty="0">
+                <a:solidFill>
+                  <a:srgbClr val="000000"/>
+                </a:solidFill>
+                <a:latin typeface="ＭＳ ゴシック" panose="020B0609070205080204" pitchFamily="49" charset="-128"/>
+                <a:ea typeface="ＭＳ ゴシック" panose="020B0609070205080204" pitchFamily="49" charset="-128"/>
               </a:rPr>
               <a:t>… </a:t>
             </a:r>
             <a:r>
-              <a:rPr lang="ja-JP" altLang="en-US" sz="1900" spc="-1" dirty="0">
-                <a:solidFill>
-                  <a:srgbClr val="000000"/>
-                </a:solidFill>
-                <a:latin typeface="Arial"/>
-                <a:ea typeface="Arial"/>
+              <a:rPr lang="ja-JP" altLang="en-US" sz="1900" b="1" spc="-1" dirty="0">
+                <a:solidFill>
+                  <a:srgbClr val="000000"/>
+                </a:solidFill>
+                <a:latin typeface="ＭＳ ゴシック" panose="020B0609070205080204" pitchFamily="49" charset="-128"/>
+                <a:ea typeface="ＭＳ ゴシック" panose="020B0609070205080204" pitchFamily="49" charset="-128"/>
               </a:rPr>
               <a:t>レポート</a:t>
             </a:r>
             <a:r>
-              <a:rPr lang="ja-JP" altLang="en-US" sz="1900" spc="-1" dirty="0" smtClean="0">
-                <a:solidFill>
-                  <a:srgbClr val="000000"/>
-                </a:solidFill>
-                <a:latin typeface="Arial"/>
-                <a:ea typeface="Arial"/>
+              <a:rPr lang="ja-JP" altLang="en-US" sz="1900" b="1" spc="-1" dirty="0" smtClean="0">
+                <a:solidFill>
+                  <a:srgbClr val="000000"/>
+                </a:solidFill>
+                <a:latin typeface="ＭＳ ゴシック" panose="020B0609070205080204" pitchFamily="49" charset="-128"/>
+                <a:ea typeface="ＭＳ ゴシック" panose="020B0609070205080204" pitchFamily="49" charset="-128"/>
               </a:rPr>
               <a:t>の</a:t>
             </a:r>
             <a:r>
-              <a:rPr lang="ja-JP" altLang="en-US" sz="1900" spc="-1" dirty="0">
-                <a:solidFill>
-                  <a:srgbClr val="000000"/>
-                </a:solidFill>
-                <a:latin typeface="Arial"/>
-                <a:ea typeface="Arial"/>
+              <a:rPr lang="ja-JP" altLang="en-US" sz="1900" b="1" spc="-1" dirty="0">
+                <a:solidFill>
+                  <a:srgbClr val="000000"/>
+                </a:solidFill>
+                <a:latin typeface="ＭＳ ゴシック" panose="020B0609070205080204" pitchFamily="49" charset="-128"/>
+                <a:ea typeface="ＭＳ ゴシック" panose="020B0609070205080204" pitchFamily="49" charset="-128"/>
               </a:rPr>
               <a:t>作成</a:t>
             </a:r>
             <a:r>
-              <a:rPr lang="ja-JP" altLang="en-US" sz="1900" spc="-1" dirty="0" smtClean="0">
-                <a:solidFill>
-                  <a:srgbClr val="000000"/>
-                </a:solidFill>
-                <a:latin typeface="Arial"/>
-                <a:ea typeface="Arial"/>
+              <a:rPr lang="ja-JP" altLang="en-US" sz="1900" b="1" spc="-1" dirty="0" smtClean="0">
+                <a:solidFill>
+                  <a:srgbClr val="000000"/>
+                </a:solidFill>
+                <a:latin typeface="ＭＳ ゴシック" panose="020B0609070205080204" pitchFamily="49" charset="-128"/>
+                <a:ea typeface="ＭＳ ゴシック" panose="020B0609070205080204" pitchFamily="49" charset="-128"/>
               </a:rPr>
               <a:t>まで</a:t>
             </a:r>
             <a:r>
-              <a:rPr lang="en-US" sz="1900" b="0" strike="noStrike" spc="-1" dirty="0" smtClean="0">
-                <a:solidFill>
-                  <a:srgbClr val="000000"/>
-                </a:solidFill>
-                <a:latin typeface="Arial"/>
-                <a:ea typeface="Arial"/>
+              <a:rPr lang="en-US" sz="1900" b="1" strike="noStrike" spc="-1" dirty="0" smtClean="0">
+                <a:solidFill>
+                  <a:srgbClr val="000000"/>
+                </a:solidFill>
+                <a:latin typeface="ＭＳ ゴシック" panose="020B0609070205080204" pitchFamily="49" charset="-128"/>
+                <a:ea typeface="ＭＳ ゴシック" panose="020B0609070205080204" pitchFamily="49" charset="-128"/>
               </a:rPr>
               <a:t>: </a:t>
             </a:r>
             <a:r>
-              <a:rPr lang="en-US" sz="1900" b="0" strike="noStrike" spc="-1" dirty="0">
-                <a:solidFill>
-                  <a:srgbClr val="000000"/>
-                </a:solidFill>
-                <a:latin typeface="Arial"/>
-                <a:ea typeface="Arial"/>
+              <a:rPr lang="en-US" sz="1900" b="1" strike="noStrike" spc="-1" dirty="0">
+                <a:solidFill>
+                  <a:srgbClr val="000000"/>
+                </a:solidFill>
+                <a:latin typeface="ＭＳ ゴシック" panose="020B0609070205080204" pitchFamily="49" charset="-128"/>
+                <a:ea typeface="ＭＳ ゴシック" panose="020B0609070205080204" pitchFamily="49" charset="-128"/>
               </a:rPr>
               <a:t>SPDX</a:t>
             </a:r>
-            <a:endParaRPr lang="en-US" sz="1900" b="0" strike="noStrike" spc="-1" dirty="0">
-              <a:latin typeface="Arial"/>
+            <a:endParaRPr lang="en-US" sz="1900" b="1" strike="noStrike" spc="-1" dirty="0">
+              <a:latin typeface="ＭＳ ゴシック" panose="020B0609070205080204" pitchFamily="49" charset="-128"/>
+              <a:ea typeface="ＭＳ ゴシック" panose="020B0609070205080204" pitchFamily="49" charset="-128"/>
             </a:endParaRPr>
           </a:p>
           <a:p>
@@ -35067,8 +35095,8 @@
                 <a:solidFill>
                   <a:srgbClr val="000000"/>
                 </a:solidFill>
-                <a:latin typeface="Arial"/>
-                <a:ea typeface="Arial"/>
+                <a:latin typeface="ＭＳ ゴシック" panose="020B0609070205080204" pitchFamily="49" charset="-128"/>
+                <a:ea typeface="ＭＳ ゴシック" panose="020B0609070205080204" pitchFamily="49" charset="-128"/>
               </a:rPr>
               <a:t>アップロード</a:t>
             </a:r>
@@ -35077,8 +35105,8 @@
                 <a:solidFill>
                   <a:srgbClr val="000000"/>
                 </a:solidFill>
-                <a:latin typeface="Arial"/>
-                <a:ea typeface="Arial"/>
+                <a:latin typeface="ＭＳ ゴシック" panose="020B0609070205080204" pitchFamily="49" charset="-128"/>
+                <a:ea typeface="ＭＳ ゴシック" panose="020B0609070205080204" pitchFamily="49" charset="-128"/>
               </a:rPr>
               <a:t> </a:t>
             </a:r>
@@ -35087,8 +35115,8 @@
                 <a:solidFill>
                   <a:srgbClr val="000000"/>
                 </a:solidFill>
-                <a:latin typeface="Arial"/>
-                <a:ea typeface="Arial"/>
+                <a:latin typeface="ＭＳ ゴシック" panose="020B0609070205080204" pitchFamily="49" charset="-128"/>
+                <a:ea typeface="ＭＳ ゴシック" panose="020B0609070205080204" pitchFamily="49" charset="-128"/>
               </a:rPr>
               <a:t>- </a:t>
             </a:r>
@@ -35097,13 +35125,14 @@
                 <a:solidFill>
                   <a:srgbClr val="000000"/>
                 </a:solidFill>
-                <a:latin typeface="Arial"/>
-                <a:ea typeface="Arial"/>
+                <a:latin typeface="ＭＳ ゴシック" panose="020B0609070205080204" pitchFamily="49" charset="-128"/>
+                <a:ea typeface="ＭＳ ゴシック" panose="020B0609070205080204" pitchFamily="49" charset="-128"/>
               </a:rPr>
               <a:t>いろいろな選択肢がある</a:t>
             </a:r>
-            <a:endParaRPr lang="en-US" sz="1900" b="0" strike="noStrike" spc="-1" dirty="0">
-              <a:latin typeface="Arial"/>
+            <a:endParaRPr lang="en-US" sz="1900" b="1" strike="noStrike" spc="-1" dirty="0">
+              <a:latin typeface="ＭＳ ゴシック" panose="020B0609070205080204" pitchFamily="49" charset="-128"/>
+              <a:ea typeface="ＭＳ ゴシック" panose="020B0609070205080204" pitchFamily="49" charset="-128"/>
             </a:endParaRPr>
           </a:p>
           <a:p>
@@ -35125,7 +35154,8 @@
                 <a:solidFill>
                   <a:srgbClr val="000000"/>
                 </a:solidFill>
-                <a:ea typeface="Arial"/>
+                <a:latin typeface="ＭＳ ゴシック" panose="020B0609070205080204" pitchFamily="49" charset="-128"/>
+                <a:ea typeface="ＭＳ ゴシック" panose="020B0609070205080204" pitchFamily="49" charset="-128"/>
               </a:rPr>
               <a:t>アップロードされたファイルをライセンスブラウザで</a:t>
             </a:r>
@@ -35134,12 +35164,17 @@
                 <a:solidFill>
                   <a:srgbClr val="000000"/>
                 </a:solidFill>
-                <a:ea typeface="Arial"/>
+                <a:latin typeface="ＭＳ ゴシック" panose="020B0609070205080204" pitchFamily="49" charset="-128"/>
+                <a:ea typeface="ＭＳ ゴシック" panose="020B0609070205080204" pitchFamily="49" charset="-128"/>
               </a:rPr>
               <a:t>確認</a:t>
             </a:r>
-            <a:endParaRPr lang="en-US" sz="1900" b="0" strike="noStrike" spc="-1" dirty="0">
-              <a:latin typeface="Arial"/>
+            <a:endParaRPr lang="en-US" altLang="ja-JP" sz="1900" b="1" spc="-1" dirty="0" smtClean="0">
+              <a:solidFill>
+                <a:srgbClr val="000000"/>
+              </a:solidFill>
+              <a:latin typeface="ＭＳ ゴシック" panose="020B0609070205080204" pitchFamily="49" charset="-128"/>
+              <a:ea typeface="ＭＳ ゴシック" panose="020B0609070205080204" pitchFamily="49" charset="-128"/>
             </a:endParaRPr>
           </a:p>
           <a:p>
@@ -35157,37 +35192,22 @@
               <a:buAutoNum type="arabicPeriod"/>
             </a:pPr>
             <a:r>
-              <a:rPr lang="en-US" sz="1900" b="1" strike="noStrike" spc="-1" dirty="0" smtClean="0">
-                <a:solidFill>
-                  <a:srgbClr val="000000"/>
-                </a:solidFill>
-                <a:latin typeface="Arial"/>
-                <a:ea typeface="Arial"/>
-              </a:rPr>
-              <a:t>“clearing”</a:t>
-            </a:r>
-            <a:r>
-              <a:rPr lang="ja-JP" altLang="en-US" sz="1900" b="1" strike="noStrike" spc="-1" dirty="0" smtClean="0">
-                <a:solidFill>
-                  <a:srgbClr val="000000"/>
-                </a:solidFill>
-                <a:latin typeface="Arial"/>
-                <a:ea typeface="Arial"/>
-              </a:rPr>
-              <a:t>作業を行う</a:t>
-            </a:r>
-            <a:r>
-              <a:rPr lang="en-US" sz="1900" b="1" strike="noStrike" spc="-1" dirty="0" smtClean="0">
-                <a:solidFill>
-                  <a:srgbClr val="000000"/>
-                </a:solidFill>
-                <a:latin typeface="Arial"/>
-                <a:ea typeface="Arial"/>
-              </a:rPr>
-              <a:t> </a:t>
-            </a:r>
-            <a:endParaRPr lang="en-US" sz="1900" b="0" strike="noStrike" spc="-1" dirty="0">
-              <a:latin typeface="Arial"/>
+              <a:rPr lang="en-US" altLang="ja-JP" sz="1900" b="1" spc="-1" dirty="0">
+                <a:latin typeface="ＭＳ ゴシック" panose="020B0609070205080204" pitchFamily="49" charset="-128"/>
+                <a:ea typeface="ＭＳ ゴシック" panose="020B0609070205080204" pitchFamily="49" charset="-128"/>
+              </a:rPr>
+              <a:t>Aggregated view</a:t>
+            </a:r>
+            <a:r>
+              <a:rPr lang="ja-JP" altLang="en-US" sz="1900" b="1" spc="-1" dirty="0">
+                <a:latin typeface="ＭＳ ゴシック" panose="020B0609070205080204" pitchFamily="49" charset="-128"/>
+                <a:ea typeface="ＭＳ ゴシック" panose="020B0609070205080204" pitchFamily="49" charset="-128"/>
+              </a:rPr>
+              <a:t>で、検出されたライセンスをレビュー</a:t>
+            </a:r>
+            <a:endParaRPr lang="en-US" sz="1900" b="1" strike="noStrike" spc="-1" dirty="0">
+              <a:latin typeface="ＭＳ ゴシック" panose="020B0609070205080204" pitchFamily="49" charset="-128"/>
+              <a:ea typeface="ＭＳ ゴシック" panose="020B0609070205080204" pitchFamily="49" charset="-128"/>
             </a:endParaRPr>
           </a:p>
           <a:p>
@@ -35205,25 +35225,38 @@
               <a:buAutoNum type="arabicPeriod"/>
             </a:pPr>
             <a:r>
-              <a:rPr lang="ja-JP" altLang="en-US" sz="1900" b="1" spc="-1" dirty="0">
-                <a:solidFill>
-                  <a:srgbClr val="000000"/>
-                </a:solidFill>
-                <a:latin typeface="Arial"/>
-              </a:rPr>
-              <a:t>コピーライト</a:t>
-            </a:r>
-            <a:r>
-              <a:rPr lang="ja-JP" altLang="en-US" sz="1900" b="1" spc="-1" dirty="0" smtClean="0">
-                <a:solidFill>
-                  <a:srgbClr val="000000"/>
-                </a:solidFill>
-                <a:latin typeface="Arial"/>
-              </a:rPr>
-              <a:t>のレビュー</a:t>
-            </a:r>
-            <a:endParaRPr lang="en-US" sz="1900" b="0" strike="noStrike" spc="-1" dirty="0">
-              <a:latin typeface="Arial"/>
+              <a:rPr lang="en-US" sz="1900" b="1" strike="noStrike" spc="-1" dirty="0" smtClean="0">
+                <a:solidFill>
+                  <a:srgbClr val="000000"/>
+                </a:solidFill>
+                <a:latin typeface="ＭＳ ゴシック" panose="020B0609070205080204" pitchFamily="49" charset="-128"/>
+                <a:ea typeface="ＭＳ ゴシック" panose="020B0609070205080204" pitchFamily="49" charset="-128"/>
+              </a:rPr>
+              <a:t>“clearing”</a:t>
+            </a:r>
+            <a:r>
+              <a:rPr lang="ja-JP" altLang="en-US" sz="1900" b="1" strike="noStrike" spc="-1" dirty="0" smtClean="0">
+                <a:solidFill>
+                  <a:srgbClr val="000000"/>
+                </a:solidFill>
+                <a:latin typeface="ＭＳ ゴシック" panose="020B0609070205080204" pitchFamily="49" charset="-128"/>
+                <a:ea typeface="ＭＳ ゴシック" panose="020B0609070205080204" pitchFamily="49" charset="-128"/>
+              </a:rPr>
+              <a:t>作業を行う</a:t>
+            </a:r>
+            <a:r>
+              <a:rPr lang="en-US" sz="1900" b="1" strike="noStrike" spc="-1" dirty="0" smtClean="0">
+                <a:solidFill>
+                  <a:srgbClr val="000000"/>
+                </a:solidFill>
+                <a:latin typeface="ＭＳ ゴシック" panose="020B0609070205080204" pitchFamily="49" charset="-128"/>
+                <a:ea typeface="ＭＳ ゴシック" panose="020B0609070205080204" pitchFamily="49" charset="-128"/>
+              </a:rPr>
+              <a:t> </a:t>
+            </a:r>
+            <a:endParaRPr lang="en-US" sz="1900" b="1" strike="noStrike" spc="-1" dirty="0">
+              <a:latin typeface="ＭＳ ゴシック" panose="020B0609070205080204" pitchFamily="49" charset="-128"/>
+              <a:ea typeface="ＭＳ ゴシック" panose="020B0609070205080204" pitchFamily="49" charset="-128"/>
             </a:endParaRPr>
           </a:p>
           <a:p>
@@ -35241,57 +35274,28 @@
               <a:buAutoNum type="arabicPeriod"/>
             </a:pPr>
             <a:r>
-              <a:rPr lang="ja-JP" altLang="en-US" sz="1900" b="1" strike="noStrike" spc="-1" dirty="0" smtClean="0">
-                <a:solidFill>
-                  <a:srgbClr val="000000"/>
-                </a:solidFill>
-                <a:latin typeface="Arial"/>
-                <a:ea typeface="Arial"/>
-              </a:rPr>
-              <a:t>輸出管理情報</a:t>
-            </a:r>
-            <a:r>
-              <a:rPr lang="en-US" sz="1900" b="1" strike="noStrike" spc="-1" dirty="0" smtClean="0">
-                <a:solidFill>
-                  <a:srgbClr val="000000"/>
-                </a:solidFill>
-                <a:latin typeface="Arial"/>
-                <a:ea typeface="Arial"/>
-              </a:rPr>
-              <a:t>(</a:t>
-            </a:r>
-            <a:r>
-              <a:rPr lang="en-US" sz="1900" b="1" strike="noStrike" spc="-1" dirty="0">
-                <a:solidFill>
-                  <a:srgbClr val="000000"/>
-                </a:solidFill>
-                <a:latin typeface="Arial"/>
-                <a:ea typeface="Arial"/>
-              </a:rPr>
-              <a:t>ECC</a:t>
-            </a:r>
-            <a:r>
-              <a:rPr lang="en-US" sz="1900" b="1" strike="noStrike" spc="-1" dirty="0" smtClean="0">
-                <a:solidFill>
-                  <a:srgbClr val="000000"/>
-                </a:solidFill>
-                <a:latin typeface="Arial"/>
-                <a:ea typeface="Arial"/>
-              </a:rPr>
-              <a:t>)</a:t>
-            </a:r>
-            <a:r>
-              <a:rPr lang="ja-JP" altLang="en-US" sz="1900" b="1" strike="noStrike" spc="-1" dirty="0" smtClean="0">
-                <a:solidFill>
-                  <a:srgbClr val="000000"/>
-                </a:solidFill>
-                <a:latin typeface="Arial"/>
-                <a:ea typeface="Arial"/>
-              </a:rPr>
-              <a:t>レビュー</a:t>
-            </a:r>
-            <a:endParaRPr lang="en-US" sz="1900" b="0" strike="noStrike" spc="-1" dirty="0">
-              <a:latin typeface="Arial"/>
+              <a:rPr lang="ja-JP" altLang="en-US" sz="1900" b="1" spc="-1" dirty="0">
+                <a:solidFill>
+                  <a:srgbClr val="000000"/>
+                </a:solidFill>
+                <a:latin typeface="ＭＳ ゴシック" panose="020B0609070205080204" pitchFamily="49" charset="-128"/>
+                <a:ea typeface="ＭＳ ゴシック" panose="020B0609070205080204" pitchFamily="49" charset="-128"/>
+              </a:rPr>
+              <a:t>コピーライト</a:t>
+            </a:r>
+            <a:r>
+              <a:rPr lang="ja-JP" altLang="en-US" sz="1900" b="1" spc="-1" dirty="0" smtClean="0">
+                <a:solidFill>
+                  <a:srgbClr val="000000"/>
+                </a:solidFill>
+                <a:latin typeface="ＭＳ ゴシック" panose="020B0609070205080204" pitchFamily="49" charset="-128"/>
+                <a:ea typeface="ＭＳ ゴシック" panose="020B0609070205080204" pitchFamily="49" charset="-128"/>
+              </a:rPr>
+              <a:t>のレビュー</a:t>
+            </a:r>
+            <a:endParaRPr lang="en-US" sz="1900" b="1" strike="noStrike" spc="-1" dirty="0">
+              <a:latin typeface="ＭＳ ゴシック" panose="020B0609070205080204" pitchFamily="49" charset="-128"/>
+              <a:ea typeface="ＭＳ ゴシック" panose="020B0609070205080204" pitchFamily="49" charset="-128"/>
             </a:endParaRPr>
           </a:p>
           <a:p>
@@ -35309,12 +35313,81 @@
               <a:buAutoNum type="arabicPeriod"/>
             </a:pPr>
             <a:r>
+              <a:rPr lang="ja-JP" altLang="en-US" sz="1900" b="1" strike="noStrike" spc="-1" dirty="0" smtClean="0">
+                <a:solidFill>
+                  <a:srgbClr val="000000"/>
+                </a:solidFill>
+                <a:latin typeface="ＭＳ ゴシック" panose="020B0609070205080204" pitchFamily="49" charset="-128"/>
+                <a:ea typeface="ＭＳ ゴシック" panose="020B0609070205080204" pitchFamily="49" charset="-128"/>
+              </a:rPr>
+              <a:t>輸出管理情報</a:t>
+            </a:r>
+            <a:r>
+              <a:rPr lang="en-US" sz="1900" b="1" strike="noStrike" spc="-1" dirty="0" smtClean="0">
+                <a:solidFill>
+                  <a:srgbClr val="000000"/>
+                </a:solidFill>
+                <a:latin typeface="ＭＳ ゴシック" panose="020B0609070205080204" pitchFamily="49" charset="-128"/>
+                <a:ea typeface="ＭＳ ゴシック" panose="020B0609070205080204" pitchFamily="49" charset="-128"/>
+              </a:rPr>
+              <a:t>(</a:t>
+            </a:r>
+            <a:r>
+              <a:rPr lang="en-US" sz="1900" b="1" strike="noStrike" spc="-1" dirty="0">
+                <a:solidFill>
+                  <a:srgbClr val="000000"/>
+                </a:solidFill>
+                <a:latin typeface="ＭＳ ゴシック" panose="020B0609070205080204" pitchFamily="49" charset="-128"/>
+                <a:ea typeface="ＭＳ ゴシック" panose="020B0609070205080204" pitchFamily="49" charset="-128"/>
+              </a:rPr>
+              <a:t>ECC</a:t>
+            </a:r>
+            <a:r>
+              <a:rPr lang="en-US" sz="1900" b="1" strike="noStrike" spc="-1" dirty="0" smtClean="0">
+                <a:solidFill>
+                  <a:srgbClr val="000000"/>
+                </a:solidFill>
+                <a:latin typeface="ＭＳ ゴシック" panose="020B0609070205080204" pitchFamily="49" charset="-128"/>
+                <a:ea typeface="ＭＳ ゴシック" panose="020B0609070205080204" pitchFamily="49" charset="-128"/>
+              </a:rPr>
+              <a:t>)</a:t>
+            </a:r>
+            <a:r>
+              <a:rPr lang="ja-JP" altLang="en-US" sz="1900" b="1" strike="noStrike" spc="-1" dirty="0" smtClean="0">
+                <a:solidFill>
+                  <a:srgbClr val="000000"/>
+                </a:solidFill>
+                <a:latin typeface="ＭＳ ゴシック" panose="020B0609070205080204" pitchFamily="49" charset="-128"/>
+                <a:ea typeface="ＭＳ ゴシック" panose="020B0609070205080204" pitchFamily="49" charset="-128"/>
+              </a:rPr>
+              <a:t>レビュー</a:t>
+            </a:r>
+            <a:endParaRPr lang="en-US" sz="1900" b="1" strike="noStrike" spc="-1" dirty="0">
+              <a:latin typeface="ＭＳ ゴシック" panose="020B0609070205080204" pitchFamily="49" charset="-128"/>
+              <a:ea typeface="ＭＳ ゴシック" panose="020B0609070205080204" pitchFamily="49" charset="-128"/>
+            </a:endParaRPr>
+          </a:p>
+          <a:p>
+            <a:pPr marL="343080" lvl="1" indent="-360720">
+              <a:lnSpc>
+                <a:spcPct val="100000"/>
+              </a:lnSpc>
+              <a:spcBef>
+                <a:spcPts val="1301"/>
+              </a:spcBef>
+              <a:buClr>
+                <a:srgbClr val="879BAA"/>
+              </a:buClr>
+              <a:buFont typeface="Noto Sans Symbols"/>
+              <a:buAutoNum type="arabicPeriod"/>
+            </a:pPr>
+            <a:r>
               <a:rPr lang="ja-JP" altLang="en-US" sz="1900" b="1" spc="-1" dirty="0">
                 <a:solidFill>
                   <a:srgbClr val="000000"/>
                 </a:solidFill>
-                <a:latin typeface="Arial"/>
-                <a:ea typeface="Arial"/>
+                <a:latin typeface="ＭＳ ゴシック" panose="020B0609070205080204" pitchFamily="49" charset="-128"/>
+                <a:ea typeface="ＭＳ ゴシック" panose="020B0609070205080204" pitchFamily="49" charset="-128"/>
               </a:rPr>
               <a:t>必要</a:t>
             </a:r>
@@ -35323,8 +35396,8 @@
                 <a:solidFill>
                   <a:srgbClr val="000000"/>
                 </a:solidFill>
-                <a:latin typeface="Arial"/>
-                <a:ea typeface="Arial"/>
+                <a:latin typeface="ＭＳ ゴシック" panose="020B0609070205080204" pitchFamily="49" charset="-128"/>
+                <a:ea typeface="ＭＳ ゴシック" panose="020B0609070205080204" pitchFamily="49" charset="-128"/>
               </a:rPr>
               <a:t>な</a:t>
             </a:r>
@@ -35333,13 +35406,14 @@
                 <a:solidFill>
                   <a:srgbClr val="000000"/>
                 </a:solidFill>
-                <a:latin typeface="Arial"/>
-                <a:ea typeface="Arial"/>
+                <a:latin typeface="ＭＳ ゴシック" panose="020B0609070205080204" pitchFamily="49" charset="-128"/>
+                <a:ea typeface="ＭＳ ゴシック" panose="020B0609070205080204" pitchFamily="49" charset="-128"/>
               </a:rPr>
               <a:t>レポートの作成</a:t>
             </a:r>
-            <a:endParaRPr lang="en-US" sz="1900" b="0" strike="noStrike" spc="-1" dirty="0">
-              <a:latin typeface="Arial"/>
+            <a:endParaRPr lang="en-US" sz="1900" b="1" strike="noStrike" spc="-1" dirty="0">
+              <a:latin typeface="ＭＳ ゴシック" panose="020B0609070205080204" pitchFamily="49" charset="-128"/>
+              <a:ea typeface="ＭＳ ゴシック" panose="020B0609070205080204" pitchFamily="49" charset="-128"/>
             </a:endParaRPr>
           </a:p>
           <a:p>
@@ -35756,13 +35830,31 @@
               <a:buChar char="•"/>
             </a:pPr>
             <a:r>
+              <a:rPr lang="en-US" altLang="ja-JP" sz="1700" spc="-1" dirty="0">
+                <a:solidFill>
+                  <a:srgbClr val="000000"/>
+                </a:solidFill>
+                <a:ea typeface="Arial"/>
+              </a:rPr>
+              <a:t>Aggregated view</a:t>
+            </a:r>
+            <a:r>
               <a:rPr lang="ja-JP" altLang="en-US" sz="1700" spc="-1" dirty="0">
                 <a:solidFill>
                   <a:srgbClr val="000000"/>
                 </a:solidFill>
                 <a:ea typeface="Arial"/>
               </a:rPr>
-              <a:t>集約ビューと単一ファイルビューを</a:t>
+              <a:t>で、検出されたライセンスをレビューと</a:t>
+            </a:r>
+            <a:r>
+              <a:rPr lang="ja-JP" altLang="en-US" sz="1700" spc="-1" dirty="0">
+                <a:solidFill>
+                  <a:srgbClr val="000000"/>
+                </a:solidFill>
+                <a:ea typeface="Arial"/>
+              </a:rPr>
+              <a:t>単一ファイルビューを</a:t>
             </a:r>
             <a:r>
               <a:rPr lang="ja-JP" altLang="en-US" sz="1700" spc="-1" dirty="0" smtClean="0">
@@ -36980,17 +37072,7 @@
                 <a:latin typeface="Arial"/>
                 <a:ea typeface="Arial"/>
               </a:rPr>
-              <a:t>の機能拡張や向上のためのコードコントリビューションを</a:t>
-            </a:r>
-            <a:r>
-              <a:rPr lang="ja-JP" altLang="en-US" sz="2000" b="0" strike="noStrike" spc="-1" dirty="0" smtClean="0">
-                <a:solidFill>
-                  <a:srgbClr val="000000"/>
-                </a:solidFill>
-                <a:latin typeface="Arial"/>
-                <a:ea typeface="Arial"/>
-              </a:rPr>
-              <a:t>歓迎します！</a:t>
+              <a:t>の機能拡張や向上のためのコードコントリビューションを歓迎します！</a:t>
             </a:r>
             <a:r>
               <a:rPr lang="en-US" sz="2000" b="0" strike="noStrike" spc="-1" dirty="0" smtClean="0">
@@ -37002,13 +37084,6 @@
               </a:rPr>
               <a:t>  </a:t>
             </a:r>
-            <a:endParaRPr lang="en-US" sz="2000" b="0" strike="noStrike" spc="-1" dirty="0" smtClean="0">
-              <a:solidFill>
-                <a:srgbClr val="000000"/>
-              </a:solidFill>
-              <a:latin typeface="Arial"/>
-              <a:ea typeface="Arial"/>
-            </a:endParaRPr>
           </a:p>
           <a:p>
             <a:pPr marL="216000" lvl="1" indent="-240120">
@@ -37259,7 +37334,57 @@
                 <a:latin typeface="Arial"/>
                 <a:ea typeface="Arial"/>
               </a:rPr>
-              <a:t>この</a:t>
+              <a:t>このコース</a:t>
+            </a:r>
+            <a:r>
+              <a:rPr lang="ja-JP" altLang="en-US" sz="3000" spc="-1" dirty="0" smtClean="0">
+                <a:solidFill>
+                  <a:srgbClr val="000000"/>
+                </a:solidFill>
+                <a:latin typeface="Arial"/>
+                <a:ea typeface="Arial"/>
+              </a:rPr>
+              <a:t>の</a:t>
+            </a:r>
+            <a:r>
+              <a:rPr lang="ja-JP" altLang="en-US" sz="3000" spc="-1" dirty="0">
+                <a:solidFill>
+                  <a:srgbClr val="000000"/>
+                </a:solidFill>
+                <a:latin typeface="Arial"/>
+                <a:ea typeface="Arial"/>
+              </a:rPr>
+              <a:t>質</a:t>
+            </a:r>
+            <a:r>
+              <a:rPr lang="ja-JP" altLang="en-US" sz="3000" spc="-1" dirty="0" smtClean="0">
+                <a:solidFill>
+                  <a:srgbClr val="000000"/>
+                </a:solidFill>
+                <a:latin typeface="Arial"/>
+                <a:ea typeface="Arial"/>
+              </a:rPr>
+              <a:t>を</a:t>
+            </a:r>
+            <a:r>
+              <a:rPr lang="ja-JP" altLang="en-US" sz="3000" spc="-1" dirty="0">
+                <a:solidFill>
+                  <a:srgbClr val="000000"/>
+                </a:solidFill>
+                <a:latin typeface="Arial"/>
+                <a:ea typeface="Arial"/>
+              </a:rPr>
+              <a:t>上</a:t>
+            </a:r>
+            <a:r>
+              <a:rPr lang="ja-JP" altLang="en-US" sz="3000" spc="-1" dirty="0" smtClean="0">
+                <a:solidFill>
+                  <a:srgbClr val="000000"/>
+                </a:solidFill>
+                <a:latin typeface="Arial"/>
+                <a:ea typeface="Arial"/>
+              </a:rPr>
+              <a:t>げるため</a:t>
             </a:r>
             <a:r>
               <a:rPr lang="ja-JP" altLang="en-US" sz="3000" b="0" strike="noStrike" spc="-1" dirty="0" smtClean="0">
@@ -37269,7 +37394,7 @@
                 <a:latin typeface="Arial"/>
                 <a:ea typeface="Arial"/>
               </a:rPr>
-              <a:t>コース</a:t>
+              <a:t>、</a:t>
             </a:r>
             <a:r>
               <a:rPr lang="ja-JP" altLang="en-US" sz="3000" spc="-1" dirty="0" smtClean="0">
@@ -37279,66 +37404,6 @@
                 <a:latin typeface="Arial"/>
                 <a:ea typeface="Arial"/>
               </a:rPr>
-              <a:t>の</a:t>
-            </a:r>
-            <a:r>
-              <a:rPr lang="ja-JP" altLang="en-US" sz="3000" spc="-1" dirty="0">
-                <a:solidFill>
-                  <a:srgbClr val="000000"/>
-                </a:solidFill>
-                <a:latin typeface="Arial"/>
-                <a:ea typeface="Arial"/>
-              </a:rPr>
-              <a:t>質</a:t>
-            </a:r>
-            <a:r>
-              <a:rPr lang="ja-JP" altLang="en-US" sz="3000" spc="-1" dirty="0" smtClean="0">
-                <a:solidFill>
-                  <a:srgbClr val="000000"/>
-                </a:solidFill>
-                <a:latin typeface="Arial"/>
-                <a:ea typeface="Arial"/>
-              </a:rPr>
-              <a:t>を</a:t>
-            </a:r>
-            <a:r>
-              <a:rPr lang="ja-JP" altLang="en-US" sz="3000" spc="-1" dirty="0">
-                <a:solidFill>
-                  <a:srgbClr val="000000"/>
-                </a:solidFill>
-                <a:latin typeface="Arial"/>
-                <a:ea typeface="Arial"/>
-              </a:rPr>
-              <a:t>上</a:t>
-            </a:r>
-            <a:r>
-              <a:rPr lang="ja-JP" altLang="en-US" sz="3000" spc="-1" dirty="0" smtClean="0">
-                <a:solidFill>
-                  <a:srgbClr val="000000"/>
-                </a:solidFill>
-                <a:latin typeface="Arial"/>
-                <a:ea typeface="Arial"/>
-              </a:rPr>
-              <a:t>げるため</a:t>
-            </a:r>
-            <a:r>
-              <a:rPr lang="ja-JP" altLang="en-US" sz="3000" b="0" strike="noStrike" spc="-1" dirty="0" smtClean="0">
-                <a:solidFill>
-                  <a:srgbClr val="000000"/>
-                </a:solidFill>
-                <a:latin typeface="Arial"/>
-                <a:ea typeface="Arial"/>
-              </a:rPr>
-              <a:t>、</a:t>
-            </a:r>
-            <a:r>
-              <a:rPr lang="ja-JP" altLang="en-US" sz="3000" spc="-1" dirty="0" smtClean="0">
-                <a:solidFill>
-                  <a:srgbClr val="000000"/>
-                </a:solidFill>
-                <a:latin typeface="Arial"/>
-                <a:ea typeface="Arial"/>
-              </a:rPr>
               <a:t>記入をお願いします</a:t>
             </a:r>
             <a:r>
@@ -37349,17 +37414,7 @@
                 <a:latin typeface="Arial"/>
                 <a:ea typeface="Arial"/>
               </a:rPr>
-              <a:t> </a:t>
-            </a:r>
-            <a:r>
-              <a:rPr lang="en-US" sz="3000" b="0" strike="noStrike" spc="-1" dirty="0" smtClean="0">
-                <a:solidFill>
-                  <a:srgbClr val="000000"/>
-                </a:solidFill>
-                <a:latin typeface="Arial"/>
-                <a:ea typeface="Arial"/>
-              </a:rPr>
-              <a:t>:</a:t>
+              <a:t> :</a:t>
             </a:r>
             <a:endParaRPr lang="en-US" sz="3000" b="0" strike="noStrike" spc="-1" dirty="0">
               <a:latin typeface="Arial"/>
@@ -38772,39 +38827,26 @@
               <a:buChar char="•"/>
             </a:pPr>
             <a:r>
-              <a:rPr lang="ja-JP" altLang="en-US" sz="1700" spc="-1" dirty="0" smtClean="0">
-                <a:solidFill>
-                  <a:srgbClr val="000000"/>
-                </a:solidFill>
-                <a:latin typeface="ＭＳ ゴシック" panose="020B0609070205080204" pitchFamily="49" charset="-128"/>
-                <a:ea typeface="ＭＳ ゴシック" panose="020B0609070205080204" pitchFamily="49" charset="-128"/>
-              </a:rPr>
-              <a:t>サンプルファイルアップロード</a:t>
-            </a:r>
-            <a:r>
-              <a:rPr lang="en-US" sz="1700" b="0" strike="noStrike" spc="-1" dirty="0" smtClean="0">
-                <a:solidFill>
-                  <a:srgbClr val="000000"/>
-                </a:solidFill>
-                <a:latin typeface="ＭＳ ゴシック" panose="020B0609070205080204" pitchFamily="49" charset="-128"/>
-                <a:ea typeface="ＭＳ ゴシック" panose="020B0609070205080204" pitchFamily="49" charset="-128"/>
-              </a:rPr>
-              <a:t>, </a:t>
-            </a:r>
-            <a:r>
-              <a:rPr lang="en-US" sz="1700" b="0" strike="noStrike" spc="-1" dirty="0">
-                <a:solidFill>
-                  <a:srgbClr val="000000"/>
-                </a:solidFill>
-                <a:latin typeface="ＭＳ ゴシック" panose="020B0609070205080204" pitchFamily="49" charset="-128"/>
-                <a:ea typeface="ＭＳ ゴシック" panose="020B0609070205080204" pitchFamily="49" charset="-128"/>
-              </a:rPr>
+              <a:rPr lang="ja-JP" altLang="en-US" dirty="0" smtClean="0"/>
+              <a:t>サンプルファイル</a:t>
+            </a:r>
+            <a:r>
+              <a:rPr lang="ja-JP" altLang="en-US" dirty="0"/>
+              <a:t>の</a:t>
+            </a:r>
+            <a:r>
+              <a:rPr lang="en-US" altLang="ja-JP" dirty="0"/>
               <a:t>jakarta-oro-2.0.7</a:t>
             </a:r>
-            <a:endParaRPr lang="en-US" sz="1700" b="0" strike="noStrike" spc="-1" dirty="0">
-              <a:latin typeface="ＭＳ ゴシック" panose="020B0609070205080204" pitchFamily="49" charset="-128"/>
-              <a:ea typeface="ＭＳ ゴシック" panose="020B0609070205080204" pitchFamily="49" charset="-128"/>
-            </a:endParaRPr>
+            <a:r>
+              <a:rPr lang="ja-JP" altLang="en-US" dirty="0"/>
+              <a:t>を</a:t>
+            </a:r>
+            <a:r>
+              <a:rPr lang="ja-JP" altLang="en-US" dirty="0" smtClean="0"/>
+              <a:t>アップロード</a:t>
+            </a:r>
+            <a:endParaRPr lang="en-US" altLang="ja-JP" dirty="0" smtClean="0"/>
           </a:p>
           <a:p>
             <a:pPr marL="190440" lvl="1" indent="-208440">
@@ -38818,19 +38860,18 @@
               <a:buChar char="•"/>
             </a:pPr>
             <a:r>
-              <a:rPr lang="ja-JP" altLang="en-US" sz="1700" spc="-1" dirty="0" smtClean="0">
-                <a:solidFill>
-                  <a:srgbClr val="000000"/>
-                </a:solidFill>
-                <a:latin typeface="ＭＳ ゴシック" panose="020B0609070205080204" pitchFamily="49" charset="-128"/>
-                <a:ea typeface="ＭＳ ゴシック" panose="020B0609070205080204" pitchFamily="49" charset="-128"/>
-              </a:rPr>
-              <a:t>アップロードメニューからオプション選択</a:t>
-            </a:r>
-            <a:endParaRPr lang="en-US" sz="1700" b="0" strike="noStrike" spc="-1" dirty="0">
-              <a:latin typeface="ＭＳ ゴシック" panose="020B0609070205080204" pitchFamily="49" charset="-128"/>
-              <a:ea typeface="ＭＳ ゴシック" panose="020B0609070205080204" pitchFamily="49" charset="-128"/>
-            </a:endParaRPr>
+              <a:rPr lang="ja-JP" altLang="en-US" dirty="0" smtClean="0"/>
+              <a:t>アップロード</a:t>
+            </a:r>
+            <a:r>
+              <a:rPr lang="ja-JP" altLang="en-US" dirty="0"/>
+              <a:t>の際にアップロードのオプションを</a:t>
+            </a:r>
+            <a:r>
+              <a:rPr lang="ja-JP" altLang="en-US" dirty="0" smtClean="0"/>
+              <a:t>選択</a:t>
+            </a:r>
+            <a:endParaRPr lang="en-US" altLang="ja-JP" dirty="0" smtClean="0"/>
           </a:p>
           <a:p>
             <a:pPr marL="190440" lvl="1" indent="-208440">
@@ -38844,39 +38885,29 @@
               <a:buChar char="•"/>
             </a:pPr>
             <a:r>
-              <a:rPr lang="ja-JP" altLang="en-US" sz="1700" b="0" strike="noStrike" spc="-1" dirty="0" smtClean="0">
-                <a:solidFill>
-                  <a:srgbClr val="000000"/>
-                </a:solidFill>
-                <a:latin typeface="ＭＳ ゴシック" panose="020B0609070205080204" pitchFamily="49" charset="-128"/>
-                <a:ea typeface="ＭＳ ゴシック" panose="020B0609070205080204" pitchFamily="49" charset="-128"/>
-              </a:rPr>
-              <a:t>ブラウザを開き、</a:t>
-            </a:r>
-            <a:r>
-              <a:rPr lang="en-US" altLang="ja-JP" sz="1700" b="0" strike="noStrike" spc="-1" dirty="0" smtClean="0">
-                <a:solidFill>
-                  <a:srgbClr val="000000"/>
-                </a:solidFill>
-                <a:latin typeface="ＭＳ ゴシック" panose="020B0609070205080204" pitchFamily="49" charset="-128"/>
-                <a:ea typeface="ＭＳ ゴシック" panose="020B0609070205080204" pitchFamily="49" charset="-128"/>
-              </a:rPr>
+              <a:rPr lang="ja-JP" altLang="en-US" dirty="0" smtClean="0"/>
+              <a:t>ブラウズ</a:t>
+            </a:r>
+            <a:r>
+              <a:rPr lang="ja-JP" altLang="en-US" dirty="0"/>
+              <a:t>画面からアップロード名をクリックしてライセンスブラウザ画面に行き、そこの</a:t>
+            </a:r>
+            <a:r>
+              <a:rPr lang="en-US" altLang="ja-JP" dirty="0"/>
               <a:t>UI</a:t>
             </a:r>
             <a:r>
-              <a:rPr lang="ja-JP" altLang="en-US" sz="1700" b="0" strike="noStrike" spc="-1" dirty="0" smtClean="0">
-                <a:solidFill>
-                  <a:srgbClr val="000000"/>
-                </a:solidFill>
-                <a:latin typeface="ＭＳ ゴシック" panose="020B0609070205080204" pitchFamily="49" charset="-128"/>
-                <a:ea typeface="ＭＳ ゴシック" panose="020B0609070205080204" pitchFamily="49" charset="-128"/>
-              </a:rPr>
-              <a:t>上でレビュー</a:t>
-            </a:r>
-            <a:endParaRPr lang="en-US" sz="1700" b="0" strike="noStrike" spc="-1" dirty="0">
-              <a:latin typeface="ＭＳ ゴシック" panose="020B0609070205080204" pitchFamily="49" charset="-128"/>
-              <a:ea typeface="ＭＳ ゴシック" panose="020B0609070205080204" pitchFamily="49" charset="-128"/>
-            </a:endParaRPr>
+              <a:rPr lang="ja-JP" altLang="en-US" dirty="0"/>
+              <a:t>を再確認 </a:t>
+            </a:r>
+            <a:r>
+              <a:rPr lang="en-US" altLang="ja-JP" dirty="0"/>
+              <a:t>(aggregated view</a:t>
+            </a:r>
+            <a:r>
+              <a:rPr lang="en-US" altLang="ja-JP" dirty="0" smtClean="0"/>
+              <a:t>)</a:t>
+            </a:r>
           </a:p>
           <a:p>
             <a:pPr marL="190440" lvl="1" indent="-208440">
@@ -38890,22 +38921,37 @@
               <a:buChar char="•"/>
             </a:pPr>
             <a:r>
-              <a:rPr lang="ja-JP" altLang="en-US" sz="1700" b="0" strike="noStrike" spc="-1" dirty="0" smtClean="0">
-                <a:solidFill>
-                  <a:srgbClr val="000000"/>
-                </a:solidFill>
-                <a:latin typeface="ＭＳ ゴシック" panose="020B0609070205080204" pitchFamily="49" charset="-128"/>
-                <a:ea typeface="ＭＳ ゴシック" panose="020B0609070205080204" pitchFamily="49" charset="-128"/>
-              </a:rPr>
-              <a:t>アップロードしたものに対しドロップダウンメニューからライセンスを選択</a:t>
-            </a:r>
-            <a:endParaRPr lang="en-US" sz="1700" b="0" strike="noStrike" spc="-1" dirty="0" smtClean="0">
-              <a:solidFill>
-                <a:srgbClr val="000000"/>
-              </a:solidFill>
-              <a:latin typeface="ＭＳ ゴシック" panose="020B0609070205080204" pitchFamily="49" charset="-128"/>
-              <a:ea typeface="ＭＳ ゴシック" panose="020B0609070205080204" pitchFamily="49" charset="-128"/>
-            </a:endParaRPr>
+              <a:rPr lang="ja-JP" altLang="en-US" dirty="0" smtClean="0"/>
+              <a:t>ブラウズ</a:t>
+            </a:r>
+            <a:r>
+              <a:rPr lang="ja-JP" altLang="en-US" dirty="0"/>
+              <a:t>画面の </a:t>
+            </a:r>
+            <a:r>
+              <a:rPr lang="en-US" altLang="ja-JP" dirty="0"/>
+              <a:t>-- select action -- </a:t>
+            </a:r>
+            <a:r>
+              <a:rPr lang="ja-JP" altLang="en-US" dirty="0"/>
+              <a:t>メニューから </a:t>
+            </a:r>
+            <a:r>
+              <a:rPr lang="en-US" altLang="ja-JP" dirty="0"/>
+              <a:t>"Licenses" </a:t>
+            </a:r>
+            <a:r>
+              <a:rPr lang="ja-JP" altLang="en-US" dirty="0"/>
+              <a:t>を選択 </a:t>
+            </a:r>
+            <a:r>
+              <a:rPr lang="en-US" altLang="ja-JP" dirty="0"/>
+              <a:t>(single file view</a:t>
+            </a:r>
+            <a:r>
+              <a:rPr lang="en-US" altLang="ja-JP" dirty="0" smtClean="0"/>
+              <a:t>)</a:t>
+            </a:r>
           </a:p>
           <a:p>
             <a:pPr marL="190440" lvl="1" indent="-208440">
@@ -38919,57 +38965,24 @@
               <a:buChar char="•"/>
             </a:pPr>
             <a:r>
-              <a:rPr lang="ja-JP" altLang="en-US" sz="1700" spc="-1" dirty="0" smtClean="0">
-                <a:solidFill>
-                  <a:srgbClr val="000000"/>
-                </a:solidFill>
-                <a:latin typeface="ＭＳ ゴシック" panose="020B0609070205080204" pitchFamily="49" charset="-128"/>
-                <a:ea typeface="ＭＳ ゴシック" panose="020B0609070205080204" pitchFamily="49" charset="-128"/>
-              </a:rPr>
-              <a:t>ビューしてまとめたもの、シングルファイルのビューをみる：決定を行う</a:t>
-            </a:r>
-            <a:r>
-              <a:rPr lang="en-US" altLang="ja-JP" sz="1700" spc="-1" dirty="0" smtClean="0">
-                <a:solidFill>
-                  <a:srgbClr val="000000"/>
-                </a:solidFill>
-                <a:latin typeface="ＭＳ ゴシック" panose="020B0609070205080204" pitchFamily="49" charset="-128"/>
-                <a:ea typeface="ＭＳ ゴシック" panose="020B0609070205080204" pitchFamily="49" charset="-128"/>
-              </a:rPr>
-              <a:t/>
-            </a:r>
-            <a:br>
-              <a:rPr lang="en-US" altLang="ja-JP" sz="1700" spc="-1" dirty="0" smtClean="0">
-                <a:solidFill>
-                  <a:srgbClr val="000000"/>
-                </a:solidFill>
-                <a:latin typeface="ＭＳ ゴシック" panose="020B0609070205080204" pitchFamily="49" charset="-128"/>
-                <a:ea typeface="ＭＳ ゴシック" panose="020B0609070205080204" pitchFamily="49" charset="-128"/>
-              </a:rPr>
-            </a:br>
-            <a:r>
-              <a:rPr lang="ja-JP" altLang="en-US" sz="1700" spc="-1" dirty="0" smtClean="0">
-                <a:solidFill>
-                  <a:srgbClr val="000000"/>
-                </a:solidFill>
-                <a:latin typeface="ＭＳ ゴシック" panose="020B0609070205080204" pitchFamily="49" charset="-128"/>
-                <a:ea typeface="ＭＳ ゴシック" panose="020B0609070205080204" pitchFamily="49" charset="-128"/>
-              </a:rPr>
-              <a:t>バルク機能の初利用</a:t>
-            </a:r>
-            <a:endParaRPr lang="en-US" sz="1700" b="0" strike="noStrike" spc="-1" dirty="0" smtClean="0">
-              <a:solidFill>
-                <a:srgbClr val="000000"/>
-              </a:solidFill>
-              <a:latin typeface="ＭＳ ゴシック" panose="020B0609070205080204" pitchFamily="49" charset="-128"/>
-              <a:ea typeface="ＭＳ ゴシック" panose="020B0609070205080204" pitchFamily="49" charset="-128"/>
-            </a:endParaRPr>
-          </a:p>
-          <a:p>
-            <a:pPr marL="190440" lvl="1" indent="-208440">
-              <a:lnSpc>
-                <a:spcPct val="100000"/>
-              </a:lnSpc>
+              <a:rPr lang="ja-JP" altLang="en-US" dirty="0" smtClean="0"/>
+              <a:t>ライセンス</a:t>
+            </a:r>
+            <a:r>
+              <a:rPr lang="ja-JP" altLang="en-US" dirty="0"/>
+              <a:t>を決定して結果を適用 </a:t>
+            </a:r>
+            <a:r>
+              <a:rPr lang="en-US" altLang="ja-JP" dirty="0"/>
+              <a:t>(Submit</a:t>
+            </a:r>
+            <a:r>
+              <a:rPr lang="en-US" altLang="ja-JP" dirty="0" smtClean="0"/>
+              <a:t>)</a:t>
+            </a:r>
+          </a:p>
+          <a:p>
+            <a:pPr marL="647640" lvl="2" indent="-208440">
               <a:buClr>
                 <a:srgbClr val="879BAA"/>
               </a:buClr>
@@ -38977,55 +38990,18 @@
               <a:buChar char="•"/>
             </a:pPr>
             <a:r>
-              <a:rPr lang="ja-JP" altLang="en-US" sz="1700" spc="-1" dirty="0" smtClean="0">
-                <a:solidFill>
-                  <a:srgbClr val="000000"/>
-                </a:solidFill>
-                <a:latin typeface="ＭＳ ゴシック" panose="020B0609070205080204" pitchFamily="49" charset="-128"/>
-                <a:ea typeface="ＭＳ ゴシック" panose="020B0609070205080204" pitchFamily="49" charset="-128"/>
-              </a:rPr>
-              <a:t>コピーライトの箇所に行き、検索結果修正</a:t>
-            </a:r>
-            <a:endParaRPr lang="en-US" sz="1700" b="0" strike="noStrike" spc="-1" dirty="0">
-              <a:latin typeface="ＭＳ ゴシック" panose="020B0609070205080204" pitchFamily="49" charset="-128"/>
-              <a:ea typeface="ＭＳ ゴシック" panose="020B0609070205080204" pitchFamily="49" charset="-128"/>
-            </a:endParaRPr>
-          </a:p>
-          <a:p>
-            <a:pPr marL="355680" lvl="2" indent="-195840">
-              <a:lnSpc>
-                <a:spcPct val="100000"/>
-              </a:lnSpc>
-              <a:buClr>
-                <a:srgbClr val="879BAA"/>
-              </a:buClr>
-              <a:buFont typeface="Arial"/>
-              <a:buChar char="∙"/>
-            </a:pPr>
-            <a:r>
-              <a:rPr lang="en-US" sz="1700" b="0" strike="noStrike" spc="-1" dirty="0" smtClean="0">
-                <a:solidFill>
-                  <a:srgbClr val="000000"/>
-                </a:solidFill>
-                <a:latin typeface="ＭＳ ゴシック" panose="020B0609070205080204" pitchFamily="49" charset="-128"/>
-                <a:ea typeface="ＭＳ ゴシック" panose="020B0609070205080204" pitchFamily="49" charset="-128"/>
-              </a:rPr>
-              <a:t>ECC</a:t>
-            </a:r>
-            <a:r>
-              <a:rPr lang="ja-JP" altLang="en-US" sz="1700" b="0" strike="noStrike" spc="-1" dirty="0" smtClean="0">
-                <a:solidFill>
-                  <a:srgbClr val="000000"/>
-                </a:solidFill>
-                <a:latin typeface="ＭＳ ゴシック" panose="020B0609070205080204" pitchFamily="49" charset="-128"/>
-                <a:ea typeface="ＭＳ ゴシック" panose="020B0609070205080204" pitchFamily="49" charset="-128"/>
-              </a:rPr>
-              <a:t>も同様</a:t>
-            </a:r>
-            <a:endParaRPr lang="en-US" sz="1700" b="0" strike="noStrike" spc="-1" dirty="0">
-              <a:latin typeface="ＭＳ ゴシック" panose="020B0609070205080204" pitchFamily="49" charset="-128"/>
-              <a:ea typeface="ＭＳ ゴシック" panose="020B0609070205080204" pitchFamily="49" charset="-128"/>
-            </a:endParaRPr>
+              <a:rPr lang="ja-JP" altLang="en-US" dirty="0" smtClean="0"/>
+              <a:t>バルク</a:t>
+            </a:r>
+            <a:r>
+              <a:rPr lang="ja-JP" altLang="en-US" dirty="0"/>
+              <a:t>機能の</a:t>
+            </a:r>
+            <a:r>
+              <a:rPr lang="ja-JP" altLang="en-US" dirty="0" smtClean="0"/>
+              <a:t>初利用</a:t>
+            </a:r>
+            <a:endParaRPr lang="en-US" altLang="ja-JP" dirty="0" smtClean="0"/>
           </a:p>
           <a:p>
             <a:pPr marL="190440" lvl="1" indent="-208440">
@@ -39039,46 +39015,73 @@
               <a:buChar char="•"/>
             </a:pPr>
             <a:r>
-              <a:rPr lang="en-US" altLang="ja-JP" sz="1700" b="0" strike="noStrike" spc="-1" dirty="0" smtClean="0">
-                <a:solidFill>
-                  <a:srgbClr val="000000"/>
-                </a:solidFill>
-                <a:latin typeface="ＭＳ ゴシック" panose="020B0609070205080204" pitchFamily="49" charset="-128"/>
-                <a:ea typeface="ＭＳ ゴシック" panose="020B0609070205080204" pitchFamily="49" charset="-128"/>
-              </a:rPr>
+              <a:rPr lang="en-US" altLang="ja-JP" dirty="0" smtClean="0"/>
+              <a:t>Copyright </a:t>
+            </a:r>
+            <a:r>
+              <a:rPr lang="ja-JP" altLang="en-US" dirty="0"/>
+              <a:t>のリンクへ行き、検出結果を</a:t>
+            </a:r>
+            <a:r>
+              <a:rPr lang="ja-JP" altLang="en-US" dirty="0" smtClean="0"/>
+              <a:t>修正</a:t>
+            </a:r>
+            <a:endParaRPr lang="en-US" altLang="ja-JP" dirty="0" smtClean="0"/>
+          </a:p>
+          <a:p>
+            <a:pPr marL="647640" lvl="2" indent="-208440">
+              <a:buClr>
+                <a:srgbClr val="879BAA"/>
+              </a:buClr>
+              <a:buFont typeface="Arial"/>
+              <a:buChar char="•"/>
+            </a:pPr>
+            <a:r>
+              <a:rPr lang="en-US" altLang="ja-JP" dirty="0" smtClean="0"/>
+              <a:t>ECC</a:t>
+            </a:r>
+            <a:r>
+              <a:rPr lang="ja-JP" altLang="en-US" dirty="0"/>
+              <a:t>も</a:t>
+            </a:r>
+            <a:r>
+              <a:rPr lang="ja-JP" altLang="en-US" dirty="0" smtClean="0"/>
+              <a:t>同様</a:t>
+            </a:r>
+            <a:endParaRPr lang="en-US" altLang="ja-JP" dirty="0" smtClean="0"/>
+          </a:p>
+          <a:p>
+            <a:pPr marL="190440" lvl="1" indent="-208440">
+              <a:buClr>
+                <a:srgbClr val="879BAA"/>
+              </a:buClr>
+              <a:buFont typeface="Arial"/>
+              <a:buChar char="•"/>
+            </a:pPr>
+            <a:r>
+              <a:rPr lang="ja-JP" altLang="en-US" dirty="0" smtClean="0"/>
+              <a:t>ブラウズ</a:t>
+            </a:r>
+            <a:r>
+              <a:rPr lang="ja-JP" altLang="en-US" dirty="0"/>
+              <a:t>画面の </a:t>
+            </a:r>
+            <a:r>
+              <a:rPr lang="en-US" altLang="ja-JP" dirty="0"/>
+              <a:t>-- select action -- </a:t>
+            </a:r>
+            <a:r>
+              <a:rPr lang="ja-JP" altLang="en-US" dirty="0"/>
+              <a:t>ドロップダウンから</a:t>
+            </a:r>
+            <a:r>
+              <a:rPr lang="en-US" altLang="ja-JP" dirty="0"/>
               <a:t>SPDX</a:t>
             </a:r>
             <a:r>
-              <a:rPr lang="ja-JP" altLang="en-US" sz="1700" b="0" strike="noStrike" spc="-1" dirty="0" smtClean="0">
-                <a:solidFill>
-                  <a:srgbClr val="000000"/>
-                </a:solidFill>
-                <a:latin typeface="ＭＳ ゴシック" panose="020B0609070205080204" pitchFamily="49" charset="-128"/>
-                <a:ea typeface="ＭＳ ゴシック" panose="020B0609070205080204" pitchFamily="49" charset="-128"/>
-              </a:rPr>
-              <a:t>の出力形式</a:t>
-            </a:r>
-            <a:r>
-              <a:rPr lang="ja-JP" altLang="en-US" sz="1700" spc="-1" dirty="0" smtClean="0">
-                <a:solidFill>
-                  <a:srgbClr val="000000"/>
-                </a:solidFill>
-                <a:latin typeface="ＭＳ ゴシック" panose="020B0609070205080204" pitchFamily="49" charset="-128"/>
-                <a:ea typeface="ＭＳ ゴシック" panose="020B0609070205080204" pitchFamily="49" charset="-128"/>
-              </a:rPr>
-              <a:t>をドロップダウンから選択</a:t>
-            </a:r>
-            <a:endParaRPr lang="en-US" sz="1700" b="0" strike="noStrike" spc="-1" dirty="0">
-              <a:latin typeface="ＭＳ ゴシック" panose="020B0609070205080204" pitchFamily="49" charset="-128"/>
-              <a:ea typeface="ＭＳ ゴシック" panose="020B0609070205080204" pitchFamily="49" charset="-128"/>
-            </a:endParaRPr>
-          </a:p>
-          <a:p>
-            <a:pPr>
-              <a:lnSpc>
-                <a:spcPct val="100000"/>
-              </a:lnSpc>
-            </a:pPr>
+              <a:rPr lang="ja-JP" altLang="en-US" dirty="0"/>
+              <a:t>の出力形式を選択</a:t>
+            </a:r>
             <a:endParaRPr lang="en-US" sz="1700" b="0" strike="noStrike" spc="-1" dirty="0">
               <a:latin typeface="Arial"/>
             </a:endParaRPr>
@@ -39345,16 +39348,36 @@
               <a:buAutoNum type="arabicPeriod"/>
             </a:pPr>
             <a:r>
-              <a:rPr lang="ja-JP" altLang="en-US" sz="1900" b="1" spc="-1" dirty="0">
+              <a:rPr lang="en-US" altLang="ja-JP" sz="1900" b="1" spc="-1" dirty="0" smtClean="0">
                 <a:solidFill>
                   <a:srgbClr val="000000"/>
                 </a:solidFill>
                 <a:latin typeface="ＭＳ ゴシック" panose="020B0609070205080204" pitchFamily="49" charset="-128"/>
                 <a:ea typeface="ＭＳ ゴシック" panose="020B0609070205080204" pitchFamily="49" charset="-128"/>
               </a:rPr>
-              <a:t>検知されたライセンスの全体レビュー</a:t>
-            </a:r>
-            <a:endParaRPr lang="en-US" altLang="ja-JP" sz="1900" spc="-1" dirty="0">
+              <a:t>Aggregated </a:t>
+            </a:r>
+            <a:r>
+              <a:rPr lang="en-US" altLang="ja-JP" sz="1900" b="1" spc="-1" dirty="0">
+                <a:solidFill>
+                  <a:srgbClr val="000000"/>
+                </a:solidFill>
+                <a:latin typeface="ＭＳ ゴシック" panose="020B0609070205080204" pitchFamily="49" charset="-128"/>
+                <a:ea typeface="ＭＳ ゴシック" panose="020B0609070205080204" pitchFamily="49" charset="-128"/>
+              </a:rPr>
+              <a:t>view</a:t>
+            </a:r>
+            <a:r>
+              <a:rPr lang="ja-JP" altLang="en-US" sz="1900" b="1" spc="-1" dirty="0">
+                <a:solidFill>
+                  <a:srgbClr val="000000"/>
+                </a:solidFill>
+                <a:latin typeface="ＭＳ ゴシック" panose="020B0609070205080204" pitchFamily="49" charset="-128"/>
+                <a:ea typeface="ＭＳ ゴシック" panose="020B0609070205080204" pitchFamily="49" charset="-128"/>
+              </a:rPr>
+              <a:t>で、検出されたライセンスをレビュー</a:t>
+            </a:r>
+            <a:endParaRPr lang="en-US" altLang="ja-JP" sz="1900" spc="-1" dirty="0" smtClean="0">
               <a:latin typeface="ＭＳ ゴシック" panose="020B0609070205080204" pitchFamily="49" charset="-128"/>
               <a:ea typeface="ＭＳ ゴシック" panose="020B0609070205080204" pitchFamily="49" charset="-128"/>
             </a:endParaRPr>
@@ -39374,7 +39397,7 @@
               <a:buAutoNum type="arabicPeriod"/>
             </a:pPr>
             <a:r>
-              <a:rPr lang="en-US" altLang="ja-JP" sz="1900" b="1" spc="-1" dirty="0">
+              <a:rPr lang="en-US" altLang="ja-JP" sz="1900" b="1" spc="-1" dirty="0" smtClean="0">
                 <a:solidFill>
                   <a:srgbClr val="000000"/>
                 </a:solidFill>
@@ -39384,7 +39407,7 @@
               <a:t>“Clearing” </a:t>
             </a:r>
             <a:r>
-              <a:rPr lang="ja-JP" altLang="en-US" sz="1900" b="1" spc="-1" dirty="0">
+              <a:rPr lang="ja-JP" altLang="en-US" sz="1900" b="1" spc="-1" dirty="0" smtClean="0">
                 <a:solidFill>
                   <a:srgbClr val="000000"/>
                 </a:solidFill>
@@ -39393,7 +39416,7 @@
               </a:rPr>
               <a:t>作業</a:t>
             </a:r>
-            <a:endParaRPr lang="en-US" altLang="ja-JP" sz="1900" spc="-1" dirty="0">
+            <a:endParaRPr lang="en-US" altLang="ja-JP" sz="1900" spc="-1" dirty="0" smtClean="0">
               <a:latin typeface="ＭＳ ゴシック" panose="020B0609070205080204" pitchFamily="49" charset="-128"/>
               <a:ea typeface="ＭＳ ゴシック" panose="020B0609070205080204" pitchFamily="49" charset="-128"/>
             </a:endParaRPr>
@@ -39413,14 +39436,24 @@
               <a:buAutoNum type="arabicPeriod"/>
             </a:pPr>
             <a:r>
-              <a:rPr lang="ja-JP" altLang="en-US" sz="1900" b="1" spc="-1" dirty="0">
+              <a:rPr lang="ja-JP" altLang="en-US" sz="1900" b="1" spc="-1" dirty="0" smtClean="0">
                 <a:solidFill>
                   <a:srgbClr val="000000"/>
                 </a:solidFill>
                 <a:latin typeface="ＭＳ ゴシック" panose="020B0609070205080204" pitchFamily="49" charset="-128"/>
                 <a:ea typeface="ＭＳ ゴシック" panose="020B0609070205080204" pitchFamily="49" charset="-128"/>
               </a:rPr>
-              <a:t>コピーライトのレビュー</a:t>
+              <a:t>コピーライト</a:t>
+            </a:r>
+            <a:r>
+              <a:rPr lang="ja-JP" altLang="en-US" sz="1900" b="1" spc="-1" dirty="0">
+                <a:solidFill>
+                  <a:srgbClr val="000000"/>
+                </a:solidFill>
+                <a:latin typeface="ＭＳ ゴシック" panose="020B0609070205080204" pitchFamily="49" charset="-128"/>
+                <a:ea typeface="ＭＳ ゴシック" panose="020B0609070205080204" pitchFamily="49" charset="-128"/>
+              </a:rPr>
+              <a:t>のレビュー</a:t>
             </a:r>
             <a:endParaRPr lang="en-US" altLang="ja-JP" sz="1900" spc="-1" dirty="0">
               <a:latin typeface="ＭＳ ゴシック" panose="020B0609070205080204" pitchFamily="49" charset="-128"/>
@@ -39797,17 +39830,16 @@
                 <a:latin typeface="Arial"/>
                 <a:ea typeface="Arial"/>
               </a:rPr>
-              <a:t>,  </a:t>
-            </a:r>
-            <a:r>
-              <a:rPr lang="ja-JP" altLang="en-US" sz="3200" b="1" strike="noStrike" spc="-1" dirty="0" smtClean="0">
-                <a:solidFill>
-                  <a:srgbClr val="000000"/>
-                </a:solidFill>
-                <a:latin typeface="Arial"/>
-                <a:ea typeface="Arial"/>
-              </a:rPr>
-              <a:t>一括スキャン</a:t>
+              <a:t>,</a:t>
+            </a:r>
+            <a:r>
+              <a:rPr lang="ja-JP" altLang="en-US" sz="3200" b="1" spc="-1" dirty="0">
+                <a:solidFill>
+                  <a:srgbClr val="000000"/>
+                </a:solidFill>
+                <a:ea typeface="Arial"/>
+              </a:rPr>
+              <a:t>バルクスキャン</a:t>
             </a:r>
             <a:endParaRPr lang="en-US" sz="3200" b="0" strike="noStrike" spc="-1" dirty="0">
               <a:latin typeface="Arial"/>
@@ -42081,7 +42113,7 @@
         <p:spPr>
           <a:xfrm>
             <a:off x="0" y="0"/>
-            <a:ext cx="12190320" cy="1266840"/>
+            <a:ext cx="12621986" cy="1266840"/>
           </a:xfrm>
           <a:prstGeom prst="rect">
             <a:avLst/>
@@ -42150,17 +42182,16 @@
                 <a:latin typeface="Arial"/>
                 <a:ea typeface="Arial"/>
               </a:rPr>
-              <a:t>: </a:t>
-            </a:r>
-            <a:r>
-              <a:rPr lang="ja-JP" altLang="en-US" sz="3200" b="1" strike="noStrike" spc="-1" dirty="0" smtClean="0">
-                <a:solidFill>
-                  <a:srgbClr val="000000"/>
-                </a:solidFill>
-                <a:latin typeface="Arial"/>
-                <a:ea typeface="Arial"/>
-              </a:rPr>
-              <a:t>一括検索</a:t>
+              <a:t>:</a:t>
+            </a:r>
+            <a:r>
+              <a:rPr lang="ja-JP" altLang="en-US" sz="3200" b="1" spc="-1" dirty="0">
+                <a:solidFill>
+                  <a:srgbClr val="000000"/>
+                </a:solidFill>
+                <a:ea typeface="Arial"/>
+              </a:rPr>
+              <a:t>バルクスキャン</a:t>
             </a:r>
             <a:endParaRPr lang="en-US" sz="3200" b="0" strike="noStrike" spc="-1" dirty="0">
               <a:latin typeface="Arial"/>
@@ -42317,68 +42348,30 @@
               <a:buChar char="∙"/>
             </a:pPr>
             <a:r>
-              <a:rPr lang="en-US" sz="1900" b="0" strike="noStrike" spc="-1" dirty="0" smtClean="0">
-                <a:solidFill>
-                  <a:srgbClr val="000000"/>
-                </a:solidFill>
-                <a:latin typeface="Arial"/>
-                <a:ea typeface="Arial"/>
-              </a:rPr>
+              <a:rPr lang="en-US" altLang="ja-JP" dirty="0"/>
               <a:t>(</a:t>
             </a:r>
             <a:r>
-              <a:rPr lang="ja-JP" altLang="en-US" sz="1900" spc="-1" dirty="0" smtClean="0">
-                <a:solidFill>
-                  <a:srgbClr val="000000"/>
-                </a:solidFill>
-                <a:latin typeface="Arial"/>
-                <a:ea typeface="Arial"/>
-              </a:rPr>
-              <a:t>いくつか</a:t>
-            </a:r>
-            <a:r>
-              <a:rPr lang="en-US" sz="1900" b="0" strike="noStrike" spc="-1" dirty="0" smtClean="0">
-                <a:solidFill>
-                  <a:srgbClr val="000000"/>
-                </a:solidFill>
-                <a:latin typeface="Arial"/>
-                <a:ea typeface="Arial"/>
-              </a:rPr>
-              <a:t> </a:t>
-            </a:r>
-            <a:r>
-              <a:rPr lang="en-US" sz="1900" b="0" strike="noStrike" spc="-1" dirty="0" err="1" smtClean="0">
-                <a:solidFill>
-                  <a:srgbClr val="000000"/>
-                </a:solidFill>
-                <a:latin typeface="Arial"/>
-                <a:ea typeface="Arial"/>
-              </a:rPr>
-              <a:t>zlib</a:t>
-            </a:r>
-            <a:r>
-              <a:rPr lang="ja-JP" altLang="en-US" sz="1900" spc="-1" dirty="0" smtClean="0">
-                <a:solidFill>
-                  <a:srgbClr val="000000"/>
-                </a:solidFill>
-                <a:latin typeface="Arial"/>
-                <a:ea typeface="Arial"/>
-              </a:rPr>
-              <a:t>候補となるものがある</a:t>
-            </a:r>
-            <a:r>
-              <a:rPr lang="en-US" sz="1900" b="0" strike="noStrike" spc="-1" dirty="0" smtClean="0">
-                <a:solidFill>
-                  <a:srgbClr val="000000"/>
-                </a:solidFill>
-                <a:latin typeface="Arial"/>
-                <a:ea typeface="Arial"/>
-              </a:rPr>
-              <a:t>)</a:t>
-            </a:r>
-            <a:endParaRPr lang="en-US" sz="1900" b="0" strike="noStrike" spc="-1" dirty="0">
-              <a:latin typeface="Arial"/>
-            </a:endParaRPr>
+              <a:rPr lang="en-US" altLang="ja-JP" dirty="0" err="1"/>
+              <a:t>Zlib</a:t>
+            </a:r>
+            <a:r>
+              <a:rPr lang="en-US" altLang="ja-JP" dirty="0"/>
+              <a:t>-possibility </a:t>
+            </a:r>
+            <a:r>
+              <a:rPr lang="ja-JP" altLang="en-US" dirty="0" err="1"/>
+              <a:t>と検</a:t>
+            </a:r>
+            <a:r>
+              <a:rPr lang="ja-JP" altLang="en-US" dirty="0"/>
+              <a:t>出されたファイルがいくつかある</a:t>
+            </a:r>
+            <a:r>
+              <a:rPr lang="en-US" altLang="ja-JP" dirty="0"/>
+              <a:t>) </a:t>
+            </a:r>
+            <a:endParaRPr lang="en-US" altLang="ja-JP" dirty="0" smtClean="0"/>
           </a:p>
           <a:p>
             <a:pPr marL="355680" lvl="2" indent="-208440">
@@ -42392,6 +42385,83 @@
               <a:buChar char="∙"/>
             </a:pPr>
             <a:r>
+              <a:rPr lang="en-US" altLang="ja-JP" dirty="0" err="1"/>
+              <a:t>Zlib</a:t>
+            </a:r>
+            <a:r>
+              <a:rPr lang="ja-JP" altLang="en-US" dirty="0"/>
+              <a:t>を選択し、</a:t>
+            </a:r>
+            <a:r>
+              <a:rPr lang="en-US" altLang="ja-JP" dirty="0" err="1"/>
+              <a:t>Zlib</a:t>
+            </a:r>
+            <a:r>
+              <a:rPr lang="en-US" altLang="ja-JP" dirty="0"/>
+              <a:t>-possibility</a:t>
+            </a:r>
+            <a:r>
+              <a:rPr lang="ja-JP" altLang="en-US" dirty="0" err="1"/>
+              <a:t>を削</a:t>
+            </a:r>
+            <a:r>
+              <a:rPr lang="ja-JP" altLang="en-US" dirty="0"/>
+              <a:t>除して、次のファイル</a:t>
+            </a:r>
+            <a:r>
+              <a:rPr lang="ja-JP" altLang="en-US" dirty="0" smtClean="0"/>
+              <a:t>へ</a:t>
+            </a:r>
+            <a:endParaRPr lang="en-US" altLang="ja-JP" dirty="0"/>
+          </a:p>
+          <a:p>
+            <a:pPr marL="342900" indent="-342900">
+              <a:buClr>
+                <a:srgbClr val="879BAA"/>
+              </a:buClr>
+              <a:buFont typeface="Arial" panose="020B0604020202020204" pitchFamily="34" charset="0"/>
+              <a:buChar char="•"/>
+            </a:pPr>
+            <a:r>
+              <a:rPr lang="ja-JP" altLang="en-US" sz="1900" spc="-1" dirty="0" smtClean="0">
+                <a:solidFill>
+                  <a:srgbClr val="000000"/>
+                </a:solidFill>
+                <a:latin typeface="Arial"/>
+              </a:rPr>
+              <a:t>もう</a:t>
+            </a:r>
+            <a:r>
+              <a:rPr lang="ja-JP" altLang="en-US" sz="1900" spc="-1" dirty="0">
+                <a:solidFill>
+                  <a:srgbClr val="000000"/>
+                </a:solidFill>
+                <a:latin typeface="Arial"/>
+              </a:rPr>
+              <a:t>一</a:t>
+            </a:r>
+            <a:r>
+              <a:rPr lang="ja-JP" altLang="en-US" sz="1900" spc="-1" dirty="0" smtClean="0">
+                <a:solidFill>
+                  <a:srgbClr val="000000"/>
+                </a:solidFill>
+                <a:latin typeface="Arial"/>
+              </a:rPr>
+              <a:t>つのファイルへ</a:t>
+            </a:r>
+            <a:endParaRPr lang="en-US" sz="1900" b="0" strike="noStrike" spc="-1" dirty="0">
+              <a:latin typeface="Arial"/>
+            </a:endParaRPr>
+          </a:p>
+          <a:p>
+            <a:pPr marL="355680" lvl="2" indent="-208440">
+              <a:buClr>
+                <a:srgbClr val="879BAA"/>
+              </a:buClr>
+              <a:buFont typeface="Noto Sans Symbols"/>
+              <a:buChar char="∙"/>
+            </a:pPr>
+            <a:r>
               <a:rPr lang="en-US" sz="1900" b="0" strike="noStrike" spc="-1" dirty="0" err="1" smtClean="0">
                 <a:solidFill>
                   <a:srgbClr val="000000"/>
@@ -42402,6 +42472,16 @@
               <a:t>zlib</a:t>
             </a:r>
             <a:r>
+              <a:rPr lang="en-US" sz="1900" b="0" strike="noStrike" spc="-1" dirty="0" smtClean="0">
+                <a:solidFill>
+                  <a:srgbClr val="000000"/>
+                </a:solidFill>
+                <a:latin typeface="Arial"/>
+                <a:ea typeface="Arial"/>
+              </a:rPr>
+              <a:t> </a:t>
+            </a:r>
+            <a:r>
               <a:rPr lang="ja-JP" altLang="en-US" sz="1900" b="0" strike="noStrike" spc="-1" dirty="0" smtClean="0">
                 <a:solidFill>
                   <a:srgbClr val="000000"/>
@@ -42409,7 +42489,49 @@
                 <a:latin typeface="Arial"/>
                 <a:ea typeface="Arial"/>
               </a:rPr>
-              <a:t>を選び</a:t>
+              <a:t>候補の方を選ぶ</a:t>
+            </a:r>
+            <a:endParaRPr lang="en-US" sz="1900" b="0" strike="noStrike" spc="-1" dirty="0">
+              <a:latin typeface="Arial"/>
+            </a:endParaRPr>
+          </a:p>
+          <a:p>
+            <a:pPr marL="355680" lvl="2" indent="-208440">
+              <a:buClr>
+                <a:srgbClr val="879BAA"/>
+              </a:buClr>
+              <a:buFont typeface="Noto Sans Symbols"/>
+              <a:buChar char="∙"/>
+            </a:pPr>
+            <a:r>
+              <a:rPr lang="ja-JP" altLang="en-US" sz="1900" spc="-1" dirty="0" smtClean="0">
+                <a:solidFill>
+                  <a:srgbClr val="000000"/>
+                </a:solidFill>
+                <a:latin typeface="Arial"/>
+                <a:ea typeface="Arial"/>
+              </a:rPr>
+              <a:t>一括</a:t>
+            </a:r>
+            <a:r>
+              <a:rPr lang="ja-JP" altLang="en-US" sz="1900" spc="-1" dirty="0">
+                <a:solidFill>
+                  <a:srgbClr val="000000"/>
+                </a:solidFill>
+                <a:latin typeface="Arial"/>
+                <a:ea typeface="Arial"/>
+              </a:rPr>
+              <a:t>作業</a:t>
+            </a:r>
+            <a:r>
+              <a:rPr lang="ja-JP" altLang="en-US" sz="1900" spc="-1" dirty="0" smtClean="0">
+                <a:solidFill>
+                  <a:srgbClr val="000000"/>
+                </a:solidFill>
+                <a:latin typeface="Arial"/>
+                <a:ea typeface="Arial"/>
+              </a:rPr>
+              <a:t>で行うことの定義</a:t>
             </a:r>
             <a:r>
               <a:rPr lang="en-US" sz="1900" b="0" strike="noStrike" spc="-1" dirty="0" smtClean="0">
@@ -42419,17 +42541,111 @@
                 <a:latin typeface="Arial"/>
                 <a:ea typeface="Arial"/>
               </a:rPr>
-              <a:t>, </a:t>
-            </a:r>
+              <a:t>: </a:t>
+            </a:r>
+            <a:r>
+              <a:rPr lang="en-US" sz="1900" b="0" strike="noStrike" spc="-1" dirty="0" err="1" smtClean="0">
+                <a:solidFill>
+                  <a:srgbClr val="000000"/>
+                </a:solidFill>
+                <a:latin typeface="Arial"/>
+                <a:ea typeface="Arial"/>
+              </a:rPr>
+              <a:t>zlib</a:t>
+            </a:r>
+            <a:r>
+              <a:rPr lang="en-US" sz="1900" b="0" strike="noStrike" spc="-1" dirty="0" smtClean="0">
+                <a:solidFill>
+                  <a:srgbClr val="000000"/>
+                </a:solidFill>
+                <a:latin typeface="Arial"/>
+                <a:ea typeface="Arial"/>
+              </a:rPr>
+              <a:t/>
+            </a:r>
+            <a:br>
+              <a:rPr lang="en-US" sz="1900" b="0" strike="noStrike" spc="-1" dirty="0" smtClean="0">
+                <a:solidFill>
+                  <a:srgbClr val="000000"/>
+                </a:solidFill>
+                <a:latin typeface="Arial"/>
+                <a:ea typeface="Arial"/>
+              </a:rPr>
+            </a:br>
+            <a:r>
+              <a:rPr lang="en-US" sz="1900" b="0" strike="noStrike" spc="-1" dirty="0" smtClean="0">
+                <a:solidFill>
+                  <a:srgbClr val="000000"/>
+                </a:solidFill>
+                <a:latin typeface="Arial"/>
+                <a:ea typeface="Arial"/>
+              </a:rPr>
+              <a:t> </a:t>
+            </a:r>
+            <a:r>
+              <a:rPr lang="ja-JP" altLang="en-US" sz="1900" spc="-1" dirty="0" smtClean="0">
+                <a:solidFill>
+                  <a:srgbClr val="000000"/>
+                </a:solidFill>
+                <a:latin typeface="Arial"/>
+                <a:ea typeface="Arial"/>
+              </a:rPr>
+              <a:t>でありそうなものを取り除く</a:t>
+            </a:r>
+            <a:endParaRPr lang="en-US" sz="1900" b="0" strike="noStrike" spc="-1" dirty="0">
+              <a:latin typeface="Arial"/>
+            </a:endParaRPr>
+          </a:p>
+          <a:p>
+            <a:pPr marL="355680" lvl="2" indent="-208440">
+              <a:lnSpc>
+                <a:spcPct val="100000"/>
+              </a:lnSpc>
+              <a:buClr>
+                <a:srgbClr val="879BAA"/>
+              </a:buClr>
+              <a:buFont typeface="Noto Sans Symbols"/>
+              <a:buChar char="∙"/>
+            </a:pPr>
+            <a:r>
+              <a:rPr lang="en-US" sz="1900" b="0" strike="noStrike" spc="-1" dirty="0" err="1" smtClean="0">
+                <a:latin typeface="Arial"/>
+              </a:rPr>
+              <a:t>zlib</a:t>
+            </a:r>
+            <a:r>
+              <a:rPr lang="ja-JP" altLang="en-US" sz="1900" b="0" strike="noStrike" spc="-1" dirty="0" smtClean="0">
+                <a:latin typeface="Arial"/>
+              </a:rPr>
+              <a:t>に一括追加する項目を定義</a:t>
+            </a:r>
+            <a:endParaRPr lang="en-US" sz="1900" b="0" strike="noStrike" spc="-1" dirty="0" smtClean="0">
+              <a:solidFill>
+                <a:srgbClr val="000000"/>
+              </a:solidFill>
+              <a:latin typeface="Arial"/>
+              <a:ea typeface="Arial"/>
+            </a:endParaRPr>
+          </a:p>
+          <a:p>
+            <a:pPr marL="355680" lvl="2" indent="-208440">
+              <a:lnSpc>
+                <a:spcPct val="100000"/>
+              </a:lnSpc>
+              <a:buClr>
+                <a:srgbClr val="879BAA"/>
+              </a:buClr>
+              <a:buFont typeface="Noto Sans Symbols"/>
+              <a:buChar char="∙"/>
+            </a:pPr>
             <a:r>
               <a:rPr lang="ja-JP" altLang="en-US" sz="1900" spc="-1" dirty="0">
                 <a:solidFill>
                   <a:srgbClr val="000000"/>
                 </a:solidFill>
                 <a:latin typeface="Arial"/>
-                <a:ea typeface="Arial"/>
-              </a:rPr>
-              <a:t>他</a:t>
+              </a:rPr>
+              <a:t>作成</a:t>
             </a:r>
             <a:r>
               <a:rPr lang="ja-JP" altLang="en-US" sz="1900" spc="-1" dirty="0" smtClean="0">
@@ -42437,79 +42653,8 @@
                   <a:srgbClr val="000000"/>
                 </a:solidFill>
                 <a:latin typeface="Arial"/>
-                <a:ea typeface="Arial"/>
-              </a:rPr>
-              <a:t>の</a:t>
-            </a:r>
-            <a:r>
-              <a:rPr lang="en-US" sz="1900" b="0" strike="noStrike" spc="-1" dirty="0" err="1" smtClean="0">
-                <a:solidFill>
-                  <a:srgbClr val="000000"/>
-                </a:solidFill>
-                <a:latin typeface="Arial"/>
-                <a:ea typeface="Arial"/>
-              </a:rPr>
-              <a:t>zlib</a:t>
-            </a:r>
-            <a:r>
-              <a:rPr lang="ja-JP" altLang="en-US" sz="1900" spc="-1" dirty="0">
-                <a:solidFill>
-                  <a:srgbClr val="000000"/>
-                </a:solidFill>
-                <a:latin typeface="Arial"/>
-                <a:ea typeface="Arial"/>
-              </a:rPr>
-              <a:t>候補</a:t>
-            </a:r>
-            <a:r>
-              <a:rPr lang="ja-JP" altLang="en-US" sz="1900" spc="-1" dirty="0" smtClean="0">
-                <a:solidFill>
-                  <a:srgbClr val="000000"/>
-                </a:solidFill>
-                <a:latin typeface="Arial"/>
-                <a:ea typeface="Arial"/>
-              </a:rPr>
-              <a:t>を</a:t>
-            </a:r>
-            <a:r>
-              <a:rPr lang="ja-JP" altLang="en-US" sz="1900" spc="-1" dirty="0">
-                <a:solidFill>
-                  <a:srgbClr val="000000"/>
-                </a:solidFill>
-                <a:latin typeface="Arial"/>
-                <a:ea typeface="Arial"/>
-              </a:rPr>
-              <a:t>取り除</a:t>
-            </a:r>
-            <a:r>
-              <a:rPr lang="ja-JP" altLang="en-US" sz="1900" spc="-1" dirty="0" smtClean="0">
-                <a:solidFill>
-                  <a:srgbClr val="000000"/>
-                </a:solidFill>
-                <a:latin typeface="Arial"/>
-                <a:ea typeface="Arial"/>
-              </a:rPr>
-              <a:t>き</a:t>
-            </a:r>
-            <a:r>
-              <a:rPr lang="en-US" sz="1900" b="0" strike="noStrike" spc="-1" dirty="0" smtClean="0">
-                <a:solidFill>
-                  <a:srgbClr val="000000"/>
-                </a:solidFill>
-                <a:latin typeface="Arial"/>
-                <a:ea typeface="Arial"/>
-              </a:rPr>
-              <a:t>, </a:t>
-            </a:r>
-            <a:r>
-              <a:rPr lang="ja-JP" altLang="en-US" sz="1900" b="0" strike="noStrike" spc="-1" dirty="0" smtClean="0">
-                <a:solidFill>
-                  <a:srgbClr val="000000"/>
-                </a:solidFill>
-                <a:latin typeface="Arial"/>
-                <a:ea typeface="Arial"/>
-              </a:rPr>
-              <a:t>次の作業へ</a:t>
+              </a:rPr>
+              <a:t>された決定を確認</a:t>
             </a:r>
             <a:endParaRPr lang="en-US" sz="1900" b="0" strike="noStrike" spc="-1" dirty="0">
               <a:latin typeface="Arial"/>
@@ -42545,16 +42690,7 @@
                 </a:solidFill>
                 <a:latin typeface="Arial"/>
               </a:rPr>
-              <a:t>一</a:t>
-            </a:r>
-            <a:r>
-              <a:rPr lang="ja-JP" altLang="en-US" sz="1900" spc="-1" dirty="0" smtClean="0">
-                <a:solidFill>
-                  <a:srgbClr val="000000"/>
-                </a:solidFill>
-                <a:latin typeface="Arial"/>
-              </a:rPr>
-              <a:t>つのファイルへ</a:t>
+              <a:t>一度</a:t>
             </a:r>
             <a:endParaRPr lang="en-US" sz="1900" b="0" strike="noStrike" spc="-1" dirty="0">
               <a:latin typeface="Arial"/>
@@ -42572,363 +42708,32 @@
               <a:buChar char="∙"/>
             </a:pPr>
             <a:r>
-              <a:rPr lang="en-US" sz="1900" b="0" strike="noStrike" spc="-1" dirty="0" err="1" smtClean="0">
-                <a:solidFill>
-                  <a:srgbClr val="000000"/>
-                </a:solidFill>
-                <a:latin typeface="Arial"/>
-                <a:ea typeface="Arial"/>
-              </a:rPr>
-              <a:t>zlib</a:t>
-            </a:r>
-            <a:r>
-              <a:rPr lang="en-US" sz="1900" b="0" strike="noStrike" spc="-1" dirty="0" smtClean="0">
-                <a:solidFill>
-                  <a:srgbClr val="000000"/>
-                </a:solidFill>
-                <a:latin typeface="Arial"/>
-                <a:ea typeface="Arial"/>
-              </a:rPr>
-              <a:t> </a:t>
-            </a:r>
-            <a:r>
-              <a:rPr lang="ja-JP" altLang="en-US" sz="1900" b="0" strike="noStrike" spc="-1" dirty="0" smtClean="0">
-                <a:solidFill>
-                  <a:srgbClr val="000000"/>
-                </a:solidFill>
-                <a:latin typeface="Arial"/>
-                <a:ea typeface="Arial"/>
-              </a:rPr>
-              <a:t>候補の方を選ぶ</a:t>
-            </a:r>
-            <a:endParaRPr lang="en-US" sz="1900" b="0" strike="noStrike" spc="-1" dirty="0">
-              <a:latin typeface="Arial"/>
-            </a:endParaRPr>
-          </a:p>
-          <a:p>
-            <a:pPr marL="355680" lvl="2" indent="-208440">
-              <a:lnSpc>
-                <a:spcPct val="100000"/>
-              </a:lnSpc>
-              <a:buClr>
-                <a:srgbClr val="879BAA"/>
-              </a:buClr>
-              <a:buFont typeface="Noto Sans Symbols"/>
-              <a:buChar char="∙"/>
-            </a:pPr>
-            <a:r>
-              <a:rPr lang="ja-JP" altLang="en-US" sz="1900" spc="-1" dirty="0" smtClean="0">
-                <a:solidFill>
-                  <a:srgbClr val="000000"/>
-                </a:solidFill>
-                <a:latin typeface="Arial"/>
-                <a:ea typeface="Arial"/>
-              </a:rPr>
-              <a:t>一括</a:t>
-            </a:r>
-            <a:r>
-              <a:rPr lang="ja-JP" altLang="en-US" sz="1900" spc="-1" dirty="0">
-                <a:solidFill>
-                  <a:srgbClr val="000000"/>
-                </a:solidFill>
-                <a:latin typeface="Arial"/>
-                <a:ea typeface="Arial"/>
-              </a:rPr>
-              <a:t>作業</a:t>
-            </a:r>
-            <a:r>
-              <a:rPr lang="ja-JP" altLang="en-US" sz="1900" spc="-1" dirty="0" smtClean="0">
-                <a:solidFill>
-                  <a:srgbClr val="000000"/>
-                </a:solidFill>
-                <a:latin typeface="Arial"/>
-                <a:ea typeface="Arial"/>
-              </a:rPr>
-              <a:t>で行うことの定義</a:t>
-            </a:r>
-            <a:r>
-              <a:rPr lang="en-US" sz="1900" b="0" strike="noStrike" spc="-1" dirty="0" smtClean="0">
-                <a:solidFill>
-                  <a:srgbClr val="000000"/>
-                </a:solidFill>
-                <a:latin typeface="Arial"/>
-                <a:ea typeface="Arial"/>
-              </a:rPr>
-              <a:t>: </a:t>
-            </a:r>
-            <a:r>
-              <a:rPr lang="en-US" sz="1900" b="0" strike="noStrike" spc="-1" dirty="0" err="1" smtClean="0">
-                <a:solidFill>
-                  <a:srgbClr val="000000"/>
-                </a:solidFill>
-                <a:latin typeface="Arial"/>
-                <a:ea typeface="Arial"/>
-              </a:rPr>
-              <a:t>zlib</a:t>
-            </a:r>
-            <a:r>
-              <a:rPr lang="en-US" sz="1900" b="0" strike="noStrike" spc="-1" dirty="0" smtClean="0">
-                <a:solidFill>
-                  <a:srgbClr val="000000"/>
-                </a:solidFill>
-                <a:latin typeface="Arial"/>
-                <a:ea typeface="Arial"/>
-              </a:rPr>
-              <a:t/>
-            </a:r>
-            <a:br>
-              <a:rPr lang="en-US" sz="1900" b="0" strike="noStrike" spc="-1" dirty="0" smtClean="0">
-                <a:solidFill>
-                  <a:srgbClr val="000000"/>
-                </a:solidFill>
-                <a:latin typeface="Arial"/>
-                <a:ea typeface="Arial"/>
-              </a:rPr>
-            </a:br>
-            <a:r>
-              <a:rPr lang="en-US" sz="1900" b="0" strike="noStrike" spc="-1" dirty="0" smtClean="0">
-                <a:solidFill>
-                  <a:srgbClr val="000000"/>
-                </a:solidFill>
-                <a:latin typeface="Arial"/>
-                <a:ea typeface="Arial"/>
-              </a:rPr>
-              <a:t> </a:t>
-            </a:r>
-            <a:r>
-              <a:rPr lang="ja-JP" altLang="en-US" sz="1900" spc="-1" dirty="0" smtClean="0">
-                <a:solidFill>
-                  <a:srgbClr val="000000"/>
-                </a:solidFill>
-                <a:latin typeface="Arial"/>
-                <a:ea typeface="Arial"/>
-              </a:rPr>
-              <a:t>でありそうなものを取り除く</a:t>
-            </a:r>
-            <a:endParaRPr lang="en-US" sz="1900" b="0" strike="noStrike" spc="-1" dirty="0">
-              <a:latin typeface="Arial"/>
-            </a:endParaRPr>
-          </a:p>
-          <a:p>
-            <a:pPr marL="355680" lvl="2" indent="-208440">
-              <a:lnSpc>
-                <a:spcPct val="100000"/>
-              </a:lnSpc>
-              <a:buClr>
-                <a:srgbClr val="879BAA"/>
-              </a:buClr>
-              <a:buFont typeface="Noto Sans Symbols"/>
-              <a:buChar char="∙"/>
-            </a:pPr>
-            <a:r>
-              <a:rPr lang="en-US" sz="1900" b="0" strike="noStrike" spc="-1" dirty="0" err="1" smtClean="0">
-                <a:latin typeface="Arial"/>
-              </a:rPr>
-              <a:t>zlib</a:t>
-            </a:r>
-            <a:r>
-              <a:rPr lang="ja-JP" altLang="en-US" sz="1900" b="0" strike="noStrike" spc="-1" dirty="0" smtClean="0">
-                <a:latin typeface="Arial"/>
-              </a:rPr>
-              <a:t>に一括追加する項目を定義</a:t>
-            </a:r>
-            <a:endParaRPr lang="en-US" sz="1900" b="0" strike="noStrike" spc="-1" dirty="0" smtClean="0">
-              <a:solidFill>
-                <a:srgbClr val="000000"/>
-              </a:solidFill>
-              <a:latin typeface="Arial"/>
-              <a:ea typeface="Arial"/>
-            </a:endParaRPr>
-          </a:p>
-          <a:p>
-            <a:pPr marL="355680" lvl="2" indent="-208440">
-              <a:lnSpc>
-                <a:spcPct val="100000"/>
-              </a:lnSpc>
-              <a:buClr>
-                <a:srgbClr val="879BAA"/>
-              </a:buClr>
-              <a:buFont typeface="Noto Sans Symbols"/>
-              <a:buChar char="∙"/>
-            </a:pPr>
-            <a:r>
-              <a:rPr lang="ja-JP" altLang="en-US" sz="1900" spc="-1" dirty="0">
-                <a:solidFill>
-                  <a:srgbClr val="000000"/>
-                </a:solidFill>
-                <a:latin typeface="Arial"/>
-              </a:rPr>
-              <a:t>作成</a:t>
-            </a:r>
-            <a:r>
-              <a:rPr lang="ja-JP" altLang="en-US" sz="1900" spc="-1" dirty="0" smtClean="0">
-                <a:solidFill>
-                  <a:srgbClr val="000000"/>
-                </a:solidFill>
-                <a:latin typeface="Arial"/>
-              </a:rPr>
-              <a:t>された決定を確認</a:t>
-            </a:r>
-            <a:endParaRPr lang="en-US" sz="1900" b="0" strike="noStrike" spc="-1" dirty="0">
-              <a:latin typeface="Arial"/>
-            </a:endParaRPr>
-          </a:p>
-          <a:p>
-            <a:pPr marL="190440" lvl="1" indent="-221040">
-              <a:lnSpc>
-                <a:spcPct val="100000"/>
-              </a:lnSpc>
-              <a:spcBef>
-                <a:spcPts val="1301"/>
-              </a:spcBef>
-              <a:buClr>
-                <a:srgbClr val="879BAA"/>
-              </a:buClr>
-              <a:buFont typeface="Arial"/>
-              <a:buChar char="•"/>
-            </a:pPr>
-            <a:r>
-              <a:rPr lang="ja-JP" altLang="en-US" sz="1900" spc="-1" dirty="0" smtClean="0">
-                <a:solidFill>
-                  <a:srgbClr val="000000"/>
-                </a:solidFill>
-                <a:latin typeface="Arial"/>
-              </a:rPr>
-              <a:t>もう</a:t>
-            </a:r>
-            <a:r>
-              <a:rPr lang="ja-JP" altLang="en-US" sz="1900" spc="-1" dirty="0">
-                <a:solidFill>
-                  <a:srgbClr val="000000"/>
-                </a:solidFill>
-                <a:latin typeface="Arial"/>
-              </a:rPr>
-              <a:t>一度</a:t>
-            </a:r>
-            <a:endParaRPr lang="en-US" sz="1900" b="0" strike="noStrike" spc="-1" dirty="0">
-              <a:latin typeface="Arial"/>
-            </a:endParaRPr>
-          </a:p>
-          <a:p>
-            <a:pPr marL="355680" lvl="2" indent="-208440">
-              <a:lnSpc>
-                <a:spcPct val="100000"/>
-              </a:lnSpc>
-              <a:buClr>
-                <a:srgbClr val="879BAA"/>
-              </a:buClr>
-              <a:buFont typeface="Noto Sans Symbols"/>
-              <a:buChar char="∙"/>
-            </a:pPr>
-            <a:r>
-              <a:rPr lang="ja-JP" altLang="en-US" sz="1900" spc="-1" dirty="0" smtClean="0">
-                <a:solidFill>
-                  <a:srgbClr val="000000"/>
-                </a:solidFill>
-                <a:latin typeface="Arial"/>
-                <a:ea typeface="Arial"/>
-              </a:rPr>
-              <a:t>同じ</a:t>
-            </a:r>
-            <a:r>
-              <a:rPr lang="ja-JP" altLang="en-US" sz="1900" spc="-1" dirty="0">
-                <a:solidFill>
-                  <a:srgbClr val="000000"/>
-                </a:solidFill>
-                <a:latin typeface="Arial"/>
-                <a:ea typeface="Arial"/>
-              </a:rPr>
-              <a:t>流</a:t>
-            </a:r>
-            <a:r>
-              <a:rPr lang="ja-JP" altLang="en-US" sz="1900" spc="-1" dirty="0" smtClean="0">
-                <a:solidFill>
-                  <a:srgbClr val="000000"/>
-                </a:solidFill>
-                <a:latin typeface="Arial"/>
-                <a:ea typeface="Arial"/>
-              </a:rPr>
-              <a:t>れ</a:t>
-            </a:r>
-            <a:r>
-              <a:rPr lang="en-US" sz="1900" b="0" strike="noStrike" spc="-1" dirty="0" smtClean="0">
-                <a:solidFill>
-                  <a:srgbClr val="000000"/>
-                </a:solidFill>
-                <a:latin typeface="Arial"/>
-                <a:ea typeface="Arial"/>
-              </a:rPr>
-              <a:t>, </a:t>
-            </a:r>
-            <a:r>
-              <a:rPr lang="ja-JP" altLang="en-US" sz="1900" spc="-1" dirty="0">
-                <a:solidFill>
-                  <a:srgbClr val="000000"/>
-                </a:solidFill>
-                <a:latin typeface="Arial"/>
-                <a:ea typeface="Arial"/>
-              </a:rPr>
-              <a:t>他</a:t>
-            </a:r>
-            <a:r>
-              <a:rPr lang="ja-JP" altLang="en-US" sz="1900" spc="-1" dirty="0" smtClean="0">
-                <a:solidFill>
-                  <a:srgbClr val="000000"/>
-                </a:solidFill>
-                <a:latin typeface="Arial"/>
-                <a:ea typeface="Arial"/>
-              </a:rPr>
-              <a:t>の例</a:t>
-            </a:r>
-            <a:r>
-              <a:rPr lang="en-US" sz="1900" b="0" strike="noStrike" spc="-1" dirty="0" smtClean="0">
-                <a:solidFill>
-                  <a:srgbClr val="000000"/>
-                </a:solidFill>
-                <a:latin typeface="Arial"/>
-                <a:ea typeface="Arial"/>
-              </a:rPr>
-              <a:t>: </a:t>
-            </a:r>
-            <a:r>
-              <a:rPr lang="en-US" sz="1900" b="0" strike="noStrike" spc="-1" dirty="0">
-                <a:solidFill>
-                  <a:srgbClr val="000000"/>
-                </a:solidFill>
-                <a:latin typeface="Arial"/>
-                <a:ea typeface="Arial"/>
-              </a:rPr>
-              <a:t>BSL-case in </a:t>
-            </a:r>
-            <a:r>
-              <a:rPr lang="en-US" sz="1900" b="0" strike="noStrike" spc="-1" dirty="0" err="1">
-                <a:solidFill>
-                  <a:srgbClr val="000000"/>
-                </a:solidFill>
-                <a:latin typeface="Arial"/>
-                <a:ea typeface="Arial"/>
-              </a:rPr>
+              <a:rPr lang="ja-JP" altLang="en-US" dirty="0"/>
+              <a:t>もう一つの例として、</a:t>
+            </a:r>
+            <a:r>
+              <a:rPr lang="en-US" altLang="ja-JP" dirty="0" err="1"/>
+              <a:t>Zlib</a:t>
+            </a:r>
+            <a:r>
+              <a:rPr lang="ja-JP" altLang="en-US" dirty="0"/>
+              <a:t>の</a:t>
+            </a:r>
+            <a:r>
+              <a:rPr lang="en-US" altLang="ja-JP" dirty="0" err="1"/>
               <a:t>contrib</a:t>
             </a:r>
             <a:r>
-              <a:rPr lang="en-US" sz="1900" b="0" strike="noStrike" spc="-1" dirty="0">
-                <a:solidFill>
-                  <a:srgbClr val="000000"/>
-                </a:solidFill>
-                <a:latin typeface="Arial"/>
-                <a:ea typeface="Arial"/>
-              </a:rPr>
-              <a:t> of </a:t>
-            </a:r>
-            <a:r>
-              <a:rPr lang="en-US" sz="1900" b="0" strike="noStrike" spc="-1" dirty="0" err="1">
-                <a:solidFill>
-                  <a:srgbClr val="000000"/>
-                </a:solidFill>
-                <a:latin typeface="Arial"/>
-                <a:ea typeface="Arial"/>
-              </a:rPr>
-              <a:t>zlib</a:t>
+              <a:rPr lang="ja-JP" altLang="en-US" dirty="0"/>
+              <a:t>配下の</a:t>
+            </a:r>
+            <a:r>
+              <a:rPr lang="en-US" altLang="ja-JP" dirty="0"/>
+              <a:t>BSL</a:t>
+            </a:r>
+            <a:r>
+              <a:rPr lang="ja-JP" altLang="en-US" dirty="0"/>
+              <a:t>のケース</a:t>
             </a:r>
             <a:endParaRPr lang="en-US" sz="1900" b="0" strike="noStrike" spc="-1" dirty="0">
               <a:latin typeface="Arial"/>
@@ -42989,13 +42794,14 @@
                 <a:solidFill>
                   <a:srgbClr val="000000"/>
                 </a:solidFill>
-                <a:latin typeface="Arial"/>
-                <a:ea typeface="Arial"/>
+                <a:latin typeface="ＭＳ ゴシック" panose="020B0609070205080204" pitchFamily="49" charset="-128"/>
+                <a:ea typeface="ＭＳ ゴシック" panose="020B0609070205080204" pitchFamily="49" charset="-128"/>
               </a:rPr>
               <a:t>オープンソースパッケージアップロード</a:t>
             </a:r>
             <a:endParaRPr lang="en-US" sz="1900" b="0" strike="noStrike" spc="-1" dirty="0">
-              <a:latin typeface="Arial"/>
+              <a:latin typeface="ＭＳ ゴシック" panose="020B0609070205080204" pitchFamily="49" charset="-128"/>
+              <a:ea typeface="ＭＳ ゴシック" panose="020B0609070205080204" pitchFamily="49" charset="-128"/>
             </a:endParaRPr>
           </a:p>
           <a:p>
@@ -43014,8 +42820,8 @@
                 <a:solidFill>
                   <a:srgbClr val="000000"/>
                 </a:solidFill>
-                <a:latin typeface="Arial"/>
-                <a:ea typeface="Arial"/>
+                <a:latin typeface="ＭＳ ゴシック" panose="020B0609070205080204" pitchFamily="49" charset="-128"/>
+                <a:ea typeface="ＭＳ ゴシック" panose="020B0609070205080204" pitchFamily="49" charset="-128"/>
               </a:rPr>
               <a:t>スキャン結果</a:t>
             </a:r>
@@ -43024,8 +42830,8 @@
                 <a:solidFill>
                   <a:srgbClr val="000000"/>
                 </a:solidFill>
-                <a:latin typeface="Arial"/>
-                <a:ea typeface="Arial"/>
+                <a:latin typeface="ＭＳ ゴシック" panose="020B0609070205080204" pitchFamily="49" charset="-128"/>
+                <a:ea typeface="ＭＳ ゴシック" panose="020B0609070205080204" pitchFamily="49" charset="-128"/>
               </a:rPr>
               <a:t>が</a:t>
             </a:r>
@@ -43034,8 +42840,8 @@
                 <a:solidFill>
                   <a:srgbClr val="000000"/>
                 </a:solidFill>
-                <a:latin typeface="Arial"/>
-                <a:ea typeface="Arial"/>
+                <a:latin typeface="ＭＳ ゴシック" panose="020B0609070205080204" pitchFamily="49" charset="-128"/>
+                <a:ea typeface="ＭＳ ゴシック" panose="020B0609070205080204" pitchFamily="49" charset="-128"/>
               </a:rPr>
               <a:t>基本</a:t>
             </a:r>
@@ -43044,8 +42850,8 @@
                 <a:solidFill>
                   <a:srgbClr val="000000"/>
                 </a:solidFill>
-                <a:latin typeface="Arial"/>
-                <a:ea typeface="Arial"/>
+                <a:latin typeface="ＭＳ ゴシック" panose="020B0609070205080204" pitchFamily="49" charset="-128"/>
+                <a:ea typeface="ＭＳ ゴシック" panose="020B0609070205080204" pitchFamily="49" charset="-128"/>
               </a:rPr>
               <a:t>: </a:t>
             </a:r>
@@ -43054,13 +42860,14 @@
                 <a:solidFill>
                   <a:srgbClr val="000000"/>
                 </a:solidFill>
-                <a:latin typeface="Arial"/>
-                <a:ea typeface="Arial"/>
+                <a:latin typeface="ＭＳ ゴシック" panose="020B0609070205080204" pitchFamily="49" charset="-128"/>
+                <a:ea typeface="ＭＳ ゴシック" panose="020B0609070205080204" pitchFamily="49" charset="-128"/>
               </a:rPr>
               <a:t>スキャナーは何を見つけたのか？</a:t>
             </a:r>
             <a:endParaRPr lang="en-US" b="0" strike="noStrike" spc="-1" dirty="0">
-              <a:latin typeface="Arial"/>
+              <a:latin typeface="ＭＳ ゴシック" panose="020B0609070205080204" pitchFamily="49" charset="-128"/>
+              <a:ea typeface="ＭＳ ゴシック" panose="020B0609070205080204" pitchFamily="49" charset="-128"/>
             </a:endParaRPr>
           </a:p>
           <a:p>
@@ -43079,8 +42886,8 @@
                 <a:solidFill>
                   <a:srgbClr val="000000"/>
                 </a:solidFill>
-                <a:latin typeface="Arial"/>
-                <a:ea typeface="Arial"/>
+                <a:latin typeface="ＭＳ ゴシック" panose="020B0609070205080204" pitchFamily="49" charset="-128"/>
+                <a:ea typeface="ＭＳ ゴシック" panose="020B0609070205080204" pitchFamily="49" charset="-128"/>
               </a:rPr>
               <a:t>スキャナーがライセンス発見</a:t>
             </a:r>
@@ -43089,8 +42896,8 @@
                 <a:solidFill>
                   <a:srgbClr val="000000"/>
                 </a:solidFill>
-                <a:latin typeface="Arial"/>
-                <a:ea typeface="Arial"/>
+                <a:latin typeface="ＭＳ ゴシック" panose="020B0609070205080204" pitchFamily="49" charset="-128"/>
+                <a:ea typeface="ＭＳ ゴシック" panose="020B0609070205080204" pitchFamily="49" charset="-128"/>
               </a:rPr>
               <a:t>: </a:t>
             </a:r>
@@ -43099,13 +42906,14 @@
                 <a:solidFill>
                   <a:srgbClr val="000000"/>
                 </a:solidFill>
-                <a:latin typeface="Arial"/>
-                <a:ea typeface="Arial"/>
+                <a:latin typeface="ＭＳ ゴシック" panose="020B0609070205080204" pitchFamily="49" charset="-128"/>
+                <a:ea typeface="ＭＳ ゴシック" panose="020B0609070205080204" pitchFamily="49" charset="-128"/>
               </a:rPr>
               <a:t>採用、修正にかかわらず</a:t>
             </a:r>
             <a:endParaRPr lang="en-US" b="0" strike="noStrike" spc="-1" dirty="0">
-              <a:latin typeface="Arial"/>
+              <a:latin typeface="ＭＳ ゴシック" panose="020B0609070205080204" pitchFamily="49" charset="-128"/>
+              <a:ea typeface="ＭＳ ゴシック" panose="020B0609070205080204" pitchFamily="49" charset="-128"/>
             </a:endParaRPr>
           </a:p>
           <a:p>
@@ -43124,8 +42932,8 @@
                 <a:solidFill>
                   <a:srgbClr val="000000"/>
                 </a:solidFill>
-                <a:latin typeface="Arial"/>
-                <a:ea typeface="Arial"/>
+                <a:latin typeface="ＭＳ ゴシック" panose="020B0609070205080204" pitchFamily="49" charset="-128"/>
+                <a:ea typeface="ＭＳ ゴシック" panose="020B0609070205080204" pitchFamily="49" charset="-128"/>
               </a:rPr>
               <a:t>ファイル</a:t>
             </a:r>
@@ -43134,8 +42942,8 @@
                 <a:solidFill>
                   <a:srgbClr val="000000"/>
                 </a:solidFill>
-                <a:latin typeface="Arial"/>
-                <a:ea typeface="Arial"/>
+                <a:latin typeface="ＭＳ ゴシック" panose="020B0609070205080204" pitchFamily="49" charset="-128"/>
+                <a:ea typeface="ＭＳ ゴシック" panose="020B0609070205080204" pitchFamily="49" charset="-128"/>
               </a:rPr>
               <a:t>を一つ一つ</a:t>
             </a:r>
@@ -43144,8 +42952,8 @@
                 <a:solidFill>
                   <a:srgbClr val="000000"/>
                 </a:solidFill>
-                <a:latin typeface="Arial"/>
-                <a:ea typeface="Arial"/>
+                <a:latin typeface="ＭＳ ゴシック" panose="020B0609070205080204" pitchFamily="49" charset="-128"/>
+                <a:ea typeface="ＭＳ ゴシック" panose="020B0609070205080204" pitchFamily="49" charset="-128"/>
               </a:rPr>
               <a:t>: </a:t>
             </a:r>
@@ -43154,8 +42962,8 @@
                 <a:solidFill>
                   <a:srgbClr val="000000"/>
                 </a:solidFill>
-                <a:latin typeface="Arial"/>
-                <a:ea typeface="Arial"/>
+                <a:latin typeface="ＭＳ ゴシック" panose="020B0609070205080204" pitchFamily="49" charset="-128"/>
+                <a:ea typeface="ＭＳ ゴシック" panose="020B0609070205080204" pitchFamily="49" charset="-128"/>
               </a:rPr>
               <a:t>選択</a:t>
             </a:r>
@@ -43164,8 +42972,8 @@
                 <a:solidFill>
                   <a:srgbClr val="000000"/>
                 </a:solidFill>
-                <a:latin typeface="Arial"/>
-                <a:ea typeface="Arial"/>
+                <a:latin typeface="ＭＳ ゴシック" panose="020B0609070205080204" pitchFamily="49" charset="-128"/>
+                <a:ea typeface="ＭＳ ゴシック" panose="020B0609070205080204" pitchFamily="49" charset="-128"/>
               </a:rPr>
               <a:t>, </a:t>
             </a:r>
@@ -43174,8 +42982,8 @@
                 <a:solidFill>
                   <a:srgbClr val="000000"/>
                 </a:solidFill>
-                <a:latin typeface="Arial"/>
-                <a:ea typeface="Arial"/>
+                <a:latin typeface="ＭＳ ゴシック" panose="020B0609070205080204" pitchFamily="49" charset="-128"/>
+                <a:ea typeface="ＭＳ ゴシック" panose="020B0609070205080204" pitchFamily="49" charset="-128"/>
               </a:rPr>
               <a:t>特定し</a:t>
             </a:r>
@@ -43184,8 +42992,8 @@
                 <a:solidFill>
                   <a:srgbClr val="000000"/>
                 </a:solidFill>
-                <a:latin typeface="Arial"/>
-                <a:ea typeface="Arial"/>
+                <a:latin typeface="ＭＳ ゴシック" panose="020B0609070205080204" pitchFamily="49" charset="-128"/>
+                <a:ea typeface="ＭＳ ゴシック" panose="020B0609070205080204" pitchFamily="49" charset="-128"/>
               </a:rPr>
               <a:t>,</a:t>
             </a:r>
@@ -43194,8 +43002,8 @@
                 <a:solidFill>
                   <a:srgbClr val="000000"/>
                 </a:solidFill>
-                <a:latin typeface="Arial"/>
-                <a:ea typeface="Arial"/>
+                <a:latin typeface="ＭＳ ゴシック" panose="020B0609070205080204" pitchFamily="49" charset="-128"/>
+                <a:ea typeface="ＭＳ ゴシック" panose="020B0609070205080204" pitchFamily="49" charset="-128"/>
               </a:rPr>
               <a:t>　そして</a:t>
             </a:r>
@@ -43204,8 +43012,8 @@
                 <a:solidFill>
                   <a:srgbClr val="000000"/>
                 </a:solidFill>
-                <a:latin typeface="Arial"/>
-                <a:ea typeface="Arial"/>
+                <a:latin typeface="ＭＳ ゴシック" panose="020B0609070205080204" pitchFamily="49" charset="-128"/>
+                <a:ea typeface="ＭＳ ゴシック" panose="020B0609070205080204" pitchFamily="49" charset="-128"/>
               </a:rPr>
               <a:t> </a:t>
             </a:r>
@@ -43214,13 +43022,14 @@
                 <a:solidFill>
                   <a:srgbClr val="000000"/>
                 </a:solidFill>
-                <a:latin typeface="Arial"/>
-                <a:ea typeface="Arial"/>
+                <a:latin typeface="ＭＳ ゴシック" panose="020B0609070205080204" pitchFamily="49" charset="-128"/>
+                <a:ea typeface="ＭＳ ゴシック" panose="020B0609070205080204" pitchFamily="49" charset="-128"/>
               </a:rPr>
               <a:t>次へ</a:t>
             </a:r>
             <a:endParaRPr lang="en-US" b="0" strike="noStrike" spc="-1" dirty="0">
-              <a:latin typeface="Arial"/>
+              <a:latin typeface="ＭＳ ゴシック" panose="020B0609070205080204" pitchFamily="49" charset="-128"/>
+              <a:ea typeface="ＭＳ ゴシック" panose="020B0609070205080204" pitchFamily="49" charset="-128"/>
             </a:endParaRPr>
           </a:p>
           <a:p>
@@ -43239,13 +43048,14 @@
                 <a:solidFill>
                   <a:srgbClr val="000000"/>
                 </a:solidFill>
-                <a:latin typeface="Arial"/>
-                <a:ea typeface="Arial"/>
+                <a:latin typeface="ＭＳ ゴシック" panose="020B0609070205080204" pitchFamily="49" charset="-128"/>
+                <a:ea typeface="ＭＳ ゴシック" panose="020B0609070205080204" pitchFamily="49" charset="-128"/>
               </a:rPr>
               <a:t>それでもいいが、多すぎると実行不可能</a:t>
             </a:r>
             <a:endParaRPr lang="en-US" b="0" strike="noStrike" spc="-1" dirty="0">
-              <a:latin typeface="Arial"/>
+              <a:latin typeface="ＭＳ ゴシック" panose="020B0609070205080204" pitchFamily="49" charset="-128"/>
+              <a:ea typeface="ＭＳ ゴシック" panose="020B0609070205080204" pitchFamily="49" charset="-128"/>
             </a:endParaRPr>
           </a:p>
           <a:p>
@@ -43263,28 +43073,31 @@
               <a:buAutoNum type="arabicPeriod"/>
             </a:pPr>
             <a:r>
-              <a:rPr lang="ja-JP" altLang="en-US" sz="1900" b="1" spc="-1" dirty="0">
-                <a:solidFill>
-                  <a:srgbClr val="000000"/>
-                </a:solidFill>
-                <a:latin typeface="Arial"/>
+              <a:rPr lang="ja-JP" altLang="en-US" b="1" spc="-1" dirty="0">
+                <a:solidFill>
+                  <a:srgbClr val="000000"/>
+                </a:solidFill>
+                <a:latin typeface="ＭＳ ゴシック" panose="020B0609070205080204" pitchFamily="49" charset="-128"/>
+                <a:ea typeface="ＭＳ ゴシック" panose="020B0609070205080204" pitchFamily="49" charset="-128"/>
               </a:rPr>
               <a:t>バルク</a:t>
             </a:r>
             <a:r>
-              <a:rPr lang="ja-JP" altLang="en-US" sz="1900" b="1" spc="-1" dirty="0" smtClean="0">
-                <a:solidFill>
-                  <a:srgbClr val="000000"/>
-                </a:solidFill>
-                <a:latin typeface="Arial"/>
+              <a:rPr lang="ja-JP" altLang="en-US" b="1" spc="-1" dirty="0" smtClean="0">
+                <a:solidFill>
+                  <a:srgbClr val="000000"/>
+                </a:solidFill>
+                <a:latin typeface="ＭＳ ゴシック" panose="020B0609070205080204" pitchFamily="49" charset="-128"/>
+                <a:ea typeface="ＭＳ ゴシック" panose="020B0609070205080204" pitchFamily="49" charset="-128"/>
               </a:rPr>
               <a:t>スキャンをして操作をより早く</a:t>
             </a:r>
-            <a:endParaRPr lang="en-US" altLang="ja-JP" sz="1900" b="1" spc="-1" dirty="0" smtClean="0">
+            <a:endParaRPr lang="en-US" altLang="ja-JP" b="1" spc="-1" dirty="0" smtClean="0">
               <a:solidFill>
                 <a:srgbClr val="000000"/>
               </a:solidFill>
-              <a:latin typeface="Arial"/>
+              <a:latin typeface="ＭＳ ゴシック" panose="020B0609070205080204" pitchFamily="49" charset="-128"/>
+              <a:ea typeface="ＭＳ ゴシック" panose="020B0609070205080204" pitchFamily="49" charset="-128"/>
             </a:endParaRPr>
           </a:p>
           <a:p>
@@ -43299,33 +43112,23 @@
               <a:buChar char="∙"/>
             </a:pPr>
             <a:r>
-              <a:rPr lang="ja-JP" altLang="en-US" spc="-1" dirty="0">
-                <a:solidFill>
-                  <a:srgbClr val="000000"/>
-                </a:solidFill>
-                <a:ea typeface="Arial"/>
-              </a:rPr>
-              <a:t>アップロード物の中身</a:t>
-            </a:r>
-            <a:r>
-              <a:rPr lang="en-US" altLang="ja-JP" spc="-1" dirty="0">
-                <a:solidFill>
-                  <a:srgbClr val="000000"/>
-                </a:solidFill>
-                <a:ea typeface="Arial"/>
-              </a:rPr>
-              <a:t>: </a:t>
-            </a:r>
-            <a:r>
-              <a:rPr lang="ja-JP" altLang="en-US" spc="-1" dirty="0">
-                <a:solidFill>
-                  <a:srgbClr val="000000"/>
-                </a:solidFill>
-                <a:ea typeface="Arial"/>
-              </a:rPr>
-              <a:t>テキストフレーズ選択を行う</a:t>
-            </a:r>
-            <a:endParaRPr lang="en-US" altLang="ja-JP" spc="-1" dirty="0"/>
+              <a:rPr lang="ja-JP" altLang="en-US" dirty="0">
+                <a:latin typeface="ＭＳ ゴシック" panose="020B0609070205080204" pitchFamily="49" charset="-128"/>
+                <a:ea typeface="ＭＳ ゴシック" panose="020B0609070205080204" pitchFamily="49" charset="-128"/>
+              </a:rPr>
+              <a:t>そのアップロードの中から、テキストフレーズを選択</a:t>
+            </a:r>
+            <a:r>
+              <a:rPr lang="ja-JP" altLang="en-US" dirty="0" smtClean="0">
+                <a:latin typeface="ＭＳ ゴシック" panose="020B0609070205080204" pitchFamily="49" charset="-128"/>
+                <a:ea typeface="ＭＳ ゴシック" panose="020B0609070205080204" pitchFamily="49" charset="-128"/>
+              </a:rPr>
+              <a:t>する</a:t>
+            </a:r>
+            <a:endParaRPr lang="en-US" altLang="ja-JP" dirty="0" smtClean="0">
+              <a:latin typeface="ＭＳ ゴシック" panose="020B0609070205080204" pitchFamily="49" charset="-128"/>
+              <a:ea typeface="ＭＳ ゴシック" panose="020B0609070205080204" pitchFamily="49" charset="-128"/>
+            </a:endParaRPr>
           </a:p>
           <a:p>
             <a:pPr marL="520560" lvl="2" indent="-373680">
@@ -43339,37 +43142,22 @@
               <a:buChar char="∙"/>
             </a:pPr>
             <a:r>
-              <a:rPr lang="ja-JP" altLang="en-US" spc="-1" dirty="0">
-                <a:solidFill>
-                  <a:srgbClr val="000000"/>
-                </a:solidFill>
-                <a:ea typeface="Arial"/>
-              </a:rPr>
-              <a:t>仮定</a:t>
-            </a:r>
-            <a:r>
-              <a:rPr lang="en-US" altLang="ja-JP" spc="-1" dirty="0">
-                <a:solidFill>
-                  <a:srgbClr val="000000"/>
-                </a:solidFill>
-                <a:ea typeface="Arial"/>
-              </a:rPr>
-              <a:t>:</a:t>
-            </a:r>
-            <a:r>
-              <a:rPr lang="ja-JP" altLang="en-US" spc="-1" dirty="0">
-                <a:solidFill>
-                  <a:srgbClr val="000000"/>
-                </a:solidFill>
-                <a:ea typeface="Arial"/>
-              </a:rPr>
-              <a:t>アップロード物の中身はテキストフレーズが安全にされているようだ</a:t>
-            </a:r>
-            <a:endParaRPr lang="en-US" altLang="ja-JP" spc="-1" dirty="0">
-              <a:solidFill>
-                <a:srgbClr val="000000"/>
-              </a:solidFill>
-              <a:ea typeface="Arial"/>
+              <a:rPr lang="ja-JP" altLang="en-US" dirty="0">
+                <a:latin typeface="ＭＳ ゴシック" panose="020B0609070205080204" pitchFamily="49" charset="-128"/>
+                <a:ea typeface="ＭＳ ゴシック" panose="020B0609070205080204" pitchFamily="49" charset="-128"/>
+              </a:rPr>
+              <a:t>仮定：同じアップロードの中のテキストフレーズを使うのが安全</a:t>
+            </a:r>
+            <a:r>
+              <a:rPr lang="ja-JP" altLang="en-US" dirty="0" smtClean="0">
+                <a:latin typeface="ＭＳ ゴシック" panose="020B0609070205080204" pitchFamily="49" charset="-128"/>
+                <a:ea typeface="ＭＳ ゴシック" panose="020B0609070205080204" pitchFamily="49" charset="-128"/>
+              </a:rPr>
+              <a:t>だろう</a:t>
+            </a:r>
+            <a:endParaRPr lang="en-US" altLang="ja-JP" dirty="0" smtClean="0">
+              <a:latin typeface="ＭＳ ゴシック" panose="020B0609070205080204" pitchFamily="49" charset="-128"/>
+              <a:ea typeface="ＭＳ ゴシック" panose="020B0609070205080204" pitchFamily="49" charset="-128"/>
             </a:endParaRPr>
           </a:p>
           <a:p>
@@ -43384,20 +43172,32 @@
               <a:buChar char="∙"/>
             </a:pPr>
             <a:r>
+              <a:rPr lang="ja-JP" altLang="en-US" spc="-1" dirty="0" smtClean="0">
+                <a:solidFill>
+                  <a:srgbClr val="000000"/>
+                </a:solidFill>
+                <a:latin typeface="ＭＳ ゴシック" panose="020B0609070205080204" pitchFamily="49" charset="-128"/>
+                <a:ea typeface="ＭＳ ゴシック" panose="020B0609070205080204" pitchFamily="49" charset="-128"/>
+              </a:rPr>
+              <a:t>テキストフレーズ</a:t>
+            </a:r>
+            <a:r>
               <a:rPr lang="ja-JP" altLang="en-US" spc="-1" dirty="0">
                 <a:solidFill>
                   <a:srgbClr val="000000"/>
                 </a:solidFill>
-                <a:ea typeface="Arial"/>
-              </a:rPr>
-              <a:t>テキストフレーズのライセンスを定義する</a:t>
+                <a:latin typeface="ＭＳ ゴシック" panose="020B0609070205080204" pitchFamily="49" charset="-128"/>
+                <a:ea typeface="ＭＳ ゴシック" panose="020B0609070205080204" pitchFamily="49" charset="-128"/>
+              </a:rPr>
+              <a:t>のライセンスを定義する</a:t>
             </a:r>
             <a:r>
               <a:rPr lang="en-US" altLang="ja-JP" spc="-1" dirty="0">
                 <a:solidFill>
                   <a:srgbClr val="000000"/>
                 </a:solidFill>
-                <a:ea typeface="Arial"/>
+                <a:latin typeface="ＭＳ ゴシック" panose="020B0609070205080204" pitchFamily="49" charset="-128"/>
+                <a:ea typeface="ＭＳ ゴシック" panose="020B0609070205080204" pitchFamily="49" charset="-128"/>
               </a:rPr>
               <a:t>– </a:t>
             </a:r>
@@ -43406,7 +43206,8 @@
                 <a:solidFill>
                   <a:srgbClr val="000000"/>
                 </a:solidFill>
-                <a:ea typeface="Arial"/>
+                <a:latin typeface="ＭＳ ゴシック" panose="020B0609070205080204" pitchFamily="49" charset="-128"/>
+                <a:ea typeface="ＭＳ ゴシック" panose="020B0609070205080204" pitchFamily="49" charset="-128"/>
               </a:rPr>
               <a:t>あるいは除去する</a:t>
             </a:r>
@@ -43414,7 +43215,8 @@
               <a:solidFill>
                 <a:srgbClr val="000000"/>
               </a:solidFill>
-              <a:ea typeface="Arial"/>
+              <a:latin typeface="ＭＳ ゴシック" panose="020B0609070205080204" pitchFamily="49" charset="-128"/>
+              <a:ea typeface="ＭＳ ゴシック" panose="020B0609070205080204" pitchFamily="49" charset="-128"/>
             </a:endParaRPr>
           </a:p>
           <a:p>
@@ -43433,7 +43235,8 @@
                 <a:solidFill>
                   <a:srgbClr val="000000"/>
                 </a:solidFill>
-                <a:ea typeface="Arial"/>
+                <a:latin typeface="ＭＳ ゴシック" panose="020B0609070205080204" pitchFamily="49" charset="-128"/>
+                <a:ea typeface="ＭＳ ゴシック" panose="020B0609070205080204" pitchFamily="49" charset="-128"/>
               </a:rPr>
               <a:t>スキャナーが同じライセンスであることを確認したものを</a:t>
             </a:r>
@@ -43442,15 +43245,17 @@
                 <a:solidFill>
                   <a:srgbClr val="000000"/>
                 </a:solidFill>
-                <a:ea typeface="Arial"/>
+                <a:latin typeface="ＭＳ ゴシック" panose="020B0609070205080204" pitchFamily="49" charset="-128"/>
+                <a:ea typeface="ＭＳ ゴシック" panose="020B0609070205080204" pitchFamily="49" charset="-128"/>
               </a:rPr>
               <a:t>対象</a:t>
             </a:r>
-            <a:endParaRPr lang="en-US" altLang="ja-JP" sz="1900" b="1" spc="-1" dirty="0" smtClean="0">
+            <a:endParaRPr lang="en-US" altLang="ja-JP" b="1" spc="-1" dirty="0" smtClean="0">
               <a:solidFill>
                 <a:srgbClr val="000000"/>
               </a:solidFill>
-              <a:latin typeface="Arial"/>
+              <a:latin typeface="ＭＳ ゴシック" panose="020B0609070205080204" pitchFamily="49" charset="-128"/>
+              <a:ea typeface="ＭＳ ゴシック" panose="020B0609070205080204" pitchFamily="49" charset="-128"/>
             </a:endParaRPr>
           </a:p>
           <a:p>
@@ -43468,13 +43273,30 @@
               <a:buAutoNum type="arabicPeriod"/>
             </a:pPr>
             <a:r>
-              <a:rPr lang="ja-JP" altLang="en-US" sz="1900" b="1" spc="-1" dirty="0" smtClean="0"/>
-              <a:t>さらに</a:t>
-            </a:r>
-            <a:r>
-              <a:rPr lang="ja-JP" altLang="en-US" sz="1900" b="1" spc="-1" dirty="0"/>
-              <a:t>、ファイルをまとめて一度に編集</a:t>
-            </a:r>
+              <a:rPr lang="ja-JP" altLang="en-US" b="1" spc="-1" dirty="0" smtClean="0">
+                <a:latin typeface="ＭＳ ゴシック" panose="020B0609070205080204" pitchFamily="49" charset="-128"/>
+                <a:ea typeface="ＭＳ ゴシック" panose="020B0609070205080204" pitchFamily="49" charset="-128"/>
+              </a:rPr>
+              <a:t>複数</a:t>
+            </a:r>
+            <a:r>
+              <a:rPr lang="ja-JP" altLang="en-US" b="1" spc="-1" dirty="0">
+                <a:latin typeface="ＭＳ ゴシック" panose="020B0609070205080204" pitchFamily="49" charset="-128"/>
+                <a:ea typeface="ＭＳ ゴシック" panose="020B0609070205080204" pitchFamily="49" charset="-128"/>
+              </a:rPr>
+              <a:t>のファイルを一度に編集するもう一つの</a:t>
+            </a:r>
+            <a:r>
+              <a:rPr lang="ja-JP" altLang="en-US" b="1" spc="-1" dirty="0" smtClean="0">
+                <a:latin typeface="ＭＳ ゴシック" panose="020B0609070205080204" pitchFamily="49" charset="-128"/>
+                <a:ea typeface="ＭＳ ゴシック" panose="020B0609070205080204" pitchFamily="49" charset="-128"/>
+              </a:rPr>
+              <a:t>方法</a:t>
+            </a:r>
+            <a:endParaRPr lang="en-US" altLang="ja-JP" b="1" spc="-1" dirty="0">
+              <a:latin typeface="ＭＳ ゴシック" panose="020B0609070205080204" pitchFamily="49" charset="-128"/>
+              <a:ea typeface="ＭＳ ゴシック" panose="020B0609070205080204" pitchFamily="49" charset="-128"/>
+            </a:endParaRPr>
           </a:p>
           <a:p>
             <a:pPr marL="782460" lvl="2" indent="-342900">
@@ -43488,9 +43310,72 @@
               <a:buChar char="•"/>
             </a:pPr>
             <a:r>
-              <a:rPr lang="ja-JP" altLang="en-US" sz="1900" spc="-1" dirty="0"/>
-              <a:t>統括ビューから変更と一括化</a:t>
-            </a:r>
+              <a:rPr lang="en-US" altLang="ja-JP" spc="-1" dirty="0" smtClean="0">
+                <a:solidFill>
+                  <a:srgbClr val="000000"/>
+                </a:solidFill>
+                <a:latin typeface="ＭＳ ゴシック" panose="020B0609070205080204" pitchFamily="49" charset="-128"/>
+                <a:ea typeface="ＭＳ ゴシック" panose="020B0609070205080204" pitchFamily="49" charset="-128"/>
+              </a:rPr>
+              <a:t>Aggregated </a:t>
+            </a:r>
+            <a:r>
+              <a:rPr lang="en-US" altLang="ja-JP" spc="-1" dirty="0">
+                <a:solidFill>
+                  <a:srgbClr val="000000"/>
+                </a:solidFill>
+                <a:latin typeface="ＭＳ ゴシック" panose="020B0609070205080204" pitchFamily="49" charset="-128"/>
+                <a:ea typeface="ＭＳ ゴシック" panose="020B0609070205080204" pitchFamily="49" charset="-128"/>
+              </a:rPr>
+              <a:t>view</a:t>
+            </a:r>
+            <a:r>
+              <a:rPr lang="ja-JP" altLang="en-US" spc="-1" dirty="0">
+                <a:solidFill>
+                  <a:srgbClr val="000000"/>
+                </a:solidFill>
+                <a:latin typeface="ＭＳ ゴシック" panose="020B0609070205080204" pitchFamily="49" charset="-128"/>
+                <a:ea typeface="ＭＳ ゴシック" panose="020B0609070205080204" pitchFamily="49" charset="-128"/>
+              </a:rPr>
+              <a:t>からの </a:t>
+            </a:r>
+            <a:r>
+              <a:rPr lang="en-US" altLang="ja-JP" spc="-1" dirty="0">
+                <a:solidFill>
+                  <a:srgbClr val="000000"/>
+                </a:solidFill>
+                <a:latin typeface="ＭＳ ゴシック" panose="020B0609070205080204" pitchFamily="49" charset="-128"/>
+                <a:ea typeface="ＭＳ ゴシック" panose="020B0609070205080204" pitchFamily="49" charset="-128"/>
+              </a:rPr>
+              <a:t>Edit </a:t>
+            </a:r>
+            <a:r>
+              <a:rPr lang="ja-JP" altLang="en-US" spc="-1" dirty="0">
+                <a:solidFill>
+                  <a:srgbClr val="000000"/>
+                </a:solidFill>
+                <a:latin typeface="ＭＳ ゴシック" panose="020B0609070205080204" pitchFamily="49" charset="-128"/>
+                <a:ea typeface="ＭＳ ゴシック" panose="020B0609070205080204" pitchFamily="49" charset="-128"/>
+              </a:rPr>
+              <a:t>および</a:t>
+            </a:r>
+            <a:r>
+              <a:rPr lang="ja-JP" altLang="en-US" spc="-1" dirty="0" smtClean="0">
+                <a:solidFill>
+                  <a:srgbClr val="000000"/>
+                </a:solidFill>
+                <a:latin typeface="ＭＳ ゴシック" panose="020B0609070205080204" pitchFamily="49" charset="-128"/>
+                <a:ea typeface="ＭＳ ゴシック" panose="020B0609070205080204" pitchFamily="49" charset="-128"/>
+              </a:rPr>
+              <a:t>バルクスキャン</a:t>
+            </a:r>
+            <a:endParaRPr lang="en-US" altLang="ja-JP" spc="-1" dirty="0" smtClean="0">
+              <a:solidFill>
+                <a:srgbClr val="000000"/>
+              </a:solidFill>
+              <a:latin typeface="ＭＳ ゴシック" panose="020B0609070205080204" pitchFamily="49" charset="-128"/>
+              <a:ea typeface="ＭＳ ゴシック" panose="020B0609070205080204" pitchFamily="49" charset="-128"/>
+            </a:endParaRPr>
           </a:p>
           <a:p>
             <a:pPr marL="782460" lvl="2" indent="-342900">
@@ -43504,26 +43389,22 @@
               <a:buChar char="•"/>
             </a:pPr>
             <a:r>
-              <a:rPr lang="ja-JP" altLang="en-US" sz="1900" spc="-1" dirty="0"/>
-              <a:t>無関係のものを編集</a:t>
-            </a:r>
-          </a:p>
-          <a:p>
-            <a:pPr marL="343080" lvl="1" indent="-360720">
-              <a:lnSpc>
-                <a:spcPct val="100000"/>
-              </a:lnSpc>
-              <a:spcBef>
-                <a:spcPts val="1301"/>
-              </a:spcBef>
-              <a:buClr>
-                <a:srgbClr val="879BAA"/>
-              </a:buClr>
-              <a:buFont typeface="Noto Sans Symbols"/>
-              <a:buAutoNum type="arabicPeriod"/>
-            </a:pPr>
-            <a:endParaRPr lang="en-US" sz="1900" b="0" strike="noStrike" spc="-1" dirty="0" smtClean="0">
-              <a:latin typeface="Arial"/>
+              <a:rPr lang="en-US" altLang="ja-JP" spc="-1" dirty="0">
+                <a:latin typeface="ＭＳ ゴシック" panose="020B0609070205080204" pitchFamily="49" charset="-128"/>
+                <a:ea typeface="ＭＳ ゴシック" panose="020B0609070205080204" pitchFamily="49" charset="-128"/>
+              </a:rPr>
+              <a:t>Edit</a:t>
+            </a:r>
+            <a:r>
+              <a:rPr lang="ja-JP" altLang="en-US" spc="-1" dirty="0">
+                <a:latin typeface="ＭＳ ゴシック" panose="020B0609070205080204" pitchFamily="49" charset="-128"/>
+                <a:ea typeface="ＭＳ ゴシック" panose="020B0609070205080204" pitchFamily="49" charset="-128"/>
+              </a:rPr>
+              <a:t>は、無関係な検出結果の除去にも</a:t>
+            </a:r>
+            <a:endParaRPr lang="en-US" strike="noStrike" spc="-1" dirty="0" smtClean="0">
+              <a:latin typeface="ＭＳ ゴシック" panose="020B0609070205080204" pitchFamily="49" charset="-128"/>
+              <a:ea typeface="ＭＳ ゴシック" panose="020B0609070205080204" pitchFamily="49" charset="-128"/>
             </a:endParaRPr>
           </a:p>
         </p:txBody>

--- a/Module-D-JPN-Acceleration-Features.pptx
+++ b/Module-D-JPN-Acceleration-Features.pptx
@@ -171,6 +171,18 @@
 </p:presentation>
 </file>
 
+<file path=ppt/commentAuthors.xml><?xml version="1.0" encoding="utf-8"?>
+<p:cmAuthorLst xmlns:a="http://schemas.openxmlformats.org/drawingml/2006/main" xmlns:r="http://schemas.openxmlformats.org/officeDocument/2006/relationships" xmlns:p="http://schemas.openxmlformats.org/presentationml/2006/main">
+  <p:cmAuthor id="1" name="hama kouki(浜 功樹 ○ＳＷＣ□ＯＳＴ)" initials="hk功○" lastIdx="1" clrIdx="0">
+    <p:extLst>
+      <p:ext uri="{19B8F6BF-5375-455C-9EA6-DF929625EA0E}">
+        <p15:presenceInfo xmlns:p15="http://schemas.microsoft.com/office/powerpoint/2012/main" userId="S-1-5-21-3354221933-2985929429-3458857118-2308721" providerId="AD"/>
+      </p:ext>
+    </p:extLst>
+  </p:cmAuthor>
+</p:cmAuthorLst>
+</file>
+
 <file path=ppt/handoutMasters/handoutMaster1.xml><?xml version="1.0" encoding="utf-8"?>
 <p:handoutMaster xmlns:a="http://schemas.openxmlformats.org/drawingml/2006/main" xmlns:r="http://schemas.openxmlformats.org/officeDocument/2006/relationships" xmlns:p="http://schemas.openxmlformats.org/presentationml/2006/main">
   <p:cSld>
@@ -253,7 +265,7 @@
           <a:p>
             <a:fld id="{3ED0610A-76C4-469E-9CA4-16C082B9DDEE}" type="datetimeFigureOut">
               <a:rPr kumimoji="1" lang="ja-JP" altLang="en-US" smtClean="0"/>
-              <a:t>2019/9/12</a:t>
+              <a:t>2019/9/13</a:t>
             </a:fld>
             <a:endParaRPr kumimoji="1" lang="ja-JP" altLang="en-US"/>
           </a:p>
@@ -11744,8 +11756,8 @@
                 <a:solidFill>
                   <a:srgbClr val="000000"/>
                 </a:solidFill>
-                <a:latin typeface="Arial"/>
-                <a:ea typeface="Arial"/>
+                <a:latin typeface="ＭＳ Ｐゴシック" panose="020B0600070205080204" pitchFamily="50" charset="-128"/>
+                <a:ea typeface="ＭＳ Ｐゴシック" panose="020B0600070205080204" pitchFamily="50" charset="-128"/>
               </a:rPr>
               <a:t>特徴</a:t>
             </a:r>
@@ -11754,8 +11766,8 @@
                 <a:solidFill>
                   <a:srgbClr val="000000"/>
                 </a:solidFill>
-                <a:latin typeface="Arial"/>
-                <a:ea typeface="Arial"/>
+                <a:latin typeface="ＭＳ Ｐゴシック" panose="020B0600070205080204" pitchFamily="50" charset="-128"/>
+                <a:ea typeface="ＭＳ Ｐゴシック" panose="020B0600070205080204" pitchFamily="50" charset="-128"/>
               </a:rPr>
               <a:t>:</a:t>
             </a:r>
@@ -11764,7 +11776,8 @@
                 <a:solidFill>
                   <a:srgbClr val="000000"/>
                 </a:solidFill>
-                <a:ea typeface="Arial"/>
+                <a:latin typeface="ＭＳ Ｐゴシック" panose="020B0600070205080204" pitchFamily="50" charset="-128"/>
+                <a:ea typeface="ＭＳ Ｐゴシック" panose="020B0600070205080204" pitchFamily="50" charset="-128"/>
               </a:rPr>
               <a:t>バルクスキャン</a:t>
             </a:r>
@@ -11773,8 +11786,8 @@
                 <a:solidFill>
                   <a:srgbClr val="000000"/>
                 </a:solidFill>
-                <a:latin typeface="Arial"/>
-                <a:ea typeface="Arial"/>
+                <a:latin typeface="ＭＳ Ｐゴシック" panose="020B0600070205080204" pitchFamily="50" charset="-128"/>
+                <a:ea typeface="ＭＳ Ｐゴシック" panose="020B0600070205080204" pitchFamily="50" charset="-128"/>
               </a:rPr>
               <a:t>– </a:t>
             </a:r>
@@ -11783,8 +11796,8 @@
                 <a:solidFill>
                   <a:srgbClr val="000000"/>
                 </a:solidFill>
-                <a:latin typeface="Arial"/>
-                <a:ea typeface="Arial"/>
+                <a:latin typeface="ＭＳ Ｐゴシック" panose="020B0600070205080204" pitchFamily="50" charset="-128"/>
+                <a:ea typeface="ＭＳ Ｐゴシック" panose="020B0600070205080204" pitchFamily="50" charset="-128"/>
               </a:rPr>
               <a:t>いくつかの</a:t>
             </a:r>
@@ -11793,13 +11806,14 @@
                 <a:solidFill>
                   <a:srgbClr val="000000"/>
                 </a:solidFill>
-                <a:latin typeface="Arial"/>
-                <a:ea typeface="Arial"/>
+                <a:latin typeface="ＭＳ Ｐゴシック" panose="020B0600070205080204" pitchFamily="50" charset="-128"/>
+                <a:ea typeface="ＭＳ Ｐゴシック" panose="020B0600070205080204" pitchFamily="50" charset="-128"/>
               </a:rPr>
               <a:t>検討すべきこと</a:t>
             </a:r>
             <a:endParaRPr lang="en-US" sz="3200" b="0" strike="noStrike" spc="-1" dirty="0">
-              <a:latin typeface="Arial"/>
+              <a:latin typeface="ＭＳ Ｐゴシック" panose="020B0600070205080204" pitchFamily="50" charset="-128"/>
+              <a:ea typeface="ＭＳ Ｐゴシック" panose="020B0600070205080204" pitchFamily="50" charset="-128"/>
             </a:endParaRPr>
           </a:p>
         </p:txBody>
@@ -11854,7 +11868,8 @@
                 <a:solidFill>
                   <a:srgbClr val="000000"/>
                 </a:solidFill>
-                <a:ea typeface="Arial"/>
+                <a:latin typeface="ＭＳ Ｐゴシック" panose="020B0600070205080204" pitchFamily="50" charset="-128"/>
+                <a:ea typeface="ＭＳ Ｐゴシック" panose="020B0600070205080204" pitchFamily="50" charset="-128"/>
               </a:rPr>
               <a:t>バルクスキャン</a:t>
             </a:r>
@@ -11863,7 +11878,8 @@
                 <a:solidFill>
                   <a:srgbClr val="000000"/>
                 </a:solidFill>
-                <a:ea typeface="Arial"/>
+                <a:latin typeface="ＭＳ Ｐゴシック" panose="020B0600070205080204" pitchFamily="50" charset="-128"/>
+                <a:ea typeface="ＭＳ Ｐゴシック" panose="020B0600070205080204" pitchFamily="50" charset="-128"/>
               </a:rPr>
               <a:t/>
             </a:r>
@@ -11872,7 +11888,8 @@
                 <a:solidFill>
                   <a:srgbClr val="000000"/>
                 </a:solidFill>
-                <a:ea typeface="Arial"/>
+                <a:latin typeface="ＭＳ Ｐゴシック" panose="020B0600070205080204" pitchFamily="50" charset="-128"/>
+                <a:ea typeface="ＭＳ Ｐゴシック" panose="020B0600070205080204" pitchFamily="50" charset="-128"/>
               </a:rPr>
             </a:br>
             <a:r>
@@ -11880,12 +11897,14 @@
                 <a:solidFill>
                   <a:srgbClr val="000000"/>
                 </a:solidFill>
-                <a:ea typeface="Arial"/>
+                <a:latin typeface="ＭＳ Ｐゴシック" panose="020B0600070205080204" pitchFamily="50" charset="-128"/>
+                <a:ea typeface="ＭＳ Ｐゴシック" panose="020B0600070205080204" pitchFamily="50" charset="-128"/>
               </a:rPr>
               <a:t>の対象</a:t>
             </a:r>
             <a:endParaRPr lang="en-US" sz="1900" b="0" strike="noStrike" spc="-1" dirty="0">
-              <a:latin typeface="Arial"/>
+              <a:latin typeface="ＭＳ Ｐゴシック" panose="020B0600070205080204" pitchFamily="50" charset="-128"/>
+              <a:ea typeface="ＭＳ Ｐゴシック" panose="020B0600070205080204" pitchFamily="50" charset="-128"/>
             </a:endParaRPr>
           </a:p>
         </p:txBody>
@@ -11898,7 +11917,7 @@
         </p:nvSpPr>
         <p:spPr>
           <a:xfrm>
-            <a:off x="626760" y="4812120"/>
+            <a:off x="626760" y="4732306"/>
             <a:ext cx="2206800" cy="870840"/>
           </a:xfrm>
           <a:prstGeom prst="rect">
@@ -11936,13 +11955,15 @@
               </a:lnSpc>
             </a:pPr>
             <a:r>
-              <a:rPr lang="ja-JP" altLang="en-US" sz="1900" b="0" strike="noStrike" spc="-1" dirty="0" smtClean="0">
-                <a:latin typeface="Arial"/>
-              </a:rPr>
-              <a:t>特徴的なテキストフレーズ無し</a:t>
-            </a:r>
-            <a:endParaRPr lang="en-US" sz="1900" b="0" strike="noStrike" spc="-1" dirty="0">
-              <a:latin typeface="Arial"/>
+              <a:rPr lang="ja-JP" altLang="en-US" sz="1900" b="1" spc="-1" dirty="0">
+                <a:latin typeface="ＭＳ Ｐゴシック" panose="020B0600070205080204" pitchFamily="50" charset="-128"/>
+                <a:ea typeface="ＭＳ Ｐゴシック" panose="020B0600070205080204" pitchFamily="50" charset="-128"/>
+              </a:rPr>
+              <a:t>特徴的なテキストフレーズがない場合</a:t>
+            </a:r>
+            <a:endParaRPr lang="en-US" sz="1900" b="1" strike="noStrike" spc="-1" dirty="0">
+              <a:latin typeface="ＭＳ Ｐゴシック" panose="020B0600070205080204" pitchFamily="50" charset="-128"/>
+              <a:ea typeface="ＭＳ Ｐゴシック" panose="020B0600070205080204" pitchFamily="50" charset="-128"/>
             </a:endParaRPr>
           </a:p>
         </p:txBody>
@@ -11993,17 +12014,18 @@
               </a:lnSpc>
             </a:pPr>
             <a:r>
-              <a:rPr lang="ja-JP" altLang="en-US" sz="1900" b="1" spc="-1" dirty="0" smtClean="0">
-                <a:solidFill>
-                  <a:srgbClr val="000000"/>
-                </a:solidFill>
-                <a:latin typeface="Arial"/>
-                <a:ea typeface="Arial"/>
-              </a:rPr>
-              <a:t>大量バルクスキャンセクション</a:t>
+              <a:rPr lang="ja-JP" altLang="en-US" sz="1900" b="1" spc="-1" dirty="0">
+                <a:solidFill>
+                  <a:srgbClr val="000000"/>
+                </a:solidFill>
+                <a:latin typeface="ＭＳ Ｐゴシック" panose="020B0600070205080204" pitchFamily="50" charset="-128"/>
+                <a:ea typeface="ＭＳ Ｐゴシック" panose="020B0600070205080204" pitchFamily="50" charset="-128"/>
+              </a:rPr>
+              <a:t>バルクスキャンの切り取りは大きく</a:t>
             </a:r>
             <a:endParaRPr lang="en-US" sz="1900" b="0" strike="noStrike" spc="-1" dirty="0">
-              <a:latin typeface="Arial"/>
+              <a:latin typeface="ＭＳ Ｐゴシック" panose="020B0600070205080204" pitchFamily="50" charset="-128"/>
+              <a:ea typeface="ＭＳ Ｐゴシック" panose="020B0600070205080204" pitchFamily="50" charset="-128"/>
             </a:endParaRPr>
           </a:p>
         </p:txBody>
@@ -12016,7 +12038,7 @@
         </p:nvSpPr>
         <p:spPr>
           <a:xfrm>
-            <a:off x="626760" y="3705120"/>
+            <a:off x="626760" y="3618372"/>
             <a:ext cx="2206800" cy="870840"/>
           </a:xfrm>
           <a:prstGeom prst="rect">
@@ -12058,13 +12080,14 @@
                 <a:solidFill>
                   <a:srgbClr val="000000"/>
                 </a:solidFill>
-                <a:latin typeface="Arial"/>
-                <a:ea typeface="Arial"/>
+                <a:latin typeface="ＭＳ Ｐゴシック" panose="020B0600070205080204" pitchFamily="50" charset="-128"/>
+                <a:ea typeface="ＭＳ Ｐゴシック" panose="020B0600070205080204" pitchFamily="50" charset="-128"/>
               </a:rPr>
               <a:t>コメント文字列</a:t>
             </a:r>
             <a:endParaRPr lang="en-US" sz="1900" b="0" strike="noStrike" spc="-1" dirty="0">
-              <a:latin typeface="Arial"/>
+              <a:latin typeface="ＭＳ Ｐゴシック" panose="020B0600070205080204" pitchFamily="50" charset="-128"/>
+              <a:ea typeface="ＭＳ Ｐゴシック" panose="020B0600070205080204" pitchFamily="50" charset="-128"/>
             </a:endParaRPr>
           </a:p>
         </p:txBody>
@@ -12077,7 +12100,119 @@
         </p:nvSpPr>
         <p:spPr>
           <a:xfrm>
-            <a:off x="2967840" y="2625120"/>
+            <a:off x="2967840" y="2426490"/>
+            <a:ext cx="8696160" cy="1104120"/>
+          </a:xfrm>
+          <a:prstGeom prst="rect">
+            <a:avLst/>
+          </a:prstGeom>
+          <a:noFill/>
+          <a:ln>
+            <a:noFill/>
+          </a:ln>
+        </p:spPr>
+        <p:style>
+          <a:lnRef idx="0">
+            <a:scrgbClr r="0" g="0" b="0"/>
+          </a:lnRef>
+          <a:fillRef idx="0">
+            <a:scrgbClr r="0" g="0" b="0"/>
+          </a:fillRef>
+          <a:effectRef idx="0">
+            <a:scrgbClr r="0" g="0" b="0"/>
+          </a:effectRef>
+          <a:fontRef idx="minor"/>
+        </p:style>
+        <p:txBody>
+          <a:bodyPr lIns="0" tIns="0" rIns="0" bIns="0" anchor="ctr"/>
+          <a:lstStyle/>
+          <a:p>
+            <a:pPr marL="342900" lvl="1" indent="-342900">
+              <a:lnSpc>
+                <a:spcPct val="100000"/>
+              </a:lnSpc>
+              <a:buClr>
+                <a:srgbClr val="879BAA"/>
+              </a:buClr>
+              <a:buFont typeface="Arial" panose="020B0604020202020204" pitchFamily="34" charset="0"/>
+              <a:buChar char="•"/>
+            </a:pPr>
+            <a:r>
+              <a:rPr lang="ja-JP" altLang="en-US" spc="-1" dirty="0">
+                <a:solidFill>
+                  <a:srgbClr val="000000"/>
+                </a:solidFill>
+                <a:latin typeface="ＭＳ ゴシック" panose="020B0609070205080204" pitchFamily="49" charset="-128"/>
+                <a:ea typeface="ＭＳ ゴシック" panose="020B0609070205080204" pitchFamily="49" charset="-128"/>
+              </a:rPr>
+              <a:t>切り取るテキストの分量が小さいよりも大きい方が、精度が向上する</a:t>
+            </a:r>
+            <a:r>
+              <a:rPr lang="ja-JP" altLang="en-US" spc="-1" dirty="0" smtClean="0">
+                <a:solidFill>
+                  <a:srgbClr val="000000"/>
+                </a:solidFill>
+                <a:latin typeface="ＭＳ ゴシック" panose="020B0609070205080204" pitchFamily="49" charset="-128"/>
+                <a:ea typeface="ＭＳ ゴシック" panose="020B0609070205080204" pitchFamily="49" charset="-128"/>
+              </a:rPr>
+              <a:t>。</a:t>
+            </a:r>
+            <a:endParaRPr lang="en-US" altLang="ja-JP" spc="-1" dirty="0" smtClean="0">
+              <a:solidFill>
+                <a:srgbClr val="000000"/>
+              </a:solidFill>
+              <a:latin typeface="ＭＳ ゴシック" panose="020B0609070205080204" pitchFamily="49" charset="-128"/>
+              <a:ea typeface="ＭＳ ゴシック" panose="020B0609070205080204" pitchFamily="49" charset="-128"/>
+            </a:endParaRPr>
+          </a:p>
+          <a:p>
+            <a:pPr marL="285750" lvl="1" indent="-285750">
+              <a:lnSpc>
+                <a:spcPct val="100000"/>
+              </a:lnSpc>
+              <a:buClr>
+                <a:srgbClr val="879BAA"/>
+              </a:buClr>
+              <a:buFont typeface="Arial" panose="020B0604020202020204" pitchFamily="34" charset="0"/>
+              <a:buChar char="•"/>
+            </a:pPr>
+            <a:r>
+              <a:rPr lang="ja-JP" altLang="en-US" dirty="0" smtClean="0">
+                <a:latin typeface="ＭＳ ゴシック" panose="020B0609070205080204" pitchFamily="49" charset="-128"/>
+                <a:ea typeface="ＭＳ ゴシック" panose="020B0609070205080204" pitchFamily="49" charset="-128"/>
+              </a:rPr>
+              <a:t>しかし</a:t>
+            </a:r>
+            <a:r>
+              <a:rPr lang="ja-JP" altLang="en-US" dirty="0">
+                <a:latin typeface="ＭＳ ゴシック" panose="020B0609070205080204" pitchFamily="49" charset="-128"/>
+                <a:ea typeface="ＭＳ ゴシック" panose="020B0609070205080204" pitchFamily="49" charset="-128"/>
+              </a:rPr>
+              <a:t>、著作権ステートメントに関する記述といったものは通常一つのアップロード物内でも異なるので、検索テキストには含めない</a:t>
+            </a:r>
+            <a:r>
+              <a:rPr lang="ja-JP" altLang="en-US" dirty="0" smtClean="0">
+                <a:latin typeface="ＭＳ ゴシック" panose="020B0609070205080204" pitchFamily="49" charset="-128"/>
+                <a:ea typeface="ＭＳ ゴシック" panose="020B0609070205080204" pitchFamily="49" charset="-128"/>
+              </a:rPr>
+              <a:t>こと</a:t>
+            </a:r>
+            <a:endParaRPr lang="en-US" b="0" strike="noStrike" spc="-1" dirty="0">
+              <a:latin typeface="ＭＳ ゴシック" panose="020B0609070205080204" pitchFamily="49" charset="-128"/>
+              <a:ea typeface="ＭＳ ゴシック" panose="020B0609070205080204" pitchFamily="49" charset="-128"/>
+            </a:endParaRPr>
+          </a:p>
+        </p:txBody>
+      </p:sp>
+      <p:sp>
+        <p:nvSpPr>
+          <p:cNvPr id="257" name="CustomShape 7"/>
+          <p:cNvSpPr/>
+          <p:nvPr/>
+        </p:nvSpPr>
+        <p:spPr>
+          <a:xfrm>
+            <a:off x="2967840" y="3688287"/>
             <a:ext cx="8696160" cy="822600"/>
           </a:xfrm>
           <a:prstGeom prst="rect">
@@ -12115,16 +12250,48 @@
               <a:buChar char="•"/>
             </a:pPr>
             <a:r>
+              <a:rPr lang="en-US" sz="1900" b="0" strike="noStrike" spc="-1" dirty="0" smtClean="0">
+                <a:solidFill>
+                  <a:srgbClr val="000000"/>
+                </a:solidFill>
+                <a:latin typeface="ＭＳ ゴシック" panose="020B0609070205080204" pitchFamily="49" charset="-128"/>
+                <a:ea typeface="ＭＳ ゴシック" panose="020B0609070205080204" pitchFamily="49" charset="-128"/>
+              </a:rPr>
+              <a:t>  </a:t>
+            </a:r>
+            <a:r>
+              <a:rPr lang="en-US" sz="1900" b="0" strike="noStrike" spc="-1" dirty="0">
+                <a:solidFill>
+                  <a:srgbClr val="000000"/>
+                </a:solidFill>
+                <a:latin typeface="ＭＳ ゴシック" panose="020B0609070205080204" pitchFamily="49" charset="-128"/>
+                <a:ea typeface="ＭＳ ゴシック" panose="020B0609070205080204" pitchFamily="49" charset="-128"/>
+              </a:rPr>
+              <a:t>#, //, * , /* </a:t>
+            </a:r>
+            <a:r>
+              <a:rPr lang="ja-JP" altLang="en-US" sz="1900" b="0" strike="noStrike" spc="-1" dirty="0" smtClean="0">
+                <a:solidFill>
+                  <a:srgbClr val="000000"/>
+                </a:solidFill>
+                <a:latin typeface="ＭＳ ゴシック" panose="020B0609070205080204" pitchFamily="49" charset="-128"/>
+                <a:ea typeface="ＭＳ ゴシック" panose="020B0609070205080204" pitchFamily="49" charset="-128"/>
+              </a:rPr>
+              <a:t>といったコメント文字列　</a:t>
+            </a:r>
+            <a:r>
               <a:rPr lang="ja-JP" altLang="en-US" sz="1900" spc="-1" dirty="0" smtClean="0">
                 <a:solidFill>
                   <a:srgbClr val="000000"/>
                 </a:solidFill>
-                <a:latin typeface="Arial"/>
-              </a:rPr>
-              <a:t>テキストの比率が小さい場合より大きい方が、精度が向上する。</a:t>
+                <a:latin typeface="ＭＳ ゴシック" panose="020B0609070205080204" pitchFamily="49" charset="-128"/>
+                <a:ea typeface="ＭＳ ゴシック" panose="020B0609070205080204" pitchFamily="49" charset="-128"/>
+              </a:rPr>
+              <a:t>はひとまず除外されるので、コピーしても問題ない</a:t>
             </a:r>
             <a:endParaRPr lang="en-US" sz="1900" b="0" strike="noStrike" spc="-1" dirty="0">
-              <a:latin typeface="Arial"/>
+              <a:latin typeface="ＭＳ ゴシック" panose="020B0609070205080204" pitchFamily="49" charset="-128"/>
+              <a:ea typeface="ＭＳ ゴシック" panose="020B0609070205080204" pitchFamily="49" charset="-128"/>
             </a:endParaRPr>
           </a:p>
           <a:p>
@@ -12143,244 +12310,34 @@
                 <a:solidFill>
                   <a:srgbClr val="000000"/>
                 </a:solidFill>
-                <a:latin typeface="Arial"/>
-                <a:ea typeface="Arial"/>
-              </a:rPr>
-              <a:t>しか</a:t>
-            </a:r>
-            <a:r>
-              <a:rPr lang="ja-JP" altLang="en-US" sz="1900" spc="-1" dirty="0">
-                <a:solidFill>
-                  <a:srgbClr val="000000"/>
-                </a:solidFill>
-                <a:latin typeface="Arial"/>
-                <a:ea typeface="Arial"/>
-              </a:rPr>
-              <a:t>し</a:t>
-            </a:r>
-            <a:r>
-              <a:rPr lang="en-US" sz="1900" b="0" strike="noStrike" spc="-1" dirty="0" smtClean="0">
-                <a:solidFill>
-                  <a:srgbClr val="000000"/>
-                </a:solidFill>
-                <a:latin typeface="Arial"/>
-                <a:ea typeface="Arial"/>
-              </a:rPr>
-              <a:t>, </a:t>
-            </a:r>
-            <a:r>
-              <a:rPr lang="ja-JP" altLang="en-US" sz="1900" b="0" strike="noStrike" spc="-1" dirty="0" smtClean="0">
-                <a:solidFill>
-                  <a:srgbClr val="000000"/>
-                </a:solidFill>
-                <a:latin typeface="Arial"/>
-                <a:ea typeface="Arial"/>
-              </a:rPr>
-              <a:t>コピーライト</a:t>
-            </a:r>
-            <a:r>
-              <a:rPr lang="ja-JP" altLang="en-US" sz="1900" spc="-1" dirty="0">
-                <a:solidFill>
-                  <a:srgbClr val="000000"/>
-                </a:solidFill>
-                <a:latin typeface="Arial"/>
-                <a:ea typeface="Arial"/>
-              </a:rPr>
-              <a:t>ステートメント</a:t>
-            </a:r>
-            <a:r>
-              <a:rPr lang="ja-JP" altLang="en-US" sz="1900" b="0" strike="noStrike" spc="-1" dirty="0" smtClean="0">
-                <a:solidFill>
-                  <a:srgbClr val="000000"/>
-                </a:solidFill>
-                <a:latin typeface="Arial"/>
-                <a:ea typeface="Arial"/>
-              </a:rPr>
-              <a:t>に関する記述といったものは通常アップロード物内で</a:t>
-            </a:r>
-            <a:r>
-              <a:rPr lang="ja-JP" altLang="en-US" sz="1900" spc="-1" dirty="0">
-                <a:solidFill>
-                  <a:srgbClr val="000000"/>
-                </a:solidFill>
-                <a:latin typeface="Arial"/>
-                <a:ea typeface="Arial"/>
-              </a:rPr>
-              <a:t>異</a:t>
+                <a:latin typeface="ＭＳ ゴシック" panose="020B0609070205080204" pitchFamily="49" charset="-128"/>
+                <a:ea typeface="ＭＳ ゴシック" panose="020B0609070205080204" pitchFamily="49" charset="-128"/>
+              </a:rPr>
+              <a:t>しかし、</a:t>
+            </a:r>
+            <a:r>
+              <a:rPr lang="en-US" altLang="ja-JP" sz="1900" spc="-1" dirty="0" smtClean="0">
+                <a:solidFill>
+                  <a:srgbClr val="000000"/>
+                </a:solidFill>
+                <a:latin typeface="ＭＳ ゴシック" panose="020B0609070205080204" pitchFamily="49" charset="-128"/>
+                <a:ea typeface="ＭＳ ゴシック" panose="020B0609070205080204" pitchFamily="49" charset="-128"/>
+              </a:rPr>
+              <a:t>(„%“)</a:t>
             </a:r>
             <a:r>
               <a:rPr lang="ja-JP" altLang="en-US" sz="1900" spc="-1" dirty="0" smtClean="0">
                 <a:solidFill>
                   <a:srgbClr val="000000"/>
                 </a:solidFill>
-                <a:latin typeface="Arial"/>
-                <a:ea typeface="Arial"/>
-              </a:rPr>
-              <a:t>なる</a:t>
-            </a:r>
-            <a:r>
-              <a:rPr lang="ja-JP" altLang="en-US" sz="1900" b="0" strike="noStrike" spc="-1" dirty="0" smtClean="0">
-                <a:solidFill>
-                  <a:srgbClr val="000000"/>
-                </a:solidFill>
-                <a:latin typeface="Arial"/>
-                <a:ea typeface="Arial"/>
-              </a:rPr>
-              <a:t>ので考慮しない</a:t>
+                <a:latin typeface="ＭＳ ゴシック" panose="020B0609070205080204" pitchFamily="49" charset="-128"/>
+                <a:ea typeface="ＭＳ ゴシック" panose="020B0609070205080204" pitchFamily="49" charset="-128"/>
+              </a:rPr>
+              <a:t>といった他の文字列は除去されない。そこは差分を生む。</a:t>
             </a:r>
             <a:endParaRPr lang="en-US" sz="1900" b="0" strike="noStrike" spc="-1" dirty="0">
-              <a:latin typeface="Arial"/>
-            </a:endParaRPr>
-          </a:p>
-        </p:txBody>
-      </p:sp>
-      <p:sp>
-        <p:nvSpPr>
-          <p:cNvPr id="257" name="CustomShape 7"/>
-          <p:cNvSpPr/>
-          <p:nvPr/>
-        </p:nvSpPr>
-        <p:spPr>
-          <a:xfrm>
-            <a:off x="2967840" y="3729240"/>
-            <a:ext cx="8696160" cy="822600"/>
-          </a:xfrm>
-          <a:prstGeom prst="rect">
-            <a:avLst/>
-          </a:prstGeom>
-          <a:noFill/>
-          <a:ln>
-            <a:noFill/>
-          </a:ln>
-        </p:spPr>
-        <p:style>
-          <a:lnRef idx="0">
-            <a:scrgbClr r="0" g="0" b="0"/>
-          </a:lnRef>
-          <a:fillRef idx="0">
-            <a:scrgbClr r="0" g="0" b="0"/>
-          </a:fillRef>
-          <a:effectRef idx="0">
-            <a:scrgbClr r="0" g="0" b="0"/>
-          </a:effectRef>
-          <a:fontRef idx="minor"/>
-        </p:style>
-        <p:txBody>
-          <a:bodyPr lIns="0" tIns="0" rIns="0" bIns="0" anchor="ctr"/>
-          <a:lstStyle/>
-          <a:p>
-            <a:pPr marL="190440" lvl="1" indent="-195840">
-              <a:lnSpc>
-                <a:spcPct val="100000"/>
-              </a:lnSpc>
-              <a:buClr>
-                <a:srgbClr val="879BAA"/>
-              </a:buClr>
-              <a:buFont typeface="Arial"/>
-              <a:buChar char="•"/>
-            </a:pPr>
-            <a:r>
-              <a:rPr lang="en-US" sz="1900" b="0" strike="noStrike" spc="-1" dirty="0" smtClean="0">
-                <a:solidFill>
-                  <a:srgbClr val="000000"/>
-                </a:solidFill>
-                <a:latin typeface="Arial"/>
-                <a:ea typeface="Arial"/>
-              </a:rPr>
-              <a:t>  </a:t>
-            </a:r>
-            <a:r>
-              <a:rPr lang="en-US" sz="1900" b="0" strike="noStrike" spc="-1" dirty="0">
-                <a:solidFill>
-                  <a:srgbClr val="000000"/>
-                </a:solidFill>
-                <a:latin typeface="Arial"/>
-                <a:ea typeface="Arial"/>
-              </a:rPr>
-              <a:t>#, //, * , /* </a:t>
-            </a:r>
-            <a:r>
-              <a:rPr lang="ja-JP" altLang="en-US" sz="1900" b="0" strike="noStrike" spc="-1" dirty="0" smtClean="0">
-                <a:solidFill>
-                  <a:srgbClr val="000000"/>
-                </a:solidFill>
-                <a:latin typeface="Arial"/>
-                <a:ea typeface="Arial"/>
-              </a:rPr>
-              <a:t>といったコメント文字列　</a:t>
-            </a:r>
-            <a:r>
-              <a:rPr lang="ja-JP" altLang="en-US" sz="1900" spc="-1" dirty="0" smtClean="0">
-                <a:solidFill>
-                  <a:srgbClr val="000000"/>
-                </a:solidFill>
-                <a:latin typeface="Arial"/>
-                <a:ea typeface="Arial"/>
-              </a:rPr>
-              <a:t>はひとまず除外されるので、コピーしても問題ない</a:t>
-            </a:r>
-            <a:endParaRPr lang="en-US" sz="1900" b="0" strike="noStrike" spc="-1" dirty="0">
-              <a:latin typeface="Arial"/>
-            </a:endParaRPr>
-          </a:p>
-          <a:p>
-            <a:pPr marL="190440" lvl="1" indent="-195840">
-              <a:lnSpc>
-                <a:spcPct val="100000"/>
-              </a:lnSpc>
-              <a:buClr>
-                <a:srgbClr val="879BAA"/>
-              </a:buClr>
-              <a:buFont typeface="Arial"/>
-              <a:buChar char="•"/>
-            </a:pPr>
-            <a:r>
-              <a:rPr lang="ja-JP" altLang="en-US" sz="1900" spc="-1" dirty="0" smtClean="0">
-                <a:solidFill>
-                  <a:srgbClr val="000000"/>
-                </a:solidFill>
-                <a:latin typeface="Arial"/>
-              </a:rPr>
-              <a:t>しかし、</a:t>
-            </a:r>
-            <a:r>
-              <a:rPr lang="en-US" altLang="ja-JP" sz="1900" spc="-1" dirty="0" smtClean="0">
-                <a:solidFill>
-                  <a:srgbClr val="000000"/>
-                </a:solidFill>
-                <a:latin typeface="Arial"/>
-              </a:rPr>
-              <a:t>(</a:t>
-            </a:r>
-            <a:r>
-              <a:rPr lang="en-US" altLang="ja-JP" sz="1900" spc="-1" dirty="0" smtClean="0">
-                <a:solidFill>
-                  <a:srgbClr val="000000"/>
-                </a:solidFill>
-                <a:ea typeface="Arial"/>
-              </a:rPr>
-              <a:t>„%“</a:t>
-            </a:r>
-            <a:r>
-              <a:rPr lang="en-US" altLang="ja-JP" sz="1900" spc="-1" dirty="0" smtClean="0">
-                <a:solidFill>
-                  <a:srgbClr val="000000"/>
-                </a:solidFill>
-                <a:latin typeface="Arial"/>
-              </a:rPr>
-              <a:t>)</a:t>
-            </a:r>
-            <a:r>
-              <a:rPr lang="ja-JP" altLang="en-US" sz="1900" spc="-1" dirty="0" smtClean="0">
-                <a:solidFill>
-                  <a:srgbClr val="000000"/>
-                </a:solidFill>
-                <a:latin typeface="Arial"/>
-              </a:rPr>
-              <a:t>といった他の文字列は除去されない。そこは差分を生む。</a:t>
-            </a:r>
-            <a:endParaRPr lang="en-US" sz="1900" b="0" strike="noStrike" spc="-1" dirty="0">
-              <a:latin typeface="Arial"/>
+              <a:latin typeface="ＭＳ ゴシック" panose="020B0609070205080204" pitchFamily="49" charset="-128"/>
+              <a:ea typeface="ＭＳ ゴシック" panose="020B0609070205080204" pitchFamily="49" charset="-128"/>
             </a:endParaRPr>
           </a:p>
         </p:txBody>
@@ -12393,7 +12350,7 @@
         </p:nvSpPr>
         <p:spPr>
           <a:xfrm>
-            <a:off x="2967840" y="4949100"/>
+            <a:off x="2967840" y="4836960"/>
             <a:ext cx="9000360" cy="821160"/>
           </a:xfrm>
           <a:prstGeom prst="rect">
@@ -12431,25 +12388,22 @@
               <a:buChar char="•"/>
             </a:pPr>
             <a:r>
+              <a:rPr lang="en-US" altLang="ja-JP" sz="1900" spc="-1" dirty="0">
+                <a:latin typeface="ＭＳ ゴシック" panose="020B0609070205080204" pitchFamily="49" charset="-128"/>
+                <a:ea typeface="ＭＳ ゴシック" panose="020B0609070205080204" pitchFamily="49" charset="-128"/>
+              </a:rPr>
+              <a:t>Edit</a:t>
+            </a:r>
+            <a:r>
               <a:rPr lang="ja-JP" altLang="en-US" sz="1900" spc="-1" dirty="0">
-                <a:solidFill>
-                  <a:srgbClr val="000000"/>
-                </a:solidFill>
-                <a:ea typeface="Arial"/>
-              </a:rPr>
-              <a:t>編集機能を使用してライセンススキャン結果を直接修正することを</a:t>
-            </a:r>
-            <a:r>
-              <a:rPr lang="ja-JP" altLang="en-US" sz="1900" spc="-1" dirty="0" smtClean="0">
-                <a:solidFill>
-                  <a:srgbClr val="000000"/>
-                </a:solidFill>
-                <a:ea typeface="Arial"/>
-              </a:rPr>
-              <a:t>検討</a:t>
+                <a:latin typeface="ＭＳ ゴシック" panose="020B0609070205080204" pitchFamily="49" charset="-128"/>
+                <a:ea typeface="ＭＳ ゴシック" panose="020B0609070205080204" pitchFamily="49" charset="-128"/>
+              </a:rPr>
+              <a:t>機能を使用してライセンススキャン結果を直接修正することを検討</a:t>
             </a:r>
             <a:endParaRPr lang="en-US" sz="1900" b="0" strike="noStrike" spc="-1" dirty="0">
-              <a:latin typeface="Arial"/>
+              <a:latin typeface="ＭＳ ゴシック" panose="020B0609070205080204" pitchFamily="49" charset="-128"/>
+              <a:ea typeface="ＭＳ ゴシック" panose="020B0609070205080204" pitchFamily="49" charset="-128"/>
             </a:endParaRPr>
           </a:p>
           <a:p>
@@ -12468,25 +12422,37 @@
                 <a:solidFill>
                   <a:srgbClr val="000000"/>
                 </a:solidFill>
-                <a:ea typeface="Arial"/>
-              </a:rPr>
-              <a:t>ライセンスブラウザビューの編集機能では、テキストフレーズは定義</a:t>
-            </a:r>
-            <a:r>
-              <a:rPr lang="ja-JP" altLang="en-US" sz="1900" spc="-1" dirty="0" smtClean="0">
-                <a:solidFill>
-                  <a:srgbClr val="000000"/>
-                </a:solidFill>
-                <a:ea typeface="Arial"/>
-              </a:rPr>
-              <a:t>されない</a:t>
+                <a:latin typeface="ＭＳ ゴシック" panose="020B0609070205080204" pitchFamily="49" charset="-128"/>
+                <a:ea typeface="ＭＳ ゴシック" panose="020B0609070205080204" pitchFamily="49" charset="-128"/>
+              </a:rPr>
+              <a:t>ライセンスブラウザビューの</a:t>
+            </a:r>
+            <a:r>
+              <a:rPr lang="en-US" altLang="ja-JP" sz="1900" spc="-1" dirty="0">
+                <a:solidFill>
+                  <a:srgbClr val="000000"/>
+                </a:solidFill>
+                <a:latin typeface="ＭＳ ゴシック" panose="020B0609070205080204" pitchFamily="49" charset="-128"/>
+                <a:ea typeface="ＭＳ ゴシック" panose="020B0609070205080204" pitchFamily="49" charset="-128"/>
+              </a:rPr>
+              <a:t>Edit</a:t>
+            </a:r>
+            <a:r>
+              <a:rPr lang="ja-JP" altLang="en-US" sz="1900" spc="-1" dirty="0">
+                <a:solidFill>
+                  <a:srgbClr val="000000"/>
+                </a:solidFill>
+                <a:latin typeface="ＭＳ ゴシック" panose="020B0609070205080204" pitchFamily="49" charset="-128"/>
+                <a:ea typeface="ＭＳ ゴシック" panose="020B0609070205080204" pitchFamily="49" charset="-128"/>
+              </a:rPr>
+              <a:t>機能では、テキストフレーズは定義不要</a:t>
             </a:r>
             <a:endParaRPr lang="en-US" sz="1900" b="0" strike="noStrike" spc="-1" dirty="0" smtClean="0">
               <a:solidFill>
                 <a:srgbClr val="000000"/>
               </a:solidFill>
-              <a:latin typeface="Arial"/>
-              <a:ea typeface="Arial"/>
+              <a:latin typeface="ＭＳ ゴシック" panose="020B0609070205080204" pitchFamily="49" charset="-128"/>
+              <a:ea typeface="ＭＳ ゴシック" panose="020B0609070205080204" pitchFamily="49" charset="-128"/>
             </a:endParaRPr>
           </a:p>
         </p:txBody>
@@ -12499,8 +12465,8 @@
         </p:nvSpPr>
         <p:spPr>
           <a:xfrm>
-            <a:off x="2967840" y="1658160"/>
-            <a:ext cx="8696160" cy="548280"/>
+            <a:off x="2967840" y="1198682"/>
+            <a:ext cx="8696160" cy="942840"/>
           </a:xfrm>
           <a:prstGeom prst="rect">
             <a:avLst/>
@@ -12534,12 +12500,12 @@
                 <a:srgbClr val="879BAA"/>
               </a:buClr>
             </a:pPr>
-            <a:endParaRPr lang="en-US" sz="1900" b="0" strike="noStrike" spc="-1" dirty="0" smtClean="0">
+            <a:endParaRPr lang="en-US" b="0" strike="noStrike" spc="-1" dirty="0" smtClean="0">
               <a:solidFill>
                 <a:srgbClr val="000000"/>
               </a:solidFill>
-              <a:latin typeface="Arial"/>
-              <a:ea typeface="Arial"/>
+              <a:latin typeface="ＭＳ ゴシック" panose="020B0609070205080204" pitchFamily="49" charset="-128"/>
+              <a:ea typeface="ＭＳ ゴシック" panose="020B0609070205080204" pitchFamily="49" charset="-128"/>
             </a:endParaRPr>
           </a:p>
           <a:p>
@@ -12554,51 +12520,22 @@
               <a:buChar char="•"/>
             </a:pPr>
             <a:r>
-              <a:rPr lang="ja-JP" altLang="en-US" dirty="0"/>
-              <a:t>バルクスキャン</a:t>
-            </a:r>
-            <a:r>
-              <a:rPr lang="ja-JP" altLang="en-US" sz="1900" spc="-1" dirty="0" smtClean="0">
-                <a:solidFill>
-                  <a:srgbClr val="000000"/>
-                </a:solidFill>
-                <a:latin typeface="Arial"/>
-                <a:ea typeface="Arial"/>
-              </a:rPr>
-              <a:t>は</a:t>
-            </a:r>
-            <a:r>
-              <a:rPr lang="ja-JP" altLang="en-US" sz="1900" spc="-1" dirty="0" smtClean="0">
-                <a:solidFill>
-                  <a:srgbClr val="000000"/>
-                </a:solidFill>
-                <a:latin typeface="Arial"/>
-                <a:ea typeface="Arial"/>
-              </a:rPr>
-              <a:t>適用フォルダだけでなく、全アップロード物に対して行われる</a:t>
-            </a:r>
-            <a:r>
-              <a:rPr lang="en-US" sz="1700" b="0" strike="noStrike" spc="-1" dirty="0" smtClean="0">
-                <a:solidFill>
-                  <a:srgbClr val="000000"/>
-                </a:solidFill>
-                <a:latin typeface="Arial"/>
-                <a:ea typeface="Arial"/>
-              </a:rPr>
-              <a:t> </a:t>
-            </a:r>
-            <a:endParaRPr lang="en-US" sz="1700" b="0" strike="noStrike" spc="-1" dirty="0">
-              <a:latin typeface="Arial"/>
-            </a:endParaRPr>
-          </a:p>
-          <a:p>
-            <a:pPr>
-              <a:lnSpc>
-                <a:spcPct val="100000"/>
-              </a:lnSpc>
-            </a:pPr>
-            <a:endParaRPr lang="en-US" sz="1700" b="0" strike="noStrike" spc="-1" dirty="0">
-              <a:latin typeface="Arial"/>
+              <a:rPr lang="ja-JP" altLang="en-US" dirty="0">
+                <a:latin typeface="ＭＳ ゴシック" panose="020B0609070205080204" pitchFamily="49" charset="-128"/>
+                <a:ea typeface="ＭＳ ゴシック" panose="020B0609070205080204" pitchFamily="49" charset="-128"/>
+              </a:rPr>
+              <a:t>バルクスキャンはフォルダだけではなく、一つのアップロード全体に対して行うことも</a:t>
+            </a:r>
+            <a:r>
+              <a:rPr lang="ja-JP" altLang="en-US" dirty="0" smtClean="0">
+                <a:latin typeface="ＭＳ ゴシック" panose="020B0609070205080204" pitchFamily="49" charset="-128"/>
+                <a:ea typeface="ＭＳ ゴシック" panose="020B0609070205080204" pitchFamily="49" charset="-128"/>
+              </a:rPr>
+              <a:t>できる</a:t>
+            </a:r>
+            <a:endParaRPr lang="en-US" b="0" strike="noStrike" spc="-1" dirty="0">
+              <a:latin typeface="ＭＳ ゴシック" panose="020B0609070205080204" pitchFamily="49" charset="-128"/>
+              <a:ea typeface="ＭＳ ゴシック" panose="020B0609070205080204" pitchFamily="49" charset="-128"/>
             </a:endParaRPr>
           </a:p>
         </p:txBody>
@@ -12930,7 +12867,7 @@
         </p:nvSpPr>
         <p:spPr>
           <a:xfrm>
-            <a:off x="734760" y="1152180"/>
+            <a:off x="554400" y="1397700"/>
             <a:ext cx="11081520" cy="244800"/>
           </a:xfrm>
           <a:prstGeom prst="rect">
@@ -12957,21 +12894,32 @@
           <a:bodyPr lIns="0" tIns="0" rIns="0" bIns="0"/>
           <a:lstStyle/>
           <a:p>
+            <a:r>
+              <a:rPr lang="en-US" altLang="ja-JP" sz="1600" i="1" spc="-1" dirty="0" smtClean="0">
+                <a:solidFill>
+                  <a:srgbClr val="000000"/>
+                </a:solidFill>
+                <a:ea typeface="Arial"/>
+              </a:rPr>
+              <a:t>Edit</a:t>
+            </a:r>
+            <a:r>
+              <a:rPr lang="ja-JP" altLang="en-US" sz="1600" i="1" spc="-1" dirty="0">
+                <a:solidFill>
+                  <a:srgbClr val="000000"/>
+                </a:solidFill>
+                <a:ea typeface="Arial"/>
+              </a:rPr>
+              <a:t>機能によるライセンスレビュー作業の短縮</a:t>
+            </a:r>
+            <a:endParaRPr lang="en-US" altLang="ja-JP" sz="1600" spc="-1" dirty="0"/>
+          </a:p>
+          <a:p>
             <a:pPr>
               <a:lnSpc>
                 <a:spcPct val="100000"/>
               </a:lnSpc>
             </a:pPr>
-            <a:r>
-              <a:rPr lang="ja-JP" altLang="en-US" sz="1600" b="0" i="1" strike="noStrike" spc="-1" dirty="0" smtClean="0">
-                <a:solidFill>
-                  <a:srgbClr val="000000"/>
-                </a:solidFill>
-                <a:latin typeface="Arial"/>
-                <a:ea typeface="Arial"/>
-              </a:rPr>
-              <a:t>ライセンスレビューのショートカット作業について</a:t>
-            </a:r>
             <a:endParaRPr lang="en-US" sz="1600" b="0" strike="noStrike" spc="-1" dirty="0">
               <a:latin typeface="Arial"/>
             </a:endParaRPr>
@@ -13087,27 +13035,28 @@
               <a:buChar char="∙"/>
             </a:pPr>
             <a:r>
-              <a:rPr lang="en-US" sz="1900" b="0" strike="noStrike" spc="-1" dirty="0" smtClean="0">
-                <a:solidFill>
-                  <a:srgbClr val="000000"/>
-                </a:solidFill>
-                <a:latin typeface="Arial"/>
-                <a:ea typeface="Arial"/>
+              <a:rPr lang="en-US" b="0" strike="noStrike" spc="-1" dirty="0" smtClean="0">
+                <a:solidFill>
+                  <a:srgbClr val="000000"/>
+                </a:solidFill>
+                <a:latin typeface="ＭＳ ゴシック" panose="020B0609070205080204" pitchFamily="49" charset="-128"/>
+                <a:ea typeface="ＭＳ ゴシック" panose="020B0609070205080204" pitchFamily="49" charset="-128"/>
               </a:rPr>
               <a:t>FOSSology</a:t>
             </a:r>
             <a:r>
-              <a:rPr lang="ja-JP" altLang="en-US" sz="1900" b="0" strike="noStrike" spc="-1" dirty="0" smtClean="0">
-                <a:solidFill>
-                  <a:srgbClr val="000000"/>
-                </a:solidFill>
-                <a:latin typeface="Arial"/>
-                <a:ea typeface="Arial"/>
+              <a:rPr lang="ja-JP" altLang="en-US" b="0" strike="noStrike" spc="-1" dirty="0" smtClean="0">
+                <a:solidFill>
+                  <a:srgbClr val="000000"/>
+                </a:solidFill>
+                <a:latin typeface="ＭＳ ゴシック" panose="020B0609070205080204" pitchFamily="49" charset="-128"/>
+                <a:ea typeface="ＭＳ ゴシック" panose="020B0609070205080204" pitchFamily="49" charset="-128"/>
               </a:rPr>
               <a:t>の検索は正規表現を基本にしている</a:t>
             </a:r>
-            <a:endParaRPr lang="en-US" sz="1900" b="0" strike="noStrike" spc="-1" dirty="0" smtClean="0">
-              <a:latin typeface="Arial"/>
+            <a:endParaRPr lang="en-US" b="0" strike="noStrike" spc="-1" dirty="0" smtClean="0">
+              <a:latin typeface="ＭＳ ゴシック" panose="020B0609070205080204" pitchFamily="49" charset="-128"/>
+              <a:ea typeface="ＭＳ ゴシック" panose="020B0609070205080204" pitchFamily="49" charset="-128"/>
             </a:endParaRPr>
           </a:p>
           <a:p>
@@ -13122,57 +13071,38 @@
               <a:buChar char="∙"/>
             </a:pPr>
             <a:r>
-              <a:rPr lang="ja-JP" altLang="en-US" sz="1900" spc="-1" dirty="0" smtClean="0">
-                <a:solidFill>
-                  <a:srgbClr val="000000"/>
-                </a:solidFill>
-                <a:latin typeface="Arial"/>
-                <a:ea typeface="Arial"/>
+              <a:rPr lang="ja-JP" altLang="en-US" spc="-1" dirty="0" smtClean="0">
+                <a:solidFill>
+                  <a:srgbClr val="000000"/>
+                </a:solidFill>
+                <a:latin typeface="ＭＳ ゴシック" panose="020B0609070205080204" pitchFamily="49" charset="-128"/>
+                <a:ea typeface="ＭＳ ゴシック" panose="020B0609070205080204" pitchFamily="49" charset="-128"/>
               </a:rPr>
               <a:t>コピーライト</a:t>
             </a:r>
             <a:r>
-              <a:rPr lang="ja-JP" altLang="en-US" sz="1900" spc="-1" dirty="0">
-                <a:solidFill>
-                  <a:srgbClr val="000000"/>
-                </a:solidFill>
-                <a:latin typeface="Arial"/>
-                <a:ea typeface="Arial"/>
+              <a:rPr lang="ja-JP" altLang="en-US" spc="-1" dirty="0">
+                <a:solidFill>
+                  <a:srgbClr val="000000"/>
+                </a:solidFill>
+                <a:latin typeface="ＭＳ ゴシック" panose="020B0609070205080204" pitchFamily="49" charset="-128"/>
+                <a:ea typeface="ＭＳ ゴシック" panose="020B0609070205080204" pitchFamily="49" charset="-128"/>
               </a:rPr>
               <a:t>ステートメント</a:t>
             </a:r>
             <a:r>
-              <a:rPr lang="en-US" sz="1900" b="0" strike="noStrike" spc="-1" dirty="0" smtClean="0">
-                <a:solidFill>
-                  <a:srgbClr val="000000"/>
-                </a:solidFill>
-                <a:latin typeface="Arial"/>
-                <a:ea typeface="Arial"/>
-              </a:rPr>
-              <a:t> (yes, also </a:t>
-            </a:r>
-            <a:r>
-              <a:rPr lang="en-US" sz="1900" b="0" strike="noStrike" spc="-1" dirty="0" smtClean="0">
-                <a:solidFill>
-                  <a:srgbClr val="000000"/>
-                </a:solidFill>
-                <a:latin typeface="Noto Sans Symbols"/>
-                <a:ea typeface="Noto Sans Symbols"/>
-              </a:rPr>
-              <a:t>©</a:t>
-            </a:r>
-            <a:r>
-              <a:rPr lang="en-US" sz="1900" b="0" strike="noStrike" spc="-1" dirty="0" smtClean="0">
-                <a:solidFill>
-                  <a:srgbClr val="000000"/>
-                </a:solidFill>
-                <a:latin typeface="Arial"/>
-                <a:ea typeface="Arial"/>
-              </a:rPr>
-              <a:t> in UTF-8, 1152, …)</a:t>
-            </a:r>
-            <a:endParaRPr lang="en-US" sz="1900" b="0" strike="noStrike" spc="-1" dirty="0" smtClean="0">
-              <a:latin typeface="Arial"/>
+              <a:rPr lang="en-US" b="0" strike="noStrike" spc="-1" dirty="0" smtClean="0">
+                <a:solidFill>
+                  <a:srgbClr val="000000"/>
+                </a:solidFill>
+                <a:latin typeface="ＭＳ ゴシック" panose="020B0609070205080204" pitchFamily="49" charset="-128"/>
+                <a:ea typeface="ＭＳ ゴシック" panose="020B0609070205080204" pitchFamily="49" charset="-128"/>
+              </a:rPr>
+              <a:t> (yes, also © in UTF-8, 1152, …)</a:t>
+            </a:r>
+            <a:endParaRPr lang="en-US" b="0" strike="noStrike" spc="-1" dirty="0" smtClean="0">
+              <a:latin typeface="ＭＳ ゴシック" panose="020B0609070205080204" pitchFamily="49" charset="-128"/>
+              <a:ea typeface="ＭＳ ゴシック" panose="020B0609070205080204" pitchFamily="49" charset="-128"/>
             </a:endParaRPr>
           </a:p>
           <a:p>
@@ -13187,27 +13117,28 @@
               <a:buChar char="∙"/>
             </a:pPr>
             <a:r>
-              <a:rPr lang="en-US" sz="1900" b="0" strike="noStrike" spc="-1" dirty="0" smtClean="0">
-                <a:solidFill>
-                  <a:srgbClr val="000000"/>
-                </a:solidFill>
-                <a:latin typeface="Arial"/>
-                <a:ea typeface="Arial"/>
+              <a:rPr lang="en-US" b="0" strike="noStrike" spc="-1" dirty="0" smtClean="0">
+                <a:solidFill>
+                  <a:srgbClr val="000000"/>
+                </a:solidFill>
+                <a:latin typeface="ＭＳ ゴシック" panose="020B0609070205080204" pitchFamily="49" charset="-128"/>
+                <a:ea typeface="ＭＳ ゴシック" panose="020B0609070205080204" pitchFamily="49" charset="-128"/>
               </a:rPr>
               <a:t>Authored </a:t>
             </a:r>
             <a:r>
-              <a:rPr lang="en-US" sz="1900" b="0" strike="noStrike" spc="-1" dirty="0">
-                <a:solidFill>
-                  <a:srgbClr val="000000"/>
-                </a:solidFill>
-                <a:latin typeface="Arial"/>
-                <a:ea typeface="Arial"/>
+              <a:rPr lang="en-US" b="0" strike="noStrike" spc="-1" dirty="0">
+                <a:solidFill>
+                  <a:srgbClr val="000000"/>
+                </a:solidFill>
+                <a:latin typeface="ＭＳ ゴシック" panose="020B0609070205080204" pitchFamily="49" charset="-128"/>
+                <a:ea typeface="ＭＳ ゴシック" panose="020B0609070205080204" pitchFamily="49" charset="-128"/>
               </a:rPr>
               <a:t>by, contributed by, e-mail addresses</a:t>
             </a:r>
-            <a:endParaRPr lang="en-US" sz="1900" b="0" strike="noStrike" spc="-1" dirty="0">
-              <a:latin typeface="Arial"/>
+            <a:endParaRPr lang="en-US" b="0" strike="noStrike" spc="-1" dirty="0">
+              <a:latin typeface="ＭＳ ゴシック" panose="020B0609070205080204" pitchFamily="49" charset="-128"/>
+              <a:ea typeface="ＭＳ ゴシック" panose="020B0609070205080204" pitchFamily="49" charset="-128"/>
             </a:endParaRPr>
           </a:p>
           <a:p>
@@ -13222,67 +13153,68 @@
               <a:buChar char="∙"/>
             </a:pPr>
             <a:r>
-              <a:rPr lang="en-US" sz="1900" b="0" strike="noStrike" spc="-1" dirty="0">
-                <a:solidFill>
-                  <a:srgbClr val="000000"/>
-                </a:solidFill>
-                <a:latin typeface="Arial"/>
-                <a:ea typeface="Arial"/>
+              <a:rPr lang="en-US" b="0" strike="noStrike" spc="-1" dirty="0">
+                <a:solidFill>
+                  <a:srgbClr val="000000"/>
+                </a:solidFill>
+                <a:latin typeface="ＭＳ ゴシック" panose="020B0609070205080204" pitchFamily="49" charset="-128"/>
+                <a:ea typeface="ＭＳ ゴシック" panose="020B0609070205080204" pitchFamily="49" charset="-128"/>
               </a:rPr>
               <a:t>E-Mail </a:t>
             </a:r>
             <a:r>
-              <a:rPr lang="ja-JP" altLang="en-US" sz="1900" spc="-1" dirty="0">
-                <a:solidFill>
-                  <a:srgbClr val="000000"/>
-                </a:solidFill>
-                <a:latin typeface="Arial"/>
-                <a:ea typeface="Arial"/>
+              <a:rPr lang="ja-JP" altLang="en-US" spc="-1" dirty="0">
+                <a:solidFill>
+                  <a:srgbClr val="000000"/>
+                </a:solidFill>
+                <a:latin typeface="ＭＳ ゴシック" panose="020B0609070205080204" pitchFamily="49" charset="-128"/>
+                <a:ea typeface="ＭＳ ゴシック" panose="020B0609070205080204" pitchFamily="49" charset="-128"/>
               </a:rPr>
               <a:t>アドレス</a:t>
             </a:r>
             <a:r>
-              <a:rPr lang="en-US" sz="1900" b="0" strike="noStrike" spc="-1" dirty="0" smtClean="0">
-                <a:solidFill>
-                  <a:srgbClr val="000000"/>
-                </a:solidFill>
-                <a:latin typeface="Arial"/>
-                <a:ea typeface="Arial"/>
+              <a:rPr lang="en-US" b="0" strike="noStrike" spc="-1" dirty="0" smtClean="0">
+                <a:solidFill>
+                  <a:srgbClr val="000000"/>
+                </a:solidFill>
+                <a:latin typeface="ＭＳ ゴシック" panose="020B0609070205080204" pitchFamily="49" charset="-128"/>
+                <a:ea typeface="ＭＳ ゴシック" panose="020B0609070205080204" pitchFamily="49" charset="-128"/>
               </a:rPr>
               <a:t> </a:t>
             </a:r>
             <a:r>
-              <a:rPr lang="ja-JP" altLang="en-US" sz="1900" b="0" strike="noStrike" spc="-1" dirty="0" smtClean="0">
-                <a:solidFill>
-                  <a:srgbClr val="000000"/>
-                </a:solidFill>
-                <a:latin typeface="Arial"/>
-                <a:ea typeface="Arial"/>
+              <a:rPr lang="ja-JP" altLang="en-US" b="0" strike="noStrike" spc="-1" dirty="0" smtClean="0">
+                <a:solidFill>
+                  <a:srgbClr val="000000"/>
+                </a:solidFill>
+                <a:latin typeface="ＭＳ ゴシック" panose="020B0609070205080204" pitchFamily="49" charset="-128"/>
+                <a:ea typeface="ＭＳ ゴシック" panose="020B0609070205080204" pitchFamily="49" charset="-128"/>
               </a:rPr>
               <a:t>と</a:t>
             </a:r>
             <a:r>
-              <a:rPr lang="en-US" sz="1900" b="0" strike="noStrike" spc="-1" dirty="0" smtClean="0">
-                <a:solidFill>
-                  <a:srgbClr val="000000"/>
-                </a:solidFill>
-                <a:latin typeface="Arial"/>
-                <a:ea typeface="Arial"/>
+              <a:rPr lang="en-US" b="0" strike="noStrike" spc="-1" dirty="0" smtClean="0">
+                <a:solidFill>
+                  <a:srgbClr val="000000"/>
+                </a:solidFill>
+                <a:latin typeface="ＭＳ ゴシック" panose="020B0609070205080204" pitchFamily="49" charset="-128"/>
+                <a:ea typeface="ＭＳ ゴシック" panose="020B0609070205080204" pitchFamily="49" charset="-128"/>
               </a:rPr>
               <a:t> </a:t>
             </a:r>
             <a:r>
-              <a:rPr lang="en-US" sz="1900" b="0" strike="noStrike" spc="-1" dirty="0">
-                <a:solidFill>
-                  <a:srgbClr val="000000"/>
-                </a:solidFill>
-                <a:latin typeface="Arial"/>
-                <a:ea typeface="Arial"/>
+              <a:rPr lang="en-US" b="0" strike="noStrike" spc="-1" dirty="0">
+                <a:solidFill>
+                  <a:srgbClr val="000000"/>
+                </a:solidFill>
+                <a:latin typeface="ＭＳ ゴシック" panose="020B0609070205080204" pitchFamily="49" charset="-128"/>
+                <a:ea typeface="ＭＳ ゴシック" panose="020B0609070205080204" pitchFamily="49" charset="-128"/>
               </a:rPr>
               <a:t>http/https URLs</a:t>
             </a:r>
-            <a:endParaRPr lang="en-US" sz="1900" b="0" strike="noStrike" spc="-1" dirty="0">
-              <a:latin typeface="Arial"/>
+            <a:endParaRPr lang="en-US" b="0" strike="noStrike" spc="-1" dirty="0">
+              <a:latin typeface="ＭＳ ゴシック" panose="020B0609070205080204" pitchFamily="49" charset="-128"/>
+              <a:ea typeface="ＭＳ ゴシック" panose="020B0609070205080204" pitchFamily="49" charset="-128"/>
             </a:endParaRPr>
           </a:p>
           <a:p>
@@ -13300,17 +13232,18 @@
               <a:buChar char="∙"/>
             </a:pPr>
             <a:r>
-              <a:rPr lang="ja-JP" altLang="en-US" sz="1900" b="0" strike="noStrike" spc="-1" dirty="0" smtClean="0">
-                <a:solidFill>
-                  <a:srgbClr val="000000"/>
-                </a:solidFill>
-                <a:latin typeface="Arial"/>
-                <a:ea typeface="Arial"/>
+              <a:rPr lang="ja-JP" altLang="en-US" b="0" strike="noStrike" spc="-1" dirty="0" smtClean="0">
+                <a:solidFill>
+                  <a:srgbClr val="000000"/>
+                </a:solidFill>
+                <a:latin typeface="ＭＳ ゴシック" panose="020B0609070205080204" pitchFamily="49" charset="-128"/>
+                <a:ea typeface="ＭＳ ゴシック" panose="020B0609070205080204" pitchFamily="49" charset="-128"/>
               </a:rPr>
               <a:t>ファイル単位で保存！</a:t>
             </a:r>
-            <a:endParaRPr lang="en-US" sz="1900" b="0" strike="noStrike" spc="-1" dirty="0">
-              <a:latin typeface="Arial"/>
+            <a:endParaRPr lang="en-US" b="0" strike="noStrike" spc="-1" dirty="0">
+              <a:latin typeface="ＭＳ ゴシック" panose="020B0609070205080204" pitchFamily="49" charset="-128"/>
+              <a:ea typeface="ＭＳ ゴシック" panose="020B0609070205080204" pitchFamily="49" charset="-128"/>
             </a:endParaRPr>
           </a:p>
           <a:p>
@@ -13325,16 +13258,18 @@
               <a:buChar char="∙"/>
             </a:pPr>
             <a:r>
-              <a:rPr lang="ja-JP" altLang="en-US" sz="1900" spc="-1" dirty="0" smtClean="0">
-                <a:solidFill>
-                  <a:srgbClr val="000000"/>
-                </a:solidFill>
-                <a:latin typeface="Arial"/>
+              <a:rPr lang="ja-JP" altLang="en-US" spc="-1" dirty="0" smtClean="0">
+                <a:solidFill>
+                  <a:srgbClr val="000000"/>
+                </a:solidFill>
+                <a:latin typeface="ＭＳ ゴシック" panose="020B0609070205080204" pitchFamily="49" charset="-128"/>
+                <a:ea typeface="ＭＳ ゴシック" panose="020B0609070205080204" pitchFamily="49" charset="-128"/>
               </a:rPr>
               <a:t>ファイルハッシュにより管理</a:t>
             </a:r>
-            <a:endParaRPr lang="en-US" sz="1900" b="0" strike="noStrike" spc="-1" dirty="0">
-              <a:latin typeface="Arial"/>
+            <a:endParaRPr lang="en-US" b="0" strike="noStrike" spc="-1" dirty="0">
+              <a:latin typeface="ＭＳ ゴシック" panose="020B0609070205080204" pitchFamily="49" charset="-128"/>
+              <a:ea typeface="ＭＳ ゴシック" panose="020B0609070205080204" pitchFamily="49" charset="-128"/>
             </a:endParaRPr>
           </a:p>
           <a:p>
@@ -13349,16 +13284,48 @@
               <a:buChar char="∙"/>
             </a:pPr>
             <a:r>
-              <a:rPr lang="ja-JP" altLang="en-US" sz="1900" spc="-1" dirty="0" smtClean="0">
-                <a:solidFill>
-                  <a:srgbClr val="000000"/>
-                </a:solidFill>
-                <a:latin typeface="Arial"/>
-              </a:rPr>
-              <a:t>コピーライトファイル編集、将来のアップロード物のため編集</a:t>
-            </a:r>
-            <a:endParaRPr lang="en-US" sz="1900" b="0" strike="noStrike" spc="-1" dirty="0">
-              <a:latin typeface="Arial"/>
+              <a:rPr lang="ja-JP" altLang="en-US" spc="-1" dirty="0">
+                <a:solidFill>
+                  <a:srgbClr val="000000"/>
+                </a:solidFill>
+                <a:latin typeface="ＭＳ ゴシック" panose="020B0609070205080204" pitchFamily="49" charset="-128"/>
+                <a:ea typeface="ＭＳ ゴシック" panose="020B0609070205080204" pitchFamily="49" charset="-128"/>
+              </a:rPr>
+              <a:t>ファイルの著作権の編集 </a:t>
+            </a:r>
+            <a:r>
+              <a:rPr lang="en-US" altLang="ja-JP" spc="-1" dirty="0">
+                <a:solidFill>
+                  <a:srgbClr val="000000"/>
+                </a:solidFill>
+                <a:latin typeface="ＭＳ ゴシック" panose="020B0609070205080204" pitchFamily="49" charset="-128"/>
+                <a:ea typeface="ＭＳ ゴシック" panose="020B0609070205080204" pitchFamily="49" charset="-128"/>
+              </a:rPr>
+              <a:t>- </a:t>
+            </a:r>
+            <a:r>
+              <a:rPr lang="ja-JP" altLang="en-US" spc="-1" dirty="0">
+                <a:solidFill>
+                  <a:srgbClr val="000000"/>
+                </a:solidFill>
+                <a:latin typeface="ＭＳ ゴシック" panose="020B0609070205080204" pitchFamily="49" charset="-128"/>
+                <a:ea typeface="ＭＳ ゴシック" panose="020B0609070205080204" pitchFamily="49" charset="-128"/>
+              </a:rPr>
+              <a:t>将来のアップロードのために</a:t>
+            </a:r>
+            <a:r>
+              <a:rPr lang="ja-JP" altLang="en-US" spc="-1" dirty="0" smtClean="0">
+                <a:solidFill>
+                  <a:srgbClr val="000000"/>
+                </a:solidFill>
+                <a:latin typeface="ＭＳ ゴシック" panose="020B0609070205080204" pitchFamily="49" charset="-128"/>
+                <a:ea typeface="ＭＳ ゴシック" panose="020B0609070205080204" pitchFamily="49" charset="-128"/>
+              </a:rPr>
+              <a:t>も</a:t>
+            </a:r>
+            <a:endParaRPr lang="en-US" b="0" strike="noStrike" spc="-1" dirty="0">
+              <a:latin typeface="ＭＳ ゴシック" panose="020B0609070205080204" pitchFamily="49" charset="-128"/>
+              <a:ea typeface="ＭＳ ゴシック" panose="020B0609070205080204" pitchFamily="49" charset="-128"/>
             </a:endParaRPr>
           </a:p>
           <a:p>
@@ -13373,25 +13340,22 @@
               <a:buChar char="∙"/>
             </a:pPr>
             <a:r>
-              <a:rPr lang="ja-JP" altLang="en-US" sz="1900" b="0" strike="noStrike" spc="-1" dirty="0" smtClean="0">
-                <a:latin typeface="Arial"/>
-              </a:rPr>
-              <a:t>消えたコピーライトステートメントを</a:t>
-            </a:r>
-            <a:r>
-              <a:rPr lang="ja-JP" altLang="en-US" sz="1900" spc="-1" dirty="0">
-                <a:latin typeface="Arial"/>
-              </a:rPr>
-              <a:t>可能</a:t>
-            </a:r>
-            <a:r>
-              <a:rPr lang="ja-JP" altLang="en-US" sz="1900" spc="-1" dirty="0" smtClean="0">
-                <a:latin typeface="Arial"/>
-              </a:rPr>
-              <a:t>な限り復元する</a:t>
-            </a:r>
-            <a:endParaRPr lang="en-US" sz="1900" b="0" strike="noStrike" spc="-1" dirty="0">
-              <a:latin typeface="Arial"/>
+              <a:rPr lang="ja-JP" altLang="en-US" spc="-1" dirty="0">
+                <a:latin typeface="ＭＳ ゴシック" panose="020B0609070205080204" pitchFamily="49" charset="-128"/>
+                <a:ea typeface="ＭＳ ゴシック" panose="020B0609070205080204" pitchFamily="49" charset="-128"/>
+              </a:rPr>
+              <a:t>削除した著作権ステートメントを可能な限り</a:t>
+            </a:r>
+            <a:r>
+              <a:rPr lang="ja-JP" altLang="en-US" spc="-1" dirty="0" smtClean="0">
+                <a:latin typeface="ＭＳ ゴシック" panose="020B0609070205080204" pitchFamily="49" charset="-128"/>
+                <a:ea typeface="ＭＳ ゴシック" panose="020B0609070205080204" pitchFamily="49" charset="-128"/>
+              </a:rPr>
+              <a:t>復元</a:t>
+            </a:r>
+            <a:endParaRPr lang="en-US" b="0" strike="noStrike" spc="-1" dirty="0">
+              <a:latin typeface="ＭＳ ゴシック" panose="020B0609070205080204" pitchFamily="49" charset="-128"/>
+              <a:ea typeface="ＭＳ ゴシック" panose="020B0609070205080204" pitchFamily="49" charset="-128"/>
             </a:endParaRPr>
           </a:p>
           <a:p>
@@ -13406,17 +13370,15 @@
               <a:buChar char="∙"/>
             </a:pPr>
             <a:r>
-              <a:rPr lang="ja-JP" altLang="en-US" sz="1900" b="0" strike="noStrike" spc="-1" dirty="0" smtClean="0">
-                <a:solidFill>
-                  <a:srgbClr val="000000"/>
-                </a:solidFill>
-                <a:latin typeface="Arial"/>
-                <a:ea typeface="Arial"/>
-              </a:rPr>
-              <a:t>テーブルシート編集のものアップ</a:t>
-            </a:r>
-            <a:endParaRPr lang="en-US" sz="1900" b="0" strike="noStrike" spc="-1" dirty="0">
-              <a:latin typeface="Arial"/>
+              <a:rPr lang="ja-JP" altLang="en-US" spc="-1" dirty="0">
+                <a:latin typeface="ＭＳ ゴシック" panose="020B0609070205080204" pitchFamily="49" charset="-128"/>
+                <a:ea typeface="ＭＳ ゴシック" panose="020B0609070205080204" pitchFamily="49" charset="-128"/>
+              </a:rPr>
+              <a:t>テーブルシート編集も対応予定</a:t>
+            </a:r>
+            <a:endParaRPr lang="en-US" b="0" strike="noStrike" spc="-1" dirty="0">
+              <a:latin typeface="ＭＳ ゴシック" panose="020B0609070205080204" pitchFamily="49" charset="-128"/>
+              <a:ea typeface="ＭＳ ゴシック" panose="020B0609070205080204" pitchFamily="49" charset="-128"/>
             </a:endParaRPr>
           </a:p>
           <a:p>
@@ -13498,8 +13460,8 @@
                 <a:solidFill>
                   <a:srgbClr val="000000"/>
                 </a:solidFill>
-                <a:latin typeface="Arial"/>
-                <a:ea typeface="Arial"/>
+                <a:latin typeface="ＭＳ ゴシック" panose="020B0609070205080204" pitchFamily="49" charset="-128"/>
+                <a:ea typeface="ＭＳ ゴシック" panose="020B0609070205080204" pitchFamily="49" charset="-128"/>
               </a:rPr>
               <a:t>多くのライセンスが</a:t>
             </a:r>
@@ -13508,8 +13470,8 @@
                 <a:solidFill>
                   <a:srgbClr val="000000"/>
                 </a:solidFill>
-                <a:latin typeface="Arial"/>
-                <a:ea typeface="Arial"/>
+                <a:latin typeface="ＭＳ ゴシック" panose="020B0609070205080204" pitchFamily="49" charset="-128"/>
+                <a:ea typeface="ＭＳ ゴシック" panose="020B0609070205080204" pitchFamily="49" charset="-128"/>
               </a:rPr>
               <a:t>コピーライトのリストを表記することを義務としている。</a:t>
             </a:r>
@@ -13517,8 +13479,8 @@
               <a:solidFill>
                 <a:srgbClr val="000000"/>
               </a:solidFill>
-              <a:latin typeface="Arial"/>
-              <a:ea typeface="Arial"/>
+              <a:latin typeface="ＭＳ ゴシック" panose="020B0609070205080204" pitchFamily="49" charset="-128"/>
+              <a:ea typeface="ＭＳ ゴシック" panose="020B0609070205080204" pitchFamily="49" charset="-128"/>
             </a:endParaRPr>
           </a:p>
           <a:p>
@@ -13552,52 +13514,52 @@
               <a:buChar char="∙"/>
             </a:pPr>
             <a:r>
-              <a:rPr lang="ja-JP" altLang="en-US" sz="1900" b="0" strike="noStrike" spc="-1" dirty="0" smtClean="0">
-                <a:solidFill>
-                  <a:srgbClr val="000000"/>
-                </a:solidFill>
-                <a:latin typeface="Arial"/>
-                <a:ea typeface="Arial"/>
+              <a:rPr lang="ja-JP" altLang="en-US" b="0" strike="noStrike" spc="-1" dirty="0" smtClean="0">
+                <a:solidFill>
+                  <a:srgbClr val="000000"/>
+                </a:solidFill>
+                <a:latin typeface="ＭＳ ゴシック" panose="020B0609070205080204" pitchFamily="49" charset="-128"/>
+                <a:ea typeface="ＭＳ ゴシック" panose="020B0609070205080204" pitchFamily="49" charset="-128"/>
               </a:rPr>
               <a:t>例</a:t>
             </a:r>
             <a:r>
-              <a:rPr lang="en-US" altLang="ja-JP" sz="1900" b="0" strike="noStrike" spc="-1" dirty="0" smtClean="0">
-                <a:solidFill>
-                  <a:srgbClr val="000000"/>
-                </a:solidFill>
-                <a:latin typeface="Arial"/>
-                <a:ea typeface="Arial"/>
+              <a:rPr lang="en-US" altLang="ja-JP" b="0" strike="noStrike" spc="-1" dirty="0" smtClean="0">
+                <a:solidFill>
+                  <a:srgbClr val="000000"/>
+                </a:solidFill>
+                <a:latin typeface="ＭＳ ゴシック" panose="020B0609070205080204" pitchFamily="49" charset="-128"/>
+                <a:ea typeface="ＭＳ ゴシック" panose="020B0609070205080204" pitchFamily="49" charset="-128"/>
               </a:rPr>
               <a:t>:</a:t>
             </a:r>
             <a:r>
-              <a:rPr lang="en-US" sz="1900" b="0" strike="noStrike" spc="-1" dirty="0" smtClean="0">
-                <a:solidFill>
-                  <a:srgbClr val="000000"/>
-                </a:solidFill>
-                <a:latin typeface="Arial"/>
-                <a:ea typeface="Arial"/>
+              <a:rPr lang="en-US" b="0" strike="noStrike" spc="-1" dirty="0" smtClean="0">
+                <a:solidFill>
+                  <a:srgbClr val="000000"/>
+                </a:solidFill>
+                <a:latin typeface="ＭＳ ゴシック" panose="020B0609070205080204" pitchFamily="49" charset="-128"/>
+                <a:ea typeface="ＭＳ ゴシック" panose="020B0609070205080204" pitchFamily="49" charset="-128"/>
               </a:rPr>
               <a:t>BSD</a:t>
             </a:r>
             <a:r>
-              <a:rPr lang="ja-JP" altLang="en-US" sz="1900" b="0" strike="noStrike" spc="-1" dirty="0" smtClean="0">
-                <a:solidFill>
-                  <a:srgbClr val="000000"/>
-                </a:solidFill>
-                <a:latin typeface="Arial"/>
-                <a:ea typeface="Arial"/>
+              <a:rPr lang="ja-JP" altLang="en-US" b="0" strike="noStrike" spc="-1" dirty="0" smtClean="0">
+                <a:solidFill>
+                  <a:srgbClr val="000000"/>
+                </a:solidFill>
+                <a:latin typeface="ＭＳ ゴシック" panose="020B0609070205080204" pitchFamily="49" charset="-128"/>
+                <a:ea typeface="ＭＳ ゴシック" panose="020B0609070205080204" pitchFamily="49" charset="-128"/>
               </a:rPr>
               <a:t>の場合</a:t>
             </a:r>
             <a:r>
-              <a:rPr lang="en-US" sz="1900" b="0" strike="noStrike" spc="-1" dirty="0" smtClean="0">
-                <a:solidFill>
-                  <a:srgbClr val="000000"/>
-                </a:solidFill>
-                <a:latin typeface="Arial"/>
-                <a:ea typeface="Arial"/>
+              <a:rPr lang="en-US" b="0" strike="noStrike" spc="-1" dirty="0" smtClean="0">
+                <a:solidFill>
+                  <a:srgbClr val="000000"/>
+                </a:solidFill>
+                <a:latin typeface="ＭＳ ゴシック" panose="020B0609070205080204" pitchFamily="49" charset="-128"/>
+                <a:ea typeface="ＭＳ ゴシック" panose="020B0609070205080204" pitchFamily="49" charset="-128"/>
               </a:rPr>
               <a:t>: </a:t>
             </a:r>
@@ -13669,52 +13631,58 @@
               <a:buChar char="∙"/>
             </a:pPr>
             <a:r>
-              <a:rPr lang="ja-JP" altLang="en-US" sz="1900" b="1" spc="-1" dirty="0" smtClean="0">
-                <a:solidFill>
-                  <a:srgbClr val="000000"/>
-                </a:solidFill>
-                <a:ea typeface="Arial"/>
+              <a:rPr lang="ja-JP" altLang="en-US" b="1" spc="-1" dirty="0" smtClean="0">
+                <a:solidFill>
+                  <a:srgbClr val="000000"/>
+                </a:solidFill>
+                <a:latin typeface="ＭＳ ゴシック" panose="020B0609070205080204" pitchFamily="49" charset="-128"/>
+                <a:ea typeface="ＭＳ ゴシック" panose="020B0609070205080204" pitchFamily="49" charset="-128"/>
               </a:rPr>
               <a:t>アップロード</a:t>
             </a:r>
             <a:r>
-              <a:rPr lang="ja-JP" altLang="en-US" sz="1900" b="1" spc="-1" dirty="0">
-                <a:solidFill>
-                  <a:srgbClr val="000000"/>
-                </a:solidFill>
-                <a:ea typeface="Arial"/>
+              <a:rPr lang="ja-JP" altLang="en-US" b="1" spc="-1" dirty="0">
+                <a:solidFill>
+                  <a:srgbClr val="000000"/>
+                </a:solidFill>
+                <a:latin typeface="ＭＳ ゴシック" panose="020B0609070205080204" pitchFamily="49" charset="-128"/>
+                <a:ea typeface="ＭＳ ゴシック" panose="020B0609070205080204" pitchFamily="49" charset="-128"/>
               </a:rPr>
               <a:t>に関連するすべて</a:t>
             </a:r>
             <a:r>
-              <a:rPr lang="ja-JP" altLang="en-US" sz="1900" b="1" spc="-1" dirty="0" smtClean="0">
-                <a:solidFill>
-                  <a:srgbClr val="000000"/>
-                </a:solidFill>
-                <a:ea typeface="Arial"/>
+              <a:rPr lang="ja-JP" altLang="en-US" b="1" spc="-1" dirty="0" smtClean="0">
+                <a:solidFill>
+                  <a:srgbClr val="000000"/>
+                </a:solidFill>
+                <a:latin typeface="ＭＳ ゴシック" panose="020B0609070205080204" pitchFamily="49" charset="-128"/>
+                <a:ea typeface="ＭＳ ゴシック" panose="020B0609070205080204" pitchFamily="49" charset="-128"/>
               </a:rPr>
               <a:t>のコピーライトステートメントを</a:t>
             </a:r>
             <a:r>
-              <a:rPr lang="ja-JP" altLang="en-US" sz="1900" b="1" spc="-1" dirty="0">
-                <a:solidFill>
-                  <a:srgbClr val="000000"/>
-                </a:solidFill>
-                <a:ea typeface="Arial"/>
+              <a:rPr lang="ja-JP" altLang="en-US" b="1" spc="-1" dirty="0">
+                <a:solidFill>
+                  <a:srgbClr val="000000"/>
+                </a:solidFill>
+                <a:latin typeface="ＭＳ ゴシック" panose="020B0609070205080204" pitchFamily="49" charset="-128"/>
+                <a:ea typeface="ＭＳ ゴシック" panose="020B0609070205080204" pitchFamily="49" charset="-128"/>
               </a:rPr>
               <a:t>確認するにはどうすれば</a:t>
             </a:r>
             <a:r>
-              <a:rPr lang="ja-JP" altLang="en-US" sz="1900" b="1" spc="-1" dirty="0" smtClean="0">
-                <a:solidFill>
-                  <a:srgbClr val="000000"/>
-                </a:solidFill>
-                <a:ea typeface="Arial"/>
+              <a:rPr lang="ja-JP" altLang="en-US" b="1" spc="-1" dirty="0" smtClean="0">
+                <a:solidFill>
+                  <a:srgbClr val="000000"/>
+                </a:solidFill>
+                <a:latin typeface="ＭＳ ゴシック" panose="020B0609070205080204" pitchFamily="49" charset="-128"/>
+                <a:ea typeface="ＭＳ ゴシック" panose="020B0609070205080204" pitchFamily="49" charset="-128"/>
               </a:rPr>
               <a:t>よいか？</a:t>
             </a:r>
-            <a:endParaRPr lang="en-US" sz="1900" b="0" strike="noStrike" spc="-1" dirty="0">
-              <a:latin typeface="Arial"/>
+            <a:endParaRPr lang="en-US" b="0" strike="noStrike" spc="-1" dirty="0">
+              <a:latin typeface="ＭＳ ゴシック" panose="020B0609070205080204" pitchFamily="49" charset="-128"/>
+              <a:ea typeface="ＭＳ ゴシック" panose="020B0609070205080204" pitchFamily="49" charset="-128"/>
             </a:endParaRPr>
           </a:p>
           <a:p>
@@ -14082,7 +14050,16 @@
                 <a:latin typeface="Arial"/>
                 <a:ea typeface="Arial"/>
               </a:rPr>
-              <a:t>コピーライトの調査結果</a:t>
+              <a:t>コピーライトの調査結果は</a:t>
+            </a:r>
+            <a:r>
+              <a:rPr lang="en-US" altLang="ja-JP" sz="1900" spc="-1" dirty="0">
+                <a:solidFill>
+                  <a:srgbClr val="000000"/>
+                </a:solidFill>
+                <a:ea typeface="Arial"/>
+              </a:rPr>
+              <a:t>Aggregated view</a:t>
             </a:r>
             <a:r>
               <a:rPr lang="ja-JP" altLang="en-US" sz="1900" b="0" strike="noStrike" spc="-1" dirty="0" smtClean="0">
@@ -14092,36 +14069,7 @@
                 <a:latin typeface="Arial"/>
                 <a:ea typeface="Arial"/>
               </a:rPr>
-              <a:t>は</a:t>
-            </a:r>
-            <a:r>
-              <a:rPr lang="en-US" altLang="ja-JP" sz="1900" spc="-1" dirty="0">
-                <a:solidFill>
-                  <a:srgbClr val="000000"/>
-                </a:solidFill>
-                <a:ea typeface="Arial"/>
-              </a:rPr>
-              <a:t>Aggregated view</a:t>
-            </a:r>
-            <a:r>
-              <a:rPr lang="ja-JP" altLang="en-US" sz="1900" b="0" strike="noStrike" spc="-1" dirty="0" smtClean="0">
-                <a:solidFill>
-                  <a:srgbClr val="000000"/>
-                </a:solidFill>
-                <a:latin typeface="Arial"/>
-                <a:ea typeface="Arial"/>
-              </a:rPr>
-              <a:t>で</a:t>
-            </a:r>
-            <a:r>
-              <a:rPr lang="ja-JP" altLang="en-US" sz="1900" b="0" strike="noStrike" spc="-1" dirty="0" smtClean="0">
-                <a:solidFill>
-                  <a:srgbClr val="000000"/>
-                </a:solidFill>
-                <a:latin typeface="Arial"/>
-                <a:ea typeface="Arial"/>
-              </a:rPr>
-              <a:t>表示される</a:t>
+              <a:t>で表示される</a:t>
             </a:r>
             <a:endParaRPr lang="en-US" sz="1900" b="0" strike="noStrike" spc="-1" dirty="0" smtClean="0">
               <a:latin typeface="Arial"/>
@@ -14689,7 +14637,7 @@
         </p:nvSpPr>
         <p:spPr>
           <a:xfrm>
-            <a:off x="734760" y="1413000"/>
+            <a:off x="596766" y="1274580"/>
             <a:ext cx="11081520" cy="244800"/>
           </a:xfrm>
           <a:prstGeom prst="rect">
@@ -14722,13 +14670,22 @@
               </a:lnSpc>
             </a:pPr>
             <a:r>
+              <a:rPr lang="en-US" altLang="ja-JP" sz="1600" i="1" spc="-1" dirty="0">
+                <a:solidFill>
+                  <a:srgbClr val="000000"/>
+                </a:solidFill>
+                <a:ea typeface="Arial"/>
+              </a:rPr>
+              <a:t>Edit</a:t>
+            </a:r>
+            <a:r>
               <a:rPr lang="ja-JP" altLang="en-US" sz="1600" i="1" spc="-1" dirty="0">
                 <a:solidFill>
                   <a:srgbClr val="000000"/>
                 </a:solidFill>
                 <a:ea typeface="Arial"/>
               </a:rPr>
-              <a:t>ライセンスレビューのショートカット作業について</a:t>
+              <a:t>機能によるライセンスレビュー作業の短縮</a:t>
             </a:r>
             <a:endParaRPr lang="en-US" altLang="ja-JP" sz="1600" spc="-1" dirty="0"/>
           </a:p>
@@ -14742,8 +14699,8 @@
         </p:nvSpPr>
         <p:spPr>
           <a:xfrm>
-            <a:off x="4713120" y="1773360"/>
-            <a:ext cx="7001640" cy="548640"/>
+            <a:off x="4367265" y="1773360"/>
+            <a:ext cx="7699817" cy="548640"/>
           </a:xfrm>
           <a:prstGeom prst="rect">
             <a:avLst/>
@@ -14799,8 +14756,8 @@
         </p:nvSpPr>
         <p:spPr>
           <a:xfrm>
-            <a:off x="596766" y="1774800"/>
-            <a:ext cx="4115274" cy="4483118"/>
+            <a:off x="241082" y="1814002"/>
+            <a:ext cx="4116354" cy="4483118"/>
           </a:xfrm>
           <a:prstGeom prst="homePlate">
             <a:avLst>
@@ -14841,7 +14798,7 @@
                 <a:srgbClr val="879BAA"/>
               </a:buClr>
             </a:pPr>
-            <a:endParaRPr lang="en-US" sz="1900" b="0" strike="noStrike" spc="-1" dirty="0" smtClean="0">
+            <a:endParaRPr lang="en-US" b="0" strike="noStrike" spc="-1" dirty="0" smtClean="0">
               <a:solidFill>
                 <a:srgbClr val="000000"/>
               </a:solidFill>
@@ -14861,25 +14818,28 @@
               <a:buChar char="∙"/>
             </a:pPr>
             <a:r>
-              <a:rPr lang="ja-JP" altLang="en-US" sz="1900" spc="-1" dirty="0">
-                <a:solidFill>
-                  <a:srgbClr val="000000"/>
-                </a:solidFill>
-                <a:latin typeface="Arial"/>
+              <a:rPr lang="ja-JP" altLang="en-US" spc="-1" dirty="0">
+                <a:solidFill>
+                  <a:srgbClr val="000000"/>
+                </a:solidFill>
+                <a:latin typeface="ＭＳ ゴシック" panose="020B0609070205080204" pitchFamily="49" charset="-128"/>
+                <a:ea typeface="ＭＳ ゴシック" panose="020B0609070205080204" pitchFamily="49" charset="-128"/>
               </a:rPr>
               <a:t>既</a:t>
             </a:r>
             <a:r>
-              <a:rPr lang="ja-JP" altLang="en-US" sz="1900" spc="-1" dirty="0" smtClean="0">
-                <a:solidFill>
-                  <a:srgbClr val="000000"/>
-                </a:solidFill>
-                <a:latin typeface="Arial"/>
+              <a:rPr lang="ja-JP" altLang="en-US" spc="-1" dirty="0" smtClean="0">
+                <a:solidFill>
+                  <a:srgbClr val="000000"/>
+                </a:solidFill>
+                <a:latin typeface="ＭＳ ゴシック" panose="020B0609070205080204" pitchFamily="49" charset="-128"/>
+                <a:ea typeface="ＭＳ ゴシック" panose="020B0609070205080204" pitchFamily="49" charset="-128"/>
               </a:rPr>
               <a:t>にコンポーネントの中のファイルやフォルダを知っている</a:t>
             </a:r>
-            <a:endParaRPr lang="en-US" sz="1900" b="0" strike="noStrike" spc="-1" dirty="0">
-              <a:latin typeface="Arial"/>
+            <a:endParaRPr lang="en-US" b="0" strike="noStrike" spc="-1" dirty="0">
+              <a:latin typeface="ＭＳ ゴシック" panose="020B0609070205080204" pitchFamily="49" charset="-128"/>
+              <a:ea typeface="ＭＳ ゴシック" panose="020B0609070205080204" pitchFamily="49" charset="-128"/>
             </a:endParaRPr>
           </a:p>
           <a:p>
@@ -14897,50 +14857,50 @@
               <a:buChar char="∙"/>
             </a:pPr>
             <a:r>
-              <a:rPr lang="ja-JP" altLang="en-US" sz="1900" b="0" strike="noStrike" spc="-1" dirty="0" smtClean="0">
-                <a:solidFill>
-                  <a:srgbClr val="000000"/>
-                </a:solidFill>
-                <a:latin typeface="Arial"/>
-                <a:ea typeface="Arial"/>
+              <a:rPr lang="ja-JP" altLang="en-US" b="0" strike="noStrike" spc="-1" dirty="0" smtClean="0">
+                <a:solidFill>
+                  <a:srgbClr val="000000"/>
+                </a:solidFill>
+                <a:latin typeface="ＭＳ ゴシック" panose="020B0609070205080204" pitchFamily="49" charset="-128"/>
+                <a:ea typeface="ＭＳ ゴシック" panose="020B0609070205080204" pitchFamily="49" charset="-128"/>
               </a:rPr>
               <a:t>ソフトウェアコンポーネンと、ファイルが無関係であることを</a:t>
             </a:r>
             <a:r>
-              <a:rPr lang="en-US" altLang="ja-JP" sz="1900" spc="-1" dirty="0">
-                <a:solidFill>
-                  <a:srgbClr val="000000"/>
-                </a:solidFill>
-                <a:latin typeface="Arial"/>
-                <a:ea typeface="Arial"/>
+              <a:rPr lang="en-US" altLang="ja-JP" spc="-1" dirty="0">
+                <a:solidFill>
+                  <a:srgbClr val="000000"/>
+                </a:solidFill>
+                <a:latin typeface="ＭＳ ゴシック" panose="020B0609070205080204" pitchFamily="49" charset="-128"/>
+                <a:ea typeface="ＭＳ ゴシック" panose="020B0609070205080204" pitchFamily="49" charset="-128"/>
               </a:rPr>
               <a:t/>
             </a:r>
             <a:br>
-              <a:rPr lang="en-US" altLang="ja-JP" sz="1900" spc="-1" dirty="0">
-                <a:solidFill>
-                  <a:srgbClr val="000000"/>
-                </a:solidFill>
-                <a:latin typeface="Arial"/>
-                <a:ea typeface="Arial"/>
+              <a:rPr lang="en-US" altLang="ja-JP" spc="-1" dirty="0">
+                <a:solidFill>
+                  <a:srgbClr val="000000"/>
+                </a:solidFill>
+                <a:latin typeface="ＭＳ ゴシック" panose="020B0609070205080204" pitchFamily="49" charset="-128"/>
+                <a:ea typeface="ＭＳ ゴシック" panose="020B0609070205080204" pitchFamily="49" charset="-128"/>
               </a:rPr>
             </a:br>
             <a:r>
-              <a:rPr lang="ja-JP" altLang="en-US" sz="1900" spc="-1" dirty="0" smtClean="0">
-                <a:solidFill>
-                  <a:srgbClr val="000000"/>
-                </a:solidFill>
-                <a:latin typeface="Arial"/>
-                <a:ea typeface="Arial"/>
+              <a:rPr lang="ja-JP" altLang="en-US" spc="-1" dirty="0" smtClean="0">
+                <a:solidFill>
+                  <a:srgbClr val="000000"/>
+                </a:solidFill>
+                <a:latin typeface="ＭＳ ゴシック" panose="020B0609070205080204" pitchFamily="49" charset="-128"/>
+                <a:ea typeface="ＭＳ ゴシック" panose="020B0609070205080204" pitchFamily="49" charset="-128"/>
               </a:rPr>
               <a:t>知っている</a:t>
             </a:r>
-            <a:endParaRPr lang="en-US" sz="1900" b="0" strike="noStrike" spc="-1" dirty="0" smtClean="0">
+            <a:endParaRPr lang="en-US" b="0" strike="noStrike" spc="-1" dirty="0" smtClean="0">
               <a:solidFill>
                 <a:srgbClr val="000000"/>
               </a:solidFill>
-              <a:latin typeface="Arial"/>
-              <a:ea typeface="Arial"/>
+              <a:latin typeface="ＭＳ ゴシック" panose="020B0609070205080204" pitchFamily="49" charset="-128"/>
+              <a:ea typeface="ＭＳ ゴシック" panose="020B0609070205080204" pitchFamily="49" charset="-128"/>
             </a:endParaRPr>
           </a:p>
           <a:p>
@@ -14959,7 +14919,8 @@
                 <a:solidFill>
                   <a:srgbClr val="000000"/>
                 </a:solidFill>
-                <a:latin typeface="Arial"/>
+                <a:latin typeface="ＭＳ ゴシック" panose="020B0609070205080204" pitchFamily="49" charset="-128"/>
+                <a:ea typeface="ＭＳ ゴシック" panose="020B0609070205080204" pitchFamily="49" charset="-128"/>
               </a:rPr>
               <a:t>利用</a:t>
             </a:r>
@@ -14968,12 +14929,14 @@
                 <a:solidFill>
                   <a:srgbClr val="000000"/>
                 </a:solidFill>
-                <a:latin typeface="Arial"/>
+                <a:latin typeface="ＭＳ ゴシック" panose="020B0609070205080204" pitchFamily="49" charset="-128"/>
+                <a:ea typeface="ＭＳ ゴシック" panose="020B0609070205080204" pitchFamily="49" charset="-128"/>
               </a:rPr>
               <a:t>されてないアーキテクチャ</a:t>
             </a:r>
             <a:endParaRPr lang="en-US" b="0" strike="noStrike" spc="-1" dirty="0">
-              <a:latin typeface="Arial"/>
+              <a:latin typeface="ＭＳ ゴシック" panose="020B0609070205080204" pitchFamily="49" charset="-128"/>
+              <a:ea typeface="ＭＳ ゴシック" panose="020B0609070205080204" pitchFamily="49" charset="-128"/>
             </a:endParaRPr>
           </a:p>
           <a:p>
@@ -14988,47 +14951,48 @@
               <a:buChar char="∙"/>
             </a:pPr>
             <a:r>
-              <a:rPr lang="ja-JP" altLang="en-US" sz="1900" spc="-1" dirty="0" smtClean="0">
-                <a:solidFill>
-                  <a:srgbClr val="000000"/>
-                </a:solidFill>
-                <a:latin typeface="Arial"/>
-                <a:ea typeface="Arial"/>
+              <a:rPr lang="ja-JP" altLang="en-US" spc="-1" dirty="0" smtClean="0">
+                <a:solidFill>
+                  <a:srgbClr val="000000"/>
+                </a:solidFill>
+                <a:latin typeface="ＭＳ ゴシック" panose="020B0609070205080204" pitchFamily="49" charset="-128"/>
+                <a:ea typeface="ＭＳ ゴシック" panose="020B0609070205080204" pitchFamily="49" charset="-128"/>
               </a:rPr>
               <a:t>テスト</a:t>
             </a:r>
             <a:r>
-              <a:rPr lang="ja-JP" altLang="en-US" sz="1900" spc="-1" dirty="0">
-                <a:solidFill>
-                  <a:srgbClr val="000000"/>
-                </a:solidFill>
-                <a:latin typeface="Arial"/>
-                <a:ea typeface="Arial"/>
+              <a:rPr lang="ja-JP" altLang="en-US" spc="-1" dirty="0">
+                <a:solidFill>
+                  <a:srgbClr val="000000"/>
+                </a:solidFill>
+                <a:latin typeface="ＭＳ ゴシック" panose="020B0609070205080204" pitchFamily="49" charset="-128"/>
+                <a:ea typeface="ＭＳ ゴシック" panose="020B0609070205080204" pitchFamily="49" charset="-128"/>
               </a:rPr>
               <a:t>ファイル</a:t>
             </a:r>
             <a:r>
-              <a:rPr lang="en-US" sz="1900" b="0" strike="noStrike" spc="-1" dirty="0" smtClean="0">
-                <a:solidFill>
-                  <a:srgbClr val="000000"/>
-                </a:solidFill>
-                <a:latin typeface="Arial"/>
-                <a:ea typeface="Arial"/>
+              <a:rPr lang="en-US" b="0" strike="noStrike" spc="-1" dirty="0" smtClean="0">
+                <a:solidFill>
+                  <a:srgbClr val="000000"/>
+                </a:solidFill>
+                <a:latin typeface="ＭＳ ゴシック" panose="020B0609070205080204" pitchFamily="49" charset="-128"/>
+                <a:ea typeface="ＭＳ ゴシック" panose="020B0609070205080204" pitchFamily="49" charset="-128"/>
               </a:rPr>
               <a:t>, </a:t>
             </a:r>
             <a:r>
-              <a:rPr lang="ja-JP" altLang="en-US" sz="1900" b="0" strike="noStrike" spc="-1" dirty="0" smtClean="0">
-                <a:solidFill>
-                  <a:srgbClr val="000000"/>
-                </a:solidFill>
-                <a:latin typeface="Arial"/>
-                <a:ea typeface="Arial"/>
+              <a:rPr lang="ja-JP" altLang="en-US" b="0" strike="noStrike" spc="-1" dirty="0" smtClean="0">
+                <a:solidFill>
+                  <a:srgbClr val="000000"/>
+                </a:solidFill>
+                <a:latin typeface="ＭＳ ゴシック" panose="020B0609070205080204" pitchFamily="49" charset="-128"/>
+                <a:ea typeface="ＭＳ ゴシック" panose="020B0609070205080204" pitchFamily="49" charset="-128"/>
               </a:rPr>
               <a:t>コードサンプル</a:t>
             </a:r>
-            <a:endParaRPr lang="en-US" sz="1900" b="0" strike="noStrike" spc="-1" dirty="0">
-              <a:latin typeface="Arial"/>
+            <a:endParaRPr lang="en-US" b="0" strike="noStrike" spc="-1" dirty="0">
+              <a:latin typeface="ＭＳ ゴシック" panose="020B0609070205080204" pitchFamily="49" charset="-128"/>
+              <a:ea typeface="ＭＳ ゴシック" panose="020B0609070205080204" pitchFamily="49" charset="-128"/>
             </a:endParaRPr>
           </a:p>
           <a:p>
@@ -15043,37 +15007,38 @@
               <a:buChar char="∙"/>
             </a:pPr>
             <a:r>
-              <a:rPr lang="ja-JP" altLang="en-US" sz="1900" spc="-1" dirty="0" smtClean="0">
-                <a:solidFill>
-                  <a:srgbClr val="000000"/>
-                </a:solidFill>
-                <a:latin typeface="Arial"/>
-                <a:ea typeface="Arial"/>
+              <a:rPr lang="ja-JP" altLang="en-US" spc="-1" dirty="0" smtClean="0">
+                <a:solidFill>
+                  <a:srgbClr val="000000"/>
+                </a:solidFill>
+                <a:latin typeface="ＭＳ ゴシック" panose="020B0609070205080204" pitchFamily="49" charset="-128"/>
+                <a:ea typeface="ＭＳ ゴシック" panose="020B0609070205080204" pitchFamily="49" charset="-128"/>
               </a:rPr>
               <a:t>ビルド</a:t>
             </a:r>
             <a:r>
-              <a:rPr lang="ja-JP" altLang="en-US" sz="1900" spc="-1" dirty="0">
-                <a:solidFill>
-                  <a:srgbClr val="000000"/>
-                </a:solidFill>
-                <a:latin typeface="Arial"/>
-                <a:ea typeface="Arial"/>
+              <a:rPr lang="ja-JP" altLang="en-US" spc="-1" dirty="0">
+                <a:solidFill>
+                  <a:srgbClr val="000000"/>
+                </a:solidFill>
+                <a:latin typeface="ＭＳ ゴシック" panose="020B0609070205080204" pitchFamily="49" charset="-128"/>
+                <a:ea typeface="ＭＳ ゴシック" panose="020B0609070205080204" pitchFamily="49" charset="-128"/>
               </a:rPr>
               <a:t>環境</a:t>
             </a:r>
             <a:r>
-              <a:rPr lang="en-US" sz="1900" b="0" strike="noStrike" spc="-1" dirty="0" smtClean="0">
-                <a:solidFill>
-                  <a:srgbClr val="000000"/>
-                </a:solidFill>
-                <a:latin typeface="Arial"/>
-                <a:ea typeface="Arial"/>
+              <a:rPr lang="en-US" b="0" strike="noStrike" spc="-1" dirty="0" smtClean="0">
+                <a:solidFill>
+                  <a:srgbClr val="000000"/>
+                </a:solidFill>
+                <a:latin typeface="ＭＳ ゴシック" panose="020B0609070205080204" pitchFamily="49" charset="-128"/>
+                <a:ea typeface="ＭＳ ゴシック" panose="020B0609070205080204" pitchFamily="49" charset="-128"/>
               </a:rPr>
               <a:t> </a:t>
             </a:r>
-            <a:endParaRPr lang="en-US" sz="1900" b="0" strike="noStrike" spc="-1" dirty="0">
-              <a:latin typeface="Arial"/>
+            <a:endParaRPr lang="en-US" b="0" strike="noStrike" spc="-1" dirty="0">
+              <a:latin typeface="ＭＳ ゴシック" panose="020B0609070205080204" pitchFamily="49" charset="-128"/>
+              <a:ea typeface="ＭＳ ゴシック" panose="020B0609070205080204" pitchFamily="49" charset="-128"/>
             </a:endParaRPr>
           </a:p>
           <a:p>
@@ -15091,41 +15056,81 @@
               <a:buChar char="∙"/>
             </a:pPr>
             <a:r>
-              <a:rPr lang="ja-JP" altLang="en-US" sz="1900" b="1" spc="-1" dirty="0" smtClean="0">
-                <a:solidFill>
-                  <a:srgbClr val="000000"/>
-                </a:solidFill>
-                <a:latin typeface="Arial"/>
-                <a:ea typeface="Arial"/>
+              <a:rPr lang="ja-JP" altLang="en-US" b="1" spc="-1" dirty="0" smtClean="0">
+                <a:solidFill>
+                  <a:srgbClr val="000000"/>
+                </a:solidFill>
+                <a:latin typeface="ＭＳ ゴシック" panose="020B0609070205080204" pitchFamily="49" charset="-128"/>
+                <a:ea typeface="ＭＳ ゴシック" panose="020B0609070205080204" pitchFamily="49" charset="-128"/>
               </a:rPr>
               <a:t>ファイルを見る</a:t>
             </a:r>
             <a:r>
-              <a:rPr lang="ja-JP" altLang="en-US" sz="1900" b="1" spc="-1" dirty="0">
-                <a:solidFill>
-                  <a:srgbClr val="000000"/>
-                </a:solidFill>
-                <a:latin typeface="Arial"/>
-                <a:ea typeface="Arial"/>
+              <a:rPr lang="ja-JP" altLang="en-US" b="1" spc="-1" dirty="0">
+                <a:solidFill>
+                  <a:srgbClr val="000000"/>
+                </a:solidFill>
+                <a:latin typeface="ＭＳ ゴシック" panose="020B0609070205080204" pitchFamily="49" charset="-128"/>
+                <a:ea typeface="ＭＳ ゴシック" panose="020B0609070205080204" pitchFamily="49" charset="-128"/>
               </a:rPr>
               <a:t>必要</a:t>
             </a:r>
             <a:r>
-              <a:rPr lang="ja-JP" altLang="en-US" sz="1900" b="1" spc="-1" dirty="0" smtClean="0">
-                <a:solidFill>
-                  <a:srgbClr val="000000"/>
-                </a:solidFill>
-                <a:latin typeface="Arial"/>
-                <a:ea typeface="Arial"/>
-              </a:rPr>
-              <a:t>がある？</a:t>
-            </a:r>
-            <a:endParaRPr lang="en-US" sz="1900" b="1" strike="noStrike" spc="-1" dirty="0" smtClean="0">
+              <a:rPr lang="ja-JP" altLang="en-US" b="1" spc="-1" dirty="0" smtClean="0">
+                <a:solidFill>
+                  <a:srgbClr val="000000"/>
+                </a:solidFill>
+                <a:latin typeface="ＭＳ ゴシック" panose="020B0609070205080204" pitchFamily="49" charset="-128"/>
+                <a:ea typeface="ＭＳ ゴシック" panose="020B0609070205080204" pitchFamily="49" charset="-128"/>
+              </a:rPr>
+              <a:t>が</a:t>
+            </a:r>
+            <a:r>
+              <a:rPr lang="ja-JP" altLang="en-US" b="1" spc="-1" dirty="0" smtClean="0">
+                <a:solidFill>
+                  <a:srgbClr val="000000"/>
+                </a:solidFill>
+                <a:latin typeface="ＭＳ ゴシック" panose="020B0609070205080204" pitchFamily="49" charset="-128"/>
+                <a:ea typeface="ＭＳ ゴシック" panose="020B0609070205080204" pitchFamily="49" charset="-128"/>
+              </a:rPr>
+              <a:t>ある</a:t>
+            </a:r>
+            <a:r>
+              <a:rPr lang="ja-JP" altLang="en-US" b="1" spc="-1" dirty="0" smtClean="0">
+                <a:solidFill>
+                  <a:srgbClr val="000000"/>
+                </a:solidFill>
+                <a:latin typeface="ＭＳ ゴシック" panose="020B0609070205080204" pitchFamily="49" charset="-128"/>
+                <a:ea typeface="ＭＳ ゴシック" panose="020B0609070205080204" pitchFamily="49" charset="-128"/>
+              </a:rPr>
+              <a:t>の</a:t>
+            </a:r>
+            <a:r>
+              <a:rPr lang="ja-JP" altLang="en-US" b="1" spc="-1" dirty="0">
+                <a:solidFill>
+                  <a:srgbClr val="000000"/>
+                </a:solidFill>
+                <a:latin typeface="ＭＳ ゴシック" panose="020B0609070205080204" pitchFamily="49" charset="-128"/>
+                <a:ea typeface="ＭＳ ゴシック" panose="020B0609070205080204" pitchFamily="49" charset="-128"/>
+              </a:rPr>
+              <a:t>か</a:t>
+            </a:r>
+            <a:r>
+              <a:rPr lang="ja-JP" altLang="en-US" b="1" spc="-1" dirty="0" smtClean="0">
+                <a:solidFill>
+                  <a:srgbClr val="000000"/>
+                </a:solidFill>
+                <a:latin typeface="ＭＳ ゴシック" panose="020B0609070205080204" pitchFamily="49" charset="-128"/>
+                <a:ea typeface="ＭＳ ゴシック" panose="020B0609070205080204" pitchFamily="49" charset="-128"/>
+              </a:rPr>
+              <a:t>？</a:t>
+            </a:r>
+            <a:endParaRPr lang="en-US" b="1" strike="noStrike" spc="-1" dirty="0" smtClean="0">
               <a:solidFill>
                 <a:srgbClr val="000000"/>
               </a:solidFill>
-              <a:latin typeface="Arial"/>
-              <a:ea typeface="Arial"/>
+              <a:latin typeface="ＭＳ ゴシック" panose="020B0609070205080204" pitchFamily="49" charset="-128"/>
+              <a:ea typeface="ＭＳ ゴシック" panose="020B0609070205080204" pitchFamily="49" charset="-128"/>
             </a:endParaRPr>
           </a:p>
           <a:p>
@@ -15176,8 +15181,8 @@
         </p:nvSpPr>
         <p:spPr>
           <a:xfrm>
-            <a:off x="734760" y="1773360"/>
-            <a:ext cx="3750840" cy="548640"/>
+            <a:off x="250911" y="1773360"/>
+            <a:ext cx="3871383" cy="548640"/>
           </a:xfrm>
           <a:custGeom>
             <a:avLst/>
@@ -15300,8 +15305,8 @@
         </p:nvSpPr>
         <p:spPr>
           <a:xfrm>
-            <a:off x="4713120" y="2323440"/>
-            <a:ext cx="7001640" cy="3934478"/>
+            <a:off x="4367265" y="2323440"/>
+            <a:ext cx="7699817" cy="3934478"/>
           </a:xfrm>
           <a:prstGeom prst="rect">
             <a:avLst/>
@@ -15341,43 +15346,48 @@
               <a:buChar char="∙"/>
             </a:pPr>
             <a:r>
-              <a:rPr lang="en-US" sz="1900" spc="-1" dirty="0" smtClean="0">
-                <a:solidFill>
-                  <a:srgbClr val="000000"/>
-                </a:solidFill>
-                <a:latin typeface="Arial"/>
+              <a:rPr lang="en-US" spc="-1" dirty="0" smtClean="0">
+                <a:solidFill>
+                  <a:srgbClr val="000000"/>
+                </a:solidFill>
+                <a:latin typeface="ＭＳ ゴシック" panose="020B0609070205080204" pitchFamily="49" charset="-128"/>
+                <a:ea typeface="ＭＳ ゴシック" panose="020B0609070205080204" pitchFamily="49" charset="-128"/>
               </a:rPr>
               <a:t>FOSSology</a:t>
             </a:r>
             <a:r>
-              <a:rPr lang="ja-JP" altLang="en-US" sz="1900" spc="-1" dirty="0" smtClean="0">
-                <a:solidFill>
-                  <a:srgbClr val="000000"/>
-                </a:solidFill>
-                <a:latin typeface="Arial"/>
+              <a:rPr lang="ja-JP" altLang="en-US" spc="-1" dirty="0" smtClean="0">
+                <a:solidFill>
+                  <a:srgbClr val="000000"/>
+                </a:solidFill>
+                <a:latin typeface="ＭＳ ゴシック" panose="020B0609070205080204" pitchFamily="49" charset="-128"/>
+                <a:ea typeface="ＭＳ ゴシック" panose="020B0609070205080204" pitchFamily="49" charset="-128"/>
               </a:rPr>
               <a:t>はライセンスをフォルダレベルで設定</a:t>
             </a:r>
             <a:r>
-              <a:rPr lang="en-US" altLang="ja-JP" sz="1900" spc="-1" dirty="0" smtClean="0">
-                <a:solidFill>
-                  <a:srgbClr val="000000"/>
-                </a:solidFill>
-                <a:latin typeface="Arial"/>
+              <a:rPr lang="en-US" altLang="ja-JP" spc="-1" dirty="0" smtClean="0">
+                <a:solidFill>
+                  <a:srgbClr val="000000"/>
+                </a:solidFill>
+                <a:latin typeface="ＭＳ ゴシック" panose="020B0609070205080204" pitchFamily="49" charset="-128"/>
+                <a:ea typeface="ＭＳ ゴシック" panose="020B0609070205080204" pitchFamily="49" charset="-128"/>
               </a:rPr>
               <a:t>/</a:t>
             </a:r>
             <a:r>
-              <a:rPr lang="ja-JP" altLang="en-US" sz="1900" spc="-1" dirty="0" smtClean="0">
-                <a:solidFill>
-                  <a:srgbClr val="000000"/>
-                </a:solidFill>
-                <a:latin typeface="Arial"/>
+              <a:rPr lang="ja-JP" altLang="en-US" spc="-1" dirty="0" smtClean="0">
+                <a:solidFill>
+                  <a:srgbClr val="000000"/>
+                </a:solidFill>
+                <a:latin typeface="ＭＳ ゴシック" panose="020B0609070205080204" pitchFamily="49" charset="-128"/>
+                <a:ea typeface="ＭＳ ゴシック" panose="020B0609070205080204" pitchFamily="49" charset="-128"/>
               </a:rPr>
               <a:t>除去可能</a:t>
             </a:r>
-            <a:endParaRPr lang="en-US" sz="1900" b="0" strike="noStrike" spc="-1" dirty="0">
-              <a:latin typeface="Arial"/>
+            <a:endParaRPr lang="en-US" b="0" strike="noStrike" spc="-1" dirty="0">
+              <a:latin typeface="ＭＳ ゴシック" panose="020B0609070205080204" pitchFamily="49" charset="-128"/>
+              <a:ea typeface="ＭＳ ゴシック" panose="020B0609070205080204" pitchFamily="49" charset="-128"/>
             </a:endParaRPr>
           </a:p>
           <a:p>
@@ -15395,25 +15405,141 @@
               <a:buChar char="∙"/>
             </a:pPr>
             <a:r>
-              <a:rPr lang="en-US" sz="1900" b="0" strike="noStrike" spc="-1" dirty="0">
-                <a:solidFill>
-                  <a:srgbClr val="000000"/>
-                </a:solidFill>
-                <a:latin typeface="Arial"/>
-                <a:ea typeface="Arial"/>
-              </a:rPr>
-              <a:t>In license browser, the user can set the licenses on </a:t>
-            </a:r>
-            <a:r>
-              <a:rPr lang="en-US" sz="1900" b="0" strike="noStrike" spc="-1" dirty="0" smtClean="0">
-                <a:solidFill>
-                  <a:srgbClr val="000000"/>
-                </a:solidFill>
-                <a:latin typeface="Arial"/>
-                <a:ea typeface="Arial"/>
-              </a:rPr>
-              <a:t>folders</a:t>
-            </a:r>
+              <a:rPr lang="ja-JP" altLang="en-US" spc="-1" dirty="0" smtClean="0">
+                <a:solidFill>
+                  <a:srgbClr val="000000"/>
+                </a:solidFill>
+                <a:latin typeface="ＭＳ ゴシック" panose="020B0609070205080204" pitchFamily="49" charset="-128"/>
+                <a:ea typeface="ＭＳ ゴシック" panose="020B0609070205080204" pitchFamily="49" charset="-128"/>
+              </a:rPr>
+              <a:t>ライセンスブラウザ</a:t>
+            </a:r>
+            <a:r>
+              <a:rPr lang="ja-JP" altLang="en-US" spc="-1" dirty="0" smtClean="0">
+                <a:solidFill>
+                  <a:srgbClr val="000000"/>
+                </a:solidFill>
+                <a:latin typeface="ＭＳ ゴシック" panose="020B0609070205080204" pitchFamily="49" charset="-128"/>
+                <a:ea typeface="ＭＳ ゴシック" panose="020B0609070205080204" pitchFamily="49" charset="-128"/>
+              </a:rPr>
+              <a:t>の中で、ユーザはフォルダ上にライセンスを設定できる</a:t>
+            </a:r>
+            <a:endParaRPr lang="en-US" b="0" strike="noStrike" spc="-1" dirty="0">
+              <a:latin typeface="ＭＳ ゴシック" panose="020B0609070205080204" pitchFamily="49" charset="-128"/>
+              <a:ea typeface="ＭＳ ゴシック" panose="020B0609070205080204" pitchFamily="49" charset="-128"/>
+            </a:endParaRPr>
+          </a:p>
+          <a:p>
+            <a:pPr marL="355680" lvl="2" indent="-170280">
+              <a:lnSpc>
+                <a:spcPct val="100000"/>
+              </a:lnSpc>
+              <a:buClr>
+                <a:srgbClr val="879BAA"/>
+              </a:buClr>
+              <a:buFont typeface="Noto Sans Symbols"/>
+              <a:buChar char="∙"/>
+            </a:pPr>
+            <a:r>
+              <a:rPr lang="ja-JP" altLang="en-US" dirty="0">
+                <a:latin typeface="ＭＳ ゴシック" panose="020B0609070205080204" pitchFamily="49" charset="-128"/>
+                <a:ea typeface="ＭＳ ゴシック" panose="020B0609070205080204" pitchFamily="49" charset="-128"/>
+              </a:rPr>
+              <a:t>ライセンスの設定や</a:t>
+            </a:r>
+            <a:r>
+              <a:rPr lang="ja-JP" altLang="en-US" dirty="0" smtClean="0">
+                <a:latin typeface="ＭＳ ゴシック" panose="020B0609070205080204" pitchFamily="49" charset="-128"/>
+                <a:ea typeface="ＭＳ ゴシック" panose="020B0609070205080204" pitchFamily="49" charset="-128"/>
+              </a:rPr>
+              <a:t>確認</a:t>
+            </a:r>
+            <a:endParaRPr lang="en-US" altLang="ja-JP" dirty="0" smtClean="0">
+              <a:latin typeface="ＭＳ ゴシック" panose="020B0609070205080204" pitchFamily="49" charset="-128"/>
+              <a:ea typeface="ＭＳ ゴシック" panose="020B0609070205080204" pitchFamily="49" charset="-128"/>
+            </a:endParaRPr>
+          </a:p>
+          <a:p>
+            <a:pPr marL="355680" lvl="2" indent="-170280">
+              <a:lnSpc>
+                <a:spcPct val="100000"/>
+              </a:lnSpc>
+              <a:buClr>
+                <a:srgbClr val="879BAA"/>
+              </a:buClr>
+              <a:buFont typeface="Noto Sans Symbols"/>
+              <a:buChar char="∙"/>
+            </a:pPr>
+            <a:r>
+              <a:rPr lang="ja-JP" altLang="en-US" spc="-1" dirty="0" smtClean="0">
+                <a:solidFill>
+                  <a:srgbClr val="000000"/>
+                </a:solidFill>
+                <a:latin typeface="ＭＳ ゴシック" panose="020B0609070205080204" pitchFamily="49" charset="-128"/>
+                <a:ea typeface="ＭＳ ゴシック" panose="020B0609070205080204" pitchFamily="49" charset="-128"/>
+              </a:rPr>
+              <a:t>スキャン</a:t>
+            </a:r>
+            <a:r>
+              <a:rPr lang="ja-JP" altLang="en-US" spc="-1" dirty="0" smtClean="0">
+                <a:solidFill>
+                  <a:srgbClr val="000000"/>
+                </a:solidFill>
+                <a:latin typeface="ＭＳ ゴシック" panose="020B0609070205080204" pitchFamily="49" charset="-128"/>
+                <a:ea typeface="ＭＳ ゴシック" panose="020B0609070205080204" pitchFamily="49" charset="-128"/>
+              </a:rPr>
+              <a:t>結果を</a:t>
+            </a:r>
+            <a:r>
+              <a:rPr lang="en-US" altLang="ja-JP" spc="-1" dirty="0" smtClean="0">
+                <a:solidFill>
+                  <a:srgbClr val="000000"/>
+                </a:solidFill>
+                <a:latin typeface="ＭＳ ゴシック" panose="020B0609070205080204" pitchFamily="49" charset="-128"/>
+                <a:ea typeface="ＭＳ ゴシック" panose="020B0609070205080204" pitchFamily="49" charset="-128"/>
+              </a:rPr>
+              <a:t>”clearing”</a:t>
+            </a:r>
+            <a:r>
+              <a:rPr lang="ja-JP" altLang="en-US" spc="-1" dirty="0" smtClean="0">
+                <a:solidFill>
+                  <a:srgbClr val="000000"/>
+                </a:solidFill>
+                <a:latin typeface="ＭＳ ゴシック" panose="020B0609070205080204" pitchFamily="49" charset="-128"/>
+                <a:ea typeface="ＭＳ ゴシック" panose="020B0609070205080204" pitchFamily="49" charset="-128"/>
+              </a:rPr>
+              <a:t>決定から除去</a:t>
+            </a:r>
+            <a:endParaRPr lang="en-US" b="0" strike="noStrike" spc="-1" dirty="0">
+              <a:latin typeface="ＭＳ ゴシック" panose="020B0609070205080204" pitchFamily="49" charset="-128"/>
+              <a:ea typeface="ＭＳ ゴシック" panose="020B0609070205080204" pitchFamily="49" charset="-128"/>
+            </a:endParaRPr>
+          </a:p>
+          <a:p>
+            <a:pPr marL="355680" lvl="2" indent="-170280">
+              <a:lnSpc>
+                <a:spcPct val="100000"/>
+              </a:lnSpc>
+              <a:buClr>
+                <a:srgbClr val="879BAA"/>
+              </a:buClr>
+              <a:buFont typeface="Noto Sans Symbols"/>
+              <a:buChar char="∙"/>
+            </a:pPr>
+            <a:r>
+              <a:rPr lang="ja-JP" altLang="en-US" b="0" strike="noStrike" spc="-1" dirty="0" smtClean="0">
+                <a:solidFill>
+                  <a:srgbClr val="000000"/>
+                </a:solidFill>
+                <a:latin typeface="ＭＳ ゴシック" panose="020B0609070205080204" pitchFamily="49" charset="-128"/>
+                <a:ea typeface="ＭＳ ゴシック" panose="020B0609070205080204" pitchFamily="49" charset="-128"/>
+              </a:rPr>
+              <a:t>無関係なファイルをマーク</a:t>
+            </a:r>
+            <a:endParaRPr lang="en-US" b="0" strike="noStrike" spc="-1" dirty="0">
+              <a:latin typeface="ＭＳ ゴシック" panose="020B0609070205080204" pitchFamily="49" charset="-128"/>
+              <a:ea typeface="ＭＳ ゴシック" panose="020B0609070205080204" pitchFamily="49" charset="-128"/>
+            </a:endParaRPr>
           </a:p>
           <a:p>
             <a:pPr marL="190440" lvl="1" indent="-195840">
@@ -15430,16 +15556,18 @@
               <a:buChar char="∙"/>
             </a:pPr>
             <a:r>
-              <a:rPr lang="ja-JP" altLang="en-US" sz="1900" spc="-1" dirty="0" smtClean="0">
-                <a:solidFill>
-                  <a:srgbClr val="000000"/>
-                </a:solidFill>
-                <a:latin typeface="Arial"/>
-              </a:rPr>
-              <a:t>ライセンスブラウザの中で、ユーザはフォルダ上にライセンスを設定できる</a:t>
-            </a:r>
-            <a:endParaRPr lang="en-US" sz="1900" b="0" strike="noStrike" spc="-1" dirty="0">
-              <a:latin typeface="Arial"/>
+              <a:rPr lang="ja-JP" altLang="en-US" b="0" strike="noStrike" spc="-1" dirty="0" smtClean="0">
+                <a:solidFill>
+                  <a:srgbClr val="000000"/>
+                </a:solidFill>
+                <a:latin typeface="ＭＳ ゴシック" panose="020B0609070205080204" pitchFamily="49" charset="-128"/>
+                <a:ea typeface="ＭＳ ゴシック" panose="020B0609070205080204" pitchFamily="49" charset="-128"/>
+              </a:rPr>
+              <a:t>実際何が起こるか？</a:t>
+            </a:r>
+            <a:endParaRPr lang="en-US" b="0" strike="noStrike" spc="-1" dirty="0">
+              <a:latin typeface="ＭＳ ゴシック" panose="020B0609070205080204" pitchFamily="49" charset="-128"/>
+              <a:ea typeface="ＭＳ ゴシック" panose="020B0609070205080204" pitchFamily="49" charset="-128"/>
             </a:endParaRPr>
           </a:p>
           <a:p>
@@ -15454,21 +15582,78 @@
               <a:buChar char="∙"/>
             </a:pPr>
             <a:r>
-              <a:rPr lang="ja-JP" altLang="en-US" sz="1900" b="0" strike="noStrike" spc="-1" dirty="0" smtClean="0">
-                <a:solidFill>
-                  <a:srgbClr val="000000"/>
-                </a:solidFill>
-                <a:latin typeface="Arial"/>
-                <a:ea typeface="Arial"/>
-              </a:rPr>
-              <a:t>ライセンスセットや確定</a:t>
-            </a:r>
-            <a:endParaRPr lang="en-US" sz="1900" b="0" strike="noStrike" spc="-1" dirty="0" smtClean="0">
-              <a:solidFill>
-                <a:srgbClr val="000000"/>
-              </a:solidFill>
-              <a:latin typeface="Arial"/>
-              <a:ea typeface="Arial"/>
+              <a:rPr lang="en-US" b="0" strike="noStrike" spc="-1" dirty="0" smtClean="0">
+                <a:solidFill>
+                  <a:srgbClr val="000000"/>
+                </a:solidFill>
+                <a:latin typeface="ＭＳ ゴシック" panose="020B0609070205080204" pitchFamily="49" charset="-128"/>
+                <a:ea typeface="ＭＳ ゴシック" panose="020B0609070205080204" pitchFamily="49" charset="-128"/>
+              </a:rPr>
+              <a:t> </a:t>
+            </a:r>
+            <a:r>
+              <a:rPr lang="en-US" b="0" strike="noStrike" spc="-1" dirty="0">
+                <a:solidFill>
+                  <a:srgbClr val="000000"/>
+                </a:solidFill>
+                <a:latin typeface="ＭＳ ゴシック" panose="020B0609070205080204" pitchFamily="49" charset="-128"/>
+                <a:ea typeface="ＭＳ ゴシック" panose="020B0609070205080204" pitchFamily="49" charset="-128"/>
+              </a:rPr>
+              <a:t>“Edit” </a:t>
+            </a:r>
+            <a:r>
+              <a:rPr lang="ja-JP" altLang="en-US" spc="-1" dirty="0">
+                <a:solidFill>
+                  <a:srgbClr val="000000"/>
+                </a:solidFill>
+                <a:latin typeface="ＭＳ ゴシック" panose="020B0609070205080204" pitchFamily="49" charset="-128"/>
+                <a:ea typeface="ＭＳ ゴシック" panose="020B0609070205080204" pitchFamily="49" charset="-128"/>
+              </a:rPr>
+              <a:t>が</a:t>
+            </a:r>
+            <a:r>
+              <a:rPr lang="en-US" b="0" strike="noStrike" spc="-1" dirty="0" smtClean="0">
+                <a:solidFill>
+                  <a:srgbClr val="000000"/>
+                </a:solidFill>
+                <a:latin typeface="ＭＳ ゴシック" panose="020B0609070205080204" pitchFamily="49" charset="-128"/>
+                <a:ea typeface="ＭＳ ゴシック" panose="020B0609070205080204" pitchFamily="49" charset="-128"/>
+              </a:rPr>
+              <a:t> </a:t>
+            </a:r>
+            <a:r>
+              <a:rPr lang="en-US" spc="-1" dirty="0" smtClean="0">
+                <a:solidFill>
+                  <a:srgbClr val="000000"/>
+                </a:solidFill>
+                <a:latin typeface="ＭＳ ゴシック" panose="020B0609070205080204" pitchFamily="49" charset="-128"/>
+                <a:ea typeface="ＭＳ ゴシック" panose="020B0609070205080204" pitchFamily="49" charset="-128"/>
+              </a:rPr>
+              <a:t>“</a:t>
+            </a:r>
+            <a:r>
+              <a:rPr lang="en-US" b="0" strike="noStrike" spc="-1" dirty="0" smtClean="0">
+                <a:solidFill>
+                  <a:srgbClr val="000000"/>
+                </a:solidFill>
+                <a:latin typeface="ＭＳ ゴシック" panose="020B0609070205080204" pitchFamily="49" charset="-128"/>
+                <a:ea typeface="ＭＳ ゴシック" panose="020B0609070205080204" pitchFamily="49" charset="-128"/>
+              </a:rPr>
+              <a:t>clearing” </a:t>
+            </a:r>
+            <a:r>
+              <a:rPr lang="ja-JP" altLang="en-US" b="0" strike="noStrike" spc="-1" dirty="0" smtClean="0">
+                <a:solidFill>
+                  <a:srgbClr val="000000"/>
+                </a:solidFill>
+                <a:latin typeface="ＭＳ ゴシック" panose="020B0609070205080204" pitchFamily="49" charset="-128"/>
+                <a:ea typeface="ＭＳ ゴシック" panose="020B0609070205080204" pitchFamily="49" charset="-128"/>
+              </a:rPr>
+              <a:t>決定</a:t>
+            </a:r>
+            <a:endParaRPr lang="en-US" b="0" strike="noStrike" spc="-1" dirty="0">
+              <a:latin typeface="ＭＳ ゴシック" panose="020B0609070205080204" pitchFamily="49" charset="-128"/>
+              <a:ea typeface="ＭＳ ゴシック" panose="020B0609070205080204" pitchFamily="49" charset="-128"/>
             </a:endParaRPr>
           </a:p>
           <a:p>
@@ -15483,34 +15668,68 @@
               <a:buChar char="∙"/>
             </a:pPr>
             <a:r>
-              <a:rPr lang="ja-JP" altLang="en-US" sz="1900" spc="-1" dirty="0" smtClean="0">
-                <a:solidFill>
-                  <a:srgbClr val="000000"/>
-                </a:solidFill>
-                <a:latin typeface="Arial"/>
-              </a:rPr>
-              <a:t>スキャン結果を</a:t>
-            </a:r>
-            <a:r>
-              <a:rPr lang="en-US" altLang="ja-JP" sz="1900" spc="-1" dirty="0" smtClean="0">
-                <a:solidFill>
-                  <a:srgbClr val="000000"/>
-                </a:solidFill>
-                <a:latin typeface="Arial"/>
-              </a:rPr>
-              <a:t>”clearing”</a:t>
-            </a:r>
-            <a:r>
-              <a:rPr lang="ja-JP" altLang="en-US" sz="1900" spc="-1" dirty="0" smtClean="0">
-                <a:solidFill>
-                  <a:srgbClr val="000000"/>
-                </a:solidFill>
-                <a:latin typeface="Arial"/>
-              </a:rPr>
-              <a:t>決定から除去</a:t>
-            </a:r>
-            <a:endParaRPr lang="en-US" sz="1900" b="0" strike="noStrike" spc="-1" dirty="0">
-              <a:latin typeface="Arial"/>
+              <a:rPr lang="ja-JP" altLang="en-US" spc="-1" dirty="0" smtClean="0">
+                <a:solidFill>
+                  <a:srgbClr val="000000"/>
+                </a:solidFill>
+                <a:latin typeface="ＭＳ ゴシック" panose="020B0609070205080204" pitchFamily="49" charset="-128"/>
+                <a:ea typeface="ＭＳ ゴシック" panose="020B0609070205080204" pitchFamily="49" charset="-128"/>
+              </a:rPr>
+              <a:t>スキャン</a:t>
+            </a:r>
+            <a:r>
+              <a:rPr lang="ja-JP" altLang="en-US" spc="-1" dirty="0">
+                <a:solidFill>
+                  <a:srgbClr val="000000"/>
+                </a:solidFill>
+                <a:latin typeface="ＭＳ ゴシック" panose="020B0609070205080204" pitchFamily="49" charset="-128"/>
+                <a:ea typeface="ＭＳ ゴシック" panose="020B0609070205080204" pitchFamily="49" charset="-128"/>
+              </a:rPr>
+              <a:t>結果</a:t>
+            </a:r>
+            <a:r>
+              <a:rPr lang="ja-JP" altLang="en-US" spc="-1" dirty="0" smtClean="0">
+                <a:solidFill>
+                  <a:srgbClr val="000000"/>
+                </a:solidFill>
+                <a:latin typeface="ＭＳ ゴシック" panose="020B0609070205080204" pitchFamily="49" charset="-128"/>
+                <a:ea typeface="ＭＳ ゴシック" panose="020B0609070205080204" pitchFamily="49" charset="-128"/>
+              </a:rPr>
+              <a:t>には触れない</a:t>
+            </a:r>
+            <a:r>
+              <a:rPr lang="en-US" b="0" strike="noStrike" spc="-1" dirty="0" smtClean="0">
+                <a:solidFill>
+                  <a:srgbClr val="000000"/>
+                </a:solidFill>
+                <a:latin typeface="ＭＳ ゴシック" panose="020B0609070205080204" pitchFamily="49" charset="-128"/>
+                <a:ea typeface="ＭＳ ゴシック" panose="020B0609070205080204" pitchFamily="49" charset="-128"/>
+              </a:rPr>
+              <a:t> (</a:t>
+            </a:r>
+            <a:r>
+              <a:rPr lang="ja-JP" altLang="en-US" spc="-1" dirty="0" smtClean="0">
+                <a:solidFill>
+                  <a:srgbClr val="000000"/>
+                </a:solidFill>
+                <a:latin typeface="ＭＳ ゴシック" panose="020B0609070205080204" pitchFamily="49" charset="-128"/>
+                <a:ea typeface="ＭＳ ゴシック" panose="020B0609070205080204" pitchFamily="49" charset="-128"/>
+              </a:rPr>
+              <a:t>そして保存される</a:t>
+            </a:r>
+            <a:r>
+              <a:rPr lang="en-US" b="0" strike="noStrike" spc="-1" dirty="0" smtClean="0">
+                <a:solidFill>
+                  <a:srgbClr val="000000"/>
+                </a:solidFill>
+                <a:latin typeface="ＭＳ ゴシック" panose="020B0609070205080204" pitchFamily="49" charset="-128"/>
+                <a:ea typeface="ＭＳ ゴシック" panose="020B0609070205080204" pitchFamily="49" charset="-128"/>
+              </a:rPr>
+              <a:t>)</a:t>
+            </a:r>
+            <a:endParaRPr lang="en-US" b="0" strike="noStrike" spc="-1" dirty="0">
+              <a:latin typeface="ＭＳ ゴシック" panose="020B0609070205080204" pitchFamily="49" charset="-128"/>
+              <a:ea typeface="ＭＳ ゴシック" panose="020B0609070205080204" pitchFamily="49" charset="-128"/>
             </a:endParaRPr>
           </a:p>
           <a:p>
@@ -15525,306 +15744,36 @@
               <a:buChar char="∙"/>
             </a:pPr>
             <a:r>
-              <a:rPr lang="ja-JP" altLang="en-US" sz="1900" b="0" strike="noStrike" spc="-1" dirty="0" smtClean="0">
-                <a:solidFill>
-                  <a:srgbClr val="000000"/>
-                </a:solidFill>
-                <a:latin typeface="Arial"/>
-                <a:ea typeface="Arial"/>
-              </a:rPr>
-              <a:t>無関係なファイルをマーク</a:t>
-            </a:r>
-            <a:endParaRPr lang="en-US" sz="1900" b="0" strike="noStrike" spc="-1" dirty="0">
-              <a:latin typeface="Arial"/>
-            </a:endParaRPr>
-          </a:p>
-          <a:p>
-            <a:pPr marL="190440" lvl="1" indent="-195840">
-              <a:lnSpc>
-                <a:spcPct val="100000"/>
-              </a:lnSpc>
-              <a:spcBef>
-                <a:spcPts val="1301"/>
-              </a:spcBef>
-              <a:buClr>
-                <a:srgbClr val="879BAA"/>
-              </a:buClr>
-              <a:buFont typeface="Noto Sans Symbols"/>
-              <a:buChar char="∙"/>
-            </a:pPr>
-            <a:r>
-              <a:rPr lang="ja-JP" altLang="en-US" sz="1900" b="0" strike="noStrike" spc="-1" dirty="0" smtClean="0">
-                <a:solidFill>
-                  <a:srgbClr val="000000"/>
-                </a:solidFill>
-                <a:latin typeface="Arial"/>
-                <a:ea typeface="Arial"/>
-              </a:rPr>
-              <a:t>実際何が起こるか？</a:t>
-            </a:r>
-            <a:endParaRPr lang="en-US" sz="1900" b="0" strike="noStrike" spc="-1" dirty="0">
-              <a:latin typeface="Arial"/>
-            </a:endParaRPr>
-          </a:p>
-          <a:p>
-            <a:pPr marL="355680" lvl="2" indent="-170280">
-              <a:lnSpc>
-                <a:spcPct val="100000"/>
-              </a:lnSpc>
-              <a:buClr>
-                <a:srgbClr val="879BAA"/>
-              </a:buClr>
-              <a:buFont typeface="Noto Sans Symbols"/>
-              <a:buChar char="∙"/>
-            </a:pPr>
-            <a:r>
-              <a:rPr lang="en-US" sz="1900" b="0" strike="noStrike" spc="-1" dirty="0" smtClean="0">
-                <a:solidFill>
-                  <a:srgbClr val="000000"/>
-                </a:solidFill>
-                <a:latin typeface="Arial"/>
-                <a:ea typeface="Arial"/>
-              </a:rPr>
-              <a:t> </a:t>
-            </a:r>
-            <a:r>
-              <a:rPr lang="en-US" sz="1900" b="0" strike="noStrike" spc="-1" dirty="0">
-                <a:solidFill>
-                  <a:srgbClr val="000000"/>
-                </a:solidFill>
-                <a:latin typeface="Arial"/>
-                <a:ea typeface="Arial"/>
-              </a:rPr>
-              <a:t>“Edit” </a:t>
-            </a:r>
-            <a:r>
-              <a:rPr lang="ja-JP" altLang="en-US" sz="1900" spc="-1" dirty="0">
-                <a:solidFill>
-                  <a:srgbClr val="000000"/>
-                </a:solidFill>
-                <a:latin typeface="Arial"/>
-                <a:ea typeface="Arial"/>
-              </a:rPr>
-              <a:t>が</a:t>
-            </a:r>
-            <a:r>
-              <a:rPr lang="en-US" sz="1900" b="0" strike="noStrike" spc="-1" dirty="0" smtClean="0">
-                <a:solidFill>
-                  <a:srgbClr val="000000"/>
-                </a:solidFill>
-                <a:latin typeface="Arial"/>
-                <a:ea typeface="Arial"/>
-              </a:rPr>
-              <a:t> </a:t>
-            </a:r>
-            <a:r>
-              <a:rPr lang="en-US" sz="1900" spc="-1" dirty="0" smtClean="0">
-                <a:solidFill>
-                  <a:srgbClr val="000000"/>
-                </a:solidFill>
-                <a:latin typeface="Arial"/>
-                <a:ea typeface="Arial"/>
-              </a:rPr>
-              <a:t>“</a:t>
-            </a:r>
-            <a:r>
-              <a:rPr lang="en-US" sz="1900" b="0" strike="noStrike" spc="-1" dirty="0" smtClean="0">
-                <a:solidFill>
-                  <a:srgbClr val="000000"/>
-                </a:solidFill>
-                <a:latin typeface="Arial"/>
-                <a:ea typeface="Arial"/>
-              </a:rPr>
-              <a:t>clearing” </a:t>
-            </a:r>
-            <a:r>
-              <a:rPr lang="ja-JP" altLang="en-US" sz="1900" b="0" strike="noStrike" spc="-1" dirty="0" smtClean="0">
-                <a:solidFill>
-                  <a:srgbClr val="000000"/>
-                </a:solidFill>
-                <a:latin typeface="Arial"/>
-                <a:ea typeface="Arial"/>
-              </a:rPr>
-              <a:t>決定</a:t>
-            </a:r>
-            <a:endParaRPr lang="en-US" sz="1900" b="0" strike="noStrike" spc="-1" dirty="0">
-              <a:latin typeface="Arial"/>
-            </a:endParaRPr>
-          </a:p>
-          <a:p>
-            <a:pPr marL="355680" lvl="2" indent="-170280">
-              <a:lnSpc>
-                <a:spcPct val="100000"/>
-              </a:lnSpc>
-              <a:buClr>
-                <a:srgbClr val="879BAA"/>
-              </a:buClr>
-              <a:buFont typeface="Noto Sans Symbols"/>
-              <a:buChar char="∙"/>
-            </a:pPr>
-            <a:r>
-              <a:rPr lang="ja-JP" altLang="en-US" sz="1900" spc="-1" dirty="0" smtClean="0">
-                <a:solidFill>
-                  <a:srgbClr val="000000"/>
-                </a:solidFill>
-                <a:latin typeface="Arial"/>
-                <a:ea typeface="Arial"/>
-              </a:rPr>
-              <a:t>スキャン</a:t>
-            </a:r>
-            <a:r>
-              <a:rPr lang="ja-JP" altLang="en-US" sz="1900" spc="-1" dirty="0">
-                <a:solidFill>
-                  <a:srgbClr val="000000"/>
-                </a:solidFill>
-                <a:latin typeface="Arial"/>
-                <a:ea typeface="Arial"/>
-              </a:rPr>
-              <a:t>結果</a:t>
-            </a:r>
-            <a:r>
-              <a:rPr lang="ja-JP" altLang="en-US" sz="1900" spc="-1" dirty="0" smtClean="0">
-                <a:solidFill>
-                  <a:srgbClr val="000000"/>
-                </a:solidFill>
-                <a:latin typeface="Arial"/>
-                <a:ea typeface="Arial"/>
-              </a:rPr>
-              <a:t>には触れない</a:t>
-            </a:r>
-            <a:r>
-              <a:rPr lang="en-US" sz="1900" b="0" strike="noStrike" spc="-1" dirty="0" smtClean="0">
-                <a:solidFill>
-                  <a:srgbClr val="000000"/>
-                </a:solidFill>
-                <a:latin typeface="Arial"/>
-                <a:ea typeface="Arial"/>
-              </a:rPr>
-              <a:t> (</a:t>
-            </a:r>
-            <a:r>
-              <a:rPr lang="ja-JP" altLang="en-US" sz="1900" spc="-1" dirty="0" smtClean="0">
-                <a:solidFill>
-                  <a:srgbClr val="000000"/>
-                </a:solidFill>
-                <a:latin typeface="Arial"/>
-                <a:ea typeface="Arial"/>
-              </a:rPr>
-              <a:t>そして保存される</a:t>
-            </a:r>
-            <a:r>
-              <a:rPr lang="en-US" sz="1900" b="0" strike="noStrike" spc="-1" dirty="0" smtClean="0">
-                <a:solidFill>
-                  <a:srgbClr val="000000"/>
-                </a:solidFill>
-                <a:latin typeface="Arial"/>
-                <a:ea typeface="Arial"/>
-              </a:rPr>
-              <a:t>)</a:t>
-            </a:r>
-            <a:endParaRPr lang="en-US" sz="1900" b="0" strike="noStrike" spc="-1" dirty="0">
-              <a:latin typeface="Arial"/>
-            </a:endParaRPr>
-          </a:p>
-          <a:p>
-            <a:pPr marL="355680" lvl="2" indent="-170280">
-              <a:lnSpc>
-                <a:spcPct val="100000"/>
-              </a:lnSpc>
-              <a:buClr>
-                <a:srgbClr val="879BAA"/>
-              </a:buClr>
-              <a:buFont typeface="Noto Sans Symbols"/>
-              <a:buChar char="∙"/>
-            </a:pPr>
-            <a:r>
-              <a:rPr lang="ja-JP" altLang="en-US" sz="1900" spc="-1" dirty="0">
-                <a:solidFill>
-                  <a:srgbClr val="000000"/>
-                </a:solidFill>
-                <a:ea typeface="Arial"/>
-              </a:rPr>
-              <a:t>スキャン結果</a:t>
-            </a:r>
-            <a:r>
-              <a:rPr lang="ja-JP" altLang="en-US" sz="1900" spc="-1" dirty="0" smtClean="0">
-                <a:solidFill>
-                  <a:srgbClr val="000000"/>
-                </a:solidFill>
-                <a:ea typeface="Arial"/>
-              </a:rPr>
-              <a:t>の</a:t>
-            </a:r>
-            <a:r>
-              <a:rPr lang="ja-JP" altLang="en-US" sz="1900" spc="-1" dirty="0">
-                <a:solidFill>
-                  <a:srgbClr val="000000"/>
-                </a:solidFill>
-                <a:ea typeface="Arial"/>
-              </a:rPr>
-              <a:t>矛盾</a:t>
-            </a:r>
-            <a:r>
-              <a:rPr lang="ja-JP" altLang="en-US" sz="1900" spc="-1" dirty="0" smtClean="0">
-                <a:solidFill>
-                  <a:srgbClr val="000000"/>
-                </a:solidFill>
-                <a:ea typeface="Arial"/>
-              </a:rPr>
-              <a:t>に関する最終的な“</a:t>
-            </a:r>
-            <a:r>
-              <a:rPr lang="en-US" sz="1900" b="0" strike="noStrike" spc="-1" dirty="0" smtClean="0">
-                <a:solidFill>
-                  <a:srgbClr val="000000"/>
-                </a:solidFill>
-                <a:latin typeface="Arial"/>
-                <a:ea typeface="Arial"/>
-              </a:rPr>
-              <a:t>clearing</a:t>
-            </a:r>
-            <a:r>
-              <a:rPr lang="ja-JP" altLang="en-US" sz="1900" b="0" strike="noStrike" spc="-1" dirty="0" smtClean="0">
-                <a:solidFill>
-                  <a:srgbClr val="000000"/>
-                </a:solidFill>
-                <a:latin typeface="Arial"/>
-                <a:ea typeface="Arial"/>
-              </a:rPr>
-              <a:t>”</a:t>
-            </a:r>
-            <a:r>
-              <a:rPr lang="en-US" sz="1900" b="0" strike="noStrike" spc="-1" dirty="0" smtClean="0">
-                <a:solidFill>
-                  <a:srgbClr val="000000"/>
-                </a:solidFill>
-                <a:latin typeface="Arial"/>
-                <a:ea typeface="Arial"/>
-              </a:rPr>
-              <a:t> </a:t>
-            </a:r>
-            <a:r>
-              <a:rPr lang="ja-JP" altLang="en-US" sz="1900" b="0" strike="noStrike" spc="-1" dirty="0" smtClean="0">
-                <a:solidFill>
-                  <a:srgbClr val="000000"/>
-                </a:solidFill>
-                <a:latin typeface="Arial"/>
-                <a:ea typeface="Arial"/>
-              </a:rPr>
-              <a:t>決定無し</a:t>
-            </a:r>
-            <a:r>
-              <a:rPr lang="en-US" sz="1900" b="0" strike="noStrike" spc="-1" dirty="0" smtClean="0">
-                <a:solidFill>
-                  <a:srgbClr val="000000"/>
-                </a:solidFill>
-                <a:latin typeface="Arial"/>
-                <a:ea typeface="Arial"/>
-              </a:rPr>
-              <a:t> </a:t>
-            </a:r>
-            <a:endParaRPr lang="en-US" sz="1900" b="0" strike="noStrike" spc="-1" dirty="0">
-              <a:latin typeface="Arial"/>
+              <a:rPr lang="ja-JP" altLang="en-US" dirty="0">
+                <a:latin typeface="ＭＳ ゴシック" panose="020B0609070205080204" pitchFamily="49" charset="-128"/>
+                <a:ea typeface="ＭＳ ゴシック" panose="020B0609070205080204" pitchFamily="49" charset="-128"/>
+              </a:rPr>
+              <a:t>ライセンスの判定結果が矛盾したままで </a:t>
+            </a:r>
+            <a:r>
+              <a:rPr lang="en-US" altLang="ja-JP" dirty="0">
+                <a:latin typeface="ＭＳ ゴシック" panose="020B0609070205080204" pitchFamily="49" charset="-128"/>
+                <a:ea typeface="ＭＳ ゴシック" panose="020B0609070205080204" pitchFamily="49" charset="-128"/>
+              </a:rPr>
+              <a:t>"clearing" </a:t>
+            </a:r>
+            <a:r>
+              <a:rPr lang="ja-JP" altLang="en-US" dirty="0">
+                <a:latin typeface="ＭＳ ゴシック" panose="020B0609070205080204" pitchFamily="49" charset="-128"/>
+                <a:ea typeface="ＭＳ ゴシック" panose="020B0609070205080204" pitchFamily="49" charset="-128"/>
+              </a:rPr>
+              <a:t>を最終決定しない</a:t>
+            </a:r>
+            <a:r>
+              <a:rPr lang="ja-JP" altLang="en-US" dirty="0" smtClean="0">
+                <a:latin typeface="ＭＳ ゴシック" panose="020B0609070205080204" pitchFamily="49" charset="-128"/>
+                <a:ea typeface="ＭＳ ゴシック" panose="020B0609070205080204" pitchFamily="49" charset="-128"/>
+              </a:rPr>
+              <a:t>こと</a:t>
+            </a:r>
+            <a:endParaRPr lang="en-US" b="0" strike="noStrike" spc="-1" dirty="0">
+              <a:latin typeface="ＭＳ ゴシック" panose="020B0609070205080204" pitchFamily="49" charset="-128"/>
+              <a:ea typeface="ＭＳ ゴシック" panose="020B0609070205080204" pitchFamily="49" charset="-128"/>
             </a:endParaRPr>
           </a:p>
           <a:p>
@@ -16093,7 +16042,8 @@
                 <a:solidFill>
                   <a:srgbClr val="000000"/>
                 </a:solidFill>
-                <a:ea typeface="Arial"/>
+                <a:latin typeface="ＭＳ ゴシック" panose="020B0609070205080204" pitchFamily="49" charset="-128"/>
+                <a:ea typeface="ＭＳ ゴシック" panose="020B0609070205080204" pitchFamily="49" charset="-128"/>
               </a:rPr>
               <a:t>At aggregated license browser </a:t>
             </a:r>
@@ -16102,7 +16052,8 @@
                 <a:solidFill>
                   <a:srgbClr val="000000"/>
                 </a:solidFill>
-                <a:ea typeface="Arial"/>
+                <a:latin typeface="ＭＳ ゴシック" panose="020B0609070205080204" pitchFamily="49" charset="-128"/>
+                <a:ea typeface="ＭＳ ゴシック" panose="020B0609070205080204" pitchFamily="49" charset="-128"/>
               </a:rPr>
               <a:t>view</a:t>
             </a:r>
@@ -16111,40 +16062,34 @@
                 <a:solidFill>
                   <a:srgbClr val="000000"/>
                 </a:solidFill>
-                <a:ea typeface="Arial"/>
-              </a:rPr>
-              <a:t>から</a:t>
-            </a:r>
-            <a:r>
-              <a:rPr lang="ja-JP" altLang="en-US" sz="1900" spc="-1" dirty="0" smtClean="0">
-                <a:solidFill>
-                  <a:srgbClr val="000000"/>
-                </a:solidFill>
-                <a:ea typeface="Arial"/>
-              </a:rPr>
-              <a:t> </a:t>
-            </a:r>
-            <a:r>
-              <a:rPr lang="en-US" sz="1900" b="0" strike="noStrike" spc="-1" dirty="0" smtClean="0">
-                <a:solidFill>
-                  <a:srgbClr val="000000"/>
-                </a:solidFill>
-                <a:latin typeface="Arial"/>
-                <a:ea typeface="Arial"/>
+                <a:latin typeface="ＭＳ ゴシック" panose="020B0609070205080204" pitchFamily="49" charset="-128"/>
+                <a:ea typeface="ＭＳ ゴシック" panose="020B0609070205080204" pitchFamily="49" charset="-128"/>
+              </a:rPr>
+              <a:t>から </a:t>
+            </a:r>
+            <a:r>
+              <a:rPr lang="en-US" b="0" strike="noStrike" spc="-1" dirty="0" smtClean="0">
+                <a:solidFill>
+                  <a:srgbClr val="000000"/>
+                </a:solidFill>
+                <a:latin typeface="ＭＳ ゴシック" panose="020B0609070205080204" pitchFamily="49" charset="-128"/>
+                <a:ea typeface="ＭＳ ゴシック" panose="020B0609070205080204" pitchFamily="49" charset="-128"/>
               </a:rPr>
               <a:t>[Edit]</a:t>
             </a:r>
             <a:r>
-              <a:rPr lang="ja-JP" altLang="en-US" sz="1900" spc="-1" dirty="0" smtClean="0">
-                <a:solidFill>
-                  <a:srgbClr val="000000"/>
-                </a:solidFill>
-                <a:latin typeface="Arial"/>
+              <a:rPr lang="ja-JP" altLang="en-US" spc="-1" dirty="0" smtClean="0">
+                <a:solidFill>
+                  <a:srgbClr val="000000"/>
+                </a:solidFill>
+                <a:latin typeface="ＭＳ ゴシック" panose="020B0609070205080204" pitchFamily="49" charset="-128"/>
+                <a:ea typeface="ＭＳ ゴシック" panose="020B0609070205080204" pitchFamily="49" charset="-128"/>
               </a:rPr>
               <a:t>リンク選択</a:t>
             </a:r>
-            <a:endParaRPr lang="en-US" sz="1900" b="0" strike="noStrike" spc="-1" dirty="0">
-              <a:latin typeface="Arial"/>
+            <a:endParaRPr lang="en-US" b="0" strike="noStrike" spc="-1" dirty="0">
+              <a:latin typeface="ＭＳ ゴシック" panose="020B0609070205080204" pitchFamily="49" charset="-128"/>
+              <a:ea typeface="ＭＳ ゴシック" panose="020B0609070205080204" pitchFamily="49" charset="-128"/>
             </a:endParaRPr>
           </a:p>
           <a:p>
@@ -16162,53 +16107,58 @@
               <a:buChar char="∙"/>
             </a:pPr>
             <a:r>
-              <a:rPr lang="ja-JP" altLang="en-US" sz="1900" spc="-1" dirty="0" smtClean="0">
-                <a:solidFill>
-                  <a:srgbClr val="000000"/>
-                </a:solidFill>
-                <a:ea typeface="Arial"/>
+              <a:rPr lang="ja-JP" altLang="en-US" spc="-1" dirty="0" smtClean="0">
+                <a:solidFill>
+                  <a:srgbClr val="000000"/>
+                </a:solidFill>
+                <a:latin typeface="ＭＳ ゴシック" panose="020B0609070205080204" pitchFamily="49" charset="-128"/>
+                <a:ea typeface="ＭＳ ゴシック" panose="020B0609070205080204" pitchFamily="49" charset="-128"/>
               </a:rPr>
               <a:t>いずれ</a:t>
             </a:r>
             <a:r>
-              <a:rPr lang="ja-JP" altLang="en-US" sz="1900" spc="-1" dirty="0">
-                <a:solidFill>
-                  <a:srgbClr val="000000"/>
-                </a:solidFill>
-                <a:ea typeface="Arial"/>
+              <a:rPr lang="ja-JP" altLang="en-US" spc="-1" dirty="0">
+                <a:solidFill>
+                  <a:srgbClr val="000000"/>
+                </a:solidFill>
+                <a:latin typeface="ＭＳ ゴシック" panose="020B0609070205080204" pitchFamily="49" charset="-128"/>
+                <a:ea typeface="ＭＳ ゴシック" panose="020B0609070205080204" pitchFamily="49" charset="-128"/>
               </a:rPr>
               <a:t>か</a:t>
             </a:r>
             <a:r>
-              <a:rPr lang="ja-JP" altLang="en-US" sz="1900" spc="-1" dirty="0" smtClean="0">
-                <a:solidFill>
-                  <a:srgbClr val="000000"/>
-                </a:solidFill>
-                <a:ea typeface="Arial"/>
+              <a:rPr lang="ja-JP" altLang="en-US" spc="-1" dirty="0" smtClean="0">
+                <a:solidFill>
+                  <a:srgbClr val="000000"/>
+                </a:solidFill>
+                <a:latin typeface="ＭＳ ゴシック" panose="020B0609070205080204" pitchFamily="49" charset="-128"/>
+                <a:ea typeface="ＭＳ ゴシック" panose="020B0609070205080204" pitchFamily="49" charset="-128"/>
               </a:rPr>
               <a:t>の</a:t>
             </a:r>
             <a:r>
-              <a:rPr lang="ja-JP" altLang="en-US" sz="1900" spc="-1" dirty="0">
-                <a:solidFill>
-                  <a:srgbClr val="000000"/>
-                </a:solidFill>
-                <a:ea typeface="Arial"/>
+              <a:rPr lang="ja-JP" altLang="en-US" spc="-1" dirty="0">
+                <a:solidFill>
+                  <a:srgbClr val="000000"/>
+                </a:solidFill>
+                <a:latin typeface="ＭＳ ゴシック" panose="020B0609070205080204" pitchFamily="49" charset="-128"/>
+                <a:ea typeface="ＭＳ ゴシック" panose="020B0609070205080204" pitchFamily="49" charset="-128"/>
               </a:rPr>
               <a:t>ライセンスを選択して決定</a:t>
             </a:r>
             <a:r>
-              <a:rPr lang="en-US" sz="1900" b="0" strike="noStrike" spc="-1" dirty="0" smtClean="0">
-                <a:solidFill>
-                  <a:srgbClr val="000000"/>
-                </a:solidFill>
-                <a:latin typeface="Arial"/>
-                <a:ea typeface="Arial"/>
+              <a:rPr lang="en-US" b="0" strike="noStrike" spc="-1" dirty="0" smtClean="0">
+                <a:solidFill>
+                  <a:srgbClr val="000000"/>
+                </a:solidFill>
+                <a:latin typeface="ＭＳ ゴシック" panose="020B0609070205080204" pitchFamily="49" charset="-128"/>
+                <a:ea typeface="ＭＳ ゴシック" panose="020B0609070205080204" pitchFamily="49" charset="-128"/>
               </a:rPr>
               <a:t>…</a:t>
             </a:r>
-            <a:endParaRPr lang="en-US" sz="1900" b="0" strike="noStrike" spc="-1" dirty="0">
-              <a:latin typeface="Arial"/>
+            <a:endParaRPr lang="en-US" b="0" strike="noStrike" spc="-1" dirty="0">
+              <a:latin typeface="ＭＳ ゴシック" panose="020B0609070205080204" pitchFamily="49" charset="-128"/>
+              <a:ea typeface="ＭＳ ゴシック" panose="020B0609070205080204" pitchFamily="49" charset="-128"/>
             </a:endParaRPr>
           </a:p>
           <a:p>
@@ -16226,65 +16176,68 @@
               <a:buChar char="∙"/>
             </a:pPr>
             <a:r>
-              <a:rPr lang="en-US" sz="1900" b="0" strike="noStrike" spc="-1" dirty="0" smtClean="0">
-                <a:solidFill>
-                  <a:srgbClr val="000000"/>
-                </a:solidFill>
-                <a:latin typeface="Arial"/>
-                <a:ea typeface="Arial"/>
+              <a:rPr lang="en-US" b="0" strike="noStrike" spc="-1" dirty="0" smtClean="0">
+                <a:solidFill>
+                  <a:srgbClr val="000000"/>
+                </a:solidFill>
+                <a:latin typeface="ＭＳ ゴシック" panose="020B0609070205080204" pitchFamily="49" charset="-128"/>
+                <a:ea typeface="ＭＳ ゴシック" panose="020B0609070205080204" pitchFamily="49" charset="-128"/>
               </a:rPr>
               <a:t>…</a:t>
             </a:r>
             <a:r>
-              <a:rPr lang="ja-JP" altLang="en-US" sz="1900" spc="-1" dirty="0">
-                <a:solidFill>
-                  <a:srgbClr val="000000"/>
-                </a:solidFill>
-                <a:ea typeface="Arial"/>
+              <a:rPr lang="ja-JP" altLang="en-US" spc="-1" dirty="0">
+                <a:solidFill>
+                  <a:srgbClr val="000000"/>
+                </a:solidFill>
+                <a:latin typeface="ＭＳ ゴシック" panose="020B0609070205080204" pitchFamily="49" charset="-128"/>
+                <a:ea typeface="ＭＳ ゴシック" panose="020B0609070205080204" pitchFamily="49" charset="-128"/>
               </a:rPr>
               <a:t>またはファイルツリーに無関係のマークを</a:t>
             </a:r>
             <a:r>
-              <a:rPr lang="ja-JP" altLang="en-US" sz="1900" spc="-1" dirty="0" smtClean="0">
-                <a:solidFill>
-                  <a:srgbClr val="000000"/>
-                </a:solidFill>
-                <a:ea typeface="Arial"/>
+              <a:rPr lang="ja-JP" altLang="en-US" spc="-1" dirty="0" smtClean="0">
+                <a:solidFill>
+                  <a:srgbClr val="000000"/>
+                </a:solidFill>
+                <a:latin typeface="ＭＳ ゴシック" panose="020B0609070205080204" pitchFamily="49" charset="-128"/>
+                <a:ea typeface="ＭＳ ゴシック" panose="020B0609070205080204" pitchFamily="49" charset="-128"/>
               </a:rPr>
               <a:t>付ける </a:t>
             </a:r>
             <a:r>
-              <a:rPr lang="en-US" sz="1900" b="0" strike="noStrike" spc="-1" dirty="0" smtClean="0">
-                <a:solidFill>
-                  <a:srgbClr val="000000"/>
-                </a:solidFill>
-                <a:latin typeface="Arial"/>
-                <a:ea typeface="Arial"/>
+              <a:rPr lang="en-US" b="0" strike="noStrike" spc="-1" dirty="0" smtClean="0">
+                <a:solidFill>
+                  <a:srgbClr val="000000"/>
+                </a:solidFill>
+                <a:latin typeface="ＭＳ ゴシック" panose="020B0609070205080204" pitchFamily="49" charset="-128"/>
+                <a:ea typeface="ＭＳ ゴシック" panose="020B0609070205080204" pitchFamily="49" charset="-128"/>
               </a:rPr>
               <a:t>(</a:t>
             </a:r>
             <a:r>
-              <a:rPr lang="ja-JP" altLang="en-US" sz="1900" b="0" strike="noStrike" spc="-1" dirty="0" smtClean="0">
-                <a:solidFill>
-                  <a:srgbClr val="000000"/>
-                </a:solidFill>
-                <a:latin typeface="Arial"/>
-                <a:ea typeface="Arial"/>
+              <a:rPr lang="ja-JP" altLang="en-US" b="0" strike="noStrike" spc="-1" dirty="0" smtClean="0">
+                <a:solidFill>
+                  <a:srgbClr val="000000"/>
+                </a:solidFill>
+                <a:latin typeface="ＭＳ ゴシック" panose="020B0609070205080204" pitchFamily="49" charset="-128"/>
+                <a:ea typeface="ＭＳ ゴシック" panose="020B0609070205080204" pitchFamily="49" charset="-128"/>
               </a:rPr>
               <a:t>ディストリビューション向け</a:t>
             </a:r>
             <a:r>
-              <a:rPr lang="en-US" sz="1900" b="0" strike="noStrike" spc="-1" dirty="0" smtClean="0">
-                <a:solidFill>
-                  <a:srgbClr val="000000"/>
-                </a:solidFill>
-                <a:latin typeface="Arial"/>
-                <a:ea typeface="Arial"/>
+              <a:rPr lang="en-US" b="0" strike="noStrike" spc="-1" dirty="0" smtClean="0">
+                <a:solidFill>
+                  <a:srgbClr val="000000"/>
+                </a:solidFill>
+                <a:latin typeface="ＭＳ ゴシック" panose="020B0609070205080204" pitchFamily="49" charset="-128"/>
+                <a:ea typeface="ＭＳ ゴシック" panose="020B0609070205080204" pitchFamily="49" charset="-128"/>
               </a:rPr>
               <a:t>)</a:t>
             </a:r>
-            <a:endParaRPr lang="en-US" sz="1900" b="0" strike="noStrike" spc="-1" dirty="0">
-              <a:latin typeface="Arial"/>
+            <a:endParaRPr lang="en-US" b="0" strike="noStrike" spc="-1" dirty="0">
+              <a:latin typeface="ＭＳ ゴシック" panose="020B0609070205080204" pitchFamily="49" charset="-128"/>
+              <a:ea typeface="ＭＳ ゴシック" panose="020B0609070205080204" pitchFamily="49" charset="-128"/>
             </a:endParaRPr>
           </a:p>
           <a:p>
@@ -16678,8 +16631,8 @@
                 <a:solidFill>
                   <a:srgbClr val="000000"/>
                 </a:solidFill>
-                <a:latin typeface="Arial"/>
-                <a:ea typeface="Arial"/>
+                <a:latin typeface="ＭＳ Ｐゴシック" panose="020B0600070205080204" pitchFamily="50" charset="-128"/>
+                <a:ea typeface="ＭＳ Ｐゴシック" panose="020B0600070205080204" pitchFamily="50" charset="-128"/>
               </a:rPr>
               <a:t>特徴</a:t>
             </a:r>
@@ -16688,13 +16641,14 @@
                 <a:solidFill>
                   <a:srgbClr val="000000"/>
                 </a:solidFill>
-                <a:latin typeface="Arial"/>
-                <a:ea typeface="Arial"/>
+                <a:latin typeface="ＭＳ Ｐゴシック" panose="020B0600070205080204" pitchFamily="50" charset="-128"/>
+                <a:ea typeface="ＭＳ Ｐゴシック" panose="020B0600070205080204" pitchFamily="50" charset="-128"/>
               </a:rPr>
               <a:t>: </a:t>
             </a:r>
             <a:endParaRPr lang="en-US" sz="3200" b="0" strike="noStrike" spc="-1" dirty="0">
-              <a:latin typeface="Arial"/>
+              <a:latin typeface="ＭＳ Ｐゴシック" panose="020B0600070205080204" pitchFamily="50" charset="-128"/>
+              <a:ea typeface="ＭＳ Ｐゴシック" panose="020B0600070205080204" pitchFamily="50" charset="-128"/>
             </a:endParaRPr>
           </a:p>
           <a:p>
@@ -16713,8 +16667,8 @@
                 <a:solidFill>
                   <a:srgbClr val="000000"/>
                 </a:solidFill>
-                <a:latin typeface="Arial"/>
-                <a:ea typeface="Arial"/>
+                <a:latin typeface="ＭＳ Ｐゴシック" panose="020B0600070205080204" pitchFamily="50" charset="-128"/>
+                <a:ea typeface="ＭＳ Ｐゴシック" panose="020B0600070205080204" pitchFamily="50" charset="-128"/>
               </a:rPr>
               <a:t>ライセンス</a:t>
             </a:r>
@@ -16723,8 +16677,8 @@
                 <a:solidFill>
                   <a:srgbClr val="000000"/>
                 </a:solidFill>
-                <a:latin typeface="Arial"/>
-                <a:ea typeface="Arial"/>
+                <a:latin typeface="ＭＳ Ｐゴシック" panose="020B0600070205080204" pitchFamily="50" charset="-128"/>
+                <a:ea typeface="ＭＳ Ｐゴシック" panose="020B0600070205080204" pitchFamily="50" charset="-128"/>
               </a:rPr>
               <a:t>修正</a:t>
             </a:r>
@@ -16733,13 +16687,14 @@
                 <a:solidFill>
                   <a:srgbClr val="000000"/>
                 </a:solidFill>
-                <a:latin typeface="Arial"/>
-                <a:ea typeface="Arial"/>
+                <a:latin typeface="ＭＳ Ｐゴシック" panose="020B0600070205080204" pitchFamily="50" charset="-128"/>
+                <a:ea typeface="ＭＳ Ｐゴシック" panose="020B0600070205080204" pitchFamily="50" charset="-128"/>
               </a:rPr>
               <a:t>の再利用</a:t>
             </a:r>
             <a:endParaRPr lang="en-US" sz="3200" b="0" strike="noStrike" spc="-1" dirty="0">
-              <a:latin typeface="Arial"/>
+              <a:latin typeface="ＭＳ Ｐゴシック" panose="020B0600070205080204" pitchFamily="50" charset="-128"/>
+              <a:ea typeface="ＭＳ Ｐゴシック" panose="020B0600070205080204" pitchFamily="50" charset="-128"/>
             </a:endParaRPr>
           </a:p>
           <a:p>
@@ -16754,25 +16709,38 @@
               <a:buChar char="●"/>
             </a:pPr>
             <a:r>
+              <a:rPr lang="en-US" altLang="ja-JP" sz="3200" b="1" spc="-1" dirty="0">
+                <a:solidFill>
+                  <a:srgbClr val="000000"/>
+                </a:solidFill>
+                <a:latin typeface="ＭＳ Ｐゴシック" panose="020B0600070205080204" pitchFamily="50" charset="-128"/>
+                <a:ea typeface="ＭＳ Ｐゴシック" panose="020B0600070205080204" pitchFamily="50" charset="-128"/>
+              </a:rPr>
+              <a:t>Candidate License </a:t>
+            </a:r>
+            <a:r>
+              <a:rPr lang="ja-JP" altLang="en-US" sz="3200" b="1" spc="-1" dirty="0">
+                <a:solidFill>
+                  <a:srgbClr val="000000"/>
+                </a:solidFill>
+                <a:latin typeface="ＭＳ Ｐゴシック" panose="020B0600070205080204" pitchFamily="50" charset="-128"/>
+                <a:ea typeface="ＭＳ Ｐゴシック" panose="020B0600070205080204" pitchFamily="50" charset="-128"/>
+              </a:rPr>
+              <a:t>の</a:t>
+            </a:r>
+            <a:r>
               <a:rPr lang="ja-JP" altLang="en-US" sz="3200" b="1" spc="-1" dirty="0" smtClean="0">
                 <a:solidFill>
                   <a:srgbClr val="000000"/>
                 </a:solidFill>
-                <a:latin typeface="Arial"/>
-              </a:rPr>
-              <a:t>候補ライセンス</a:t>
-            </a:r>
-            <a:r>
-              <a:rPr lang="ja-JP" altLang="en-US" sz="3200" b="1" spc="-1" dirty="0">
-                <a:solidFill>
-                  <a:srgbClr val="000000"/>
-                </a:solidFill>
-                <a:latin typeface="Arial"/>
-              </a:rPr>
-              <a:t>処理</a:t>
+                <a:latin typeface="ＭＳ Ｐゴシック" panose="020B0600070205080204" pitchFamily="50" charset="-128"/>
+                <a:ea typeface="ＭＳ Ｐゴシック" panose="020B0600070205080204" pitchFamily="50" charset="-128"/>
+              </a:rPr>
+              <a:t>取り扱い</a:t>
             </a:r>
             <a:endParaRPr lang="en-US" sz="3200" b="0" strike="noStrike" spc="-1" dirty="0">
-              <a:latin typeface="Arial"/>
+              <a:latin typeface="ＭＳ Ｐゴシック" panose="020B0600070205080204" pitchFamily="50" charset="-128"/>
+              <a:ea typeface="ＭＳ Ｐゴシック" panose="020B0600070205080204" pitchFamily="50" charset="-128"/>
             </a:endParaRPr>
           </a:p>
           <a:p>
@@ -16787,21 +16755,31 @@
               <a:buChar char="●"/>
             </a:pPr>
             <a:r>
-              <a:rPr lang="ja-JP" altLang="en-US" sz="3200" b="1" strike="noStrike" spc="-1" dirty="0" smtClean="0">
-                <a:solidFill>
-                  <a:srgbClr val="000000"/>
-                </a:solidFill>
-                <a:latin typeface="Arial"/>
-                <a:ea typeface="Arial"/>
-              </a:rPr>
-              <a:t>ライセンステキストのカスタム</a:t>
-            </a:r>
-            <a:endParaRPr lang="en-US" altLang="ja-JP" sz="3200" b="1" strike="noStrike" spc="-1" dirty="0" smtClean="0">
+              <a:rPr lang="ja-JP" altLang="en-US" sz="3200" b="1" spc="-1" dirty="0">
+                <a:solidFill>
+                  <a:srgbClr val="000000"/>
+                </a:solidFill>
+                <a:latin typeface="ＭＳ Ｐゴシック" panose="020B0600070205080204" pitchFamily="50" charset="-128"/>
+                <a:ea typeface="ＭＳ Ｐゴシック" panose="020B0600070205080204" pitchFamily="50" charset="-128"/>
+              </a:rPr>
+              <a:t>カスタムの</a:t>
+            </a:r>
+            <a:r>
+              <a:rPr lang="ja-JP" altLang="en-US" sz="3200" b="1" spc="-1" dirty="0" smtClean="0">
+                <a:solidFill>
+                  <a:srgbClr val="000000"/>
+                </a:solidFill>
+                <a:latin typeface="ＭＳ Ｐゴシック" panose="020B0600070205080204" pitchFamily="50" charset="-128"/>
+                <a:ea typeface="ＭＳ Ｐゴシック" panose="020B0600070205080204" pitchFamily="50" charset="-128"/>
+              </a:rPr>
+              <a:t>ライセンステキスト</a:t>
+            </a:r>
+            <a:endParaRPr lang="en-US" altLang="ja-JP" sz="3200" b="1" spc="-1" dirty="0" smtClean="0">
               <a:solidFill>
                 <a:srgbClr val="000000"/>
               </a:solidFill>
-              <a:latin typeface="Arial"/>
-              <a:ea typeface="Arial"/>
+              <a:latin typeface="ＭＳ Ｐゴシック" panose="020B0600070205080204" pitchFamily="50" charset="-128"/>
+              <a:ea typeface="ＭＳ Ｐゴシック" panose="020B0600070205080204" pitchFamily="50" charset="-128"/>
             </a:endParaRPr>
           </a:p>
           <a:p>
@@ -16820,12 +16798,14 @@
                 <a:solidFill>
                   <a:srgbClr val="000000"/>
                 </a:solidFill>
-                <a:latin typeface="Arial"/>
+                <a:latin typeface="ＭＳ Ｐゴシック" panose="020B0600070205080204" pitchFamily="50" charset="-128"/>
+                <a:ea typeface="ＭＳ Ｐゴシック" panose="020B0600070205080204" pitchFamily="50" charset="-128"/>
               </a:rPr>
               <a:t>ライセンスセットの取り扱い</a:t>
             </a:r>
             <a:endParaRPr lang="en-US" sz="3200" b="0" strike="noStrike" spc="-1" dirty="0">
-              <a:latin typeface="Arial"/>
+              <a:latin typeface="ＭＳ Ｐゴシック" panose="020B0600070205080204" pitchFamily="50" charset="-128"/>
+              <a:ea typeface="ＭＳ Ｐゴシック" panose="020B0600070205080204" pitchFamily="50" charset="-128"/>
             </a:endParaRPr>
           </a:p>
         </p:txBody>
@@ -17022,8 +17002,8 @@
         </p:nvSpPr>
         <p:spPr>
           <a:xfrm>
-            <a:off x="4713120" y="1773360"/>
-            <a:ext cx="7001640" cy="548640"/>
+            <a:off x="4285580" y="1657800"/>
+            <a:ext cx="7750406" cy="599571"/>
           </a:xfrm>
           <a:prstGeom prst="rect">
             <a:avLst/>
@@ -17082,8 +17062,8 @@
         </p:nvSpPr>
         <p:spPr>
           <a:xfrm>
-            <a:off x="734760" y="1774800"/>
-            <a:ext cx="3977280" cy="4030920"/>
+            <a:off x="101520" y="1708731"/>
+            <a:ext cx="4184061" cy="4030920"/>
           </a:xfrm>
           <a:prstGeom prst="homePlate">
             <a:avLst>
@@ -17121,7 +17101,7 @@
                 <a:spcPct val="100000"/>
               </a:lnSpc>
             </a:pPr>
-            <a:endParaRPr lang="en-US" sz="1800" b="0" strike="noStrike" spc="-1" dirty="0">
+            <a:endParaRPr lang="en-US" b="0" strike="noStrike" spc="-1" dirty="0">
               <a:latin typeface="ＭＳ ゴシック" panose="020B0609070205080204" pitchFamily="49" charset="-128"/>
               <a:ea typeface="ＭＳ ゴシック" panose="020B0609070205080204" pitchFamily="49" charset="-128"/>
             </a:endParaRPr>
@@ -17138,17 +17118,28 @@
               <a:buChar char="∙"/>
             </a:pPr>
             <a:r>
-              <a:rPr lang="ja-JP" altLang="en-US" sz="1900" spc="-1" dirty="0">
-                <a:solidFill>
-                  <a:srgbClr val="000000"/>
-                </a:solidFill>
-                <a:latin typeface="ＭＳ ゴシック" panose="020B0609070205080204" pitchFamily="49" charset="-128"/>
-                <a:ea typeface="ＭＳ ゴシック" panose="020B0609070205080204" pitchFamily="49" charset="-128"/>
-              </a:rPr>
-              <a:t>コンポーネントのアップロードと消去</a:t>
-            </a:r>
-            <a:r>
-              <a:rPr lang="en-US" sz="1900" b="0" strike="noStrike" spc="-1" dirty="0" smtClean="0">
+              <a:rPr lang="ja-JP" altLang="en-US" dirty="0">
+                <a:latin typeface="ＭＳ ゴシック" panose="020B0609070205080204" pitchFamily="49" charset="-128"/>
+                <a:ea typeface="ＭＳ ゴシック" panose="020B0609070205080204" pitchFamily="49" charset="-128"/>
+              </a:rPr>
+              <a:t>コンポーネントのアップロードと </a:t>
+            </a:r>
+            <a:r>
+              <a:rPr lang="en-US" altLang="ja-JP" dirty="0">
+                <a:latin typeface="ＭＳ ゴシック" panose="020B0609070205080204" pitchFamily="49" charset="-128"/>
+                <a:ea typeface="ＭＳ ゴシック" panose="020B0609070205080204" pitchFamily="49" charset="-128"/>
+              </a:rPr>
+              <a:t>"clearing</a:t>
+            </a:r>
+            <a:r>
+              <a:rPr lang="en-US" altLang="ja-JP" dirty="0" smtClean="0">
+                <a:latin typeface="ＭＳ ゴシック" panose="020B0609070205080204" pitchFamily="49" charset="-128"/>
+                <a:ea typeface="ＭＳ ゴシック" panose="020B0609070205080204" pitchFamily="49" charset="-128"/>
+              </a:rPr>
+              <a:t>"</a:t>
+            </a:r>
+            <a:r>
+              <a:rPr lang="en-US" b="0" strike="noStrike" spc="-1" dirty="0" smtClean="0">
                 <a:solidFill>
                   <a:srgbClr val="000000"/>
                 </a:solidFill>
@@ -17157,7 +17148,7 @@
               </a:rPr>
               <a:t>:</a:t>
             </a:r>
-            <a:endParaRPr lang="en-US" sz="1900" b="0" strike="noStrike" spc="-1" dirty="0">
+            <a:endParaRPr lang="en-US" b="0" strike="noStrike" spc="-1" dirty="0">
               <a:latin typeface="ＭＳ ゴシック" panose="020B0609070205080204" pitchFamily="49" charset="-128"/>
               <a:ea typeface="ＭＳ ゴシック" panose="020B0609070205080204" pitchFamily="49" charset="-128"/>
             </a:endParaRPr>
@@ -17174,7 +17165,7 @@
               <a:buChar char="∙"/>
             </a:pPr>
             <a:r>
-              <a:rPr lang="ja-JP" altLang="en-US" sz="1900" spc="-1" dirty="0" smtClean="0">
+              <a:rPr lang="ja-JP" altLang="en-US" spc="-1" dirty="0" smtClean="0">
                 <a:solidFill>
                   <a:srgbClr val="000000"/>
                 </a:solidFill>
@@ -17184,7 +17175,7 @@
               <a:t>ファイル</a:t>
             </a:r>
             <a:r>
-              <a:rPr lang="ja-JP" altLang="en-US" sz="1900" spc="-1" dirty="0">
+              <a:rPr lang="ja-JP" altLang="en-US" spc="-1" dirty="0">
                 <a:solidFill>
                   <a:srgbClr val="000000"/>
                 </a:solidFill>
@@ -17194,7 +17185,7 @@
               <a:t>ベース</a:t>
             </a:r>
             <a:r>
-              <a:rPr lang="ja-JP" altLang="en-US" sz="1900" spc="-1" dirty="0" smtClean="0">
+              <a:rPr lang="ja-JP" altLang="en-US" spc="-1" dirty="0" smtClean="0">
                 <a:solidFill>
                   <a:srgbClr val="000000"/>
                 </a:solidFill>
@@ -17204,7 +17195,7 @@
               <a:t>で</a:t>
             </a:r>
             <a:r>
-              <a:rPr lang="ja-JP" altLang="en-US" sz="1900" spc="-1" dirty="0">
+              <a:rPr lang="ja-JP" altLang="en-US" spc="-1" dirty="0">
                 <a:solidFill>
                   <a:srgbClr val="000000"/>
                 </a:solidFill>
@@ -17214,7 +17205,7 @@
               <a:t>進</a:t>
             </a:r>
             <a:r>
-              <a:rPr lang="ja-JP" altLang="en-US" sz="1900" spc="-1" dirty="0" smtClean="0">
+              <a:rPr lang="ja-JP" altLang="en-US" spc="-1" dirty="0" smtClean="0">
                 <a:solidFill>
                   <a:srgbClr val="000000"/>
                 </a:solidFill>
@@ -17223,7 +17214,7 @@
               </a:rPr>
               <a:t>める</a:t>
             </a:r>
-            <a:endParaRPr lang="en-US" sz="1900" b="0" strike="noStrike" spc="-1" dirty="0">
+            <a:endParaRPr lang="en-US" b="0" strike="noStrike" spc="-1" dirty="0">
               <a:latin typeface="ＭＳ ゴシック" panose="020B0609070205080204" pitchFamily="49" charset="-128"/>
               <a:ea typeface="ＭＳ ゴシック" panose="020B0609070205080204" pitchFamily="49" charset="-128"/>
             </a:endParaRPr>
@@ -17240,16 +17231,13 @@
               <a:buChar char="∙"/>
             </a:pPr>
             <a:r>
-              <a:rPr lang="ja-JP" altLang="en-US" sz="1900" spc="-1" dirty="0" smtClean="0">
-                <a:solidFill>
-                  <a:srgbClr val="000000"/>
-                </a:solidFill>
-                <a:latin typeface="ＭＳ ゴシック" panose="020B0609070205080204" pitchFamily="49" charset="-128"/>
-                <a:ea typeface="ＭＳ ゴシック" panose="020B0609070205080204" pitchFamily="49" charset="-128"/>
-              </a:rPr>
-              <a:t>おそらくバルクフレーズ利用</a:t>
-            </a:r>
-            <a:endParaRPr lang="en-US" sz="1900" b="0" strike="noStrike" spc="-1" dirty="0">
+              <a:rPr lang="ja-JP" altLang="en-US" dirty="0">
+                <a:latin typeface="ＭＳ ゴシック" panose="020B0609070205080204" pitchFamily="49" charset="-128"/>
+                <a:ea typeface="ＭＳ ゴシック" panose="020B0609070205080204" pitchFamily="49" charset="-128"/>
+              </a:rPr>
+              <a:t>バルクフレーズを利用してもよい</a:t>
+            </a:r>
+            <a:endParaRPr lang="en-US" b="0" strike="noStrike" spc="-1" dirty="0">
               <a:latin typeface="ＭＳ ゴシック" panose="020B0609070205080204" pitchFamily="49" charset="-128"/>
               <a:ea typeface="ＭＳ ゴシック" panose="020B0609070205080204" pitchFamily="49" charset="-128"/>
             </a:endParaRPr>
@@ -17266,13 +17254,13 @@
               <a:buChar char="∙"/>
             </a:pPr>
             <a:r>
-              <a:rPr lang="ja-JP" altLang="en-US" sz="1900" b="0" strike="noStrike" spc="-1" dirty="0" smtClean="0">
+              <a:rPr lang="ja-JP" altLang="en-US" b="0" strike="noStrike" spc="-1" dirty="0" smtClean="0">
                 <a:latin typeface="ＭＳ ゴシック" panose="020B0609070205080204" pitchFamily="49" charset="-128"/>
                 <a:ea typeface="ＭＳ ゴシック" panose="020B0609070205080204" pitchFamily="49" charset="-128"/>
               </a:rPr>
               <a:t>コピーライトレビュー</a:t>
             </a:r>
-            <a:endParaRPr lang="en-US" sz="1900" b="0" strike="noStrike" spc="-1" dirty="0" smtClean="0">
+            <a:endParaRPr lang="en-US" b="0" strike="noStrike" spc="-1" dirty="0" smtClean="0">
               <a:latin typeface="ＭＳ ゴシック" panose="020B0609070205080204" pitchFamily="49" charset="-128"/>
               <a:ea typeface="ＭＳ ゴシック" panose="020B0609070205080204" pitchFamily="49" charset="-128"/>
             </a:endParaRPr>
@@ -17292,7 +17280,7 @@
               <a:buChar char="∙"/>
             </a:pPr>
             <a:r>
-              <a:rPr lang="ja-JP" altLang="en-US" sz="1900" b="1" i="1" strike="noStrike" spc="-1" dirty="0" smtClean="0">
+              <a:rPr lang="ja-JP" altLang="en-US" b="1" i="1" strike="noStrike" spc="-1" dirty="0" smtClean="0">
                 <a:solidFill>
                   <a:srgbClr val="000000"/>
                 </a:solidFill>
@@ -17301,7 +17289,7 @@
               </a:rPr>
               <a:t>新バージョンアップロード</a:t>
             </a:r>
-            <a:endParaRPr lang="en-US" sz="1900" b="0" strike="noStrike" spc="-1" dirty="0">
+            <a:endParaRPr lang="en-US" b="0" strike="noStrike" spc="-1" dirty="0">
               <a:latin typeface="ＭＳ ゴシック" panose="020B0609070205080204" pitchFamily="49" charset="-128"/>
               <a:ea typeface="ＭＳ ゴシック" panose="020B0609070205080204" pitchFamily="49" charset="-128"/>
             </a:endParaRPr>
@@ -17318,7 +17306,7 @@
               <a:buChar char="∙"/>
             </a:pPr>
             <a:r>
-              <a:rPr lang="ja-JP" altLang="en-US" sz="1900" spc="-1" dirty="0">
+              <a:rPr lang="ja-JP" altLang="en-US" spc="-1" dirty="0">
                 <a:solidFill>
                   <a:srgbClr val="000000"/>
                 </a:solidFill>
@@ -17328,7 +17316,7 @@
               <a:t>すべてのファイルをもう一度調べる</a:t>
             </a:r>
             <a:r>
-              <a:rPr lang="ja-JP" altLang="en-US" sz="1900" spc="-1" dirty="0" smtClean="0">
+              <a:rPr lang="ja-JP" altLang="en-US" spc="-1" dirty="0" smtClean="0">
                 <a:solidFill>
                   <a:srgbClr val="000000"/>
                 </a:solidFill>
@@ -17338,7 +17326,7 @@
               <a:t>必要があるか</a:t>
             </a:r>
             <a:r>
-              <a:rPr lang="en-US" sz="1900" b="0" strike="noStrike" spc="-1" dirty="0" smtClean="0">
+              <a:rPr lang="en-US" b="0" strike="noStrike" spc="-1" dirty="0" smtClean="0">
                 <a:solidFill>
                   <a:srgbClr val="000000"/>
                 </a:solidFill>
@@ -17347,7 +17335,7 @@
               </a:rPr>
               <a:t>?</a:t>
             </a:r>
-            <a:endParaRPr lang="en-US" sz="1900" b="0" strike="noStrike" spc="-1" dirty="0">
+            <a:endParaRPr lang="en-US" b="0" strike="noStrike" spc="-1" dirty="0">
               <a:latin typeface="ＭＳ ゴシック" panose="020B0609070205080204" pitchFamily="49" charset="-128"/>
               <a:ea typeface="ＭＳ ゴシック" panose="020B0609070205080204" pitchFamily="49" charset="-128"/>
             </a:endParaRPr>
@@ -17372,8 +17360,8 @@
         </p:nvSpPr>
         <p:spPr>
           <a:xfrm>
-            <a:off x="734760" y="1773360"/>
-            <a:ext cx="3750840" cy="548640"/>
+            <a:off x="101520" y="1708731"/>
+            <a:ext cx="3964355" cy="548640"/>
           </a:xfrm>
           <a:custGeom>
             <a:avLst/>
@@ -17496,8 +17484,8 @@
         </p:nvSpPr>
         <p:spPr>
           <a:xfrm>
-            <a:off x="4713120" y="2323440"/>
-            <a:ext cx="7001640" cy="3482280"/>
+            <a:off x="4285581" y="2257371"/>
+            <a:ext cx="7751521" cy="3548349"/>
           </a:xfrm>
           <a:prstGeom prst="rect">
             <a:avLst/>
@@ -17537,34 +17525,38 @@
               <a:buChar char="○"/>
             </a:pPr>
             <a:r>
-              <a:rPr lang="en-US" altLang="ja-JP" sz="1900" spc="-1" dirty="0" smtClean="0">
-                <a:solidFill>
-                  <a:srgbClr val="000000"/>
-                </a:solidFill>
-                <a:ea typeface="Arial"/>
+              <a:rPr lang="en-US" altLang="ja-JP" spc="-1" dirty="0" smtClean="0">
+                <a:solidFill>
+                  <a:srgbClr val="000000"/>
+                </a:solidFill>
+                <a:latin typeface="ＭＳ ゴシック" panose="020B0609070205080204" pitchFamily="49" charset="-128"/>
+                <a:ea typeface="ＭＳ ゴシック" panose="020B0609070205080204" pitchFamily="49" charset="-128"/>
               </a:rPr>
               <a:t>FOSSology</a:t>
             </a:r>
             <a:r>
-              <a:rPr lang="ja-JP" altLang="en-US" sz="1900" spc="-1" dirty="0">
-                <a:solidFill>
-                  <a:srgbClr val="000000"/>
-                </a:solidFill>
-                <a:ea typeface="Arial"/>
+              <a:rPr lang="ja-JP" altLang="en-US" spc="-1" dirty="0">
+                <a:solidFill>
+                  <a:srgbClr val="000000"/>
+                </a:solidFill>
+                <a:latin typeface="ＭＳ ゴシック" panose="020B0609070205080204" pitchFamily="49" charset="-128"/>
+                <a:ea typeface="ＭＳ ゴシック" panose="020B0609070205080204" pitchFamily="49" charset="-128"/>
               </a:rPr>
               <a:t>はすべてのファイルのハッシュ値を</a:t>
             </a:r>
             <a:r>
-              <a:rPr lang="ja-JP" altLang="en-US" sz="1900" spc="-1" dirty="0" smtClean="0">
-                <a:solidFill>
-                  <a:srgbClr val="000000"/>
-                </a:solidFill>
-                <a:ea typeface="Arial"/>
+              <a:rPr lang="ja-JP" altLang="en-US" spc="-1" dirty="0" smtClean="0">
+                <a:solidFill>
+                  <a:srgbClr val="000000"/>
+                </a:solidFill>
+                <a:latin typeface="ＭＳ ゴシック" panose="020B0609070205080204" pitchFamily="49" charset="-128"/>
+                <a:ea typeface="ＭＳ ゴシック" panose="020B0609070205080204" pitchFamily="49" charset="-128"/>
               </a:rPr>
               <a:t>管理</a:t>
             </a:r>
-            <a:endParaRPr lang="en-US" sz="1900" b="0" strike="noStrike" spc="-1" dirty="0" smtClean="0">
-              <a:latin typeface="Arial"/>
+            <a:endParaRPr lang="en-US" b="0" strike="noStrike" spc="-1" dirty="0" smtClean="0">
+              <a:latin typeface="ＭＳ ゴシック" panose="020B0609070205080204" pitchFamily="49" charset="-128"/>
+              <a:ea typeface="ＭＳ ゴシック" panose="020B0609070205080204" pitchFamily="49" charset="-128"/>
             </a:endParaRPr>
           </a:p>
           <a:p>
@@ -17579,77 +17571,36 @@
               <a:buChar char="■"/>
             </a:pPr>
             <a:r>
-              <a:rPr lang="ja-JP" altLang="en-US" sz="1900" spc="-1" dirty="0">
-                <a:solidFill>
-                  <a:srgbClr val="000000"/>
-                </a:solidFill>
-                <a:latin typeface="Arial"/>
-                <a:ea typeface="Arial"/>
-              </a:rPr>
-              <a:t>既</a:t>
-            </a:r>
-            <a:r>
-              <a:rPr lang="ja-JP" altLang="en-US" sz="1900" spc="-1" dirty="0" smtClean="0">
-                <a:solidFill>
-                  <a:srgbClr val="000000"/>
-                </a:solidFill>
-                <a:latin typeface="Arial"/>
-                <a:ea typeface="Arial"/>
-              </a:rPr>
-              <a:t>にスキャンの再利用</a:t>
-            </a:r>
-            <a:r>
-              <a:rPr lang="en-US" sz="1900" b="0" strike="noStrike" spc="-1" dirty="0" smtClean="0">
-                <a:solidFill>
-                  <a:srgbClr val="000000"/>
-                </a:solidFill>
-                <a:latin typeface="Arial"/>
-                <a:ea typeface="Arial"/>
-              </a:rPr>
-              <a:t> (</a:t>
-            </a:r>
-            <a:r>
-              <a:rPr lang="ja-JP" altLang="en-US" sz="1900" spc="-1" dirty="0" smtClean="0">
-                <a:solidFill>
-                  <a:srgbClr val="000000"/>
-                </a:solidFill>
-                <a:latin typeface="Arial"/>
-                <a:ea typeface="Arial"/>
-              </a:rPr>
-              <a:t>新</a:t>
-            </a:r>
-            <a:r>
-              <a:rPr lang="ja-JP" altLang="en-US" sz="1900" spc="-1" dirty="0">
-                <a:solidFill>
-                  <a:srgbClr val="000000"/>
-                </a:solidFill>
-                <a:latin typeface="Arial"/>
-                <a:ea typeface="Arial"/>
-              </a:rPr>
-              <a:t>エージェント</a:t>
-            </a:r>
-            <a:r>
-              <a:rPr lang="ja-JP" altLang="en-US" sz="1900" b="0" strike="noStrike" spc="-1" dirty="0" smtClean="0">
-                <a:solidFill>
-                  <a:srgbClr val="000000"/>
-                </a:solidFill>
-                <a:latin typeface="Arial"/>
-                <a:ea typeface="Arial"/>
-              </a:rPr>
-              <a:t>で再スキャン可能</a:t>
-            </a:r>
-            <a:r>
-              <a:rPr lang="en-US" sz="1900" b="0" strike="noStrike" spc="-1" dirty="0" smtClean="0">
-                <a:solidFill>
-                  <a:srgbClr val="000000"/>
-                </a:solidFill>
-                <a:latin typeface="Arial"/>
-                <a:ea typeface="Arial"/>
+              <a:rPr lang="ja-JP" altLang="en-US" dirty="0">
+                <a:latin typeface="ＭＳ ゴシック" panose="020B0609070205080204" pitchFamily="49" charset="-128"/>
+                <a:ea typeface="ＭＳ ゴシック" panose="020B0609070205080204" pitchFamily="49" charset="-128"/>
+              </a:rPr>
+              <a:t>スキャンの再利用 </a:t>
+            </a:r>
+            <a:r>
+              <a:rPr lang="en-US" altLang="ja-JP" dirty="0">
+                <a:latin typeface="ＭＳ ゴシック" panose="020B0609070205080204" pitchFamily="49" charset="-128"/>
+                <a:ea typeface="ＭＳ ゴシック" panose="020B0609070205080204" pitchFamily="49" charset="-128"/>
+              </a:rPr>
+              <a:t>(</a:t>
+            </a:r>
+            <a:r>
+              <a:rPr lang="ja-JP" altLang="en-US" dirty="0">
+                <a:latin typeface="ＭＳ ゴシック" panose="020B0609070205080204" pitchFamily="49" charset="-128"/>
+                <a:ea typeface="ＭＳ ゴシック" panose="020B0609070205080204" pitchFamily="49" charset="-128"/>
+              </a:rPr>
+              <a:t>新規エージェントでは再スキャンの可能性あり</a:t>
+            </a:r>
+            <a:r>
+              <a:rPr lang="en-US" altLang="ja-JP" dirty="0">
+                <a:latin typeface="ＭＳ ゴシック" panose="020B0609070205080204" pitchFamily="49" charset="-128"/>
+                <a:ea typeface="ＭＳ ゴシック" panose="020B0609070205080204" pitchFamily="49" charset="-128"/>
               </a:rPr>
               <a:t>)</a:t>
             </a:r>
-            <a:endParaRPr lang="en-US" sz="1900" b="0" strike="noStrike" spc="-1" dirty="0" smtClean="0">
-              <a:latin typeface="Arial"/>
+            <a:endParaRPr lang="en-US" b="0" strike="noStrike" spc="-1" dirty="0" smtClean="0">
+              <a:latin typeface="ＭＳ ゴシック" panose="020B0609070205080204" pitchFamily="49" charset="-128"/>
+              <a:ea typeface="ＭＳ ゴシック" panose="020B0609070205080204" pitchFamily="49" charset="-128"/>
             </a:endParaRPr>
           </a:p>
           <a:p>
@@ -17664,61 +17615,88 @@
               <a:buChar char="■"/>
             </a:pPr>
             <a:r>
-              <a:rPr lang="en-US" altLang="ja-JP" sz="1900" b="1" spc="-1" dirty="0" smtClean="0">
-                <a:solidFill>
-                  <a:srgbClr val="000000"/>
-                </a:solidFill>
-                <a:ea typeface="Arial"/>
+              <a:rPr lang="en-US" altLang="ja-JP" b="1" spc="-1" dirty="0" smtClean="0">
+                <a:solidFill>
+                  <a:srgbClr val="000000"/>
+                </a:solidFill>
+                <a:latin typeface="ＭＳ ゴシック" panose="020B0609070205080204" pitchFamily="49" charset="-128"/>
+                <a:ea typeface="ＭＳ ゴシック" panose="020B0609070205080204" pitchFamily="49" charset="-128"/>
               </a:rPr>
               <a:t>“clearing”</a:t>
             </a:r>
             <a:r>
-              <a:rPr lang="ja-JP" altLang="en-US" sz="1900" b="1" spc="-1" dirty="0" smtClean="0">
-                <a:solidFill>
-                  <a:srgbClr val="000000"/>
-                </a:solidFill>
-                <a:ea typeface="Arial"/>
+              <a:rPr lang="ja-JP" altLang="en-US" b="1" spc="-1" dirty="0" smtClean="0">
+                <a:solidFill>
+                  <a:srgbClr val="000000"/>
+                </a:solidFill>
+                <a:latin typeface="ＭＳ ゴシック" panose="020B0609070205080204" pitchFamily="49" charset="-128"/>
+                <a:ea typeface="ＭＳ ゴシック" panose="020B0609070205080204" pitchFamily="49" charset="-128"/>
               </a:rPr>
               <a:t>決定</a:t>
             </a:r>
             <a:r>
-              <a:rPr lang="ja-JP" altLang="en-US" sz="1900" b="1" spc="-1" dirty="0">
-                <a:solidFill>
-                  <a:srgbClr val="000000"/>
-                </a:solidFill>
-                <a:ea typeface="Arial"/>
-              </a:rPr>
-              <a:t>を再利用したい</a:t>
-            </a:r>
-            <a:r>
-              <a:rPr lang="en-US" altLang="ja-JP" sz="1900" b="1" spc="-1" dirty="0">
-                <a:solidFill>
-                  <a:srgbClr val="000000"/>
-                </a:solidFill>
-                <a:ea typeface="Arial"/>
+              <a:rPr lang="ja-JP" altLang="en-US" b="1" spc="-1" dirty="0">
+                <a:solidFill>
+                  <a:srgbClr val="000000"/>
+                </a:solidFill>
+                <a:latin typeface="ＭＳ ゴシック" panose="020B0609070205080204" pitchFamily="49" charset="-128"/>
+                <a:ea typeface="ＭＳ ゴシック" panose="020B0609070205080204" pitchFamily="49" charset="-128"/>
+              </a:rPr>
+              <a:t>を再利用</a:t>
+            </a:r>
+            <a:r>
+              <a:rPr lang="ja-JP" altLang="en-US" b="1" spc="-1" dirty="0" smtClean="0">
+                <a:solidFill>
+                  <a:srgbClr val="000000"/>
+                </a:solidFill>
+                <a:latin typeface="ＭＳ ゴシック" panose="020B0609070205080204" pitchFamily="49" charset="-128"/>
+                <a:ea typeface="ＭＳ ゴシック" panose="020B0609070205080204" pitchFamily="49" charset="-128"/>
+              </a:rPr>
+              <a:t>したい　</a:t>
+            </a:r>
+            <a:r>
+              <a:rPr lang="en-US" altLang="ja-JP" b="1" spc="-1" dirty="0" smtClean="0">
+                <a:solidFill>
+                  <a:srgbClr val="000000"/>
+                </a:solidFill>
+                <a:latin typeface="ＭＳ ゴシック" panose="020B0609070205080204" pitchFamily="49" charset="-128"/>
+                <a:ea typeface="ＭＳ ゴシック" panose="020B0609070205080204" pitchFamily="49" charset="-128"/>
               </a:rPr>
               <a:t>=</a:t>
             </a:r>
             <a:r>
-              <a:rPr lang="ja-JP" altLang="en-US" sz="1900" b="1" spc="-1" dirty="0">
-                <a:solidFill>
-                  <a:srgbClr val="000000"/>
-                </a:solidFill>
-                <a:ea typeface="Arial"/>
-              </a:rPr>
-              <a:t>ユーザーが決定した</a:t>
-            </a:r>
-            <a:r>
-              <a:rPr lang="ja-JP" altLang="en-US" sz="1900" b="1" spc="-1" dirty="0" smtClean="0">
-                <a:solidFill>
-                  <a:srgbClr val="000000"/>
-                </a:solidFill>
-                <a:ea typeface="Arial"/>
+              <a:rPr lang="ja-JP" altLang="en-US" b="1" spc="-1" dirty="0" smtClean="0">
+                <a:solidFill>
+                  <a:srgbClr val="000000"/>
+                </a:solidFill>
+                <a:latin typeface="ＭＳ ゴシック" panose="020B0609070205080204" pitchFamily="49" charset="-128"/>
+                <a:ea typeface="ＭＳ ゴシック" panose="020B0609070205080204" pitchFamily="49" charset="-128"/>
+              </a:rPr>
+              <a:t>　ユーザー</a:t>
+            </a:r>
+            <a:r>
+              <a:rPr lang="ja-JP" altLang="en-US" b="1" spc="-1" dirty="0">
+                <a:solidFill>
+                  <a:srgbClr val="000000"/>
+                </a:solidFill>
+                <a:latin typeface="ＭＳ ゴシック" panose="020B0609070205080204" pitchFamily="49" charset="-128"/>
+                <a:ea typeface="ＭＳ ゴシック" panose="020B0609070205080204" pitchFamily="49" charset="-128"/>
+              </a:rPr>
+              <a:t>が決定した</a:t>
+            </a:r>
+            <a:r>
+              <a:rPr lang="ja-JP" altLang="en-US" b="1" spc="-1" dirty="0" smtClean="0">
+                <a:solidFill>
+                  <a:srgbClr val="000000"/>
+                </a:solidFill>
+                <a:latin typeface="ＭＳ ゴシック" panose="020B0609070205080204" pitchFamily="49" charset="-128"/>
+                <a:ea typeface="ＭＳ ゴシック" panose="020B0609070205080204" pitchFamily="49" charset="-128"/>
               </a:rPr>
               <a:t>こと</a:t>
             </a:r>
-            <a:endParaRPr lang="en-US" sz="1900" b="0" strike="noStrike" spc="-1" dirty="0">
-              <a:latin typeface="Arial"/>
+            <a:endParaRPr lang="en-US" b="0" strike="noStrike" spc="-1" dirty="0">
+              <a:latin typeface="ＭＳ ゴシック" panose="020B0609070205080204" pitchFamily="49" charset="-128"/>
+              <a:ea typeface="ＭＳ ゴシック" panose="020B0609070205080204" pitchFamily="49" charset="-128"/>
             </a:endParaRPr>
           </a:p>
           <a:p>
@@ -17736,34 +17714,48 @@
               <a:buChar char="○"/>
             </a:pPr>
             <a:r>
-              <a:rPr lang="en-US" altLang="ja-JP" sz="1900" spc="-1" dirty="0">
-                <a:solidFill>
-                  <a:srgbClr val="000000"/>
-                </a:solidFill>
-                <a:latin typeface="Arial"/>
+              <a:rPr lang="en-US" altLang="ja-JP" spc="-1" dirty="0">
+                <a:solidFill>
+                  <a:srgbClr val="000000"/>
+                </a:solidFill>
+                <a:latin typeface="ＭＳ ゴシック" panose="020B0609070205080204" pitchFamily="49" charset="-128"/>
+                <a:ea typeface="ＭＳ ゴシック" panose="020B0609070205080204" pitchFamily="49" charset="-128"/>
               </a:rPr>
               <a:t>3</a:t>
             </a:r>
             <a:r>
-              <a:rPr lang="ja-JP" altLang="en-US" sz="1900" spc="-1" dirty="0" err="1" smtClean="0">
-                <a:solidFill>
-                  <a:srgbClr val="000000"/>
-                </a:solidFill>
-                <a:latin typeface="Arial"/>
+              <a:rPr lang="ja-JP" altLang="en-US" spc="-1" dirty="0" err="1" smtClean="0">
+                <a:solidFill>
+                  <a:srgbClr val="000000"/>
+                </a:solidFill>
+                <a:latin typeface="ＭＳ ゴシック" panose="020B0609070205080204" pitchFamily="49" charset="-128"/>
+                <a:ea typeface="ＭＳ ゴシック" panose="020B0609070205080204" pitchFamily="49" charset="-128"/>
               </a:rPr>
               <a:t>つの</a:t>
             </a:r>
             <a:r>
-              <a:rPr lang="ja-JP" altLang="en-US" sz="1900" spc="-1" dirty="0" smtClean="0">
-                <a:solidFill>
-                  <a:srgbClr val="000000"/>
-                </a:solidFill>
-                <a:latin typeface="Arial"/>
-              </a:rPr>
-              <a:t>異なる再利用機能</a:t>
-            </a:r>
-            <a:endParaRPr lang="en-US" sz="1900" b="0" strike="noStrike" spc="-1" dirty="0">
-              <a:latin typeface="Arial"/>
+              <a:rPr lang="ja-JP" altLang="en-US" spc="-1" dirty="0" smtClean="0">
+                <a:solidFill>
+                  <a:srgbClr val="000000"/>
+                </a:solidFill>
+                <a:latin typeface="ＭＳ ゴシック" panose="020B0609070205080204" pitchFamily="49" charset="-128"/>
+                <a:ea typeface="ＭＳ ゴシック" panose="020B0609070205080204" pitchFamily="49" charset="-128"/>
+              </a:rPr>
+              <a:t>異なる再利用</a:t>
+            </a:r>
+            <a:r>
+              <a:rPr lang="ja-JP" altLang="en-US" spc="-1" dirty="0" smtClean="0">
+                <a:solidFill>
+                  <a:srgbClr val="000000"/>
+                </a:solidFill>
+                <a:latin typeface="ＭＳ ゴシック" panose="020B0609070205080204" pitchFamily="49" charset="-128"/>
+                <a:ea typeface="ＭＳ ゴシック" panose="020B0609070205080204" pitchFamily="49" charset="-128"/>
+              </a:rPr>
+              <a:t>機能</a:t>
+            </a:r>
+            <a:endParaRPr lang="en-US" b="0" strike="noStrike" spc="-1" dirty="0">
+              <a:latin typeface="ＭＳ ゴシック" panose="020B0609070205080204" pitchFamily="49" charset="-128"/>
+              <a:ea typeface="ＭＳ ゴシック" panose="020B0609070205080204" pitchFamily="49" charset="-128"/>
             </a:endParaRPr>
           </a:p>
           <a:p>
@@ -17778,43 +17770,48 @@
               <a:buChar char="■"/>
             </a:pPr>
             <a:r>
-              <a:rPr lang="ja-JP" altLang="en-US" sz="1900" spc="-1" dirty="0">
-                <a:solidFill>
-                  <a:srgbClr val="000000"/>
-                </a:solidFill>
-                <a:ea typeface="Arial"/>
+              <a:rPr lang="ja-JP" altLang="en-US" spc="-1" dirty="0">
+                <a:solidFill>
+                  <a:srgbClr val="000000"/>
+                </a:solidFill>
+                <a:latin typeface="ＭＳ ゴシック" panose="020B0609070205080204" pitchFamily="49" charset="-128"/>
+                <a:ea typeface="ＭＳ ゴシック" panose="020B0609070205080204" pitchFamily="49" charset="-128"/>
               </a:rPr>
               <a:t>同じファイルハッシュに</a:t>
             </a:r>
             <a:r>
-              <a:rPr lang="ja-JP" altLang="en-US" sz="1900" spc="-1" dirty="0" smtClean="0">
-                <a:solidFill>
-                  <a:srgbClr val="000000"/>
-                </a:solidFill>
-                <a:ea typeface="Arial"/>
+              <a:rPr lang="ja-JP" altLang="en-US" spc="-1" dirty="0" smtClean="0">
+                <a:solidFill>
+                  <a:srgbClr val="000000"/>
+                </a:solidFill>
+                <a:latin typeface="ＭＳ ゴシック" panose="020B0609070205080204" pitchFamily="49" charset="-128"/>
+                <a:ea typeface="ＭＳ ゴシック" panose="020B0609070205080204" pitchFamily="49" charset="-128"/>
               </a:rPr>
               <a:t>基づいて</a:t>
             </a:r>
             <a:r>
-              <a:rPr lang="en-US" altLang="ja-JP" sz="1900" spc="-1" dirty="0" smtClean="0">
-                <a:solidFill>
-                  <a:srgbClr val="000000"/>
-                </a:solidFill>
-                <a:ea typeface="Arial"/>
+              <a:rPr lang="en-US" altLang="ja-JP" spc="-1" dirty="0" smtClean="0">
+                <a:solidFill>
+                  <a:srgbClr val="000000"/>
+                </a:solidFill>
+                <a:latin typeface="ＭＳ ゴシック" panose="020B0609070205080204" pitchFamily="49" charset="-128"/>
+                <a:ea typeface="ＭＳ ゴシック" panose="020B0609070205080204" pitchFamily="49" charset="-128"/>
               </a:rPr>
               <a:t>”clearing”</a:t>
             </a:r>
             <a:r>
-              <a:rPr lang="ja-JP" altLang="en-US" sz="1900" spc="-1" dirty="0" smtClean="0">
-                <a:solidFill>
-                  <a:srgbClr val="000000"/>
-                </a:solidFill>
-                <a:ea typeface="Arial"/>
+              <a:rPr lang="ja-JP" altLang="en-US" spc="-1" dirty="0" smtClean="0">
+                <a:solidFill>
+                  <a:srgbClr val="000000"/>
+                </a:solidFill>
+                <a:latin typeface="ＭＳ ゴシック" panose="020B0609070205080204" pitchFamily="49" charset="-128"/>
+                <a:ea typeface="ＭＳ ゴシック" panose="020B0609070205080204" pitchFamily="49" charset="-128"/>
               </a:rPr>
               <a:t>を再利用</a:t>
             </a:r>
-            <a:endParaRPr lang="en-US" sz="1900" b="0" strike="noStrike" spc="-1" dirty="0" smtClean="0">
-              <a:latin typeface="Arial"/>
+            <a:endParaRPr lang="en-US" b="0" strike="noStrike" spc="-1" dirty="0" smtClean="0">
+              <a:latin typeface="ＭＳ ゴシック" panose="020B0609070205080204" pitchFamily="49" charset="-128"/>
+              <a:ea typeface="ＭＳ ゴシック" panose="020B0609070205080204" pitchFamily="49" charset="-128"/>
             </a:endParaRPr>
           </a:p>
           <a:p>
@@ -17829,43 +17826,48 @@
               <a:buChar char="■"/>
             </a:pPr>
             <a:r>
-              <a:rPr lang="ja-JP" altLang="en-US" sz="1900" spc="-1" dirty="0">
-                <a:solidFill>
-                  <a:srgbClr val="000000"/>
-                </a:solidFill>
-                <a:ea typeface="Arial"/>
+              <a:rPr lang="ja-JP" altLang="en-US" spc="-1" dirty="0">
+                <a:solidFill>
+                  <a:srgbClr val="000000"/>
+                </a:solidFill>
+                <a:latin typeface="ＭＳ ゴシック" panose="020B0609070205080204" pitchFamily="49" charset="-128"/>
+                <a:ea typeface="ＭＳ ゴシック" panose="020B0609070205080204" pitchFamily="49" charset="-128"/>
               </a:rPr>
               <a:t>一括スキャン操作の再利用</a:t>
             </a:r>
             <a:r>
-              <a:rPr lang="en-US" altLang="ja-JP" sz="1900" spc="-1" dirty="0">
-                <a:solidFill>
-                  <a:srgbClr val="000000"/>
-                </a:solidFill>
-                <a:ea typeface="Arial"/>
+              <a:rPr lang="en-US" altLang="ja-JP" spc="-1" dirty="0">
+                <a:solidFill>
+                  <a:srgbClr val="000000"/>
+                </a:solidFill>
+                <a:latin typeface="ＭＳ ゴシック" panose="020B0609070205080204" pitchFamily="49" charset="-128"/>
+                <a:ea typeface="ＭＳ ゴシック" panose="020B0609070205080204" pitchFamily="49" charset="-128"/>
               </a:rPr>
               <a:t>=</a:t>
             </a:r>
             <a:r>
-              <a:rPr lang="ja-JP" altLang="en-US" sz="1900" spc="-1" dirty="0">
-                <a:solidFill>
-                  <a:srgbClr val="000000"/>
-                </a:solidFill>
-                <a:ea typeface="Arial"/>
+              <a:rPr lang="ja-JP" altLang="en-US" spc="-1" dirty="0">
+                <a:solidFill>
+                  <a:srgbClr val="000000"/>
+                </a:solidFill>
+                <a:latin typeface="ＭＳ ゴシック" panose="020B0609070205080204" pitchFamily="49" charset="-128"/>
+                <a:ea typeface="ＭＳ ゴシック" panose="020B0609070205080204" pitchFamily="49" charset="-128"/>
               </a:rPr>
               <a:t>個々の</a:t>
             </a:r>
             <a:r>
-              <a:rPr lang="ja-JP" altLang="en-US" sz="1900" spc="-1" dirty="0" smtClean="0">
-                <a:solidFill>
-                  <a:srgbClr val="000000"/>
-                </a:solidFill>
-                <a:ea typeface="Arial"/>
+              <a:rPr lang="ja-JP" altLang="en-US" spc="-1" dirty="0" smtClean="0">
+                <a:solidFill>
+                  <a:srgbClr val="000000"/>
+                </a:solidFill>
+                <a:latin typeface="ＭＳ ゴシック" panose="020B0609070205080204" pitchFamily="49" charset="-128"/>
+                <a:ea typeface="ＭＳ ゴシック" panose="020B0609070205080204" pitchFamily="49" charset="-128"/>
               </a:rPr>
               <a:t>テキストフレーズ</a:t>
             </a:r>
-            <a:endParaRPr lang="en-US" sz="1900" b="0" strike="noStrike" spc="-1" dirty="0" smtClean="0">
-              <a:latin typeface="Arial"/>
+            <a:endParaRPr lang="en-US" b="0" strike="noStrike" spc="-1" dirty="0" smtClean="0">
+              <a:latin typeface="ＭＳ ゴシック" panose="020B0609070205080204" pitchFamily="49" charset="-128"/>
+              <a:ea typeface="ＭＳ ゴシック" panose="020B0609070205080204" pitchFamily="49" charset="-128"/>
             </a:endParaRPr>
           </a:p>
           <a:p>
@@ -17880,113 +17882,118 @@
               <a:buChar char="■"/>
             </a:pPr>
             <a:r>
-              <a:rPr lang="ja-JP" altLang="en-US" sz="1900" spc="-1" dirty="0">
-                <a:solidFill>
-                  <a:srgbClr val="000000"/>
-                </a:solidFill>
-                <a:ea typeface="Arial"/>
+              <a:rPr lang="ja-JP" altLang="en-US" spc="-1" dirty="0">
+                <a:solidFill>
+                  <a:srgbClr val="000000"/>
+                </a:solidFill>
+                <a:latin typeface="ＭＳ ゴシック" panose="020B0609070205080204" pitchFamily="49" charset="-128"/>
+                <a:ea typeface="ＭＳ ゴシック" panose="020B0609070205080204" pitchFamily="49" charset="-128"/>
               </a:rPr>
               <a:t>ファイルが</a:t>
             </a:r>
             <a:r>
-              <a:rPr lang="en-US" altLang="ja-JP" sz="1900" spc="-1" dirty="0">
-                <a:solidFill>
-                  <a:srgbClr val="000000"/>
-                </a:solidFill>
-                <a:ea typeface="Arial"/>
+              <a:rPr lang="en-US" altLang="ja-JP" spc="-1" dirty="0">
+                <a:solidFill>
+                  <a:srgbClr val="000000"/>
+                </a:solidFill>
+                <a:latin typeface="ＭＳ ゴシック" panose="020B0609070205080204" pitchFamily="49" charset="-128"/>
+                <a:ea typeface="ＭＳ ゴシック" panose="020B0609070205080204" pitchFamily="49" charset="-128"/>
               </a:rPr>
               <a:t>1</a:t>
             </a:r>
             <a:r>
-              <a:rPr lang="ja-JP" altLang="en-US" sz="1900" spc="-1" dirty="0">
-                <a:solidFill>
-                  <a:srgbClr val="000000"/>
-                </a:solidFill>
-                <a:ea typeface="Arial"/>
+              <a:rPr lang="ja-JP" altLang="en-US" spc="-1" dirty="0">
+                <a:solidFill>
+                  <a:srgbClr val="000000"/>
+                </a:solidFill>
+                <a:latin typeface="ＭＳ ゴシック" panose="020B0609070205080204" pitchFamily="49" charset="-128"/>
+                <a:ea typeface="ＭＳ ゴシック" panose="020B0609070205080204" pitchFamily="49" charset="-128"/>
               </a:rPr>
               <a:t>行異なる場所で</a:t>
             </a:r>
             <a:r>
-              <a:rPr lang="ja-JP" altLang="en-US" sz="1900" spc="-1" dirty="0" smtClean="0">
-                <a:solidFill>
-                  <a:srgbClr val="000000"/>
-                </a:solidFill>
-                <a:ea typeface="Arial"/>
+              <a:rPr lang="ja-JP" altLang="en-US" spc="-1" dirty="0" smtClean="0">
+                <a:solidFill>
+                  <a:srgbClr val="000000"/>
+                </a:solidFill>
+                <a:latin typeface="ＭＳ ゴシック" panose="020B0609070205080204" pitchFamily="49" charset="-128"/>
+                <a:ea typeface="ＭＳ ゴシック" panose="020B0609070205080204" pitchFamily="49" charset="-128"/>
               </a:rPr>
               <a:t>再利用</a:t>
             </a:r>
             <a:r>
-              <a:rPr lang="en-US" sz="1900" b="0" strike="noStrike" spc="-1" dirty="0" smtClean="0">
-                <a:solidFill>
-                  <a:srgbClr val="000000"/>
-                </a:solidFill>
-                <a:latin typeface="Arial"/>
-                <a:ea typeface="Arial"/>
+              <a:rPr lang="en-US" b="0" strike="noStrike" spc="-1" dirty="0" smtClean="0">
+                <a:solidFill>
+                  <a:srgbClr val="000000"/>
+                </a:solidFill>
+                <a:latin typeface="ＭＳ ゴシック" panose="020B0609070205080204" pitchFamily="49" charset="-128"/>
+                <a:ea typeface="ＭＳ ゴシック" panose="020B0609070205080204" pitchFamily="49" charset="-128"/>
               </a:rPr>
               <a:t> ( diff-tool</a:t>
             </a:r>
             <a:r>
-              <a:rPr lang="ja-JP" altLang="en-US" sz="1900" b="0" strike="noStrike" spc="-1" dirty="0" smtClean="0">
-                <a:solidFill>
-                  <a:srgbClr val="000000"/>
-                </a:solidFill>
-                <a:latin typeface="Arial"/>
-                <a:ea typeface="Arial"/>
+              <a:rPr lang="ja-JP" altLang="en-US" b="0" strike="noStrike" spc="-1" dirty="0" smtClean="0">
+                <a:solidFill>
+                  <a:srgbClr val="000000"/>
+                </a:solidFill>
+                <a:latin typeface="ＭＳ ゴシック" panose="020B0609070205080204" pitchFamily="49" charset="-128"/>
+                <a:ea typeface="ＭＳ ゴシック" panose="020B0609070205080204" pitchFamily="49" charset="-128"/>
               </a:rPr>
               <a:t>利用</a:t>
             </a:r>
             <a:r>
-              <a:rPr lang="en-US" sz="1900" b="0" strike="noStrike" spc="-1" dirty="0" smtClean="0">
-                <a:solidFill>
-                  <a:srgbClr val="000000"/>
-                </a:solidFill>
-                <a:latin typeface="Arial"/>
-                <a:ea typeface="Arial"/>
+              <a:rPr lang="en-US" b="0" strike="noStrike" spc="-1" dirty="0" smtClean="0">
+                <a:solidFill>
+                  <a:srgbClr val="000000"/>
+                </a:solidFill>
+                <a:latin typeface="ＭＳ ゴシック" panose="020B0609070205080204" pitchFamily="49" charset="-128"/>
+                <a:ea typeface="ＭＳ ゴシック" panose="020B0609070205080204" pitchFamily="49" charset="-128"/>
               </a:rPr>
               <a:t> </a:t>
             </a:r>
             <a:r>
-              <a:rPr lang="en-US" sz="1900" b="0" strike="noStrike" spc="-1" dirty="0">
-                <a:solidFill>
-                  <a:srgbClr val="000000"/>
-                </a:solidFill>
-                <a:latin typeface="Arial"/>
-                <a:ea typeface="Arial"/>
+              <a:rPr lang="en-US" b="0" strike="noStrike" spc="-1" dirty="0">
+                <a:solidFill>
+                  <a:srgbClr val="000000"/>
+                </a:solidFill>
+                <a:latin typeface="ＭＳ ゴシック" panose="020B0609070205080204" pitchFamily="49" charset="-128"/>
+                <a:ea typeface="ＭＳ ゴシック" panose="020B0609070205080204" pitchFamily="49" charset="-128"/>
               </a:rPr>
               <a:t>= </a:t>
             </a:r>
             <a:r>
-              <a:rPr lang="ja-JP" altLang="en-US" sz="1900" spc="-1" dirty="0">
-                <a:solidFill>
-                  <a:srgbClr val="000000"/>
-                </a:solidFill>
-                <a:latin typeface="Arial"/>
-                <a:ea typeface="Arial"/>
+              <a:rPr lang="ja-JP" altLang="en-US" spc="-1" dirty="0">
+                <a:solidFill>
+                  <a:srgbClr val="000000"/>
+                </a:solidFill>
+                <a:latin typeface="ＭＳ ゴシック" panose="020B0609070205080204" pitchFamily="49" charset="-128"/>
+                <a:ea typeface="ＭＳ ゴシック" panose="020B0609070205080204" pitchFamily="49" charset="-128"/>
               </a:rPr>
               <a:t>遅</a:t>
             </a:r>
             <a:r>
-              <a:rPr lang="ja-JP" altLang="en-US" sz="1900" spc="-1" dirty="0" smtClean="0">
-                <a:solidFill>
-                  <a:srgbClr val="000000"/>
-                </a:solidFill>
-                <a:latin typeface="Arial"/>
-                <a:ea typeface="Arial"/>
+              <a:rPr lang="ja-JP" altLang="en-US" spc="-1" dirty="0" smtClean="0">
+                <a:solidFill>
+                  <a:srgbClr val="000000"/>
+                </a:solidFill>
+                <a:latin typeface="ＭＳ ゴシック" panose="020B0609070205080204" pitchFamily="49" charset="-128"/>
+                <a:ea typeface="ＭＳ ゴシック" panose="020B0609070205080204" pitchFamily="49" charset="-128"/>
               </a:rPr>
               <a:t>い</a:t>
             </a:r>
             <a:r>
-              <a:rPr lang="en-US" sz="1900" b="0" strike="noStrike" spc="-1" dirty="0" smtClean="0">
-                <a:solidFill>
-                  <a:srgbClr val="000000"/>
-                </a:solidFill>
-                <a:latin typeface="Arial"/>
-                <a:ea typeface="Arial"/>
+              <a:rPr lang="en-US" b="0" strike="noStrike" spc="-1" dirty="0" smtClean="0">
+                <a:solidFill>
+                  <a:srgbClr val="000000"/>
+                </a:solidFill>
+                <a:latin typeface="ＭＳ ゴシック" panose="020B0609070205080204" pitchFamily="49" charset="-128"/>
+                <a:ea typeface="ＭＳ ゴシック" panose="020B0609070205080204" pitchFamily="49" charset="-128"/>
               </a:rPr>
               <a:t>!)</a:t>
             </a:r>
-            <a:endParaRPr lang="en-US" sz="1900" b="0" strike="noStrike" spc="-1" dirty="0">
-              <a:latin typeface="Arial"/>
+            <a:endParaRPr lang="en-US" b="0" strike="noStrike" spc="-1" dirty="0">
+              <a:latin typeface="ＭＳ ゴシック" panose="020B0609070205080204" pitchFamily="49" charset="-128"/>
+              <a:ea typeface="ＭＳ ゴシック" panose="020B0609070205080204" pitchFamily="49" charset="-128"/>
             </a:endParaRPr>
           </a:p>
         </p:txBody>
@@ -18232,7 +18239,8 @@
                 <a:solidFill>
                   <a:srgbClr val="000000"/>
                 </a:solidFill>
-                <a:ea typeface="Arial"/>
+                <a:latin typeface="ＭＳ ゴシック" panose="020B0609070205080204" pitchFamily="49" charset="-128"/>
+                <a:ea typeface="ＭＳ ゴシック" panose="020B0609070205080204" pitchFamily="49" charset="-128"/>
               </a:rPr>
               <a:t>アップロード時に、ライセンスレビューデータを再利用するためにサーバー上の別の既存のパッケージを選択</a:t>
             </a:r>
@@ -18241,12 +18249,14 @@
                 <a:solidFill>
                   <a:srgbClr val="000000"/>
                 </a:solidFill>
-                <a:ea typeface="Arial"/>
+                <a:latin typeface="ＭＳ ゴシック" panose="020B0609070205080204" pitchFamily="49" charset="-128"/>
+                <a:ea typeface="ＭＳ ゴシック" panose="020B0609070205080204" pitchFamily="49" charset="-128"/>
               </a:rPr>
               <a:t>できる</a:t>
             </a:r>
             <a:endParaRPr lang="en-US" sz="1900" b="0" strike="noStrike" spc="-1" dirty="0" smtClean="0">
-              <a:latin typeface="Arial"/>
+              <a:latin typeface="ＭＳ ゴシック" panose="020B0609070205080204" pitchFamily="49" charset="-128"/>
+              <a:ea typeface="ＭＳ ゴシック" panose="020B0609070205080204" pitchFamily="49" charset="-128"/>
             </a:endParaRPr>
           </a:p>
           <a:p>
@@ -18268,7 +18278,8 @@
                 <a:solidFill>
                   <a:srgbClr val="000000"/>
                 </a:solidFill>
-                <a:ea typeface="Arial"/>
+                <a:latin typeface="ＭＳ ゴシック" panose="020B0609070205080204" pitchFamily="49" charset="-128"/>
+                <a:ea typeface="ＭＳ ゴシック" panose="020B0609070205080204" pitchFamily="49" charset="-128"/>
               </a:rPr>
               <a:t>3</a:t>
             </a:r>
@@ -18277,7 +18288,8 @@
                 <a:solidFill>
                   <a:srgbClr val="000000"/>
                 </a:solidFill>
-                <a:ea typeface="Arial"/>
+                <a:latin typeface="ＭＳ ゴシック" panose="020B0609070205080204" pitchFamily="49" charset="-128"/>
+                <a:ea typeface="ＭＳ ゴシック" panose="020B0609070205080204" pitchFamily="49" charset="-128"/>
               </a:rPr>
               <a:t>種</a:t>
             </a:r>
@@ -18286,7 +18298,8 @@
                 <a:solidFill>
                   <a:srgbClr val="000000"/>
                 </a:solidFill>
-                <a:ea typeface="Arial"/>
+                <a:latin typeface="ＭＳ ゴシック" panose="020B0609070205080204" pitchFamily="49" charset="-128"/>
+                <a:ea typeface="ＭＳ ゴシック" panose="020B0609070205080204" pitchFamily="49" charset="-128"/>
               </a:rPr>
               <a:t>の</a:t>
             </a:r>
@@ -18295,7 +18308,8 @@
                 <a:solidFill>
                   <a:srgbClr val="000000"/>
                 </a:solidFill>
-                <a:ea typeface="Arial"/>
+                <a:latin typeface="ＭＳ ゴシック" panose="020B0609070205080204" pitchFamily="49" charset="-128"/>
+                <a:ea typeface="ＭＳ ゴシック" panose="020B0609070205080204" pitchFamily="49" charset="-128"/>
               </a:rPr>
               <a:t>主な再利用</a:t>
             </a:r>
@@ -18304,7 +18318,8 @@
                 <a:solidFill>
                   <a:srgbClr val="000000"/>
                 </a:solidFill>
-                <a:ea typeface="Arial"/>
+                <a:latin typeface="ＭＳ ゴシック" panose="020B0609070205080204" pitchFamily="49" charset="-128"/>
+                <a:ea typeface="ＭＳ ゴシック" panose="020B0609070205080204" pitchFamily="49" charset="-128"/>
               </a:rPr>
               <a:t>オプションがある</a:t>
             </a:r>
@@ -18313,13 +18328,14 @@
                 <a:solidFill>
                   <a:srgbClr val="000000"/>
                 </a:solidFill>
-                <a:latin typeface="Arial"/>
-                <a:ea typeface="Arial"/>
+                <a:latin typeface="ＭＳ ゴシック" panose="020B0609070205080204" pitchFamily="49" charset="-128"/>
+                <a:ea typeface="ＭＳ ゴシック" panose="020B0609070205080204" pitchFamily="49" charset="-128"/>
               </a:rPr>
               <a:t>:</a:t>
             </a:r>
             <a:endParaRPr lang="en-US" sz="1900" b="0" strike="noStrike" spc="-1" dirty="0" smtClean="0">
-              <a:latin typeface="Arial"/>
+              <a:latin typeface="ＭＳ ゴシック" panose="020B0609070205080204" pitchFamily="49" charset="-128"/>
+              <a:ea typeface="ＭＳ ゴシック" panose="020B0609070205080204" pitchFamily="49" charset="-128"/>
             </a:endParaRPr>
           </a:p>
           <a:p>
@@ -18338,7 +18354,8 @@
                 <a:solidFill>
                   <a:srgbClr val="000000"/>
                 </a:solidFill>
-                <a:ea typeface="Arial"/>
+                <a:latin typeface="ＭＳ ゴシック" panose="020B0609070205080204" pitchFamily="49" charset="-128"/>
+                <a:ea typeface="ＭＳ ゴシック" panose="020B0609070205080204" pitchFamily="49" charset="-128"/>
               </a:rPr>
               <a:t>(1)</a:t>
             </a:r>
@@ -18347,7 +18364,8 @@
                 <a:solidFill>
                   <a:srgbClr val="000000"/>
                 </a:solidFill>
-                <a:ea typeface="Arial"/>
+                <a:latin typeface="ＭＳ ゴシック" panose="020B0609070205080204" pitchFamily="49" charset="-128"/>
+                <a:ea typeface="ＭＳ ゴシック" panose="020B0609070205080204" pitchFamily="49" charset="-128"/>
               </a:rPr>
               <a:t>ファイル</a:t>
             </a:r>
@@ -18356,7 +18374,8 @@
                 <a:solidFill>
                   <a:srgbClr val="000000"/>
                 </a:solidFill>
-                <a:ea typeface="Arial"/>
+                <a:latin typeface="ＭＳ ゴシック" panose="020B0609070205080204" pitchFamily="49" charset="-128"/>
+                <a:ea typeface="ＭＳ ゴシック" panose="020B0609070205080204" pitchFamily="49" charset="-128"/>
               </a:rPr>
               <a:t>に対して計算された同じハッシュ値でライセンスレビューデータを再利用</a:t>
             </a:r>
@@ -18365,12 +18384,14 @@
                 <a:solidFill>
                   <a:srgbClr val="000000"/>
                 </a:solidFill>
-                <a:ea typeface="Arial"/>
+                <a:latin typeface="ＭＳ ゴシック" panose="020B0609070205080204" pitchFamily="49" charset="-128"/>
+                <a:ea typeface="ＭＳ ゴシック" panose="020B0609070205080204" pitchFamily="49" charset="-128"/>
               </a:rPr>
               <a:t>する</a:t>
             </a:r>
             <a:endParaRPr lang="en-US" sz="1900" b="0" strike="noStrike" spc="-1" dirty="0">
-              <a:latin typeface="Arial"/>
+              <a:latin typeface="ＭＳ ゴシック" panose="020B0609070205080204" pitchFamily="49" charset="-128"/>
+              <a:ea typeface="ＭＳ ゴシック" panose="020B0609070205080204" pitchFamily="49" charset="-128"/>
             </a:endParaRPr>
           </a:p>
           <a:p>
@@ -18389,8 +18410,8 @@
                 <a:solidFill>
                   <a:srgbClr val="000000"/>
                 </a:solidFill>
-                <a:latin typeface="Arial"/>
-                <a:ea typeface="Arial"/>
+                <a:latin typeface="ＭＳ ゴシック" panose="020B0609070205080204" pitchFamily="49" charset="-128"/>
+                <a:ea typeface="ＭＳ ゴシック" panose="020B0609070205080204" pitchFamily="49" charset="-128"/>
               </a:rPr>
               <a:t>(2)diff tool</a:t>
             </a:r>
@@ -18399,7 +18420,8 @@
                 <a:solidFill>
                   <a:srgbClr val="000000"/>
                 </a:solidFill>
-                <a:ea typeface="Arial"/>
+                <a:latin typeface="ＭＳ ゴシック" panose="020B0609070205080204" pitchFamily="49" charset="-128"/>
+                <a:ea typeface="ＭＳ ゴシック" panose="020B0609070205080204" pitchFamily="49" charset="-128"/>
               </a:rPr>
               <a:t>を使用して</a:t>
             </a:r>
@@ -18408,7 +18430,8 @@
                 <a:solidFill>
                   <a:srgbClr val="000000"/>
                 </a:solidFill>
-                <a:ea typeface="Arial"/>
+                <a:latin typeface="ＭＳ ゴシック" panose="020B0609070205080204" pitchFamily="49" charset="-128"/>
+                <a:ea typeface="ＭＳ ゴシック" panose="020B0609070205080204" pitchFamily="49" charset="-128"/>
               </a:rPr>
               <a:t>1</a:t>
             </a:r>
@@ -18417,7 +18440,8 @@
                 <a:solidFill>
                   <a:srgbClr val="000000"/>
                 </a:solidFill>
-                <a:ea typeface="Arial"/>
+                <a:latin typeface="ＭＳ ゴシック" panose="020B0609070205080204" pitchFamily="49" charset="-128"/>
+                <a:ea typeface="ＭＳ ゴシック" panose="020B0609070205080204" pitchFamily="49" charset="-128"/>
               </a:rPr>
               <a:t>行の許容範囲でライセンスレビューデータを再利用</a:t>
             </a:r>
@@ -18426,12 +18450,14 @@
                 <a:solidFill>
                   <a:srgbClr val="000000"/>
                 </a:solidFill>
-                <a:ea typeface="Arial"/>
+                <a:latin typeface="ＭＳ ゴシック" panose="020B0609070205080204" pitchFamily="49" charset="-128"/>
+                <a:ea typeface="ＭＳ ゴシック" panose="020B0609070205080204" pitchFamily="49" charset="-128"/>
               </a:rPr>
               <a:t>する</a:t>
             </a:r>
             <a:endParaRPr lang="en-US" sz="1900" b="0" strike="noStrike" spc="-1" dirty="0">
-              <a:latin typeface="Arial"/>
+              <a:latin typeface="ＭＳ ゴシック" panose="020B0609070205080204" pitchFamily="49" charset="-128"/>
+              <a:ea typeface="ＭＳ ゴシック" panose="020B0609070205080204" pitchFamily="49" charset="-128"/>
             </a:endParaRPr>
           </a:p>
           <a:p>
@@ -18450,7 +18476,8 @@
                 <a:solidFill>
                   <a:srgbClr val="000000"/>
                 </a:solidFill>
-                <a:ea typeface="Arial"/>
+                <a:latin typeface="ＭＳ ゴシック" panose="020B0609070205080204" pitchFamily="49" charset="-128"/>
+                <a:ea typeface="ＭＳ ゴシック" panose="020B0609070205080204" pitchFamily="49" charset="-128"/>
               </a:rPr>
               <a:t>(3)</a:t>
             </a:r>
@@ -18459,7 +18486,8 @@
                 <a:solidFill>
                   <a:srgbClr val="000000"/>
                 </a:solidFill>
-                <a:ea typeface="Arial"/>
+                <a:latin typeface="ＭＳ ゴシック" panose="020B0609070205080204" pitchFamily="49" charset="-128"/>
+                <a:ea typeface="ＭＳ ゴシック" panose="020B0609070205080204" pitchFamily="49" charset="-128"/>
               </a:rPr>
               <a:t>選択</a:t>
             </a:r>
@@ -18468,7 +18496,8 @@
                 <a:solidFill>
                   <a:srgbClr val="000000"/>
                 </a:solidFill>
-                <a:ea typeface="Arial"/>
+                <a:latin typeface="ＭＳ ゴシック" panose="020B0609070205080204" pitchFamily="49" charset="-128"/>
+                <a:ea typeface="ＭＳ ゴシック" panose="020B0609070205080204" pitchFamily="49" charset="-128"/>
               </a:rPr>
               <a:t>した既存のパッケージに入力された一括スキャンタスクを新しいパッケージにも再利用</a:t>
             </a:r>
@@ -18477,12 +18506,14 @@
                 <a:solidFill>
                   <a:srgbClr val="000000"/>
                 </a:solidFill>
-                <a:ea typeface="Arial"/>
+                <a:latin typeface="ＭＳ ゴシック" panose="020B0609070205080204" pitchFamily="49" charset="-128"/>
+                <a:ea typeface="ＭＳ ゴシック" panose="020B0609070205080204" pitchFamily="49" charset="-128"/>
               </a:rPr>
               <a:t>する</a:t>
             </a:r>
             <a:endParaRPr lang="en-US" sz="1900" b="0" strike="noStrike" spc="-1" dirty="0">
-              <a:latin typeface="Arial"/>
+              <a:latin typeface="ＭＳ ゴシック" panose="020B0609070205080204" pitchFamily="49" charset="-128"/>
+              <a:ea typeface="ＭＳ ゴシック" panose="020B0609070205080204" pitchFamily="49" charset="-128"/>
             </a:endParaRPr>
           </a:p>
           <a:p>
@@ -20116,8 +20147,8 @@
         </p:nvSpPr>
         <p:spPr>
           <a:xfrm>
-            <a:off x="188184" y="1507612"/>
-            <a:ext cx="7093800" cy="4557600"/>
+            <a:off x="94092" y="1507612"/>
+            <a:ext cx="7093800" cy="4851788"/>
           </a:xfrm>
           <a:prstGeom prst="rect">
             <a:avLst/>
@@ -20157,7 +20188,7 @@
               <a:buAutoNum type="arabicPeriod"/>
             </a:pPr>
             <a:r>
-              <a:rPr lang="ja-JP" altLang="en-US" sz="1900" b="1" spc="-1" dirty="0" smtClean="0">
+              <a:rPr lang="ja-JP" altLang="en-US" b="1" spc="-1" dirty="0" smtClean="0">
                 <a:solidFill>
                   <a:srgbClr val="000000"/>
                 </a:solidFill>
@@ -20166,7 +20197,7 @@
               <a:t>オープンソースパッケージ</a:t>
             </a:r>
             <a:r>
-              <a:rPr lang="ja-JP" altLang="en-US" sz="1900" b="1" spc="-1" dirty="0">
+              <a:rPr lang="ja-JP" altLang="en-US" b="1" spc="-1" dirty="0">
                 <a:solidFill>
                   <a:srgbClr val="000000"/>
                 </a:solidFill>
@@ -20175,7 +20206,7 @@
               <a:t>を</a:t>
             </a:r>
             <a:r>
-              <a:rPr lang="ja-JP" altLang="en-US" sz="1900" b="1" spc="-1" dirty="0" smtClean="0">
+              <a:rPr lang="ja-JP" altLang="en-US" b="1" spc="-1" dirty="0" smtClean="0">
                 <a:solidFill>
                   <a:srgbClr val="000000"/>
                 </a:solidFill>
@@ -20183,7 +20214,7 @@
               </a:rPr>
               <a:t>アップロード</a:t>
             </a:r>
-            <a:endParaRPr lang="en-US" sz="1900" b="0" strike="noStrike" spc="-1" dirty="0">
+            <a:endParaRPr lang="en-US" b="0" strike="noStrike" spc="-1" dirty="0">
               <a:latin typeface="Arial"/>
             </a:endParaRPr>
           </a:p>
@@ -20199,7 +20230,7 @@
               <a:buChar char="∙"/>
             </a:pPr>
             <a:r>
-              <a:rPr lang="en-US" sz="1900" spc="-1" dirty="0" smtClean="0">
+              <a:rPr lang="en-US" spc="-1" dirty="0" smtClean="0">
                 <a:solidFill>
                   <a:srgbClr val="000000"/>
                 </a:solidFill>
@@ -20209,7 +20240,7 @@
               <a:t>“</a:t>
             </a:r>
             <a:r>
-              <a:rPr lang="en-US" sz="1900" b="0" strike="noStrike" spc="-1" dirty="0" smtClean="0">
+              <a:rPr lang="en-US" b="0" strike="noStrike" spc="-1" dirty="0" smtClean="0">
                 <a:solidFill>
                   <a:srgbClr val="000000"/>
                 </a:solidFill>
@@ -20219,7 +20250,7 @@
               <a:t>clearing” </a:t>
             </a:r>
             <a:r>
-              <a:rPr lang="ja-JP" altLang="en-US" sz="1900" b="0" strike="noStrike" spc="-1" dirty="0" smtClean="0">
+              <a:rPr lang="ja-JP" altLang="en-US" b="0" strike="noStrike" spc="-1" dirty="0" smtClean="0">
                 <a:solidFill>
                   <a:srgbClr val="000000"/>
                 </a:solidFill>
@@ -20228,7 +20259,7 @@
               </a:rPr>
               <a:t>作業を行う</a:t>
             </a:r>
-            <a:endParaRPr lang="en-US" sz="1900" b="0" strike="noStrike" spc="-1" dirty="0">
+            <a:endParaRPr lang="en-US" b="0" strike="noStrike" spc="-1" dirty="0">
               <a:latin typeface="Arial"/>
             </a:endParaRPr>
           </a:p>
@@ -20244,7 +20275,7 @@
               <a:buChar char="∙"/>
             </a:pPr>
             <a:r>
-              <a:rPr lang="en-US" sz="1900" b="0" strike="noStrike" spc="-1" dirty="0">
+              <a:rPr lang="en-US" b="0" strike="noStrike" spc="-1" dirty="0">
                 <a:solidFill>
                   <a:srgbClr val="000000"/>
                 </a:solidFill>
@@ -20254,7 +20285,7 @@
               <a:t>… </a:t>
             </a:r>
             <a:r>
-              <a:rPr lang="ja-JP" altLang="en-US" sz="1900" spc="-1" dirty="0" smtClean="0">
+              <a:rPr lang="ja-JP" altLang="en-US" spc="-1" dirty="0" smtClean="0">
                 <a:solidFill>
                   <a:srgbClr val="000000"/>
                 </a:solidFill>
@@ -20264,7 +20295,7 @@
               <a:t>また</a:t>
             </a:r>
             <a:r>
-              <a:rPr lang="ja-JP" altLang="en-US" sz="1900" spc="-1" dirty="0">
+              <a:rPr lang="ja-JP" altLang="en-US" spc="-1" dirty="0">
                 <a:solidFill>
                   <a:srgbClr val="000000"/>
                 </a:solidFill>
@@ -20274,7 +20305,7 @@
               <a:t>は</a:t>
             </a:r>
             <a:r>
-              <a:rPr lang="en-US" sz="1900" b="0" strike="noStrike" spc="-1" dirty="0" smtClean="0">
+              <a:rPr lang="en-US" b="0" strike="noStrike" spc="-1" dirty="0" smtClean="0">
                 <a:solidFill>
                   <a:srgbClr val="000000"/>
                 </a:solidFill>
@@ -20284,7 +20315,7 @@
               <a:t> </a:t>
             </a:r>
             <a:r>
-              <a:rPr lang="ja-JP" altLang="en-US" sz="1900" b="0" strike="noStrike" spc="-1" dirty="0" smtClean="0">
+              <a:rPr lang="ja-JP" altLang="en-US" b="0" strike="noStrike" spc="-1" dirty="0" smtClean="0">
                 <a:solidFill>
                   <a:srgbClr val="000000"/>
                 </a:solidFill>
@@ -20293,7 +20324,7 @@
               </a:rPr>
               <a:t>例をそのまま</a:t>
             </a:r>
-            <a:endParaRPr lang="en-US" sz="1900" b="0" strike="noStrike" spc="-1" dirty="0">
+            <a:endParaRPr lang="en-US" b="0" strike="noStrike" spc="-1" dirty="0">
               <a:latin typeface="Arial"/>
             </a:endParaRPr>
           </a:p>
@@ -20312,7 +20343,7 @@
               <a:buAutoNum type="arabicPeriod"/>
             </a:pPr>
             <a:r>
-              <a:rPr lang="ja-JP" altLang="en-US" sz="1900" b="1" strike="noStrike" spc="-1" dirty="0" smtClean="0">
+              <a:rPr lang="ja-JP" altLang="en-US" b="1" strike="noStrike" spc="-1" dirty="0" smtClean="0">
                 <a:solidFill>
                   <a:srgbClr val="000000"/>
                 </a:solidFill>
@@ -20321,7 +20352,7 @@
               </a:rPr>
               <a:t>新しいバージョンのパッケージアップロード</a:t>
             </a:r>
-            <a:endParaRPr lang="en-US" sz="1900" b="0" strike="noStrike" spc="-1" dirty="0" smtClean="0">
+            <a:endParaRPr lang="en-US" b="0" strike="noStrike" spc="-1" dirty="0" smtClean="0">
               <a:latin typeface="Arial"/>
             </a:endParaRPr>
           </a:p>
@@ -20337,7 +20368,7 @@
               <a:buChar char="∙"/>
             </a:pPr>
             <a:r>
-              <a:rPr lang="en-US" sz="1900" b="0" strike="noStrike" spc="-1" dirty="0" smtClean="0">
+              <a:rPr lang="en-US" b="0" strike="noStrike" spc="-1" dirty="0" smtClean="0">
                 <a:solidFill>
                   <a:srgbClr val="000000"/>
                 </a:solidFill>
@@ -20347,7 +20378,7 @@
               <a:t>(</a:t>
             </a:r>
             <a:r>
-              <a:rPr lang="ja-JP" altLang="en-US" sz="1900" spc="-1" dirty="0">
+              <a:rPr lang="ja-JP" altLang="en-US" spc="-1" dirty="0">
                 <a:solidFill>
                   <a:srgbClr val="000000"/>
                 </a:solidFill>
@@ -20356,7 +20387,7 @@
               <a:t>実際には古い</a:t>
             </a:r>
             <a:r>
-              <a:rPr lang="ja-JP" altLang="en-US" sz="1900" spc="-1" dirty="0" smtClean="0">
+              <a:rPr lang="ja-JP" altLang="en-US" spc="-1" dirty="0" smtClean="0">
                 <a:solidFill>
                   <a:srgbClr val="000000"/>
                 </a:solidFill>
@@ -20365,7 +20396,7 @@
               <a:t>バージョンと</a:t>
             </a:r>
             <a:r>
-              <a:rPr lang="ja-JP" altLang="en-US" sz="1900" spc="-1" dirty="0">
+              <a:rPr lang="ja-JP" altLang="en-US" spc="-1" dirty="0">
                 <a:solidFill>
                   <a:srgbClr val="000000"/>
                 </a:solidFill>
@@ -20374,7 +20405,7 @@
               <a:t>同様</a:t>
             </a:r>
             <a:r>
-              <a:rPr lang="ja-JP" altLang="en-US" sz="1900" spc="-1" dirty="0" smtClean="0">
+              <a:rPr lang="ja-JP" altLang="en-US" spc="-1" dirty="0" smtClean="0">
                 <a:solidFill>
                   <a:srgbClr val="000000"/>
                 </a:solidFill>
@@ -20383,7 +20414,7 @@
               <a:t>に動作</a:t>
             </a:r>
             <a:r>
-              <a:rPr lang="ja-JP" altLang="en-US" sz="1900" spc="-1" dirty="0">
+              <a:rPr lang="ja-JP" altLang="en-US" spc="-1" dirty="0">
                 <a:solidFill>
                   <a:srgbClr val="000000"/>
                 </a:solidFill>
@@ -20392,7 +20423,7 @@
               <a:t>します</a:t>
             </a:r>
             <a:r>
-              <a:rPr lang="en-US" sz="1900" b="0" strike="noStrike" spc="-1" dirty="0" smtClean="0">
+              <a:rPr lang="en-US" b="0" strike="noStrike" spc="-1" dirty="0" smtClean="0">
                 <a:solidFill>
                   <a:srgbClr val="000000"/>
                 </a:solidFill>
@@ -20401,7 +20432,7 @@
               </a:rPr>
               <a:t>)</a:t>
             </a:r>
-            <a:endParaRPr lang="en-US" sz="1900" b="0" strike="noStrike" spc="-1" dirty="0">
+            <a:endParaRPr lang="en-US" b="0" strike="noStrike" spc="-1" dirty="0">
               <a:latin typeface="Arial"/>
             </a:endParaRPr>
           </a:p>
@@ -20417,7 +20448,7 @@
               <a:buChar char="∙"/>
             </a:pPr>
             <a:r>
-              <a:rPr lang="ja-JP" altLang="en-US" sz="1900" spc="-1" dirty="0">
+              <a:rPr lang="ja-JP" altLang="en-US" spc="-1" dirty="0">
                 <a:solidFill>
                   <a:srgbClr val="000000"/>
                 </a:solidFill>
@@ -20427,7 +20458,7 @@
               <a:t>仮定</a:t>
             </a:r>
             <a:r>
-              <a:rPr lang="en-US" sz="1900" b="0" strike="noStrike" spc="-1" dirty="0" smtClean="0">
+              <a:rPr lang="en-US" b="0" strike="noStrike" spc="-1" dirty="0" smtClean="0">
                 <a:solidFill>
                   <a:srgbClr val="000000"/>
                 </a:solidFill>
@@ -20437,7 +20468,7 @@
               <a:t>: </a:t>
             </a:r>
             <a:r>
-              <a:rPr lang="ja-JP" altLang="en-US" sz="1900" spc="-1" dirty="0" smtClean="0">
+              <a:rPr lang="ja-JP" altLang="en-US" spc="-1" dirty="0" smtClean="0">
                 <a:solidFill>
                   <a:srgbClr val="000000"/>
                 </a:solidFill>
@@ -20446,7 +20477,7 @@
               <a:t>アップロード物内</a:t>
             </a:r>
             <a:r>
-              <a:rPr lang="ja-JP" altLang="en-US" sz="1900" spc="-1" dirty="0">
+              <a:rPr lang="ja-JP" altLang="en-US" spc="-1" dirty="0">
                 <a:solidFill>
                   <a:srgbClr val="000000"/>
                 </a:solidFill>
@@ -20455,7 +20486,7 @@
               <a:t>での</a:t>
             </a:r>
             <a:r>
-              <a:rPr lang="ja-JP" altLang="en-US" sz="1900" spc="-1" dirty="0" smtClean="0">
+              <a:rPr lang="ja-JP" altLang="en-US" spc="-1" dirty="0" smtClean="0">
                 <a:solidFill>
                   <a:srgbClr val="000000"/>
                 </a:solidFill>
@@ -20463,7 +20494,7 @@
               </a:rPr>
               <a:t>テキストフレーズ利用は問題ないように見える</a:t>
             </a:r>
-            <a:endParaRPr lang="en-US" sz="1900" b="0" strike="noStrike" spc="-1" dirty="0">
+            <a:endParaRPr lang="en-US" b="0" strike="noStrike" spc="-1" dirty="0">
               <a:latin typeface="Arial"/>
             </a:endParaRPr>
           </a:p>
@@ -20479,7 +20510,7 @@
               <a:buChar char="∙"/>
             </a:pPr>
             <a:r>
-              <a:rPr lang="ja-JP" altLang="en-US" sz="1900" spc="-1" dirty="0" smtClean="0">
+              <a:rPr lang="ja-JP" altLang="en-US" spc="-1" dirty="0" smtClean="0">
                 <a:solidFill>
                   <a:srgbClr val="000000"/>
                 </a:solidFill>
@@ -20488,7 +20519,7 @@
               <a:t>適切</a:t>
             </a:r>
             <a:r>
-              <a:rPr lang="ja-JP" altLang="en-US" sz="1900" spc="-1" dirty="0">
+              <a:rPr lang="ja-JP" altLang="en-US" spc="-1" dirty="0">
                 <a:solidFill>
                   <a:srgbClr val="000000"/>
                 </a:solidFill>
@@ -20497,7 +20528,7 @@
               <a:t>な再利用設定を</a:t>
             </a:r>
             <a:r>
-              <a:rPr lang="ja-JP" altLang="en-US" sz="1900" spc="-1" dirty="0" smtClean="0">
+              <a:rPr lang="ja-JP" altLang="en-US" spc="-1" dirty="0" smtClean="0">
                 <a:solidFill>
                   <a:srgbClr val="000000"/>
                 </a:solidFill>
@@ -20505,7 +20536,7 @@
               </a:rPr>
               <a:t>選択</a:t>
             </a:r>
-            <a:endParaRPr lang="en-US" sz="1900" b="0" strike="noStrike" spc="-1" dirty="0">
+            <a:endParaRPr lang="en-US" b="0" strike="noStrike" spc="-1" dirty="0">
               <a:latin typeface="Arial"/>
             </a:endParaRPr>
           </a:p>
@@ -20521,7 +20552,7 @@
               <a:buChar char="∙"/>
             </a:pPr>
             <a:r>
-              <a:rPr lang="ja-JP" altLang="en-US" sz="1900" spc="-1" dirty="0">
+              <a:rPr lang="ja-JP" altLang="en-US" spc="-1" dirty="0">
                 <a:solidFill>
                   <a:srgbClr val="000000"/>
                 </a:solidFill>
@@ -20530,7 +20561,7 @@
               <a:t>既存の</a:t>
             </a:r>
             <a:r>
-              <a:rPr lang="ja-JP" altLang="en-US" sz="1900" spc="-1" dirty="0" smtClean="0">
+              <a:rPr lang="ja-JP" altLang="en-US" spc="-1" dirty="0" smtClean="0">
                 <a:solidFill>
                   <a:srgbClr val="000000"/>
                 </a:solidFill>
@@ -20538,7 +20569,7 @@
               </a:rPr>
               <a:t>アップロード物を選択</a:t>
             </a:r>
-            <a:endParaRPr lang="en-US" sz="1900" b="0" strike="noStrike" spc="-1" dirty="0">
+            <a:endParaRPr lang="en-US" b="0" strike="noStrike" spc="-1" dirty="0">
               <a:latin typeface="Arial"/>
             </a:endParaRPr>
           </a:p>
@@ -20554,7 +20585,7 @@
               <a:buChar char="∙"/>
             </a:pPr>
             <a:r>
-              <a:rPr lang="ja-JP" altLang="en-US" sz="1900" spc="-1" dirty="0">
+              <a:rPr lang="ja-JP" altLang="en-US" spc="-1" dirty="0">
                 <a:solidFill>
                   <a:srgbClr val="000000"/>
                 </a:solidFill>
@@ -20563,7 +20594,7 @@
               <a:t>必要に</a:t>
             </a:r>
             <a:r>
-              <a:rPr lang="ja-JP" altLang="en-US" sz="1900" spc="-1" dirty="0" smtClean="0">
+              <a:rPr lang="ja-JP" altLang="en-US" spc="-1" dirty="0" smtClean="0">
                 <a:solidFill>
                   <a:srgbClr val="000000"/>
                 </a:solidFill>
@@ -20572,7 +20603,7 @@
               <a:t>応じて</a:t>
             </a:r>
             <a:r>
-              <a:rPr lang="ja-JP" altLang="en-US" sz="1900" spc="-1" dirty="0">
+              <a:rPr lang="ja-JP" altLang="en-US" spc="-1" dirty="0">
                 <a:solidFill>
                   <a:srgbClr val="000000"/>
                 </a:solidFill>
@@ -20581,7 +20612,7 @@
               <a:t>バルク</a:t>
             </a:r>
             <a:r>
-              <a:rPr lang="ja-JP" altLang="en-US" sz="1900" spc="-1" dirty="0" smtClean="0">
+              <a:rPr lang="ja-JP" altLang="en-US" spc="-1" dirty="0" smtClean="0">
                 <a:solidFill>
                   <a:srgbClr val="000000"/>
                 </a:solidFill>
@@ -20590,7 +20621,7 @@
               <a:t>フレーズ</a:t>
             </a:r>
             <a:r>
-              <a:rPr lang="ja-JP" altLang="en-US" sz="1900" spc="-1" dirty="0">
+              <a:rPr lang="ja-JP" altLang="en-US" spc="-1" dirty="0">
                 <a:solidFill>
                   <a:srgbClr val="000000"/>
                 </a:solidFill>
@@ -20599,7 +20630,7 @@
               <a:t>を</a:t>
             </a:r>
             <a:r>
-              <a:rPr lang="ja-JP" altLang="en-US" sz="1900" spc="-1" dirty="0" smtClean="0">
+              <a:rPr lang="ja-JP" altLang="en-US" spc="-1" dirty="0" smtClean="0">
                 <a:solidFill>
                   <a:srgbClr val="000000"/>
                 </a:solidFill>
@@ -20607,7 +20638,7 @@
               </a:rPr>
               <a:t>選択</a:t>
             </a:r>
-            <a:endParaRPr lang="en-US" altLang="ja-JP" sz="1900" spc="-1" dirty="0" smtClean="0">
+            <a:endParaRPr lang="en-US" altLang="ja-JP" spc="-1" dirty="0" smtClean="0">
               <a:solidFill>
                 <a:srgbClr val="000000"/>
               </a:solidFill>
@@ -20626,7 +20657,7 @@
               <a:buChar char="∙"/>
             </a:pPr>
             <a:r>
-              <a:rPr lang="ja-JP" altLang="en-US" sz="1900" spc="-1" dirty="0" smtClean="0">
+              <a:rPr lang="ja-JP" altLang="en-US" spc="-1" dirty="0" smtClean="0">
                 <a:solidFill>
                   <a:srgbClr val="000000"/>
                 </a:solidFill>
@@ -20634,7 +20665,7 @@
               </a:rPr>
               <a:t>必要に応じて拡張再利用を選択</a:t>
             </a:r>
-            <a:endParaRPr lang="en-US" sz="1900" b="0" strike="noStrike" spc="-1" dirty="0" smtClean="0">
+            <a:endParaRPr lang="en-US" b="0" strike="noStrike" spc="-1" dirty="0" smtClean="0">
               <a:latin typeface="Arial"/>
             </a:endParaRPr>
           </a:p>
@@ -20653,7 +20684,7 @@
               <a:buAutoNum type="arabicPeriod"/>
             </a:pPr>
             <a:r>
-              <a:rPr lang="en-US" altLang="ja-JP" sz="1900" b="1" spc="-1" dirty="0">
+              <a:rPr lang="en-US" altLang="ja-JP" b="1" spc="-1" dirty="0">
                 <a:solidFill>
                   <a:srgbClr val="000000"/>
                 </a:solidFill>
@@ -20663,7 +20694,7 @@
               <a:t>Aggregated view</a:t>
             </a:r>
             <a:r>
-              <a:rPr lang="ja-JP" altLang="en-US" sz="1900" b="1" spc="-1" dirty="0" smtClean="0">
+              <a:rPr lang="ja-JP" altLang="en-US" b="1" spc="-1" dirty="0" smtClean="0">
                 <a:solidFill>
                   <a:srgbClr val="000000"/>
                 </a:solidFill>
@@ -20672,7 +20703,7 @@
               <a:t>で</a:t>
             </a:r>
             <a:r>
-              <a:rPr lang="ja-JP" altLang="en-US" sz="1900" b="1" spc="-1" dirty="0">
+              <a:rPr lang="ja-JP" altLang="en-US" b="1" spc="-1" dirty="0">
                 <a:solidFill>
                   <a:srgbClr val="000000"/>
                 </a:solidFill>
@@ -20681,7 +20712,7 @@
               <a:t>再利用率を</a:t>
             </a:r>
             <a:r>
-              <a:rPr lang="ja-JP" altLang="en-US" sz="1900" b="1" spc="-1" dirty="0" smtClean="0">
+              <a:rPr lang="ja-JP" altLang="en-US" b="1" spc="-1" dirty="0" smtClean="0">
                 <a:solidFill>
                   <a:srgbClr val="000000"/>
                 </a:solidFill>
@@ -20689,7 +20720,7 @@
               </a:rPr>
               <a:t>確認</a:t>
             </a:r>
-            <a:endParaRPr lang="en-US" sz="1900" b="0" strike="noStrike" spc="-1" dirty="0" smtClean="0">
+            <a:endParaRPr lang="en-US" b="0" strike="noStrike" spc="-1" dirty="0" smtClean="0">
               <a:latin typeface="Arial"/>
             </a:endParaRPr>
           </a:p>
@@ -20705,7 +20736,7 @@
               <a:buChar char="∙"/>
             </a:pPr>
             <a:r>
-              <a:rPr lang="ja-JP" altLang="en-US" sz="1900" spc="-1" dirty="0">
+              <a:rPr lang="ja-JP" altLang="en-US" spc="-1" dirty="0">
                 <a:solidFill>
                   <a:srgbClr val="000000"/>
                 </a:solidFill>
@@ -20714,7 +20745,7 @@
               <a:t>複数のアップロードから再利用することが可能でなければ</a:t>
             </a:r>
             <a:r>
-              <a:rPr lang="ja-JP" altLang="en-US" sz="1900" spc="-1" dirty="0" smtClean="0">
+              <a:rPr lang="ja-JP" altLang="en-US" spc="-1" dirty="0" smtClean="0">
                 <a:solidFill>
                   <a:srgbClr val="000000"/>
                 </a:solidFill>
@@ -20722,7 +20753,7 @@
               </a:rPr>
               <a:t>ならない</a:t>
             </a:r>
-            <a:endParaRPr lang="en-US" sz="1900" b="0" strike="noStrike" spc="-1" dirty="0">
+            <a:endParaRPr lang="en-US" b="0" strike="noStrike" spc="-1" dirty="0">
               <a:latin typeface="Arial"/>
             </a:endParaRPr>
           </a:p>
@@ -20736,7 +20767,7 @@
         </p:nvSpPr>
         <p:spPr>
           <a:xfrm>
-            <a:off x="7281984" y="1176052"/>
+            <a:off x="7187892" y="1176052"/>
             <a:ext cx="4741141" cy="331560"/>
           </a:xfrm>
           <a:prstGeom prst="rect">
@@ -20811,7 +20842,7 @@
         </p:nvSpPr>
         <p:spPr>
           <a:xfrm>
-            <a:off x="188184" y="1176052"/>
+            <a:off x="94092" y="1176052"/>
             <a:ext cx="7093800" cy="331560"/>
           </a:xfrm>
           <a:prstGeom prst="rect">
@@ -20920,8 +20951,8 @@
         </p:nvSpPr>
         <p:spPr>
           <a:xfrm>
-            <a:off x="7281984" y="1507612"/>
-            <a:ext cx="4741141" cy="4557600"/>
+            <a:off x="7187892" y="1507612"/>
+            <a:ext cx="4741141" cy="4851788"/>
           </a:xfrm>
           <a:prstGeom prst="rect">
             <a:avLst/>
@@ -20961,56 +20992,22 @@
               <a:buChar char="•"/>
             </a:pPr>
             <a:r>
-              <a:rPr lang="en-US" sz="1700" b="0" strike="noStrike" spc="-1" dirty="0" err="1">
-                <a:solidFill>
-                  <a:srgbClr val="000000"/>
-                </a:solidFill>
-                <a:latin typeface="Arial"/>
-                <a:ea typeface="Arial"/>
-              </a:rPr>
+              <a:rPr lang="en-US" altLang="ja-JP" sz="1600" dirty="0" err="1"/>
               <a:t>zlib</a:t>
             </a:r>
             <a:r>
-              <a:rPr lang="en-US" sz="1700" b="0" strike="noStrike" spc="-1" dirty="0">
-                <a:solidFill>
-                  <a:srgbClr val="000000"/>
-                </a:solidFill>
-                <a:latin typeface="Arial"/>
-                <a:ea typeface="Arial"/>
-              </a:rPr>
+              <a:rPr lang="en-US" altLang="ja-JP" sz="1600" dirty="0"/>
               <a:t> 1.2.7 </a:t>
             </a:r>
             <a:r>
-              <a:rPr lang="ja-JP" altLang="en-US" sz="1700" spc="-1" dirty="0" smtClean="0">
-                <a:solidFill>
-                  <a:srgbClr val="000000"/>
-                </a:solidFill>
-                <a:latin typeface="Arial"/>
-                <a:ea typeface="Arial"/>
-              </a:rPr>
-              <a:t>の</a:t>
-            </a:r>
-            <a:r>
-              <a:rPr lang="ja-JP" altLang="en-US" sz="1700" spc="-1" dirty="0">
-                <a:solidFill>
-                  <a:srgbClr val="000000"/>
-                </a:solidFill>
-                <a:latin typeface="Arial"/>
-                <a:ea typeface="Arial"/>
-              </a:rPr>
-              <a:t>ソース</a:t>
-            </a:r>
-            <a:r>
-              <a:rPr lang="ja-JP" altLang="en-US" sz="1700" spc="-1" dirty="0" smtClean="0">
-                <a:solidFill>
-                  <a:srgbClr val="000000"/>
-                </a:solidFill>
-                <a:latin typeface="Arial"/>
-                <a:ea typeface="Arial"/>
-              </a:rPr>
-              <a:t>がアップされた</a:t>
-            </a:r>
-            <a:endParaRPr lang="en-US" sz="1700" b="0" strike="noStrike" spc="-1" dirty="0">
+              <a:rPr lang="ja-JP" altLang="en-US" sz="1600" dirty="0"/>
+              <a:t>のソースが既にアップされて</a:t>
+            </a:r>
+            <a:r>
+              <a:rPr lang="ja-JP" altLang="en-US" sz="1600" dirty="0" smtClean="0"/>
+              <a:t>いる</a:t>
+            </a:r>
+            <a:endParaRPr lang="en-US" sz="1600" b="0" strike="noStrike" spc="-1" dirty="0" smtClean="0">
               <a:latin typeface="Arial"/>
             </a:endParaRPr>
           </a:p>
@@ -21026,33 +21023,48 @@
               <a:buChar char="∙"/>
             </a:pPr>
             <a:r>
-              <a:rPr lang="ja-JP" altLang="en-US" sz="1700" spc="-1" dirty="0" smtClean="0">
-                <a:solidFill>
-                  <a:srgbClr val="000000"/>
-                </a:solidFill>
-                <a:latin typeface="Arial"/>
-              </a:rPr>
-              <a:t>いくつかの</a:t>
-            </a:r>
-            <a:r>
-              <a:rPr lang="en-US" altLang="ja-JP" sz="1700" spc="-1" dirty="0" smtClean="0">
-                <a:solidFill>
-                  <a:srgbClr val="000000"/>
-                </a:solidFill>
-                <a:latin typeface="Arial"/>
-              </a:rPr>
-              <a:t>”clearing”</a:t>
-            </a:r>
-            <a:r>
-              <a:rPr lang="ja-JP" altLang="en-US" sz="1700" spc="-1" dirty="0" smtClean="0">
-                <a:solidFill>
-                  <a:srgbClr val="000000"/>
-                </a:solidFill>
-                <a:latin typeface="Arial"/>
-              </a:rPr>
-              <a:t>作業が終わる</a:t>
-            </a:r>
-            <a:endParaRPr lang="en-US" sz="1700" b="0" strike="noStrike" spc="-1" dirty="0">
+              <a:rPr lang="ja-JP" altLang="en-US" sz="1600" dirty="0"/>
+              <a:t>前のパートで、いくつかの </a:t>
+            </a:r>
+            <a:r>
+              <a:rPr lang="en-US" altLang="ja-JP" sz="1600" dirty="0"/>
+              <a:t>"clearing" </a:t>
+            </a:r>
+            <a:r>
+              <a:rPr lang="ja-JP" altLang="en-US" sz="1600" dirty="0"/>
+              <a:t>作業が終わって</a:t>
+            </a:r>
+            <a:r>
+              <a:rPr lang="ja-JP" altLang="en-US" sz="1600" dirty="0" smtClean="0"/>
+              <a:t>いる</a:t>
+            </a:r>
+            <a:endParaRPr lang="en-US" altLang="ja-JP" sz="1600" dirty="0" smtClean="0"/>
+          </a:p>
+          <a:p>
+            <a:pPr marL="285750" lvl="1" indent="-285750">
+              <a:buClr>
+                <a:srgbClr val="879BAA"/>
+              </a:buClr>
+              <a:buFont typeface="Arial" panose="020B0604020202020204" pitchFamily="34" charset="0"/>
+              <a:buChar char="•"/>
+            </a:pPr>
+            <a:r>
+              <a:rPr lang="en-US" altLang="ja-JP" sz="1600" dirty="0" err="1"/>
+              <a:t>zlib</a:t>
+            </a:r>
+            <a:r>
+              <a:rPr lang="en-US" altLang="ja-JP" sz="1600" dirty="0"/>
+              <a:t> 1.2.8 </a:t>
+            </a:r>
+            <a:r>
+              <a:rPr lang="ja-JP" altLang="en-US" sz="1600" dirty="0"/>
+              <a:t>ソースを</a:t>
+            </a:r>
+            <a:r>
+              <a:rPr lang="ja-JP" altLang="en-US" sz="1600" dirty="0" smtClean="0"/>
+              <a:t>アップロード</a:t>
+            </a:r>
+            <a:endParaRPr lang="en-US" sz="1600" b="0" strike="noStrike" spc="-1" dirty="0" smtClean="0">
               <a:latin typeface="Arial"/>
             </a:endParaRPr>
           </a:p>
@@ -21068,24 +21080,158 @@
               <a:buChar char="∙"/>
             </a:pPr>
             <a:r>
-              <a:rPr lang="ja-JP" altLang="en-US" sz="1700" spc="-1" dirty="0">
-                <a:solidFill>
-                  <a:srgbClr val="000000"/>
-                </a:solidFill>
-                <a:latin typeface="Arial"/>
-              </a:rPr>
-              <a:t>前</a:t>
-            </a:r>
-            <a:r>
-              <a:rPr lang="ja-JP" altLang="en-US" sz="1700" spc="-1" dirty="0" smtClean="0">
-                <a:solidFill>
-                  <a:srgbClr val="000000"/>
-                </a:solidFill>
-                <a:latin typeface="Arial"/>
-              </a:rPr>
-              <a:t>の部分から</a:t>
-            </a:r>
-            <a:endParaRPr lang="en-US" sz="1700" b="0" strike="noStrike" spc="-1" dirty="0">
+              <a:rPr lang="en-US" altLang="ja-JP" sz="1600" spc="-1" dirty="0">
+                <a:solidFill>
+                  <a:srgbClr val="000000"/>
+                </a:solidFill>
+                <a:ea typeface="Arial"/>
+              </a:rPr>
+              <a:t>Select an already uploaded package for reuse ... </a:t>
+            </a:r>
+            <a:r>
+              <a:rPr lang="ja-JP" altLang="en-US" sz="1600" spc="-1" dirty="0">
+                <a:solidFill>
+                  <a:srgbClr val="000000"/>
+                </a:solidFill>
+                <a:ea typeface="Arial"/>
+              </a:rPr>
+              <a:t>に</a:t>
+            </a:r>
+            <a:r>
+              <a:rPr lang="ja-JP" altLang="en-US" sz="1600" spc="-1" dirty="0" smtClean="0">
+                <a:solidFill>
+                  <a:srgbClr val="000000"/>
+                </a:solidFill>
+                <a:ea typeface="Arial"/>
+              </a:rPr>
+              <a:t>チェック</a:t>
+            </a:r>
+            <a:endParaRPr lang="en-US" altLang="ja-JP" sz="1600" spc="-1" dirty="0" smtClean="0">
+              <a:solidFill>
+                <a:srgbClr val="000000"/>
+              </a:solidFill>
+              <a:ea typeface="Arial"/>
+            </a:endParaRPr>
+          </a:p>
+          <a:p>
+            <a:pPr marL="355680" lvl="2" indent="-195840">
+              <a:lnSpc>
+                <a:spcPct val="100000"/>
+              </a:lnSpc>
+              <a:buClr>
+                <a:srgbClr val="879BAA"/>
+              </a:buClr>
+              <a:buFont typeface="Noto Sans Symbols"/>
+              <a:buChar char="∙"/>
+            </a:pPr>
+            <a:r>
+              <a:rPr lang="en-US" altLang="ja-JP" sz="1600" spc="-1" dirty="0">
+                <a:solidFill>
+                  <a:srgbClr val="000000"/>
+                </a:solidFill>
+                <a:ea typeface="Arial"/>
+              </a:rPr>
+              <a:t>Upload to reuse: </a:t>
+            </a:r>
+            <a:r>
+              <a:rPr lang="ja-JP" altLang="en-US" sz="1600" spc="-1" dirty="0">
+                <a:solidFill>
+                  <a:srgbClr val="000000"/>
+                </a:solidFill>
+                <a:ea typeface="Arial"/>
+              </a:rPr>
+              <a:t>欄で、アップロード済の </a:t>
+            </a:r>
+            <a:r>
+              <a:rPr lang="en-US" altLang="ja-JP" sz="1600" spc="-1" dirty="0" err="1">
+                <a:solidFill>
+                  <a:srgbClr val="000000"/>
+                </a:solidFill>
+                <a:ea typeface="Arial"/>
+              </a:rPr>
+              <a:t>zlib</a:t>
+            </a:r>
+            <a:r>
+              <a:rPr lang="en-US" altLang="ja-JP" sz="1600" spc="-1" dirty="0">
+                <a:solidFill>
+                  <a:srgbClr val="000000"/>
+                </a:solidFill>
+                <a:ea typeface="Arial"/>
+              </a:rPr>
+              <a:t> 1.2.7 </a:t>
+            </a:r>
+            <a:r>
+              <a:rPr lang="ja-JP" altLang="en-US" sz="1600" spc="-1" dirty="0">
+                <a:solidFill>
+                  <a:srgbClr val="000000"/>
+                </a:solidFill>
+                <a:ea typeface="Arial"/>
+              </a:rPr>
+              <a:t>を</a:t>
+            </a:r>
+            <a:r>
+              <a:rPr lang="ja-JP" altLang="en-US" sz="1600" spc="-1" dirty="0" smtClean="0">
+                <a:solidFill>
+                  <a:srgbClr val="000000"/>
+                </a:solidFill>
+                <a:ea typeface="Arial"/>
+              </a:rPr>
+              <a:t>選択</a:t>
+            </a:r>
+            <a:endParaRPr lang="en-US" sz="1600" b="0" strike="noStrike" spc="-1" dirty="0" smtClean="0">
+              <a:latin typeface="Arial"/>
+            </a:endParaRPr>
+          </a:p>
+          <a:p>
+            <a:pPr marL="355680" lvl="2" indent="-195840">
+              <a:lnSpc>
+                <a:spcPct val="100000"/>
+              </a:lnSpc>
+              <a:buClr>
+                <a:srgbClr val="879BAA"/>
+              </a:buClr>
+              <a:buFont typeface="Noto Sans Symbols"/>
+              <a:buChar char="∙"/>
+            </a:pPr>
+            <a:r>
+              <a:rPr lang="ja-JP" altLang="en-US" sz="1600" dirty="0"/>
+              <a:t>他の </a:t>
+            </a:r>
+            <a:r>
+              <a:rPr lang="en-US" altLang="ja-JP" sz="1600" dirty="0"/>
+              <a:t>Reuse </a:t>
+            </a:r>
+            <a:r>
+              <a:rPr lang="ja-JP" altLang="en-US" sz="1600" dirty="0"/>
+              <a:t>オプションは何も選択</a:t>
+            </a:r>
+            <a:r>
+              <a:rPr lang="ja-JP" altLang="en-US" sz="1600" dirty="0" smtClean="0"/>
+              <a:t>しない</a:t>
+            </a:r>
+            <a:endParaRPr lang="en-US" altLang="ja-JP" sz="1600" dirty="0" smtClean="0"/>
+          </a:p>
+          <a:p>
+            <a:pPr marL="355680" lvl="2" indent="-195840">
+              <a:lnSpc>
+                <a:spcPct val="100000"/>
+              </a:lnSpc>
+              <a:buClr>
+                <a:srgbClr val="879BAA"/>
+              </a:buClr>
+              <a:buFont typeface="Noto Sans Symbols"/>
+              <a:buChar char="∙"/>
+            </a:pPr>
+            <a:r>
+              <a:rPr lang="ja-JP" altLang="en-US" sz="1600" spc="-1" dirty="0">
+                <a:solidFill>
+                  <a:srgbClr val="000000"/>
+                </a:solidFill>
+                <a:ea typeface="Arial"/>
+              </a:rPr>
+              <a:t>スキャン結果から、再利用されたファイルをレビュー</a:t>
+            </a:r>
+            <a:endParaRPr lang="en-US" sz="1600" b="0" strike="noStrike" spc="-1" dirty="0">
               <a:latin typeface="Arial"/>
             </a:endParaRPr>
           </a:p>
@@ -21104,66 +21250,42 @@
               <a:buChar char="•"/>
             </a:pPr>
             <a:r>
-              <a:rPr lang="ja-JP" altLang="en-US" sz="1700" spc="-1" dirty="0">
-                <a:solidFill>
-                  <a:srgbClr val="000000"/>
-                </a:solidFill>
-                <a:latin typeface="Arial"/>
+              <a:rPr lang="en-US" altLang="ja-JP" sz="1600" spc="-1" dirty="0" err="1">
+                <a:solidFill>
+                  <a:srgbClr val="000000"/>
+                </a:solidFill>
+                <a:ea typeface="Arial"/>
+              </a:rPr>
+              <a:t>zlib</a:t>
+            </a:r>
+            <a:r>
+              <a:rPr lang="en-US" altLang="ja-JP" sz="1600" spc="-1" dirty="0">
+                <a:solidFill>
+                  <a:srgbClr val="000000"/>
+                </a:solidFill>
+                <a:ea typeface="Arial"/>
+              </a:rPr>
+              <a:t> 1.2.8 </a:t>
+            </a:r>
+            <a:r>
+              <a:rPr lang="ja-JP" altLang="en-US" sz="1600" spc="-1" dirty="0">
+                <a:solidFill>
+                  <a:srgbClr val="000000"/>
+                </a:solidFill>
+                <a:ea typeface="Arial"/>
+              </a:rPr>
+              <a:t>を再び</a:t>
+            </a:r>
+            <a:r>
+              <a:rPr lang="ja-JP" altLang="en-US" sz="1600" spc="-1" dirty="0" smtClean="0">
+                <a:solidFill>
+                  <a:srgbClr val="000000"/>
+                </a:solidFill>
                 <a:ea typeface="Arial"/>
               </a:rPr>
               <a:t>アップロード</a:t>
             </a:r>
-            <a:r>
-              <a:rPr lang="en-US" sz="1700" b="0" strike="noStrike" spc="-1" dirty="0" smtClean="0">
-                <a:solidFill>
-                  <a:srgbClr val="000000"/>
-                </a:solidFill>
-                <a:latin typeface="Arial"/>
-                <a:ea typeface="Arial"/>
-              </a:rPr>
-              <a:t> </a:t>
-            </a:r>
-            <a:r>
-              <a:rPr lang="en-US" sz="1700" b="0" strike="noStrike" spc="-1" dirty="0">
-                <a:solidFill>
-                  <a:srgbClr val="000000"/>
-                </a:solidFill>
-                <a:latin typeface="Arial"/>
-                <a:ea typeface="Arial"/>
-              </a:rPr>
-              <a:t>“From File” </a:t>
-            </a:r>
-            <a:r>
-              <a:rPr lang="en-US" sz="1700" b="0" strike="noStrike" spc="-1" dirty="0" err="1">
-                <a:solidFill>
-                  <a:srgbClr val="000000"/>
-                </a:solidFill>
-                <a:latin typeface="Arial"/>
-                <a:ea typeface="Arial"/>
-              </a:rPr>
-              <a:t>zlib</a:t>
-            </a:r>
-            <a:r>
-              <a:rPr lang="en-US" sz="1700" b="0" strike="noStrike" spc="-1" dirty="0">
-                <a:solidFill>
-                  <a:srgbClr val="000000"/>
-                </a:solidFill>
-                <a:latin typeface="Arial"/>
-                <a:ea typeface="Arial"/>
-              </a:rPr>
-              <a:t> 1.2.8 </a:t>
-            </a:r>
-            <a:r>
-              <a:rPr lang="ja-JP" altLang="en-US" sz="1700" spc="-1" dirty="0">
-                <a:solidFill>
-                  <a:srgbClr val="000000"/>
-                </a:solidFill>
-                <a:latin typeface="Arial"/>
-                <a:ea typeface="Arial"/>
-              </a:rPr>
-              <a:t>ソース</a:t>
-            </a:r>
-            <a:endParaRPr lang="en-US" sz="1700" b="0" strike="noStrike" spc="-1" dirty="0">
+            <a:endParaRPr lang="en-US" sz="1600" b="0" strike="noStrike" spc="-1" dirty="0" smtClean="0">
               <a:latin typeface="Arial"/>
             </a:endParaRPr>
           </a:p>
@@ -21179,38 +21301,21 @@
               <a:buChar char="∙"/>
             </a:pPr>
             <a:r>
-              <a:rPr lang="ja-JP" altLang="en-US" sz="1700" spc="-1" dirty="0" smtClean="0">
-                <a:solidFill>
-                  <a:srgbClr val="000000"/>
-                </a:solidFill>
-                <a:latin typeface="Arial"/>
-                <a:ea typeface="Arial"/>
-              </a:rPr>
-              <a:t>アップロード済パッケージ</a:t>
-            </a:r>
-            <a:r>
-              <a:rPr lang="en-US" sz="1700" b="0" strike="noStrike" spc="-1" dirty="0" smtClean="0">
-                <a:solidFill>
-                  <a:srgbClr val="000000"/>
-                </a:solidFill>
-                <a:latin typeface="Arial"/>
-                <a:ea typeface="Arial"/>
-              </a:rPr>
-              <a:t>1.2.7</a:t>
-            </a:r>
-            <a:r>
-              <a:rPr lang="ja-JP" altLang="en-US" sz="1700" b="0" strike="noStrike" spc="-1" dirty="0" smtClean="0">
-                <a:solidFill>
-                  <a:srgbClr val="000000"/>
-                </a:solidFill>
-                <a:latin typeface="Arial"/>
-                <a:ea typeface="Arial"/>
-              </a:rPr>
-              <a:t>再利用選択</a:t>
-            </a:r>
-            <a:endParaRPr lang="en-US" sz="1700" b="0" strike="noStrike" spc="-1" dirty="0">
-              <a:latin typeface="Arial"/>
-            </a:endParaRPr>
+              <a:rPr lang="ja-JP" altLang="en-US" sz="1600" dirty="0"/>
+              <a:t>再利用するパッケージを選択 </a:t>
+            </a:r>
+            <a:r>
+              <a:rPr lang="en-US" altLang="ja-JP" sz="1600" dirty="0"/>
+              <a:t>(</a:t>
+            </a:r>
+            <a:r>
+              <a:rPr lang="ja-JP" altLang="en-US" sz="1600" dirty="0"/>
+              <a:t>同上</a:t>
+            </a:r>
+            <a:r>
+              <a:rPr lang="en-US" altLang="ja-JP" sz="1600" dirty="0" smtClean="0"/>
+              <a:t>)</a:t>
+            </a:r>
           </a:p>
           <a:p>
             <a:pPr marL="355680" lvl="2" indent="-195840">
@@ -21224,51 +21329,22 @@
               <a:buChar char="∙"/>
             </a:pPr>
             <a:r>
-              <a:rPr lang="ja-JP" altLang="en-US" sz="1700" b="0" strike="noStrike" spc="-1" dirty="0" smtClean="0">
-                <a:solidFill>
-                  <a:srgbClr val="000000"/>
-                </a:solidFill>
-                <a:latin typeface="Arial"/>
-                <a:ea typeface="Arial"/>
-              </a:rPr>
-              <a:t>他に何もない</a:t>
-            </a:r>
-            <a:endParaRPr lang="en-US" sz="1700" b="0" strike="noStrike" spc="-1" dirty="0">
-              <a:latin typeface="Arial"/>
-            </a:endParaRPr>
-          </a:p>
-          <a:p>
-            <a:pPr marL="355680" lvl="2" indent="-195840">
-              <a:lnSpc>
-                <a:spcPct val="100000"/>
-              </a:lnSpc>
-              <a:buClr>
-                <a:srgbClr val="879BAA"/>
-              </a:buClr>
-              <a:buFont typeface="Noto Sans Symbols"/>
-              <a:buChar char="∙"/>
-            </a:pPr>
-            <a:r>
-              <a:rPr lang="ja-JP" altLang="en-US" sz="1700" b="0" strike="noStrike" spc="-1" dirty="0" smtClean="0">
-                <a:solidFill>
-                  <a:srgbClr val="000000"/>
-                </a:solidFill>
-                <a:latin typeface="Arial"/>
-                <a:ea typeface="Arial"/>
-              </a:rPr>
-              <a:t>レビューファイルは再利用</a:t>
-            </a:r>
-            <a:r>
-              <a:rPr lang="en-US" sz="1700" b="0" strike="noStrike" spc="-1" dirty="0" smtClean="0">
-                <a:solidFill>
-                  <a:srgbClr val="000000"/>
-                </a:solidFill>
-                <a:latin typeface="Arial"/>
-                <a:ea typeface="Arial"/>
-              </a:rPr>
-              <a:t> </a:t>
-            </a:r>
-            <a:endParaRPr lang="en-US" sz="1700" b="0" strike="noStrike" spc="-1" dirty="0">
+              <a:rPr lang="en-US" altLang="ja-JP" sz="1600" dirty="0" smtClean="0"/>
+              <a:t>... </a:t>
+            </a:r>
+            <a:r>
+              <a:rPr lang="en-US" altLang="ja-JP" sz="1600" dirty="0"/>
+              <a:t>bulk phrases from reused packages </a:t>
+            </a:r>
+            <a:r>
+              <a:rPr lang="ja-JP" altLang="en-US" sz="1600" dirty="0" err="1"/>
+              <a:t>にも</a:t>
+            </a:r>
+            <a:r>
+              <a:rPr lang="ja-JP" altLang="en-US" sz="1600" dirty="0"/>
+              <a:t>チェック</a:t>
+            </a:r>
+            <a:endParaRPr lang="en-US" sz="1600" b="0" strike="noStrike" spc="-1" dirty="0" smtClean="0">
               <a:latin typeface="Arial"/>
             </a:endParaRPr>
           </a:p>
@@ -21287,76 +21363,22 @@
               <a:buChar char="•"/>
             </a:pPr>
             <a:r>
-              <a:rPr lang="en-US" sz="1700" b="0" strike="noStrike" spc="-1" dirty="0" smtClean="0">
-                <a:solidFill>
-                  <a:srgbClr val="000000"/>
-                </a:solidFill>
-                <a:latin typeface="Arial"/>
-                <a:ea typeface="Arial"/>
-              </a:rPr>
-              <a:t>“From </a:t>
-            </a:r>
-            <a:r>
-              <a:rPr lang="en-US" sz="1700" b="0" strike="noStrike" spc="-1" dirty="0">
-                <a:solidFill>
-                  <a:srgbClr val="000000"/>
-                </a:solidFill>
-                <a:latin typeface="Arial"/>
-                <a:ea typeface="Arial"/>
-              </a:rPr>
-              <a:t>File” </a:t>
-            </a:r>
-            <a:r>
-              <a:rPr lang="en-US" sz="1700" b="0" strike="noStrike" spc="-1" dirty="0" err="1">
-                <a:solidFill>
-                  <a:srgbClr val="000000"/>
-                </a:solidFill>
-                <a:latin typeface="Arial"/>
-                <a:ea typeface="Arial"/>
-              </a:rPr>
+              <a:rPr lang="en-US" altLang="ja-JP" sz="1600" dirty="0" err="1"/>
               <a:t>zlib</a:t>
             </a:r>
             <a:r>
-              <a:rPr lang="en-US" sz="1700" b="0" strike="noStrike" spc="-1" dirty="0">
-                <a:solidFill>
-                  <a:srgbClr val="000000"/>
-                </a:solidFill>
-                <a:latin typeface="Arial"/>
-                <a:ea typeface="Arial"/>
-              </a:rPr>
+              <a:rPr lang="en-US" altLang="ja-JP" sz="1600" dirty="0"/>
               <a:t> 1.2.8 </a:t>
             </a:r>
             <a:r>
-              <a:rPr lang="ja-JP" altLang="en-US" sz="1700" spc="-1" dirty="0">
-                <a:solidFill>
-                  <a:srgbClr val="000000"/>
-                </a:solidFill>
-                <a:latin typeface="Arial"/>
-                <a:ea typeface="Arial"/>
-              </a:rPr>
-              <a:t>ソース</a:t>
-            </a:r>
-            <a:r>
-              <a:rPr lang="ja-JP" altLang="en-US" sz="1700" spc="-1" dirty="0" smtClean="0">
-                <a:solidFill>
-                  <a:srgbClr val="000000"/>
-                </a:solidFill>
-                <a:latin typeface="Arial"/>
-                <a:ea typeface="Arial"/>
-              </a:rPr>
-              <a:t>を再びアップロード</a:t>
-            </a:r>
-            <a:r>
-              <a:rPr lang="en-US" sz="1700" b="0" strike="noStrike" spc="-1" dirty="0" smtClean="0">
-                <a:solidFill>
-                  <a:srgbClr val="000000"/>
-                </a:solidFill>
-                <a:latin typeface="Arial"/>
-                <a:ea typeface="Arial"/>
-              </a:rPr>
-              <a:t> </a:t>
-            </a:r>
-            <a:endParaRPr lang="en-US" sz="1700" b="0" strike="noStrike" spc="-1" dirty="0">
+              <a:rPr lang="ja-JP" altLang="en-US" sz="1600" dirty="0"/>
+              <a:t>をもう一度</a:t>
+            </a:r>
+            <a:r>
+              <a:rPr lang="ja-JP" altLang="en-US" sz="1600" dirty="0" smtClean="0"/>
+              <a:t>アップロード</a:t>
+            </a:r>
+            <a:endParaRPr lang="en-US" sz="1600" b="0" strike="noStrike" spc="-1" dirty="0" smtClean="0">
               <a:latin typeface="Arial"/>
             </a:endParaRPr>
           </a:p>
@@ -21372,182 +21394,18 @@
               <a:buChar char="∙"/>
             </a:pPr>
             <a:r>
-              <a:rPr lang="ja-JP" altLang="en-US" sz="1700" spc="-1" dirty="0" smtClean="0">
-                <a:solidFill>
-                  <a:srgbClr val="000000"/>
-                </a:solidFill>
-                <a:latin typeface="Arial"/>
-                <a:ea typeface="Arial"/>
-              </a:rPr>
-              <a:t>再利用パッケージ</a:t>
-            </a:r>
-            <a:r>
-              <a:rPr lang="ja-JP" altLang="en-US" sz="1700" spc="-1" dirty="0">
-                <a:solidFill>
-                  <a:srgbClr val="000000"/>
-                </a:solidFill>
-                <a:latin typeface="Arial"/>
-                <a:ea typeface="Arial"/>
-              </a:rPr>
-              <a:t>選択</a:t>
-            </a:r>
-            <a:r>
-              <a:rPr lang="en-US" sz="1700" b="0" strike="noStrike" spc="-1" dirty="0" smtClean="0">
-                <a:solidFill>
-                  <a:srgbClr val="000000"/>
-                </a:solidFill>
-                <a:latin typeface="Arial"/>
-                <a:ea typeface="Arial"/>
-              </a:rPr>
-              <a:t> </a:t>
-            </a:r>
-            <a:r>
-              <a:rPr lang="en-US" sz="1700" b="0" strike="noStrike" spc="-1" dirty="0">
-                <a:solidFill>
-                  <a:srgbClr val="000000"/>
-                </a:solidFill>
-                <a:latin typeface="Arial"/>
-                <a:ea typeface="Arial"/>
-              </a:rPr>
-              <a:t>…</a:t>
-            </a:r>
-            <a:endParaRPr lang="en-US" sz="1700" b="0" strike="noStrike" spc="-1" dirty="0">
-              <a:latin typeface="Arial"/>
-            </a:endParaRPr>
-          </a:p>
-          <a:p>
-            <a:pPr marL="355680" lvl="2" indent="-195840">
-              <a:lnSpc>
-                <a:spcPct val="100000"/>
-              </a:lnSpc>
-              <a:buClr>
-                <a:srgbClr val="879BAA"/>
-              </a:buClr>
-              <a:buFont typeface="Noto Sans Symbols"/>
-              <a:buChar char="∙"/>
-            </a:pPr>
-            <a:r>
-              <a:rPr lang="ja-JP" altLang="en-US" sz="1700" spc="-1" dirty="0" smtClean="0">
-                <a:solidFill>
-                  <a:srgbClr val="000000"/>
-                </a:solidFill>
-                <a:latin typeface="Arial"/>
-                <a:ea typeface="Arial"/>
-              </a:rPr>
-              <a:t>バルクフレーズ再利用も同様</a:t>
-            </a:r>
-            <a:endParaRPr lang="en-US" sz="1700" b="0" strike="noStrike" spc="-1" dirty="0">
-              <a:latin typeface="Arial"/>
-            </a:endParaRPr>
-          </a:p>
-          <a:p>
-            <a:pPr marL="190440" lvl="1" indent="-208440">
-              <a:lnSpc>
-                <a:spcPct val="100000"/>
-              </a:lnSpc>
-              <a:spcBef>
-                <a:spcPts val="1301"/>
-              </a:spcBef>
-              <a:buClr>
-                <a:srgbClr val="879BAA"/>
-              </a:buClr>
-              <a:buFont typeface="Arial"/>
-              <a:buChar char="•"/>
-            </a:pPr>
-            <a:r>
-              <a:rPr lang="ja-JP" altLang="en-US" sz="1700" spc="-1" dirty="0" smtClean="0">
-                <a:solidFill>
-                  <a:srgbClr val="000000"/>
-                </a:solidFill>
-                <a:latin typeface="Arial"/>
-                <a:ea typeface="Arial"/>
-              </a:rPr>
-              <a:t>もう</a:t>
-            </a:r>
-            <a:r>
-              <a:rPr lang="ja-JP" altLang="en-US" sz="1700" spc="-1" dirty="0">
-                <a:solidFill>
-                  <a:srgbClr val="000000"/>
-                </a:solidFill>
-                <a:latin typeface="Arial"/>
-                <a:ea typeface="Arial"/>
-              </a:rPr>
-              <a:t>一度</a:t>
-            </a:r>
-            <a:r>
-              <a:rPr lang="en-US" sz="1700" b="0" strike="noStrike" spc="-1" dirty="0" smtClean="0">
-                <a:solidFill>
-                  <a:srgbClr val="000000"/>
-                </a:solidFill>
-                <a:latin typeface="Arial"/>
-                <a:ea typeface="Arial"/>
-              </a:rPr>
-              <a:t> </a:t>
-            </a:r>
-            <a:r>
-              <a:rPr lang="en-US" sz="1700" b="0" strike="noStrike" spc="-1" dirty="0">
-                <a:solidFill>
-                  <a:srgbClr val="000000"/>
-                </a:solidFill>
-                <a:latin typeface="Arial"/>
-                <a:ea typeface="Arial"/>
-              </a:rPr>
-              <a:t>… </a:t>
-            </a:r>
-            <a:r>
-              <a:rPr lang="ja-JP" altLang="en-US" sz="1700" spc="-1" dirty="0">
-                <a:solidFill>
-                  <a:srgbClr val="000000"/>
-                </a:solidFill>
-                <a:latin typeface="Arial"/>
-                <a:ea typeface="Arial"/>
-              </a:rPr>
-              <a:t>アップロード</a:t>
-            </a:r>
-            <a:endParaRPr lang="en-US" sz="1700" b="0" strike="noStrike" spc="-1" dirty="0">
-              <a:latin typeface="Arial"/>
-            </a:endParaRPr>
-          </a:p>
-          <a:p>
-            <a:pPr marL="355680" lvl="2" indent="-195840">
-              <a:lnSpc>
-                <a:spcPct val="100000"/>
-              </a:lnSpc>
-              <a:buClr>
-                <a:srgbClr val="879BAA"/>
-              </a:buClr>
-              <a:buFont typeface="Noto Sans Symbols"/>
-              <a:buChar char="∙"/>
-            </a:pPr>
-            <a:r>
-              <a:rPr lang="ja-JP" altLang="en-US" sz="1700" spc="-1" dirty="0">
-                <a:solidFill>
-                  <a:srgbClr val="000000"/>
-                </a:solidFill>
-                <a:ea typeface="Arial"/>
-              </a:rPr>
-              <a:t>拡張</a:t>
-            </a:r>
-            <a:r>
-              <a:rPr lang="ja-JP" altLang="en-US" sz="1700" spc="-1" dirty="0" smtClean="0">
-                <a:solidFill>
-                  <a:srgbClr val="000000"/>
-                </a:solidFill>
-                <a:ea typeface="Arial"/>
-              </a:rPr>
-              <a:t>再利用もまた選択</a:t>
-            </a:r>
-            <a:endParaRPr lang="en-US" sz="1700" b="0" strike="noStrike" spc="-1" dirty="0" smtClean="0">
-              <a:latin typeface="Arial"/>
-            </a:endParaRPr>
-          </a:p>
-          <a:p>
-            <a:pPr>
-              <a:lnSpc>
-                <a:spcPct val="100000"/>
-              </a:lnSpc>
-            </a:pPr>
-            <a:endParaRPr lang="en-US" sz="1700" b="0" strike="noStrike" spc="-1" dirty="0">
+              <a:rPr lang="en-US" altLang="ja-JP" sz="1600" dirty="0"/>
+              <a:t>enhanced reuse (slower) </a:t>
+            </a:r>
+            <a:r>
+              <a:rPr lang="ja-JP" altLang="en-US" sz="1600" dirty="0" err="1"/>
+              <a:t>にも</a:t>
+            </a:r>
+            <a:r>
+              <a:rPr lang="ja-JP" altLang="en-US" sz="1600" dirty="0" smtClean="0"/>
+              <a:t>チェック</a:t>
+            </a:r>
+            <a:endParaRPr lang="en-US" sz="1600" b="0" strike="noStrike" spc="-1" dirty="0">
               <a:latin typeface="Arial"/>
             </a:endParaRPr>
           </a:p>
@@ -21678,13 +21536,31 @@
               <a:buChar char="●"/>
             </a:pPr>
             <a:r>
+              <a:rPr lang="en-US" altLang="ja-JP" sz="3200" b="1" spc="-1" dirty="0">
+                <a:solidFill>
+                  <a:srgbClr val="000000"/>
+                </a:solidFill>
+                <a:ea typeface="Arial"/>
+              </a:rPr>
+              <a:t>Candidate License </a:t>
+            </a:r>
+            <a:r>
               <a:rPr lang="ja-JP" altLang="en-US" sz="3200" b="1" spc="-1" dirty="0">
                 <a:solidFill>
                   <a:srgbClr val="000000"/>
                 </a:solidFill>
                 <a:ea typeface="Arial"/>
               </a:rPr>
-              <a:t>ライセンス候補の取り扱い</a:t>
+              <a:t>の</a:t>
+            </a:r>
+            <a:r>
+              <a:rPr lang="ja-JP" altLang="en-US" sz="3200" b="1" spc="-1" dirty="0" smtClean="0">
+                <a:solidFill>
+                  <a:srgbClr val="000000"/>
+                </a:solidFill>
+                <a:ea typeface="Arial"/>
+              </a:rPr>
+              <a:t>取り扱い</a:t>
             </a:r>
             <a:endParaRPr lang="en-US" altLang="ja-JP" sz="3200" spc="-1" dirty="0"/>
           </a:p>
@@ -21700,17 +21576,28 @@
               <a:buChar char="●"/>
             </a:pPr>
             <a:r>
-              <a:rPr lang="ja-JP" altLang="en-US" sz="3200" b="1" strike="noStrike" spc="-1" dirty="0" smtClean="0">
-                <a:solidFill>
-                  <a:srgbClr val="000000"/>
-                </a:solidFill>
-                <a:latin typeface="Arial"/>
-                <a:ea typeface="Arial"/>
-              </a:rPr>
-              <a:t>ライセンステキストのカスタム</a:t>
-            </a:r>
-            <a:endParaRPr lang="en-US" sz="3200" b="0" strike="noStrike" spc="-1" dirty="0">
-              <a:latin typeface="Arial"/>
+              <a:rPr lang="ja-JP" altLang="en-US" sz="3200" b="1" spc="-1" dirty="0">
+                <a:solidFill>
+                  <a:srgbClr val="000000"/>
+                </a:solidFill>
+                <a:ea typeface="Arial"/>
+              </a:rPr>
+              <a:t>カスタムの</a:t>
+            </a:r>
+            <a:r>
+              <a:rPr lang="ja-JP" altLang="en-US" sz="3200" b="1" spc="-1" dirty="0" smtClean="0">
+                <a:solidFill>
+                  <a:srgbClr val="000000"/>
+                </a:solidFill>
+                <a:ea typeface="Arial"/>
+              </a:rPr>
+              <a:t>ライセンステキスト</a:t>
+            </a:r>
+            <a:endParaRPr lang="en-US" altLang="ja-JP" sz="3200" b="1" spc="-1" dirty="0" smtClean="0">
+              <a:solidFill>
+                <a:srgbClr val="000000"/>
+              </a:solidFill>
+              <a:ea typeface="Arial"/>
             </a:endParaRPr>
           </a:p>
           <a:p>
@@ -21725,14 +21612,22 @@
               <a:buChar char="●"/>
             </a:pPr>
             <a:r>
-              <a:rPr lang="ja-JP" altLang="en-US" sz="3200" b="1" strike="noStrike" spc="-1" dirty="0" smtClean="0">
-                <a:solidFill>
-                  <a:srgbClr val="000000"/>
-                </a:solidFill>
-                <a:latin typeface="Arial"/>
-                <a:ea typeface="Arial"/>
-              </a:rPr>
-              <a:t>ライセンスセットの取り扱い</a:t>
+              <a:rPr lang="ja-JP" altLang="en-US" sz="3200" b="1" spc="-1" dirty="0" smtClean="0">
+                <a:solidFill>
+                  <a:srgbClr val="000000"/>
+                </a:solidFill>
+                <a:ea typeface="Arial"/>
+              </a:rPr>
+              <a:t>ライセンスセット</a:t>
+            </a:r>
+            <a:r>
+              <a:rPr lang="ja-JP" altLang="en-US" sz="3200" b="1" spc="-1" dirty="0">
+                <a:solidFill>
+                  <a:srgbClr val="000000"/>
+                </a:solidFill>
+                <a:ea typeface="Arial"/>
+              </a:rPr>
+              <a:t>の取り扱い</a:t>
             </a:r>
             <a:endParaRPr lang="en-US" sz="3200" b="0" strike="noStrike" spc="-1" dirty="0">
               <a:latin typeface="Arial"/>
@@ -21850,17 +21745,25 @@
                 <a:latin typeface="Arial"/>
                 <a:ea typeface="Arial"/>
               </a:rPr>
-              <a:t>: </a:t>
-            </a:r>
-            <a:r>
-              <a:rPr lang="ja-JP" altLang="en-US" sz="3200" b="1" strike="noStrike" spc="-1" dirty="0" smtClean="0">
-                <a:solidFill>
-                  <a:srgbClr val="000000"/>
-                </a:solidFill>
-                <a:latin typeface="Arial"/>
-                <a:ea typeface="Arial"/>
-              </a:rPr>
-              <a:t>ライセンステキストのカスタム</a:t>
+              <a:t>:</a:t>
+            </a:r>
+            <a:r>
+              <a:rPr lang="ja-JP" altLang="en-US" sz="3200" b="1" spc="-1" dirty="0">
+                <a:solidFill>
+                  <a:srgbClr val="000000"/>
+                </a:solidFill>
+                <a:ea typeface="Arial"/>
+              </a:rPr>
+              <a:t>カスタムの</a:t>
+            </a:r>
+            <a:r>
+              <a:rPr lang="ja-JP" altLang="en-US" sz="3200" b="1" spc="-1" dirty="0" smtClean="0">
+                <a:solidFill>
+                  <a:srgbClr val="000000"/>
+                </a:solidFill>
+                <a:ea typeface="Arial"/>
+              </a:rPr>
+              <a:t>ライセンステキスト</a:t>
             </a:r>
             <a:endParaRPr lang="en-US" sz="3200" b="0" strike="noStrike" spc="-1" dirty="0">
               <a:latin typeface="Arial"/>
@@ -21876,8 +21779,8 @@
         </p:nvSpPr>
         <p:spPr>
           <a:xfrm>
-            <a:off x="7339915" y="1634040"/>
-            <a:ext cx="4633782" cy="4628345"/>
+            <a:off x="7205003" y="1394231"/>
+            <a:ext cx="4742157" cy="4959011"/>
           </a:xfrm>
           <a:prstGeom prst="rect">
             <a:avLst/>
@@ -21919,47 +21822,48 @@
               <a:buChar char="•"/>
             </a:pPr>
             <a:r>
-              <a:rPr lang="en-US" sz="1400" b="0" strike="noStrike" spc="-1" dirty="0" err="1">
-                <a:solidFill>
-                  <a:srgbClr val="000000"/>
-                </a:solidFill>
-                <a:latin typeface="Arial"/>
-                <a:ea typeface="Arial"/>
+              <a:rPr lang="en-US" sz="1600" b="0" strike="noStrike" spc="-1" dirty="0" err="1">
+                <a:solidFill>
+                  <a:srgbClr val="000000"/>
+                </a:solidFill>
+                <a:latin typeface="ＭＳ ゴシック" panose="020B0609070205080204" pitchFamily="49" charset="-128"/>
+                <a:ea typeface="ＭＳ ゴシック" panose="020B0609070205080204" pitchFamily="49" charset="-128"/>
               </a:rPr>
               <a:t>Zlib</a:t>
             </a:r>
             <a:r>
-              <a:rPr lang="en-US" sz="1400" b="0" strike="noStrike" spc="-1" dirty="0">
-                <a:solidFill>
-                  <a:srgbClr val="000000"/>
-                </a:solidFill>
-                <a:latin typeface="Arial"/>
-                <a:ea typeface="Arial"/>
+              <a:rPr lang="en-US" sz="1600" b="0" strike="noStrike" spc="-1" dirty="0">
+                <a:solidFill>
+                  <a:srgbClr val="000000"/>
+                </a:solidFill>
+                <a:latin typeface="ＭＳ ゴシック" panose="020B0609070205080204" pitchFamily="49" charset="-128"/>
+                <a:ea typeface="ＭＳ ゴシック" panose="020B0609070205080204" pitchFamily="49" charset="-128"/>
               </a:rPr>
               <a:t> 1.2.7 </a:t>
             </a:r>
             <a:r>
-              <a:rPr lang="ja-JP" altLang="en-US" sz="1400" spc="-1" dirty="0">
-                <a:solidFill>
-                  <a:srgbClr val="000000"/>
-                </a:solidFill>
-                <a:latin typeface="Arial"/>
-                <a:ea typeface="Arial"/>
+              <a:rPr lang="ja-JP" altLang="en-US" sz="1600" spc="-1" dirty="0">
+                <a:solidFill>
+                  <a:srgbClr val="000000"/>
+                </a:solidFill>
+                <a:latin typeface="ＭＳ ゴシック" panose="020B0609070205080204" pitchFamily="49" charset="-128"/>
+                <a:ea typeface="ＭＳ ゴシック" panose="020B0609070205080204" pitchFamily="49" charset="-128"/>
               </a:rPr>
               <a:t>ソース</a:t>
             </a:r>
             <a:r>
-              <a:rPr lang="ja-JP" altLang="en-US" sz="1400" b="0" strike="noStrike" spc="-1" dirty="0" smtClean="0">
-                <a:solidFill>
-                  <a:srgbClr val="000000"/>
-                </a:solidFill>
-                <a:latin typeface="Arial"/>
-                <a:ea typeface="Arial"/>
+              <a:rPr lang="ja-JP" altLang="en-US" sz="1600" b="0" strike="noStrike" spc="-1" dirty="0" smtClean="0">
+                <a:solidFill>
+                  <a:srgbClr val="000000"/>
+                </a:solidFill>
+                <a:latin typeface="ＭＳ ゴシック" panose="020B0609070205080204" pitchFamily="49" charset="-128"/>
+                <a:ea typeface="ＭＳ ゴシック" panose="020B0609070205080204" pitchFamily="49" charset="-128"/>
               </a:rPr>
               <a:t>がアップロードされた</a:t>
             </a:r>
-            <a:endParaRPr lang="en-US" sz="1400" b="0" strike="noStrike" spc="-1" dirty="0">
-              <a:latin typeface="Arial"/>
+            <a:endParaRPr lang="en-US" sz="1600" b="0" strike="noStrike" spc="-1" dirty="0">
+              <a:latin typeface="ＭＳ ゴシック" panose="020B0609070205080204" pitchFamily="49" charset="-128"/>
+              <a:ea typeface="ＭＳ ゴシック" panose="020B0609070205080204" pitchFamily="49" charset="-128"/>
             </a:endParaRPr>
           </a:p>
           <a:p>
@@ -21974,17 +21878,18 @@
               <a:buChar char="∙"/>
             </a:pPr>
             <a:r>
-              <a:rPr lang="ja-JP" altLang="en-US" sz="1400" b="0" strike="noStrike" spc="-1" dirty="0" smtClean="0">
-                <a:solidFill>
-                  <a:srgbClr val="000000"/>
-                </a:solidFill>
-                <a:latin typeface="Arial"/>
-                <a:ea typeface="Arial"/>
+              <a:rPr lang="ja-JP" altLang="en-US" sz="1600" b="0" strike="noStrike" spc="-1" dirty="0" smtClean="0">
+                <a:solidFill>
+                  <a:srgbClr val="000000"/>
+                </a:solidFill>
+                <a:latin typeface="ＭＳ ゴシック" panose="020B0609070205080204" pitchFamily="49" charset="-128"/>
+                <a:ea typeface="ＭＳ ゴシック" panose="020B0609070205080204" pitchFamily="49" charset="-128"/>
               </a:rPr>
               <a:t>ライセンスブラウザに行く</a:t>
             </a:r>
-            <a:endParaRPr lang="en-US" sz="1400" b="0" strike="noStrike" spc="-1" dirty="0">
-              <a:latin typeface="Arial"/>
+            <a:endParaRPr lang="en-US" sz="1600" b="0" strike="noStrike" spc="-1" dirty="0">
+              <a:latin typeface="ＭＳ ゴシック" panose="020B0609070205080204" pitchFamily="49" charset="-128"/>
+              <a:ea typeface="ＭＳ ゴシック" panose="020B0609070205080204" pitchFamily="49" charset="-128"/>
             </a:endParaRPr>
           </a:p>
           <a:p>
@@ -21999,70 +21904,78 @@
               <a:buChar char="∙"/>
             </a:pPr>
             <a:r>
-              <a:rPr lang="ja-JP" altLang="en-US" sz="1400" spc="-1" dirty="0" smtClean="0">
-                <a:solidFill>
-                  <a:srgbClr val="000000"/>
-                </a:solidFill>
-                <a:ea typeface="Arial"/>
+              <a:rPr lang="ja-JP" altLang="en-US" sz="1600" spc="-1" dirty="0" smtClean="0">
+                <a:solidFill>
+                  <a:srgbClr val="000000"/>
+                </a:solidFill>
+                <a:latin typeface="ＭＳ ゴシック" panose="020B0609070205080204" pitchFamily="49" charset="-128"/>
+                <a:ea typeface="ＭＳ ゴシック" panose="020B0609070205080204" pitchFamily="49" charset="-128"/>
               </a:rPr>
               <a:t>ライセンスヒストグラム</a:t>
             </a:r>
             <a:r>
-              <a:rPr lang="ja-JP" altLang="en-US" sz="1400" spc="-1" dirty="0">
-                <a:solidFill>
-                  <a:srgbClr val="000000"/>
-                </a:solidFill>
-                <a:ea typeface="Arial"/>
+              <a:rPr lang="ja-JP" altLang="en-US" sz="1600" spc="-1" dirty="0">
+                <a:solidFill>
+                  <a:srgbClr val="000000"/>
+                </a:solidFill>
+                <a:latin typeface="ＭＳ ゴシック" panose="020B0609070205080204" pitchFamily="49" charset="-128"/>
+                <a:ea typeface="ＭＳ ゴシック" panose="020B0609070205080204" pitchFamily="49" charset="-128"/>
               </a:rPr>
               <a:t>から、パブリックドメインライセンス</a:t>
             </a:r>
             <a:r>
-              <a:rPr lang="ja-JP" altLang="en-US" sz="1400" spc="-1" dirty="0" smtClean="0">
-                <a:solidFill>
-                  <a:srgbClr val="000000"/>
-                </a:solidFill>
-                <a:ea typeface="Arial"/>
+              <a:rPr lang="ja-JP" altLang="en-US" sz="1600" spc="-1" dirty="0" smtClean="0">
+                <a:solidFill>
+                  <a:srgbClr val="000000"/>
+                </a:solidFill>
+                <a:latin typeface="ＭＳ ゴシック" panose="020B0609070205080204" pitchFamily="49" charset="-128"/>
+                <a:ea typeface="ＭＳ ゴシック" panose="020B0609070205080204" pitchFamily="49" charset="-128"/>
               </a:rPr>
               <a:t>の</a:t>
             </a:r>
             <a:r>
-              <a:rPr lang="ja-JP" altLang="en-US" sz="1400" spc="-1" dirty="0">
-                <a:solidFill>
-                  <a:srgbClr val="000000"/>
-                </a:solidFill>
-                <a:ea typeface="Arial"/>
+              <a:rPr lang="ja-JP" altLang="en-US" sz="1600" spc="-1" dirty="0">
+                <a:solidFill>
+                  <a:srgbClr val="000000"/>
+                </a:solidFill>
+                <a:latin typeface="ＭＳ ゴシック" panose="020B0609070205080204" pitchFamily="49" charset="-128"/>
+                <a:ea typeface="ＭＳ ゴシック" panose="020B0609070205080204" pitchFamily="49" charset="-128"/>
               </a:rPr>
               <a:t>出現</a:t>
             </a:r>
             <a:r>
-              <a:rPr lang="ja-JP" altLang="en-US" sz="1400" spc="-1" dirty="0" smtClean="0">
-                <a:solidFill>
-                  <a:srgbClr val="000000"/>
-                </a:solidFill>
-                <a:ea typeface="Arial"/>
+              <a:rPr lang="ja-JP" altLang="en-US" sz="1600" spc="-1" dirty="0" smtClean="0">
+                <a:solidFill>
+                  <a:srgbClr val="000000"/>
+                </a:solidFill>
+                <a:latin typeface="ＭＳ ゴシック" panose="020B0609070205080204" pitchFamily="49" charset="-128"/>
+                <a:ea typeface="ＭＳ ゴシック" panose="020B0609070205080204" pitchFamily="49" charset="-128"/>
               </a:rPr>
               <a:t>を選択：番号</a:t>
             </a:r>
             <a:r>
-              <a:rPr lang="ja-JP" altLang="en-US" sz="1400" spc="-1" dirty="0">
-                <a:solidFill>
-                  <a:srgbClr val="000000"/>
-                </a:solidFill>
-                <a:ea typeface="Arial"/>
+              <a:rPr lang="ja-JP" altLang="en-US" sz="1600" spc="-1" dirty="0">
+                <a:solidFill>
+                  <a:srgbClr val="000000"/>
+                </a:solidFill>
+                <a:latin typeface="ＭＳ ゴシック" panose="020B0609070205080204" pitchFamily="49" charset="-128"/>
+                <a:ea typeface="ＭＳ ゴシック" panose="020B0609070205080204" pitchFamily="49" charset="-128"/>
               </a:rPr>
               <a:t>を</a:t>
             </a:r>
             <a:r>
-              <a:rPr lang="ja-JP" altLang="en-US" sz="1400" spc="-1" dirty="0" smtClean="0">
-                <a:solidFill>
-                  <a:srgbClr val="000000"/>
-                </a:solidFill>
-                <a:ea typeface="Arial"/>
+              <a:rPr lang="ja-JP" altLang="en-US" sz="1600" spc="-1" dirty="0" smtClean="0">
+                <a:solidFill>
+                  <a:srgbClr val="000000"/>
+                </a:solidFill>
+                <a:latin typeface="ＭＳ ゴシック" panose="020B0609070205080204" pitchFamily="49" charset="-128"/>
+                <a:ea typeface="ＭＳ ゴシック" panose="020B0609070205080204" pitchFamily="49" charset="-128"/>
               </a:rPr>
               <a:t>クリック</a:t>
             </a:r>
-            <a:endParaRPr lang="en-US" sz="1400" b="0" strike="noStrike" spc="-1" dirty="0">
-              <a:latin typeface="Arial"/>
+            <a:endParaRPr lang="en-US" sz="1600" b="0" strike="noStrike" spc="-1" dirty="0">
+              <a:latin typeface="ＭＳ ゴシック" panose="020B0609070205080204" pitchFamily="49" charset="-128"/>
+              <a:ea typeface="ＭＳ ゴシック" panose="020B0609070205080204" pitchFamily="49" charset="-128"/>
             </a:endParaRPr>
           </a:p>
           <a:p>
@@ -22077,52 +21990,29 @@
               <a:buChar char="∙"/>
             </a:pPr>
             <a:r>
-              <a:rPr lang="en-US" altLang="ja-JP" sz="1400" spc="-1" dirty="0" smtClean="0">
-                <a:solidFill>
-                  <a:srgbClr val="000000"/>
-                </a:solidFill>
-                <a:ea typeface="Arial"/>
+              <a:rPr lang="en-US" altLang="ja-JP" sz="1600" dirty="0">
+                <a:latin typeface="ＭＳ ゴシック" panose="020B0609070205080204" pitchFamily="49" charset="-128"/>
+                <a:ea typeface="ＭＳ ゴシック" panose="020B0609070205080204" pitchFamily="49" charset="-128"/>
               </a:rPr>
               <a:t>1</a:t>
             </a:r>
             <a:r>
-              <a:rPr lang="ja-JP" altLang="en-US" sz="1400" spc="-1" dirty="0" smtClean="0">
-                <a:solidFill>
-                  <a:srgbClr val="000000"/>
-                </a:solidFill>
-                <a:ea typeface="Arial"/>
-              </a:rPr>
-              <a:t>ファイル</a:t>
-            </a:r>
-            <a:r>
-              <a:rPr lang="ja-JP" altLang="en-US" sz="1400" spc="-1" dirty="0">
-                <a:solidFill>
-                  <a:srgbClr val="000000"/>
-                </a:solidFill>
-                <a:ea typeface="Arial"/>
-              </a:rPr>
-              <a:t>を</a:t>
-            </a:r>
-            <a:r>
-              <a:rPr lang="ja-JP" altLang="en-US" sz="1400" spc="-1" dirty="0" smtClean="0">
-                <a:solidFill>
-                  <a:srgbClr val="000000"/>
-                </a:solidFill>
-                <a:ea typeface="Arial"/>
-              </a:rPr>
-              <a:t>選択オプション：タブ</a:t>
-            </a:r>
-            <a:r>
-              <a:rPr lang="ja-JP" altLang="en-US" sz="1400" spc="-1" dirty="0">
-                <a:solidFill>
-                  <a:srgbClr val="000000"/>
-                </a:solidFill>
-                <a:ea typeface="Arial"/>
-              </a:rPr>
-              <a:t>を使用して複数のファイルを選択</a:t>
-            </a:r>
-            <a:endParaRPr lang="en-US" sz="1400" b="0" strike="noStrike" spc="-1" dirty="0">
-              <a:latin typeface="Arial"/>
+              <a:rPr lang="ja-JP" altLang="en-US" sz="1600" dirty="0">
+                <a:latin typeface="ＭＳ ゴシック" panose="020B0609070205080204" pitchFamily="49" charset="-128"/>
+                <a:ea typeface="ＭＳ ゴシック" panose="020B0609070205080204" pitchFamily="49" charset="-128"/>
+              </a:rPr>
+              <a:t>ファイルを選択、オプション：タブを使用して複数のファイルを</a:t>
+            </a:r>
+            <a:r>
+              <a:rPr lang="ja-JP" altLang="en-US" sz="1600" dirty="0" smtClean="0">
+                <a:latin typeface="ＭＳ ゴシック" panose="020B0609070205080204" pitchFamily="49" charset="-128"/>
+                <a:ea typeface="ＭＳ ゴシック" panose="020B0609070205080204" pitchFamily="49" charset="-128"/>
+              </a:rPr>
+              <a:t>選択</a:t>
+            </a:r>
+            <a:endParaRPr lang="en-US" sz="1600" b="0" strike="noStrike" spc="-1" dirty="0" smtClean="0">
+              <a:latin typeface="ＭＳ ゴシック" panose="020B0609070205080204" pitchFamily="49" charset="-128"/>
+              <a:ea typeface="ＭＳ ゴシック" panose="020B0609070205080204" pitchFamily="49" charset="-128"/>
             </a:endParaRPr>
           </a:p>
           <a:p>
@@ -22137,25 +22027,18 @@
               <a:buChar char="•"/>
             </a:pPr>
             <a:r>
-              <a:rPr lang="ja-JP" altLang="en-US" sz="1400" spc="-1" dirty="0" smtClean="0">
-                <a:solidFill>
-                  <a:srgbClr val="000000"/>
-                </a:solidFill>
-                <a:ea typeface="Arial"/>
-              </a:rPr>
-              <a:t>テキスト</a:t>
-            </a:r>
-            <a:r>
-              <a:rPr lang="ja-JP" altLang="en-US" sz="1400" spc="-1" dirty="0">
-                <a:solidFill>
-                  <a:srgbClr val="000000"/>
-                </a:solidFill>
-                <a:ea typeface="Arial"/>
-              </a:rPr>
-              <a:t>検索結果を追加</a:t>
-            </a:r>
-            <a:endParaRPr lang="en-US" sz="1400" b="0" strike="noStrike" spc="-1" dirty="0">
-              <a:latin typeface="Arial"/>
+              <a:rPr lang="ja-JP" altLang="en-US" sz="1600" spc="-1" dirty="0" smtClean="0">
+                <a:solidFill>
+                  <a:srgbClr val="000000"/>
+                </a:solidFill>
+                <a:latin typeface="ＭＳ ゴシック" panose="020B0609070205080204" pitchFamily="49" charset="-128"/>
+                <a:ea typeface="ＭＳ ゴシック" panose="020B0609070205080204" pitchFamily="49" charset="-128"/>
+              </a:rPr>
+              <a:t>テキスト検索結果を追加</a:t>
+            </a:r>
+            <a:endParaRPr lang="en-US" sz="1600" b="0" strike="noStrike" spc="-1" dirty="0" smtClean="0">
+              <a:latin typeface="ＭＳ ゴシック" panose="020B0609070205080204" pitchFamily="49" charset="-128"/>
+              <a:ea typeface="ＭＳ ゴシック" panose="020B0609070205080204" pitchFamily="49" charset="-128"/>
             </a:endParaRPr>
           </a:p>
           <a:p>
@@ -22170,25 +22053,38 @@
               <a:buChar char="∙"/>
             </a:pPr>
             <a:r>
-              <a:rPr lang="ja-JP" altLang="en-US" sz="1400" spc="-1" dirty="0">
-                <a:solidFill>
-                  <a:srgbClr val="000000"/>
-                </a:solidFill>
-                <a:ea typeface="Arial"/>
-              </a:rPr>
-              <a:t>パブリックドメインライセンスのテキストを</a:t>
-            </a:r>
-            <a:r>
-              <a:rPr lang="ja-JP" altLang="en-US" sz="1400" spc="-1" dirty="0" smtClean="0">
-                <a:solidFill>
-                  <a:srgbClr val="000000"/>
-                </a:solidFill>
-                <a:ea typeface="Arial"/>
+              <a:rPr lang="ja-JP" altLang="en-US" sz="1600" spc="-1" dirty="0" smtClean="0">
+                <a:solidFill>
+                  <a:srgbClr val="000000"/>
+                </a:solidFill>
+                <a:latin typeface="ＭＳ ゴシック" panose="020B0609070205080204" pitchFamily="49" charset="-128"/>
+                <a:ea typeface="ＭＳ ゴシック" panose="020B0609070205080204" pitchFamily="49" charset="-128"/>
+              </a:rPr>
+              <a:t>パブリックドメインライセンス</a:t>
+            </a:r>
+            <a:r>
+              <a:rPr lang="ja-JP" altLang="en-US" sz="1600" spc="-1" dirty="0">
+                <a:solidFill>
+                  <a:srgbClr val="000000"/>
+                </a:solidFill>
+                <a:latin typeface="ＭＳ ゴシック" panose="020B0609070205080204" pitchFamily="49" charset="-128"/>
+                <a:ea typeface="ＭＳ ゴシック" panose="020B0609070205080204" pitchFamily="49" charset="-128"/>
+              </a:rPr>
+              <a:t>のテキストを</a:t>
+            </a:r>
+            <a:r>
+              <a:rPr lang="ja-JP" altLang="en-US" sz="1600" spc="-1" dirty="0" smtClean="0">
+                <a:solidFill>
+                  <a:srgbClr val="000000"/>
+                </a:solidFill>
+                <a:latin typeface="ＭＳ ゴシック" panose="020B0609070205080204" pitchFamily="49" charset="-128"/>
+                <a:ea typeface="ＭＳ ゴシック" panose="020B0609070205080204" pitchFamily="49" charset="-128"/>
               </a:rPr>
               <a:t>確認</a:t>
             </a:r>
-            <a:endParaRPr lang="en-US" sz="1400" b="0" strike="noStrike" spc="-1" dirty="0">
-              <a:latin typeface="Arial"/>
+            <a:endParaRPr lang="en-US" sz="1600" b="0" strike="noStrike" spc="-1" dirty="0">
+              <a:latin typeface="ＭＳ ゴシック" panose="020B0609070205080204" pitchFamily="49" charset="-128"/>
+              <a:ea typeface="ＭＳ ゴシック" panose="020B0609070205080204" pitchFamily="49" charset="-128"/>
             </a:endParaRPr>
           </a:p>
           <a:p>
@@ -22203,11 +22099,15 @@
               <a:buChar char="∙"/>
             </a:pPr>
             <a:r>
-              <a:rPr lang="ja-JP" altLang="en-US" sz="1400" spc="-1" dirty="0"/>
+              <a:rPr lang="ja-JP" altLang="en-US" sz="1600" spc="-1" dirty="0">
+                <a:latin typeface="ＭＳ ゴシック" panose="020B0609070205080204" pitchFamily="49" charset="-128"/>
+                <a:ea typeface="ＭＳ ゴシック" panose="020B0609070205080204" pitchFamily="49" charset="-128"/>
+              </a:rPr>
               <a:t>適切なテキストフレーズを選択</a:t>
             </a:r>
-            <a:endParaRPr lang="en-US" sz="1400" b="0" strike="noStrike" spc="-1" dirty="0">
-              <a:latin typeface="Arial"/>
+            <a:endParaRPr lang="en-US" sz="1600" b="0" strike="noStrike" spc="-1" dirty="0">
+              <a:latin typeface="ＭＳ ゴシック" panose="020B0609070205080204" pitchFamily="49" charset="-128"/>
+              <a:ea typeface="ＭＳ ゴシック" panose="020B0609070205080204" pitchFamily="49" charset="-128"/>
             </a:endParaRPr>
           </a:p>
           <a:p>
@@ -22222,11 +22122,15 @@
               <a:buChar char="∙"/>
             </a:pPr>
             <a:r>
-              <a:rPr lang="ja-JP" altLang="en-US" sz="1400" spc="-1" dirty="0"/>
+              <a:rPr lang="ja-JP" altLang="en-US" sz="1600" spc="-1" dirty="0">
+                <a:latin typeface="ＭＳ ゴシック" panose="020B0609070205080204" pitchFamily="49" charset="-128"/>
+                <a:ea typeface="ＭＳ ゴシック" panose="020B0609070205080204" pitchFamily="49" charset="-128"/>
+              </a:rPr>
               <a:t>ライセンステーブルにテキストを追加</a:t>
             </a:r>
-            <a:endParaRPr lang="en-US" sz="1400" b="0" strike="noStrike" spc="-1" dirty="0">
-              <a:latin typeface="Arial"/>
+            <a:endParaRPr lang="en-US" sz="1600" b="0" strike="noStrike" spc="-1" dirty="0">
+              <a:latin typeface="ＭＳ ゴシック" panose="020B0609070205080204" pitchFamily="49" charset="-128"/>
+              <a:ea typeface="ＭＳ ゴシック" panose="020B0609070205080204" pitchFamily="49" charset="-128"/>
             </a:endParaRPr>
           </a:p>
           <a:p>
@@ -22241,16 +22145,18 @@
               <a:buChar char="∙"/>
             </a:pPr>
             <a:r>
-              <a:rPr lang="ja-JP" altLang="en-US" sz="1400" spc="-1" dirty="0" smtClean="0">
-                <a:solidFill>
-                  <a:srgbClr val="000000"/>
-                </a:solidFill>
-                <a:latin typeface="Arial"/>
+              <a:rPr lang="ja-JP" altLang="en-US" sz="1600" spc="-1" dirty="0" smtClean="0">
+                <a:solidFill>
+                  <a:srgbClr val="000000"/>
+                </a:solidFill>
+                <a:latin typeface="ＭＳ ゴシック" panose="020B0609070205080204" pitchFamily="49" charset="-128"/>
+                <a:ea typeface="ＭＳ ゴシック" panose="020B0609070205080204" pitchFamily="49" charset="-128"/>
               </a:rPr>
               <a:t>決定結果保存</a:t>
             </a:r>
-            <a:endParaRPr lang="en-US" sz="1400" b="0" strike="noStrike" spc="-1" dirty="0">
-              <a:latin typeface="Arial"/>
+            <a:endParaRPr lang="en-US" sz="1600" b="0" strike="noStrike" spc="-1" dirty="0">
+              <a:latin typeface="ＭＳ ゴシック" panose="020B0609070205080204" pitchFamily="49" charset="-128"/>
+              <a:ea typeface="ＭＳ ゴシック" panose="020B0609070205080204" pitchFamily="49" charset="-128"/>
             </a:endParaRPr>
           </a:p>
           <a:p>
@@ -22265,21 +22171,21 @@
               <a:buChar char="•"/>
             </a:pPr>
             <a:r>
-              <a:rPr lang="ja-JP" altLang="en-US" sz="1400" spc="-1" dirty="0" smtClean="0">
-                <a:solidFill>
-                  <a:srgbClr val="000000"/>
-                </a:solidFill>
-                <a:latin typeface="Arial"/>
-                <a:ea typeface="Arial"/>
+              <a:rPr lang="ja-JP" altLang="en-US" sz="1600" spc="-1" dirty="0" smtClean="0">
+                <a:solidFill>
+                  <a:srgbClr val="000000"/>
+                </a:solidFill>
+                <a:latin typeface="ＭＳ ゴシック" panose="020B0609070205080204" pitchFamily="49" charset="-128"/>
+                <a:ea typeface="ＭＳ ゴシック" panose="020B0609070205080204" pitchFamily="49" charset="-128"/>
               </a:rPr>
               <a:t>出力確認</a:t>
             </a:r>
-            <a:endParaRPr lang="en-US" sz="1400" b="0" strike="noStrike" spc="-1" dirty="0" smtClean="0">
+            <a:endParaRPr lang="en-US" sz="1600" b="0" strike="noStrike" spc="-1" dirty="0" smtClean="0">
               <a:solidFill>
                 <a:srgbClr val="000000"/>
               </a:solidFill>
-              <a:latin typeface="Arial"/>
-              <a:ea typeface="Arial"/>
+              <a:latin typeface="ＭＳ ゴシック" panose="020B0609070205080204" pitchFamily="49" charset="-128"/>
+              <a:ea typeface="ＭＳ ゴシック" panose="020B0609070205080204" pitchFamily="49" charset="-128"/>
             </a:endParaRPr>
           </a:p>
           <a:p>
@@ -22294,11 +22200,15 @@
               <a:buChar char="∙"/>
             </a:pPr>
             <a:r>
-              <a:rPr lang="ja-JP" altLang="en-US" sz="1400" spc="-1" dirty="0"/>
+              <a:rPr lang="ja-JP" altLang="en-US" sz="1600" spc="-1" dirty="0">
+                <a:latin typeface="ＭＳ ゴシック" panose="020B0609070205080204" pitchFamily="49" charset="-128"/>
+                <a:ea typeface="ＭＳ ゴシック" panose="020B0609070205080204" pitchFamily="49" charset="-128"/>
+              </a:rPr>
               <a:t>ブラウズビューに戻る</a:t>
             </a:r>
-            <a:endParaRPr lang="en-US" sz="1400" b="0" strike="noStrike" spc="-1" dirty="0">
-              <a:latin typeface="Arial"/>
+            <a:endParaRPr lang="en-US" sz="1600" b="0" strike="noStrike" spc="-1" dirty="0">
+              <a:latin typeface="ＭＳ ゴシック" panose="020B0609070205080204" pitchFamily="49" charset="-128"/>
+              <a:ea typeface="ＭＳ ゴシック" panose="020B0609070205080204" pitchFamily="49" charset="-128"/>
             </a:endParaRPr>
           </a:p>
           <a:p>
@@ -22313,52 +22223,58 @@
               <a:buChar char="∙"/>
             </a:pPr>
             <a:r>
-              <a:rPr lang="ja-JP" altLang="en-US" sz="1400" spc="-1" dirty="0">
-                <a:solidFill>
-                  <a:srgbClr val="000000"/>
-                </a:solidFill>
-                <a:ea typeface="Arial"/>
+              <a:rPr lang="ja-JP" altLang="en-US" sz="1600" spc="-1" dirty="0">
+                <a:solidFill>
+                  <a:srgbClr val="000000"/>
+                </a:solidFill>
+                <a:latin typeface="ＭＳ ゴシック" panose="020B0609070205080204" pitchFamily="49" charset="-128"/>
+                <a:ea typeface="ＭＳ ゴシック" panose="020B0609070205080204" pitchFamily="49" charset="-128"/>
               </a:rPr>
               <a:t>ファイル結果を確認する</a:t>
             </a:r>
             <a:r>
-              <a:rPr lang="ja-JP" altLang="en-US" sz="1400" spc="-1" dirty="0" smtClean="0">
-                <a:solidFill>
-                  <a:srgbClr val="000000"/>
-                </a:solidFill>
-                <a:ea typeface="Arial"/>
+              <a:rPr lang="ja-JP" altLang="en-US" sz="1600" spc="-1" dirty="0" smtClean="0">
+                <a:solidFill>
+                  <a:srgbClr val="000000"/>
+                </a:solidFill>
+                <a:latin typeface="ＭＳ ゴシック" panose="020B0609070205080204" pitchFamily="49" charset="-128"/>
+                <a:ea typeface="ＭＳ ゴシック" panose="020B0609070205080204" pitchFamily="49" charset="-128"/>
               </a:rPr>
               <a:t>ための</a:t>
             </a:r>
             <a:r>
-              <a:rPr lang="en-US" altLang="ja-JP" sz="1400" spc="-1" dirty="0" smtClean="0">
-                <a:solidFill>
-                  <a:srgbClr val="000000"/>
-                </a:solidFill>
-                <a:ea typeface="Arial"/>
+              <a:rPr lang="en-US" altLang="ja-JP" sz="1600" spc="-1" dirty="0" smtClean="0">
+                <a:solidFill>
+                  <a:srgbClr val="000000"/>
+                </a:solidFill>
+                <a:latin typeface="ＭＳ ゴシック" panose="020B0609070205080204" pitchFamily="49" charset="-128"/>
+                <a:ea typeface="ＭＳ ゴシック" panose="020B0609070205080204" pitchFamily="49" charset="-128"/>
               </a:rPr>
               <a:t>readme</a:t>
             </a:r>
             <a:r>
-              <a:rPr lang="ja-JP" altLang="en-US" sz="1400" spc="-1" dirty="0">
-                <a:solidFill>
-                  <a:srgbClr val="000000"/>
-                </a:solidFill>
-                <a:ea typeface="Arial"/>
+              <a:rPr lang="ja-JP" altLang="en-US" sz="1600" spc="-1" dirty="0">
+                <a:solidFill>
+                  <a:srgbClr val="000000"/>
+                </a:solidFill>
+                <a:latin typeface="ＭＳ ゴシック" panose="020B0609070205080204" pitchFamily="49" charset="-128"/>
+                <a:ea typeface="ＭＳ ゴシック" panose="020B0609070205080204" pitchFamily="49" charset="-128"/>
               </a:rPr>
               <a:t>を</a:t>
             </a:r>
             <a:r>
-              <a:rPr lang="ja-JP" altLang="en-US" sz="1400" spc="-1" dirty="0" smtClean="0">
-                <a:solidFill>
-                  <a:srgbClr val="000000"/>
-                </a:solidFill>
-                <a:ea typeface="Arial"/>
+              <a:rPr lang="ja-JP" altLang="en-US" sz="1600" spc="-1" dirty="0" smtClean="0">
+                <a:solidFill>
+                  <a:srgbClr val="000000"/>
+                </a:solidFill>
+                <a:latin typeface="ＭＳ ゴシック" panose="020B0609070205080204" pitchFamily="49" charset="-128"/>
+                <a:ea typeface="ＭＳ ゴシック" panose="020B0609070205080204" pitchFamily="49" charset="-128"/>
               </a:rPr>
               <a:t>生成</a:t>
             </a:r>
-            <a:endParaRPr lang="en-US" sz="1400" b="0" strike="noStrike" spc="-1" dirty="0">
-              <a:latin typeface="Arial"/>
+            <a:endParaRPr lang="en-US" sz="1600" b="0" strike="noStrike" spc="-1" dirty="0">
+              <a:latin typeface="ＭＳ ゴシック" panose="020B0609070205080204" pitchFamily="49" charset="-128"/>
+              <a:ea typeface="ＭＳ ゴシック" panose="020B0609070205080204" pitchFamily="49" charset="-128"/>
             </a:endParaRPr>
           </a:p>
           <a:p>
@@ -22381,8 +22297,8 @@
         </p:nvSpPr>
         <p:spPr>
           <a:xfrm>
-            <a:off x="358628" y="1597865"/>
-            <a:ext cx="6981287" cy="4664520"/>
+            <a:off x="223717" y="1419250"/>
+            <a:ext cx="6981287" cy="4933991"/>
           </a:xfrm>
           <a:prstGeom prst="rect">
             <a:avLst/>
@@ -22429,8 +22345,8 @@
                 <a:solidFill>
                   <a:srgbClr val="000000"/>
                 </a:solidFill>
-                <a:latin typeface="Arial"/>
-                <a:ea typeface="Arial"/>
+                <a:latin typeface="ＭＳ Ｐゴシック" panose="020B0600070205080204" pitchFamily="50" charset="-128"/>
+                <a:ea typeface="ＭＳ Ｐゴシック" panose="020B0600070205080204" pitchFamily="50" charset="-128"/>
               </a:rPr>
               <a:t>「</a:t>
             </a:r>
@@ -22439,8 +22355,8 @@
                 <a:solidFill>
                   <a:srgbClr val="000000"/>
                 </a:solidFill>
-                <a:latin typeface="Arial"/>
-                <a:ea typeface="Arial"/>
+                <a:latin typeface="ＭＳ Ｐゴシック" panose="020B0600070205080204" pitchFamily="50" charset="-128"/>
+                <a:ea typeface="ＭＳ Ｐゴシック" panose="020B0600070205080204" pitchFamily="50" charset="-128"/>
               </a:rPr>
               <a:t>Clearing</a:t>
             </a:r>
@@ -22449,8 +22365,8 @@
                 <a:solidFill>
                   <a:srgbClr val="000000"/>
                 </a:solidFill>
-                <a:latin typeface="Arial"/>
-                <a:ea typeface="Arial"/>
+                <a:latin typeface="ＭＳ Ｐゴシック" panose="020B0600070205080204" pitchFamily="50" charset="-128"/>
+                <a:ea typeface="ＭＳ Ｐゴシック" panose="020B0600070205080204" pitchFamily="50" charset="-128"/>
               </a:rPr>
               <a:t>」中に新しいライセンステキストを見つけ</a:t>
             </a:r>
@@ -22459,20 +22375,22 @@
                 <a:solidFill>
                   <a:srgbClr val="000000"/>
                 </a:solidFill>
-                <a:latin typeface="Arial"/>
-                <a:ea typeface="Arial"/>
+                <a:latin typeface="ＭＳ Ｐゴシック" panose="020B0600070205080204" pitchFamily="50" charset="-128"/>
+                <a:ea typeface="ＭＳ Ｐゴシック" panose="020B0600070205080204" pitchFamily="50" charset="-128"/>
               </a:rPr>
               <a:t>る</a:t>
             </a:r>
             <a:r>
               <a:rPr lang="en-US" altLang="ja-JP" sz="1600" spc="-1" dirty="0">
-                <a:latin typeface="Arial"/>
+                <a:latin typeface="ＭＳ ゴシック" panose="020B0609070205080204" pitchFamily="49" charset="-128"/>
+                <a:ea typeface="ＭＳ ゴシック" panose="020B0609070205080204" pitchFamily="49" charset="-128"/>
               </a:rPr>
               <a:t/>
             </a:r>
             <a:br>
               <a:rPr lang="en-US" altLang="ja-JP" sz="1600" spc="-1" dirty="0">
-                <a:latin typeface="Arial"/>
+                <a:latin typeface="ＭＳ ゴシック" panose="020B0609070205080204" pitchFamily="49" charset="-128"/>
+                <a:ea typeface="ＭＳ ゴシック" panose="020B0609070205080204" pitchFamily="49" charset="-128"/>
               </a:rPr>
             </a:br>
             <a:r>
@@ -22480,13 +22398,14 @@
                 <a:solidFill>
                   <a:srgbClr val="000000"/>
                 </a:solidFill>
-                <a:latin typeface="Arial"/>
-                <a:ea typeface="Arial"/>
+                <a:latin typeface="ＭＳ ゴシック" panose="020B0609070205080204" pitchFamily="49" charset="-128"/>
+                <a:ea typeface="ＭＳ ゴシック" panose="020B0609070205080204" pitchFamily="49" charset="-128"/>
               </a:rPr>
               <a:t>標準テキストの上書きが必要</a:t>
             </a:r>
             <a:endParaRPr lang="en-US" sz="1600" b="0" strike="noStrike" spc="-1" dirty="0">
-              <a:latin typeface="Arial"/>
+              <a:latin typeface="ＭＳ ゴシック" panose="020B0609070205080204" pitchFamily="49" charset="-128"/>
+              <a:ea typeface="ＭＳ ゴシック" panose="020B0609070205080204" pitchFamily="49" charset="-128"/>
             </a:endParaRPr>
           </a:p>
           <a:p>
@@ -22503,7 +22422,8 @@
                 <a:solidFill>
                   <a:srgbClr val="000000"/>
                 </a:solidFill>
-                <a:ea typeface="Arial"/>
+                <a:latin typeface="ＭＳ ゴシック" panose="020B0609070205080204" pitchFamily="49" charset="-128"/>
+                <a:ea typeface="ＭＳ ゴシック" panose="020B0609070205080204" pitchFamily="49" charset="-128"/>
               </a:rPr>
               <a:t>ライセンス</a:t>
             </a:r>
@@ -22512,7 +22432,8 @@
                 <a:solidFill>
                   <a:srgbClr val="000000"/>
                 </a:solidFill>
-                <a:ea typeface="Arial"/>
+                <a:latin typeface="ＭＳ ゴシック" panose="020B0609070205080204" pitchFamily="49" charset="-128"/>
+                <a:ea typeface="ＭＳ ゴシック" panose="020B0609070205080204" pitchFamily="49" charset="-128"/>
               </a:rPr>
               <a:t>によっては、</a:t>
             </a:r>
@@ -22521,7 +22442,8 @@
                 <a:solidFill>
                   <a:srgbClr val="000000"/>
                 </a:solidFill>
-                <a:ea typeface="Arial"/>
+                <a:latin typeface="ＭＳ ゴシック" panose="020B0609070205080204" pitchFamily="49" charset="-128"/>
+                <a:ea typeface="ＭＳ ゴシック" panose="020B0609070205080204" pitchFamily="49" charset="-128"/>
               </a:rPr>
               <a:t>FOSSology</a:t>
             </a:r>
@@ -22530,7 +22452,8 @@
                 <a:solidFill>
                   <a:srgbClr val="000000"/>
                 </a:solidFill>
-                <a:ea typeface="Arial"/>
+                <a:latin typeface="ＭＳ ゴシック" panose="020B0609070205080204" pitchFamily="49" charset="-128"/>
+                <a:ea typeface="ＭＳ ゴシック" panose="020B0609070205080204" pitchFamily="49" charset="-128"/>
               </a:rPr>
               <a:t>提供テキストが役</a:t>
             </a:r>
@@ -22539,7 +22462,8 @@
                 <a:solidFill>
                   <a:srgbClr val="000000"/>
                 </a:solidFill>
-                <a:ea typeface="Arial"/>
+                <a:latin typeface="ＭＳ ゴシック" panose="020B0609070205080204" pitchFamily="49" charset="-128"/>
+                <a:ea typeface="ＭＳ ゴシック" panose="020B0609070205080204" pitchFamily="49" charset="-128"/>
               </a:rPr>
               <a:t>に</a:t>
             </a:r>
@@ -22548,12 +22472,14 @@
                 <a:solidFill>
                   <a:srgbClr val="000000"/>
                 </a:solidFill>
-                <a:ea typeface="Arial"/>
+                <a:latin typeface="ＭＳ ゴシック" panose="020B0609070205080204" pitchFamily="49" charset="-128"/>
+                <a:ea typeface="ＭＳ ゴシック" panose="020B0609070205080204" pitchFamily="49" charset="-128"/>
               </a:rPr>
               <a:t>立たない。</a:t>
             </a:r>
             <a:endParaRPr lang="en-US" sz="1600" b="0" strike="noStrike" spc="-1" dirty="0" smtClean="0">
-              <a:latin typeface="Arial"/>
+              <a:latin typeface="ＭＳ ゴシック" panose="020B0609070205080204" pitchFamily="49" charset="-128"/>
+              <a:ea typeface="ＭＳ ゴシック" panose="020B0609070205080204" pitchFamily="49" charset="-128"/>
             </a:endParaRPr>
           </a:p>
           <a:p>
@@ -22575,25 +22501,18 @@
                 <a:solidFill>
                   <a:srgbClr val="000000"/>
                 </a:solidFill>
-                <a:ea typeface="Arial"/>
-              </a:rPr>
-              <a:t>ライセンスのテキスト</a:t>
-            </a:r>
-            <a:r>
-              <a:rPr lang="ja-JP" altLang="en-US" sz="1600" b="1" spc="-1" dirty="0" smtClean="0">
-                <a:solidFill>
-                  <a:srgbClr val="000000"/>
-                </a:solidFill>
-                <a:ea typeface="Arial"/>
-              </a:rPr>
-              <a:t>置換を追加</a:t>
+                <a:latin typeface="ＭＳ Ｐゴシック" panose="020B0600070205080204" pitchFamily="50" charset="-128"/>
+                <a:ea typeface="ＭＳ Ｐゴシック" panose="020B0600070205080204" pitchFamily="50" charset="-128"/>
+              </a:rPr>
+              <a:t>ライセンスの代替テキストを追加</a:t>
             </a:r>
             <a:r>
               <a:rPr lang="en-US" altLang="ja-JP" sz="1600" b="1" spc="-1" dirty="0" smtClean="0">
                 <a:solidFill>
                   <a:srgbClr val="000000"/>
                 </a:solidFill>
-                <a:ea typeface="Arial"/>
+                <a:latin typeface="ＭＳ ゴシック" panose="020B0609070205080204" pitchFamily="49" charset="-128"/>
+                <a:ea typeface="ＭＳ ゴシック" panose="020B0609070205080204" pitchFamily="49" charset="-128"/>
               </a:rPr>
               <a:t/>
             </a:r>
@@ -22602,65 +22521,63 @@
                 <a:solidFill>
                   <a:srgbClr val="000000"/>
                 </a:solidFill>
-                <a:ea typeface="Arial"/>
+                <a:latin typeface="ＭＳ ゴシック" panose="020B0609070205080204" pitchFamily="49" charset="-128"/>
+                <a:ea typeface="ＭＳ ゴシック" panose="020B0609070205080204" pitchFamily="49" charset="-128"/>
               </a:rPr>
             </a:br>
             <a:r>
+              <a:rPr lang="en-US" altLang="ja-JP" sz="1600" spc="-1" dirty="0">
+                <a:solidFill>
+                  <a:srgbClr val="000000"/>
+                </a:solidFill>
+                <a:latin typeface="ＭＳ ゴシック" panose="020B0609070205080204" pitchFamily="49" charset="-128"/>
+                <a:ea typeface="ＭＳ ゴシック" panose="020B0609070205080204" pitchFamily="49" charset="-128"/>
+              </a:rPr>
+              <a:t>Candidate License</a:t>
+            </a:r>
+            <a:r>
               <a:rPr lang="ja-JP" altLang="en-US" sz="1600" spc="-1" dirty="0" smtClean="0">
                 <a:solidFill>
                   <a:srgbClr val="000000"/>
                 </a:solidFill>
-                <a:ea typeface="Arial"/>
-              </a:rPr>
-              <a:t>候補</a:t>
+                <a:latin typeface="ＭＳ ゴシック" panose="020B0609070205080204" pitchFamily="49" charset="-128"/>
+                <a:ea typeface="ＭＳ ゴシック" panose="020B0609070205080204" pitchFamily="49" charset="-128"/>
+              </a:rPr>
+              <a:t>は</a:t>
+            </a:r>
+            <a:r>
+              <a:rPr lang="en-US" altLang="ja-JP" sz="1600" spc="-1" dirty="0" smtClean="0">
+                <a:solidFill>
+                  <a:srgbClr val="000000"/>
+                </a:solidFill>
+                <a:latin typeface="ＭＳ ゴシック" panose="020B0609070205080204" pitchFamily="49" charset="-128"/>
+                <a:ea typeface="ＭＳ ゴシック" panose="020B0609070205080204" pitchFamily="49" charset="-128"/>
+              </a:rPr>
+              <a:t>”clearing”</a:t>
+            </a:r>
+            <a:r>
+              <a:rPr lang="ja-JP" altLang="en-US" sz="1600" spc="-1" dirty="0" smtClean="0">
+                <a:solidFill>
+                  <a:srgbClr val="000000"/>
+                </a:solidFill>
+                <a:latin typeface="ＭＳ ゴシック" panose="020B0609070205080204" pitchFamily="49" charset="-128"/>
+                <a:ea typeface="ＭＳ ゴシック" panose="020B0609070205080204" pitchFamily="49" charset="-128"/>
+              </a:rPr>
+              <a:t>に</a:t>
             </a:r>
             <a:r>
               <a:rPr lang="ja-JP" altLang="en-US" sz="1600" spc="-1" dirty="0">
                 <a:solidFill>
                   <a:srgbClr val="000000"/>
                 </a:solidFill>
-                <a:ea typeface="Arial"/>
-              </a:rPr>
-              <a:t>ライセンス</a:t>
-            </a:r>
-            <a:r>
-              <a:rPr lang="ja-JP" altLang="en-US" sz="1600" spc="-1" dirty="0" smtClean="0">
-                <a:solidFill>
-                  <a:srgbClr val="000000"/>
-                </a:solidFill>
-                <a:ea typeface="Arial"/>
-              </a:rPr>
-              <a:t>は</a:t>
-            </a:r>
-            <a:r>
-              <a:rPr lang="en-US" altLang="ja-JP" sz="1600" spc="-1" dirty="0" smtClean="0">
-                <a:solidFill>
-                  <a:srgbClr val="000000"/>
-                </a:solidFill>
-                <a:ea typeface="Arial"/>
-              </a:rPr>
-              <a:t>”clearing”</a:t>
-            </a:r>
-            <a:r>
-              <a:rPr lang="ja-JP" altLang="en-US" sz="1600" spc="-1" dirty="0" smtClean="0">
-                <a:solidFill>
-                  <a:srgbClr val="000000"/>
-                </a:solidFill>
-                <a:ea typeface="Arial"/>
-              </a:rPr>
-              <a:t>に</a:t>
-            </a:r>
-            <a:r>
-              <a:rPr lang="ja-JP" altLang="en-US" sz="1600" spc="-1" dirty="0">
-                <a:solidFill>
-                  <a:srgbClr val="000000"/>
-                </a:solidFill>
-                <a:ea typeface="Arial"/>
+                <a:latin typeface="ＭＳ ゴシック" panose="020B0609070205080204" pitchFamily="49" charset="-128"/>
+                <a:ea typeface="ＭＳ ゴシック" panose="020B0609070205080204" pitchFamily="49" charset="-128"/>
               </a:rPr>
               <a:t>有効</a:t>
             </a:r>
             <a:endParaRPr lang="en-US" sz="1600" b="0" strike="noStrike" spc="-1" dirty="0">
-              <a:latin typeface="Arial"/>
+              <a:latin typeface="ＭＳ ゴシック" panose="020B0609070205080204" pitchFamily="49" charset="-128"/>
+              <a:ea typeface="ＭＳ ゴシック" panose="020B0609070205080204" pitchFamily="49" charset="-128"/>
             </a:endParaRPr>
           </a:p>
           <a:p>
@@ -22677,7 +22594,8 @@
                 <a:solidFill>
                   <a:srgbClr val="000000"/>
                 </a:solidFill>
-                <a:ea typeface="Arial"/>
+                <a:latin typeface="ＭＳ ゴシック" panose="020B0609070205080204" pitchFamily="49" charset="-128"/>
+                <a:ea typeface="ＭＳ ゴシック" panose="020B0609070205080204" pitchFamily="49" charset="-128"/>
               </a:rPr>
               <a:t>しかしスキャンしない </a:t>
             </a:r>
@@ -22686,7 +22604,8 @@
                 <a:solidFill>
                   <a:srgbClr val="000000"/>
                 </a:solidFill>
-                <a:ea typeface="Arial"/>
+                <a:latin typeface="ＭＳ ゴシック" panose="020B0609070205080204" pitchFamily="49" charset="-128"/>
+                <a:ea typeface="ＭＳ ゴシック" panose="020B0609070205080204" pitchFamily="49" charset="-128"/>
               </a:rPr>
               <a:t>- </a:t>
             </a:r>
@@ -22695,7 +22614,8 @@
                 <a:solidFill>
                   <a:srgbClr val="000000"/>
                 </a:solidFill>
-                <a:ea typeface="Arial"/>
+                <a:latin typeface="ＭＳ ゴシック" panose="020B0609070205080204" pitchFamily="49" charset="-128"/>
+                <a:ea typeface="ＭＳ ゴシック" panose="020B0609070205080204" pitchFamily="49" charset="-128"/>
               </a:rPr>
               <a:t>スキャンを変更しないために</a:t>
             </a:r>
@@ -22704,12 +22624,14 @@
                 <a:solidFill>
                   <a:srgbClr val="000000"/>
                 </a:solidFill>
-                <a:ea typeface="Arial"/>
+                <a:latin typeface="ＭＳ ゴシック" panose="020B0609070205080204" pitchFamily="49" charset="-128"/>
+                <a:ea typeface="ＭＳ ゴシック" panose="020B0609070205080204" pitchFamily="49" charset="-128"/>
               </a:rPr>
               <a:t>重要</a:t>
             </a:r>
             <a:endParaRPr lang="en-US" sz="1600" b="0" strike="noStrike" spc="-1" dirty="0">
-              <a:latin typeface="Arial"/>
+              <a:latin typeface="ＭＳ ゴシック" panose="020B0609070205080204" pitchFamily="49" charset="-128"/>
+              <a:ea typeface="ＭＳ ゴシック" panose="020B0609070205080204" pitchFamily="49" charset="-128"/>
             </a:endParaRPr>
           </a:p>
           <a:p>
@@ -22726,7 +22648,8 @@
                 <a:solidFill>
                   <a:srgbClr val="000000"/>
                 </a:solidFill>
-                <a:ea typeface="Arial"/>
+                <a:latin typeface="ＭＳ ゴシック" panose="020B0609070205080204" pitchFamily="49" charset="-128"/>
+                <a:ea typeface="ＭＳ ゴシック" panose="020B0609070205080204" pitchFamily="49" charset="-128"/>
               </a:rPr>
               <a:t>マージリクエスト</a:t>
             </a:r>
@@ -22735,7 +22658,8 @@
                 <a:solidFill>
                   <a:srgbClr val="000000"/>
                 </a:solidFill>
-                <a:ea typeface="Arial"/>
+                <a:latin typeface="ＭＳ ゴシック" panose="020B0609070205080204" pitchFamily="49" charset="-128"/>
+                <a:ea typeface="ＭＳ ゴシック" panose="020B0609070205080204" pitchFamily="49" charset="-128"/>
               </a:rPr>
               <a:t>を使って候補エントリを作成</a:t>
             </a:r>
@@ -22744,12 +22668,14 @@
                 <a:solidFill>
                   <a:srgbClr val="000000"/>
                 </a:solidFill>
-                <a:ea typeface="Arial"/>
+                <a:latin typeface="ＭＳ ゴシック" panose="020B0609070205080204" pitchFamily="49" charset="-128"/>
+                <a:ea typeface="ＭＳ ゴシック" panose="020B0609070205080204" pitchFamily="49" charset="-128"/>
               </a:rPr>
               <a:t>する</a:t>
             </a:r>
             <a:endParaRPr lang="en-US" sz="1600" b="0" strike="noStrike" spc="-1" dirty="0" smtClean="0">
-              <a:latin typeface="Arial"/>
+              <a:latin typeface="ＭＳ ゴシック" panose="020B0609070205080204" pitchFamily="49" charset="-128"/>
+              <a:ea typeface="ＭＳ ゴシック" panose="020B0609070205080204" pitchFamily="49" charset="-128"/>
             </a:endParaRPr>
           </a:p>
           <a:p>
@@ -22771,7 +22697,8 @@
                 <a:solidFill>
                   <a:srgbClr val="000000"/>
                 </a:solidFill>
-                <a:ea typeface="Arial"/>
+                <a:latin typeface="ＭＳ Ｐゴシック" panose="020B0600070205080204" pitchFamily="50" charset="-128"/>
+                <a:ea typeface="ＭＳ Ｐゴシック" panose="020B0600070205080204" pitchFamily="50" charset="-128"/>
               </a:rPr>
               <a:t>レポートの出力を</a:t>
             </a:r>
@@ -22780,7 +22707,8 @@
                 <a:solidFill>
                   <a:srgbClr val="000000"/>
                 </a:solidFill>
-                <a:ea typeface="Arial"/>
+                <a:latin typeface="ＭＳ Ｐゴシック" panose="020B0600070205080204" pitchFamily="50" charset="-128"/>
+                <a:ea typeface="ＭＳ Ｐゴシック" panose="020B0600070205080204" pitchFamily="50" charset="-128"/>
               </a:rPr>
               <a:t>確認</a:t>
             </a:r>
@@ -22789,7 +22717,8 @@
                 <a:solidFill>
                   <a:srgbClr val="000000"/>
                 </a:solidFill>
-                <a:ea typeface="Arial"/>
+                <a:latin typeface="ＭＳ ゴシック" panose="020B0609070205080204" pitchFamily="49" charset="-128"/>
+                <a:ea typeface="ＭＳ ゴシック" panose="020B0609070205080204" pitchFamily="49" charset="-128"/>
               </a:rPr>
               <a:t/>
             </a:r>
@@ -22798,7 +22727,8 @@
                 <a:solidFill>
                   <a:srgbClr val="000000"/>
                 </a:solidFill>
-                <a:ea typeface="Arial"/>
+                <a:latin typeface="ＭＳ ゴシック" panose="020B0609070205080204" pitchFamily="49" charset="-128"/>
+                <a:ea typeface="ＭＳ ゴシック" panose="020B0609070205080204" pitchFamily="49" charset="-128"/>
               </a:rPr>
             </a:br>
             <a:r>
@@ -22806,12 +22736,14 @@
                 <a:solidFill>
                   <a:srgbClr val="000000"/>
                 </a:solidFill>
-                <a:ea typeface="Arial"/>
+                <a:latin typeface="ＭＳ ゴシック" panose="020B0609070205080204" pitchFamily="49" charset="-128"/>
+                <a:ea typeface="ＭＳ ゴシック" panose="020B0609070205080204" pitchFamily="49" charset="-128"/>
               </a:rPr>
               <a:t>ライセンス出力を確認するためのレポートを作成</a:t>
             </a:r>
             <a:endParaRPr lang="en-US" sz="1600" b="0" strike="noStrike" spc="-1" dirty="0">
-              <a:latin typeface="Arial"/>
+              <a:latin typeface="ＭＳ ゴシック" panose="020B0609070205080204" pitchFamily="49" charset="-128"/>
+              <a:ea typeface="ＭＳ ゴシック" panose="020B0609070205080204" pitchFamily="49" charset="-128"/>
             </a:endParaRPr>
           </a:p>
         </p:txBody>
@@ -22824,8 +22756,8 @@
         </p:nvSpPr>
         <p:spPr>
           <a:xfrm>
-            <a:off x="7339915" y="1267200"/>
-            <a:ext cx="4633781" cy="360000"/>
+            <a:off x="7205004" y="1081205"/>
+            <a:ext cx="4742156" cy="313026"/>
           </a:xfrm>
           <a:prstGeom prst="rect">
             <a:avLst/>
@@ -22900,7 +22832,7 @@
         </p:nvSpPr>
         <p:spPr>
           <a:xfrm>
-            <a:off x="358628" y="1303374"/>
+            <a:off x="223717" y="1081206"/>
             <a:ext cx="6981287" cy="313025"/>
           </a:xfrm>
           <a:prstGeom prst="rect">
@@ -23071,14 +23003,13 @@
               <a:t>ハンズオン</a:t>
             </a:r>
             <a:r>
-              <a:rPr lang="en-US" sz="3200" b="1" strike="noStrike" spc="-1" dirty="0" smtClean="0">
-                <a:solidFill>
-                  <a:srgbClr val="000000"/>
-                </a:solidFill>
-                <a:latin typeface="Arial"/>
-                <a:ea typeface="Arial"/>
-              </a:rPr>
-              <a:t>:</a:t>
+              <a:rPr lang="en-US" sz="3200" b="1" spc="-1" dirty="0">
+                <a:solidFill>
+                  <a:srgbClr val="000000"/>
+                </a:solidFill>
+                <a:ea typeface="Arial"/>
+              </a:rPr>
+              <a:t>:Candidate License </a:t>
             </a:r>
             <a:r>
               <a:rPr lang="ja-JP" altLang="en-US" sz="3200" b="1" spc="-1" dirty="0">
@@ -23087,7 +23018,16 @@
                 </a:solidFill>
                 <a:ea typeface="Arial"/>
               </a:rPr>
-              <a:t>候補ライセンス処理</a:t>
+              <a:t>の</a:t>
+            </a:r>
+            <a:r>
+              <a:rPr lang="ja-JP" altLang="en-US" sz="3200" b="1" spc="-1" dirty="0" smtClean="0">
+                <a:solidFill>
+                  <a:srgbClr val="000000"/>
+                </a:solidFill>
+                <a:ea typeface="Arial"/>
+              </a:rPr>
+              <a:t>取り扱い</a:t>
             </a:r>
             <a:endParaRPr lang="en-US" sz="3200" b="0" strike="noStrike" spc="-1" dirty="0">
               <a:latin typeface="Arial"/>
@@ -23104,7 +23044,7 @@
         <p:spPr>
           <a:xfrm>
             <a:off x="210065" y="1634040"/>
-            <a:ext cx="7501855" cy="4420800"/>
+            <a:ext cx="7259881" cy="4420800"/>
           </a:xfrm>
           <a:prstGeom prst="rect">
             <a:avLst/>
@@ -23144,26 +23084,33 @@
               <a:buAutoNum type="arabicPeriod"/>
             </a:pPr>
             <a:r>
-              <a:rPr lang="en-US" sz="1900" b="1" strike="noStrike" spc="-1" dirty="0" smtClean="0">
-                <a:solidFill>
-                  <a:srgbClr val="000000"/>
-                </a:solidFill>
-                <a:latin typeface="Arial"/>
-                <a:ea typeface="Arial"/>
-              </a:rPr>
-              <a:t>“clearing”</a:t>
-            </a:r>
-            <a:r>
-              <a:rPr lang="ja-JP" altLang="en-US" sz="1900" b="1" strike="noStrike" spc="-1" dirty="0" smtClean="0">
-                <a:solidFill>
-                  <a:srgbClr val="000000"/>
-                </a:solidFill>
-                <a:latin typeface="Arial"/>
-                <a:ea typeface="Arial"/>
-              </a:rPr>
-              <a:t>作業中に新しいライセンステキストが表示</a:t>
-            </a:r>
-            <a:endParaRPr lang="en-US" sz="1900" b="0" strike="noStrike" spc="-1" dirty="0" smtClean="0">
+              <a:rPr lang="en-US" altLang="ja-JP" b="1" spc="-1" dirty="0">
+                <a:solidFill>
+                  <a:srgbClr val="000000"/>
+                </a:solidFill>
+                <a:ea typeface="Arial"/>
+              </a:rPr>
+              <a:t>"clearing" </a:t>
+            </a:r>
+            <a:r>
+              <a:rPr lang="ja-JP" altLang="en-US" b="1" spc="-1" dirty="0">
+                <a:solidFill>
+                  <a:srgbClr val="000000"/>
+                </a:solidFill>
+                <a:ea typeface="Arial"/>
+              </a:rPr>
+              <a:t>作業中に新しいライセンステキストを</a:t>
+            </a:r>
+            <a:r>
+              <a:rPr lang="ja-JP" altLang="en-US" b="1" spc="-1" dirty="0" smtClean="0">
+                <a:solidFill>
+                  <a:srgbClr val="000000"/>
+                </a:solidFill>
+                <a:ea typeface="Arial"/>
+              </a:rPr>
+              <a:t>見つける</a:t>
+            </a:r>
+            <a:endParaRPr lang="en-US" b="0" strike="noStrike" spc="-1" dirty="0" smtClean="0">
               <a:solidFill>
                 <a:srgbClr val="000000"/>
               </a:solidFill>
@@ -23183,15 +23130,30 @@
               <a:buChar char="∙"/>
             </a:pPr>
             <a:r>
-              <a:rPr lang="ja-JP" altLang="en-US" sz="1900" spc="-1" dirty="0" smtClean="0">
-                <a:solidFill>
-                  <a:srgbClr val="000000"/>
-                </a:solidFill>
-                <a:latin typeface="Arial"/>
-              </a:rPr>
-              <a:t>ファイルのライセンステキストエントリーに、そのライセンスを保存する可能性がある</a:t>
-            </a:r>
-            <a:endParaRPr lang="en-US" sz="1900" b="0" strike="noStrike" spc="-1" dirty="0">
+              <a:rPr lang="ja-JP" altLang="en-US" dirty="0"/>
+              <a:t>そのファイルのライセンスエントリーに、そのライセンステキストを保存することはできる </a:t>
+            </a:r>
+            <a:r>
+              <a:rPr lang="en-US" altLang="ja-JP" dirty="0"/>
+              <a:t>(License Text</a:t>
+            </a:r>
+            <a:r>
+              <a:rPr lang="ja-JP" altLang="en-US" dirty="0"/>
+              <a:t>欄の </a:t>
+            </a:r>
+            <a:r>
+              <a:rPr lang="en-US" altLang="ja-JP" dirty="0"/>
+              <a:t>"Click to Add" </a:t>
+            </a:r>
+            <a:r>
+              <a:rPr lang="ja-JP" altLang="en-US" dirty="0"/>
+              <a:t>から</a:t>
+            </a:r>
+            <a:r>
+              <a:rPr lang="en-US" altLang="ja-JP" dirty="0" smtClean="0"/>
+              <a:t>)</a:t>
+            </a:r>
+            <a:endParaRPr lang="en-US" b="0" strike="noStrike" spc="-1" dirty="0" smtClean="0">
               <a:latin typeface="Arial"/>
             </a:endParaRPr>
           </a:p>
@@ -23207,36 +23169,18 @@
               <a:buChar char="∙"/>
             </a:pPr>
             <a:r>
-              <a:rPr lang="ja-JP" altLang="en-US" sz="1900" b="0" strike="noStrike" spc="-1" dirty="0" smtClean="0">
-                <a:solidFill>
-                  <a:srgbClr val="000000"/>
-                </a:solidFill>
-                <a:latin typeface="Arial"/>
-                <a:ea typeface="Arial"/>
-              </a:rPr>
-              <a:t>優秀だが</a:t>
-            </a:r>
-            <a:r>
-              <a:rPr lang="en-US" sz="1900" b="0" strike="noStrike" spc="-1" dirty="0" smtClean="0">
-                <a:solidFill>
-                  <a:srgbClr val="000000"/>
-                </a:solidFill>
-                <a:latin typeface="Arial"/>
-                <a:ea typeface="Arial"/>
-              </a:rPr>
-              <a:t>, </a:t>
-            </a:r>
-            <a:r>
-              <a:rPr lang="ja-JP" altLang="en-US" sz="1900" b="0" strike="noStrike" spc="-1" dirty="0" smtClean="0">
-                <a:solidFill>
-                  <a:srgbClr val="000000"/>
-                </a:solidFill>
-                <a:latin typeface="Arial"/>
-                <a:ea typeface="Arial"/>
-              </a:rPr>
-              <a:t>そのファイルのみである</a:t>
-            </a:r>
-            <a:endParaRPr lang="en-US" sz="1900" b="0" strike="noStrike" spc="-1" dirty="0">
+              <a:rPr lang="en-US" altLang="ja-JP" dirty="0"/>
+              <a:t>OK. </a:t>
+            </a:r>
+            <a:r>
+              <a:rPr lang="ja-JP" altLang="en-US" dirty="0"/>
+              <a:t>でもこれはそのファイルにのみ</a:t>
+            </a:r>
+            <a:r>
+              <a:rPr lang="ja-JP" altLang="en-US" dirty="0" smtClean="0"/>
+              <a:t>有効</a:t>
+            </a:r>
+            <a:endParaRPr lang="en-US" b="0" strike="noStrike" spc="-1" dirty="0" smtClean="0">
               <a:latin typeface="Arial"/>
             </a:endParaRPr>
           </a:p>
@@ -23255,26 +23199,34 @@
               <a:buAutoNum type="arabicPeriod"/>
             </a:pPr>
             <a:r>
-              <a:rPr lang="ja-JP" altLang="en-US" sz="1900" b="1" spc="-1" dirty="0">
-                <a:solidFill>
-                  <a:srgbClr val="000000"/>
-                </a:solidFill>
-                <a:latin typeface="Arial"/>
-                <a:ea typeface="Arial"/>
-              </a:rPr>
-              <a:t>ラ</a:t>
-            </a:r>
-            <a:r>
-              <a:rPr lang="ja-JP" altLang="en-US" sz="1900" b="1" strike="noStrike" spc="-1" dirty="0" smtClean="0">
-                <a:solidFill>
-                  <a:srgbClr val="000000"/>
-                </a:solidFill>
-                <a:latin typeface="Arial"/>
-                <a:ea typeface="Arial"/>
-              </a:rPr>
-              <a:t>イセンス候補の作成</a:t>
-            </a:r>
-            <a:endParaRPr lang="en-US" sz="1900" b="0" strike="noStrike" spc="-1" dirty="0" smtClean="0">
+              <a:rPr lang="en-US" altLang="ja-JP" b="1" spc="-1" dirty="0">
+                <a:solidFill>
+                  <a:srgbClr val="000000"/>
+                </a:solidFill>
+                <a:ea typeface="Arial"/>
+              </a:rPr>
+              <a:t>Candidate </a:t>
+            </a:r>
+            <a:r>
+              <a:rPr lang="en-US" altLang="ja-JP" b="1" spc="-1" dirty="0" smtClean="0">
+                <a:solidFill>
+                  <a:srgbClr val="000000"/>
+                </a:solidFill>
+                <a:ea typeface="Arial"/>
+              </a:rPr>
+              <a:t>License</a:t>
+            </a:r>
+            <a:r>
+              <a:rPr lang="ja-JP" altLang="en-US" b="1" strike="noStrike" spc="-1" dirty="0" smtClean="0">
+                <a:solidFill>
+                  <a:srgbClr val="000000"/>
+                </a:solidFill>
+                <a:latin typeface="Arial"/>
+                <a:ea typeface="Arial"/>
+              </a:rPr>
+              <a:t>の作成</a:t>
+            </a:r>
+            <a:endParaRPr lang="en-US" b="0" strike="noStrike" spc="-1" dirty="0" smtClean="0">
               <a:latin typeface="Arial"/>
             </a:endParaRPr>
           </a:p>
@@ -23290,16 +23242,34 @@
               <a:buChar char="∙"/>
             </a:pPr>
             <a:r>
-              <a:rPr lang="ja-JP" altLang="en-US" sz="1900" spc="-1" dirty="0">
-                <a:solidFill>
-                  <a:srgbClr val="000000"/>
-                </a:solidFill>
-                <a:ea typeface="Arial"/>
-              </a:rPr>
-              <a:t>候補ライセンスは”</a:t>
-            </a:r>
-            <a:r>
-              <a:rPr lang="en-US" altLang="ja-JP" sz="1900" spc="-1" dirty="0">
+              <a:rPr lang="en-US" altLang="ja-JP" spc="-1" dirty="0">
+                <a:solidFill>
+                  <a:srgbClr val="000000"/>
+                </a:solidFill>
+                <a:ea typeface="Arial"/>
+              </a:rPr>
+              <a:t>Candidate License</a:t>
+            </a:r>
+            <a:r>
+              <a:rPr lang="ja-JP" altLang="en-US" spc="-1" dirty="0" smtClean="0">
+                <a:solidFill>
+                  <a:srgbClr val="000000"/>
+                </a:solidFill>
+                <a:ea typeface="Arial"/>
+              </a:rPr>
+              <a:t>は</a:t>
+            </a:r>
+            <a:r>
+              <a:rPr lang="ja-JP" altLang="en-US" spc="-1" dirty="0">
+                <a:solidFill>
+                  <a:srgbClr val="000000"/>
+                </a:solidFill>
+                <a:ea typeface="Arial"/>
+              </a:rPr>
+              <a:t>”</a:t>
+            </a:r>
+            <a:r>
+              <a:rPr lang="en-US" altLang="ja-JP" spc="-1" dirty="0">
                 <a:solidFill>
                   <a:srgbClr val="000000"/>
                 </a:solidFill>
@@ -23308,7 +23278,7 @@
               <a:t>clearing”</a:t>
             </a:r>
             <a:r>
-              <a:rPr lang="ja-JP" altLang="en-US" sz="1900" spc="-1" dirty="0">
+              <a:rPr lang="ja-JP" altLang="en-US" spc="-1" dirty="0">
                 <a:solidFill>
                   <a:srgbClr val="000000"/>
                 </a:solidFill>
@@ -23329,7 +23299,7 @@
               <a:buChar char="∙"/>
             </a:pPr>
             <a:r>
-              <a:rPr lang="ja-JP" altLang="en-US" sz="1900" spc="-1" dirty="0">
+              <a:rPr lang="ja-JP" altLang="en-US" spc="-1" dirty="0">
                 <a:solidFill>
                   <a:srgbClr val="000000"/>
                 </a:solidFill>
@@ -23338,7 +23308,7 @@
               <a:t>しかしスキャンしない </a:t>
             </a:r>
             <a:r>
-              <a:rPr lang="en-US" altLang="ja-JP" sz="1900" spc="-1" dirty="0">
+              <a:rPr lang="en-US" altLang="ja-JP" spc="-1" dirty="0">
                 <a:solidFill>
                   <a:srgbClr val="000000"/>
                 </a:solidFill>
@@ -23347,7 +23317,7 @@
               <a:t>- </a:t>
             </a:r>
             <a:r>
-              <a:rPr lang="ja-JP" altLang="en-US" sz="1900" spc="-1" dirty="0">
+              <a:rPr lang="ja-JP" altLang="en-US" spc="-1" dirty="0">
                 <a:solidFill>
                   <a:srgbClr val="000000"/>
                 </a:solidFill>
@@ -23368,7 +23338,7 @@
               <a:buChar char="∙"/>
             </a:pPr>
             <a:r>
-              <a:rPr lang="ja-JP" altLang="en-US" sz="1900" spc="-1" dirty="0">
+              <a:rPr lang="ja-JP" altLang="en-US" spc="-1" dirty="0">
                 <a:solidFill>
                   <a:srgbClr val="000000"/>
                 </a:solidFill>
@@ -23392,24 +23362,69 @@
               <a:buAutoNum type="arabicPeriod"/>
             </a:pPr>
             <a:r>
-              <a:rPr lang="ja-JP" altLang="en-US" sz="1900" b="1" spc="-1" dirty="0">
-                <a:solidFill>
-                  <a:srgbClr val="000000"/>
-                </a:solidFill>
-                <a:ea typeface="Arial"/>
-              </a:rPr>
-              <a:t>管理者は候補ライセンスを</a:t>
-            </a:r>
-            <a:r>
-              <a:rPr lang="ja-JP" altLang="en-US" sz="1900" b="1" spc="-1" dirty="0" smtClean="0">
-                <a:solidFill>
-                  <a:srgbClr val="000000"/>
-                </a:solidFill>
-                <a:ea typeface="Arial"/>
-              </a:rPr>
-              <a:t>追加可能</a:t>
-            </a:r>
-            <a:endParaRPr lang="en-US" altLang="ja-JP" sz="1900" spc="-1" dirty="0" smtClean="0">
+              <a:rPr lang="ja-JP" altLang="en-US" b="1" spc="-1" dirty="0">
+                <a:solidFill>
+                  <a:srgbClr val="000000"/>
+                </a:solidFill>
+                <a:ea typeface="Arial"/>
+              </a:rPr>
+              <a:t>管理者</a:t>
+            </a:r>
+            <a:r>
+              <a:rPr lang="ja-JP" altLang="en-US" b="1" spc="-1" dirty="0" smtClean="0">
+                <a:solidFill>
+                  <a:srgbClr val="000000"/>
+                </a:solidFill>
+                <a:ea typeface="Arial"/>
+              </a:rPr>
+              <a:t>は</a:t>
+            </a:r>
+            <a:r>
+              <a:rPr lang="en-US" altLang="ja-JP" b="1" spc="-1" dirty="0">
+                <a:solidFill>
+                  <a:srgbClr val="000000"/>
+                </a:solidFill>
+                <a:ea typeface="Arial"/>
+              </a:rPr>
+              <a:t>Candidate </a:t>
+            </a:r>
+            <a:r>
+              <a:rPr lang="en-US" altLang="ja-JP" b="1" spc="-1" dirty="0" smtClean="0">
+                <a:solidFill>
+                  <a:srgbClr val="000000"/>
+                </a:solidFill>
+                <a:ea typeface="Arial"/>
+              </a:rPr>
+              <a:t>License</a:t>
+            </a:r>
+            <a:r>
+              <a:rPr lang="ja-JP" altLang="en-US" b="1" spc="-1" dirty="0" smtClean="0">
+                <a:solidFill>
+                  <a:srgbClr val="000000"/>
+                </a:solidFill>
+                <a:ea typeface="Arial"/>
+              </a:rPr>
+              <a:t>を</a:t>
+            </a:r>
+            <a:r>
+              <a:rPr lang="ja-JP" altLang="en-US" b="1" spc="-1" dirty="0" smtClean="0">
+                <a:solidFill>
+                  <a:srgbClr val="000000"/>
+                </a:solidFill>
+                <a:ea typeface="Arial"/>
+              </a:rPr>
+              <a:t>追加</a:t>
+            </a:r>
+            <a:r>
+              <a:rPr lang="ja-JP" altLang="en-US" b="1" spc="-1" dirty="0" smtClean="0">
+                <a:solidFill>
+                  <a:srgbClr val="000000"/>
+                </a:solidFill>
+                <a:ea typeface="Arial"/>
+              </a:rPr>
+              <a:t>可能</a:t>
+            </a:r>
+            <a:endParaRPr lang="en-US" altLang="ja-JP" spc="-1" dirty="0" smtClean="0">
               <a:solidFill>
                 <a:srgbClr val="000000"/>
               </a:solidFill>
@@ -23425,14 +23440,22 @@
               <a:buChar char="∙"/>
             </a:pPr>
             <a:r>
-              <a:rPr lang="ja-JP" altLang="en-US" sz="1900" spc="-1" dirty="0"/>
-              <a:t>候補</a:t>
-            </a:r>
-            <a:r>
-              <a:rPr lang="ja-JP" altLang="en-US" sz="1900" spc="-1" dirty="0" smtClean="0"/>
-              <a:t>ライセンスを通常ライセンスに変えることができる</a:t>
-            </a:r>
-            <a:endParaRPr lang="en-US" altLang="ja-JP" sz="1900" spc="-1" dirty="0"/>
+              <a:rPr lang="en-US" altLang="ja-JP" spc="-1" dirty="0"/>
+              <a:t>Candidate </a:t>
+            </a:r>
+            <a:r>
+              <a:rPr lang="en-US" altLang="ja-JP" spc="-1" dirty="0" smtClean="0"/>
+              <a:t>License</a:t>
+            </a:r>
+            <a:r>
+              <a:rPr lang="ja-JP" altLang="en-US" spc="-1" dirty="0" smtClean="0"/>
+              <a:t>を</a:t>
+            </a:r>
+            <a:r>
+              <a:rPr lang="ja-JP" altLang="en-US" spc="-1" dirty="0" smtClean="0"/>
+              <a:t>通常ライセンスに変えることができる</a:t>
+            </a:r>
+            <a:endParaRPr lang="en-US" altLang="ja-JP" spc="-1" dirty="0"/>
           </a:p>
           <a:p>
             <a:pPr marL="520560" lvl="2" indent="-373680">
@@ -23443,7 +23466,7 @@
               <a:buChar char="∙"/>
             </a:pPr>
             <a:r>
-              <a:rPr lang="en-US" altLang="ja-JP" sz="1900" spc="-1" dirty="0" smtClean="0">
+              <a:rPr lang="en-US" altLang="ja-JP" spc="-1" dirty="0" smtClean="0">
                 <a:solidFill>
                   <a:srgbClr val="000000"/>
                 </a:solidFill>
@@ -23452,7 +23475,7 @@
               <a:t>Monk</a:t>
             </a:r>
             <a:r>
-              <a:rPr lang="ja-JP" altLang="en-US" sz="1900" spc="-1" dirty="0" smtClean="0">
+              <a:rPr lang="ja-JP" altLang="en-US" spc="-1" dirty="0" smtClean="0">
                 <a:solidFill>
                   <a:srgbClr val="000000"/>
                 </a:solidFill>
@@ -23461,7 +23484,7 @@
               <a:t>検索の全文一致に</a:t>
             </a:r>
             <a:r>
-              <a:rPr lang="ja-JP" altLang="en-US" sz="1900" spc="-1" dirty="0">
+              <a:rPr lang="ja-JP" altLang="en-US" spc="-1" dirty="0">
                 <a:solidFill>
                   <a:srgbClr val="000000"/>
                 </a:solidFill>
@@ -23470,7 +23493,7 @@
               <a:t>考慮</a:t>
             </a:r>
             <a:r>
-              <a:rPr lang="ja-JP" altLang="en-US" sz="1900" spc="-1" dirty="0" smtClean="0">
+              <a:rPr lang="ja-JP" altLang="en-US" spc="-1" dirty="0" smtClean="0">
                 <a:solidFill>
                   <a:srgbClr val="000000"/>
                 </a:solidFill>
@@ -23479,7 +23502,7 @@
               <a:t>される</a:t>
             </a:r>
             <a:r>
-              <a:rPr lang="en-US" altLang="ja-JP" sz="1900" spc="-1" dirty="0" smtClean="0">
+              <a:rPr lang="en-US" altLang="ja-JP" spc="-1" dirty="0" smtClean="0">
                 <a:solidFill>
                   <a:srgbClr val="000000"/>
                 </a:solidFill>
@@ -23488,7 +23511,7 @@
               <a:t>,</a:t>
             </a:r>
             <a:r>
-              <a:rPr lang="ja-JP" altLang="en-US" sz="1900" spc="-1" dirty="0" smtClean="0">
+              <a:rPr lang="ja-JP" altLang="en-US" spc="-1" dirty="0" smtClean="0">
                 <a:solidFill>
                   <a:srgbClr val="000000"/>
                 </a:solidFill>
@@ -23496,7 +23519,7 @@
               </a:rPr>
               <a:t>正規表現ではない</a:t>
             </a:r>
-            <a:endParaRPr lang="en-US" sz="1900" b="0" strike="noStrike" spc="-1" dirty="0">
+            <a:endParaRPr lang="en-US" b="0" strike="noStrike" spc="-1" dirty="0">
               <a:latin typeface="Arial"/>
             </a:endParaRPr>
           </a:p>
@@ -23512,7 +23535,7 @@
               <a:buChar char="∙"/>
             </a:pPr>
             <a:r>
-              <a:rPr lang="en-US" altLang="ja-JP" sz="1900" spc="-1" dirty="0" smtClean="0">
+              <a:rPr lang="en-US" altLang="ja-JP" spc="-1" dirty="0" smtClean="0">
                 <a:solidFill>
                   <a:srgbClr val="000000"/>
                 </a:solidFill>
@@ -23521,7 +23544,7 @@
               <a:t>UI</a:t>
             </a:r>
             <a:r>
-              <a:rPr lang="ja-JP" altLang="en-US" sz="1900" spc="-1" dirty="0" smtClean="0">
+              <a:rPr lang="ja-JP" altLang="en-US" spc="-1" dirty="0" smtClean="0">
                 <a:solidFill>
                   <a:srgbClr val="000000"/>
                 </a:solidFill>
@@ -23530,7 +23553,7 @@
               <a:t>で既存</a:t>
             </a:r>
             <a:r>
-              <a:rPr lang="ja-JP" altLang="en-US" sz="1900" spc="-1" dirty="0">
+              <a:rPr lang="ja-JP" altLang="en-US" spc="-1" dirty="0">
                 <a:solidFill>
                   <a:srgbClr val="000000"/>
                 </a:solidFill>
@@ -23539,7 +23562,7 @@
               <a:t>のライセンスとのテキスト</a:t>
             </a:r>
             <a:r>
-              <a:rPr lang="ja-JP" altLang="en-US" sz="1900" spc="-1" dirty="0" smtClean="0">
+              <a:rPr lang="ja-JP" altLang="en-US" spc="-1" dirty="0" smtClean="0">
                 <a:solidFill>
                   <a:srgbClr val="000000"/>
                 </a:solidFill>
@@ -23548,7 +23571,7 @@
               <a:t>比較が</a:t>
             </a:r>
             <a:r>
-              <a:rPr lang="ja-JP" altLang="en-US" sz="1900" spc="-1" dirty="0">
+              <a:rPr lang="ja-JP" altLang="en-US" spc="-1" dirty="0">
                 <a:solidFill>
                   <a:srgbClr val="000000"/>
                 </a:solidFill>
@@ -23557,7 +23580,7 @@
               <a:t>可能</a:t>
             </a:r>
             <a:r>
-              <a:rPr lang="ja-JP" altLang="en-US" sz="1900" spc="-1" dirty="0" smtClean="0">
+              <a:rPr lang="ja-JP" altLang="en-US" spc="-1" dirty="0" smtClean="0">
                 <a:solidFill>
                   <a:srgbClr val="000000"/>
                 </a:solidFill>
@@ -23566,7 +23589,7 @@
               <a:t>とな</a:t>
             </a:r>
             <a:r>
-              <a:rPr lang="ja-JP" altLang="en-US" sz="1900" spc="-1" dirty="0">
+              <a:rPr lang="ja-JP" altLang="en-US" spc="-1" dirty="0">
                 <a:solidFill>
                   <a:srgbClr val="000000"/>
                 </a:solidFill>
@@ -23574,7 +23597,7 @@
               </a:rPr>
               <a:t>る</a:t>
             </a:r>
-            <a:endParaRPr lang="en-US" sz="1900" b="0" strike="noStrike" spc="-1" dirty="0">
+            <a:endParaRPr lang="en-US" b="0" strike="noStrike" spc="-1" dirty="0">
               <a:latin typeface="Arial"/>
             </a:endParaRPr>
           </a:p>
@@ -23588,8 +23611,8 @@
         </p:nvSpPr>
         <p:spPr>
           <a:xfrm>
-            <a:off x="7711920" y="1267200"/>
-            <a:ext cx="4323560" cy="360000"/>
+            <a:off x="7469946" y="1267200"/>
+            <a:ext cx="4565534" cy="360000"/>
           </a:xfrm>
           <a:prstGeom prst="rect">
             <a:avLst/>
@@ -23665,7 +23688,7 @@
         <p:spPr>
           <a:xfrm>
             <a:off x="210065" y="1267200"/>
-            <a:ext cx="7501855" cy="360000"/>
+            <a:ext cx="7259881" cy="360000"/>
           </a:xfrm>
           <a:prstGeom prst="rect">
             <a:avLst/>
@@ -23774,8 +23797,8 @@
         </p:nvSpPr>
         <p:spPr>
           <a:xfrm>
-            <a:off x="7711919" y="1634040"/>
-            <a:ext cx="4323561" cy="4420800"/>
+            <a:off x="7469946" y="1634040"/>
+            <a:ext cx="4565536" cy="4427639"/>
           </a:xfrm>
           <a:prstGeom prst="rect">
             <a:avLst/>
@@ -23815,46 +23838,22 @@
               <a:buChar char="•"/>
             </a:pPr>
             <a:r>
-              <a:rPr lang="en-US" sz="1700" b="0" strike="noStrike" spc="-1" dirty="0" err="1">
-                <a:solidFill>
-                  <a:srgbClr val="000000"/>
-                </a:solidFill>
-                <a:latin typeface="Arial"/>
-                <a:ea typeface="Arial"/>
-              </a:rPr>
+              <a:rPr lang="en-US" altLang="ja-JP" sz="1600" dirty="0" err="1"/>
               <a:t>zlib</a:t>
             </a:r>
             <a:r>
-              <a:rPr lang="en-US" sz="1700" b="0" strike="noStrike" spc="-1" dirty="0">
-                <a:solidFill>
-                  <a:srgbClr val="000000"/>
-                </a:solidFill>
-                <a:latin typeface="Arial"/>
-                <a:ea typeface="Arial"/>
-              </a:rPr>
+              <a:rPr lang="en-US" altLang="ja-JP" sz="1600" dirty="0"/>
               <a:t> 1.2.7 </a:t>
             </a:r>
             <a:r>
-              <a:rPr lang="ja-JP" altLang="en-US" sz="1700" spc="-1" dirty="0">
-                <a:solidFill>
-                  <a:srgbClr val="000000"/>
-                </a:solidFill>
-                <a:latin typeface="Arial"/>
-                <a:ea typeface="Arial"/>
-              </a:rPr>
-              <a:t>ソース</a:t>
-            </a:r>
-            <a:r>
-              <a:rPr lang="ja-JP" altLang="en-US" sz="1700" spc="-1" dirty="0" smtClean="0">
-                <a:solidFill>
-                  <a:srgbClr val="000000"/>
-                </a:solidFill>
-                <a:latin typeface="Arial"/>
-                <a:ea typeface="Arial"/>
-              </a:rPr>
-              <a:t>がアップロードされた</a:t>
-            </a:r>
-            <a:endParaRPr lang="en-US" sz="1700" b="0" strike="noStrike" spc="-1" dirty="0">
+              <a:rPr lang="ja-JP" altLang="en-US" sz="1600" dirty="0"/>
+              <a:t>ソースが</a:t>
+            </a:r>
+            <a:r>
+              <a:rPr lang="ja-JP" altLang="en-US" sz="1600" dirty="0" smtClean="0"/>
+              <a:t>アップロード済み</a:t>
+            </a:r>
+            <a:endParaRPr lang="en-US" sz="1600" b="0" strike="noStrike" spc="-1" dirty="0">
               <a:latin typeface="Arial"/>
             </a:endParaRPr>
           </a:p>
@@ -23870,86 +23869,30 @@
               <a:buChar char="∙"/>
             </a:pPr>
             <a:r>
-              <a:rPr lang="ja-JP" altLang="en-US" sz="1700" b="0" strike="noStrike" spc="-1" dirty="0" smtClean="0">
-                <a:solidFill>
-                  <a:srgbClr val="000000"/>
-                </a:solidFill>
-                <a:latin typeface="Arial"/>
-                <a:ea typeface="Arial"/>
-              </a:rPr>
-              <a:t>コントリビューションの中の</a:t>
-            </a:r>
-            <a:r>
-              <a:rPr lang="en-US" sz="1700" b="0" strike="noStrike" spc="-1" dirty="0" smtClean="0">
-                <a:solidFill>
-                  <a:srgbClr val="000000"/>
-                </a:solidFill>
-                <a:latin typeface="Arial"/>
-                <a:ea typeface="Arial"/>
-              </a:rPr>
-              <a:t>“</a:t>
-            </a:r>
-            <a:r>
-              <a:rPr lang="en-US" sz="1700" b="0" strike="noStrike" spc="-1" dirty="0" err="1" smtClean="0">
-                <a:solidFill>
-                  <a:srgbClr val="000000"/>
-                </a:solidFill>
-                <a:latin typeface="Arial"/>
-                <a:ea typeface="Arial"/>
-              </a:rPr>
+              <a:rPr lang="en-US" altLang="ja-JP" sz="1600" dirty="0" err="1"/>
+              <a:t>contrib</a:t>
+            </a:r>
+            <a:r>
+              <a:rPr lang="en-US" altLang="ja-JP" sz="1600" dirty="0"/>
+              <a:t> </a:t>
+            </a:r>
+            <a:r>
+              <a:rPr lang="ja-JP" altLang="en-US" sz="1600" dirty="0"/>
+              <a:t>ディレクトリ配下の </a:t>
+            </a:r>
+            <a:r>
+              <a:rPr lang="en-US" altLang="ja-JP" sz="1600" dirty="0" err="1"/>
               <a:t>ada</a:t>
             </a:r>
             <a:r>
-              <a:rPr lang="en-US" sz="1700" b="0" strike="noStrike" spc="-1" dirty="0" smtClean="0">
-                <a:solidFill>
-                  <a:srgbClr val="000000"/>
-                </a:solidFill>
-                <a:latin typeface="Arial"/>
-                <a:ea typeface="Arial"/>
-              </a:rPr>
-              <a:t>”</a:t>
-            </a:r>
-            <a:r>
-              <a:rPr lang="ja-JP" altLang="en-US" sz="1700" b="0" strike="noStrike" spc="-1" dirty="0" smtClean="0">
-                <a:solidFill>
-                  <a:srgbClr val="000000"/>
-                </a:solidFill>
-                <a:latin typeface="Arial"/>
-                <a:ea typeface="Arial"/>
-              </a:rPr>
-              <a:t>を例として</a:t>
-            </a:r>
-            <a:r>
-              <a:rPr lang="en-US" sz="1700" b="0" strike="noStrike" spc="-1" dirty="0" smtClean="0">
-                <a:solidFill>
-                  <a:srgbClr val="000000"/>
-                </a:solidFill>
-                <a:latin typeface="Arial"/>
-                <a:ea typeface="Arial"/>
-              </a:rPr>
+              <a:rPr lang="en-US" altLang="ja-JP" sz="1600" dirty="0"/>
               <a:t> </a:t>
             </a:r>
             <a:r>
-              <a:rPr lang="ja-JP" altLang="en-US" sz="1700" b="0" strike="noStrike" spc="-1" dirty="0" smtClean="0">
-                <a:solidFill>
-                  <a:srgbClr val="000000"/>
-                </a:solidFill>
-                <a:latin typeface="Arial"/>
-                <a:ea typeface="Arial"/>
-              </a:rPr>
-              <a:t>確認</a:t>
-            </a:r>
-            <a:r>
-              <a:rPr lang="en-US" sz="1700" b="0" strike="noStrike" spc="-1" dirty="0" smtClean="0">
-                <a:solidFill>
-                  <a:srgbClr val="000000"/>
-                </a:solidFill>
-                <a:latin typeface="Arial"/>
-                <a:ea typeface="Arial"/>
-              </a:rPr>
-              <a:t> </a:t>
-            </a:r>
-            <a:endParaRPr lang="en-US" sz="1700" b="0" strike="noStrike" spc="-1" dirty="0">
+              <a:rPr lang="ja-JP" altLang="en-US" sz="1600" dirty="0"/>
+              <a:t>の例をチェック</a:t>
+            </a:r>
+            <a:endParaRPr lang="en-US" sz="1600" b="0" strike="noStrike" spc="-1" dirty="0">
               <a:latin typeface="Arial"/>
             </a:endParaRPr>
           </a:p>
@@ -23965,56 +23908,22 @@
               <a:buChar char="∙"/>
             </a:pPr>
             <a:r>
-              <a:rPr lang="en-US" sz="1700" b="0" strike="noStrike" spc="-1" dirty="0" smtClean="0">
-                <a:solidFill>
-                  <a:srgbClr val="000000"/>
-                </a:solidFill>
-                <a:latin typeface="Arial"/>
-                <a:ea typeface="Arial"/>
-              </a:rPr>
+              <a:rPr lang="en-US" altLang="ja-JP" sz="1600" dirty="0" smtClean="0"/>
               <a:t>“</a:t>
             </a:r>
             <a:r>
-              <a:rPr lang="en-US" sz="1700" b="0" strike="noStrike" spc="-1" dirty="0" err="1" smtClean="0">
-                <a:solidFill>
-                  <a:srgbClr val="000000"/>
-                </a:solidFill>
-                <a:latin typeface="Arial"/>
-                <a:ea typeface="Arial"/>
-              </a:rPr>
+              <a:rPr lang="en-US" altLang="ja-JP" sz="1600" dirty="0" err="1" smtClean="0"/>
               <a:t>ada</a:t>
             </a:r>
             <a:r>
-              <a:rPr lang="en-US" sz="1700" b="0" strike="noStrike" spc="-1" dirty="0" smtClean="0">
-                <a:solidFill>
-                  <a:srgbClr val="000000"/>
-                </a:solidFill>
-                <a:latin typeface="Arial"/>
-                <a:ea typeface="Arial"/>
-              </a:rPr>
-              <a:t>”</a:t>
-            </a:r>
-            <a:r>
-              <a:rPr lang="ja-JP" altLang="en-US" sz="1700" b="0" strike="noStrike" spc="-1" dirty="0" smtClean="0">
-                <a:solidFill>
-                  <a:srgbClr val="000000"/>
-                </a:solidFill>
-                <a:latin typeface="Arial"/>
-                <a:ea typeface="Arial"/>
-              </a:rPr>
-              <a:t>　の例外テキストレビュー</a:t>
-            </a:r>
-            <a:r>
-              <a:rPr lang="en-US" sz="1700" b="0" strike="noStrike" spc="-1" dirty="0" smtClean="0">
-                <a:solidFill>
-                  <a:srgbClr val="000000"/>
-                </a:solidFill>
-                <a:latin typeface="Arial"/>
-                <a:ea typeface="Arial"/>
-              </a:rPr>
-              <a:t> </a:t>
-            </a:r>
-            <a:endParaRPr lang="en-US" sz="1700" b="0" strike="noStrike" spc="-1" dirty="0">
+              <a:rPr lang="en-US" altLang="ja-JP" sz="1600" dirty="0" smtClean="0"/>
+              <a:t>” </a:t>
+            </a:r>
+            <a:r>
+              <a:rPr lang="ja-JP" altLang="en-US" sz="1600" dirty="0"/>
+              <a:t>の例外テキストをレビュー</a:t>
+            </a:r>
+            <a:endParaRPr lang="en-US" sz="1600" b="0" strike="noStrike" spc="-1" dirty="0">
               <a:latin typeface="Arial"/>
             </a:endParaRPr>
           </a:p>
@@ -24033,16 +23942,14 @@
               <a:buChar char="•"/>
             </a:pPr>
             <a:r>
-              <a:rPr lang="ja-JP" altLang="en-US" sz="1700" b="0" strike="noStrike" spc="-1" dirty="0" smtClean="0">
-                <a:solidFill>
-                  <a:srgbClr val="000000"/>
-                </a:solidFill>
-                <a:latin typeface="Arial"/>
-                <a:ea typeface="Arial"/>
-              </a:rPr>
-              <a:t>ライセンス候補の作成</a:t>
-            </a:r>
-            <a:endParaRPr lang="en-US" sz="1700" b="0" strike="noStrike" spc="-1" dirty="0" smtClean="0">
+              <a:rPr lang="en-US" altLang="ja-JP" sz="1600" dirty="0"/>
+              <a:t>Candidate License </a:t>
+            </a:r>
+            <a:r>
+              <a:rPr lang="ja-JP" altLang="en-US" sz="1600" dirty="0"/>
+              <a:t>の作成</a:t>
+            </a:r>
+            <a:endParaRPr lang="en-US" sz="1600" b="0" strike="noStrike" spc="-1" dirty="0" smtClean="0">
               <a:solidFill>
                 <a:srgbClr val="000000"/>
               </a:solidFill>
@@ -24062,15 +23969,22 @@
               <a:buChar char="∙"/>
             </a:pPr>
             <a:r>
-              <a:rPr lang="ja-JP" altLang="en-US" sz="1700" spc="-1" dirty="0" smtClean="0">
-                <a:solidFill>
-                  <a:srgbClr val="000000"/>
-                </a:solidFill>
-                <a:latin typeface="Arial"/>
-              </a:rPr>
-              <a:t>エントリーに記入</a:t>
-            </a:r>
-            <a:endParaRPr lang="en-US" sz="1700" b="0" strike="noStrike" spc="-1" dirty="0" smtClean="0">
+              <a:rPr lang="ja-JP" altLang="en-US" sz="1600" dirty="0"/>
+              <a:t>メニューから </a:t>
+            </a:r>
+            <a:r>
+              <a:rPr lang="en-US" altLang="ja-JP" sz="1600" dirty="0"/>
+              <a:t>Organize, License </a:t>
+            </a:r>
+            <a:r>
+              <a:rPr lang="ja-JP" altLang="en-US" sz="1600" dirty="0" err="1"/>
+              <a:t>へと</a:t>
+            </a:r>
+            <a:r>
+              <a:rPr lang="ja-JP" altLang="en-US" sz="1600" dirty="0"/>
+              <a:t>進む</a:t>
+            </a:r>
+            <a:endParaRPr lang="en-US" sz="1600" b="0" strike="noStrike" spc="-1" dirty="0" smtClean="0">
               <a:solidFill>
                 <a:srgbClr val="000000"/>
               </a:solidFill>
@@ -24090,15 +24004,14 @@
               <a:buChar char="∙"/>
             </a:pPr>
             <a:r>
-              <a:rPr lang="ja-JP" altLang="en-US" sz="1700" spc="-1" dirty="0" smtClean="0">
-                <a:solidFill>
-                  <a:srgbClr val="000000"/>
-                </a:solidFill>
-                <a:latin typeface="Arial"/>
-              </a:rPr>
-              <a:t>事前にテキストクリーン</a:t>
-            </a:r>
-            <a:endParaRPr lang="en-US" sz="1700" b="0" strike="noStrike" spc="-1" dirty="0">
+              <a:rPr lang="en-US" altLang="ja-JP" sz="1600" dirty="0"/>
+              <a:t>New License </a:t>
+            </a:r>
+            <a:r>
+              <a:rPr lang="ja-JP" altLang="en-US" sz="1600" dirty="0"/>
+              <a:t>ボタンを押し、内容を記入</a:t>
+            </a:r>
+            <a:endParaRPr lang="en-US" sz="1600" b="0" strike="noStrike" spc="-1" dirty="0">
               <a:latin typeface="Arial"/>
             </a:endParaRPr>
           </a:p>
@@ -24114,46 +24027,33 @@
               <a:buChar char="∙"/>
             </a:pPr>
             <a:r>
-              <a:rPr lang="ja-JP" altLang="en-US" sz="1700" b="0" strike="noStrike" spc="-1" dirty="0" smtClean="0">
-                <a:solidFill>
-                  <a:srgbClr val="000000"/>
-                </a:solidFill>
-                <a:latin typeface="Arial"/>
-                <a:ea typeface="Arial"/>
-              </a:rPr>
-              <a:t>ファイル</a:t>
-            </a:r>
-            <a:r>
-              <a:rPr lang="ja-JP" altLang="en-US" sz="1700" spc="-1" dirty="0" smtClean="0">
-                <a:solidFill>
-                  <a:srgbClr val="000000"/>
-                </a:solidFill>
-                <a:latin typeface="Arial"/>
-                <a:ea typeface="Arial"/>
-              </a:rPr>
-              <a:t>出現</a:t>
-            </a:r>
-            <a:r>
-              <a:rPr lang="ja-JP" altLang="en-US" sz="1700" spc="-1" dirty="0">
-                <a:solidFill>
-                  <a:srgbClr val="000000"/>
-                </a:solidFill>
-                <a:latin typeface="Arial"/>
-                <a:ea typeface="Arial"/>
-              </a:rPr>
-              <a:t>箇所</a:t>
-            </a:r>
-            <a:r>
-              <a:rPr lang="ja-JP" altLang="en-US" sz="1700" b="0" strike="noStrike" spc="-1" dirty="0" smtClean="0">
-                <a:solidFill>
-                  <a:srgbClr val="000000"/>
-                </a:solidFill>
-                <a:latin typeface="Arial"/>
-                <a:ea typeface="Arial"/>
-              </a:rPr>
-              <a:t>に戻る</a:t>
-            </a:r>
-            <a:endParaRPr lang="en-US" sz="1700" b="0" strike="noStrike" spc="-1" dirty="0">
+              <a:rPr lang="ja-JP" altLang="en-US" sz="1600" dirty="0"/>
+              <a:t>事前にテキストをきれいに </a:t>
+            </a:r>
+            <a:r>
+              <a:rPr lang="ja-JP" altLang="en-US" sz="1600" dirty="0" smtClean="0"/>
+              <a:t>する</a:t>
+            </a:r>
+            <a:r>
+              <a:rPr lang="en-US" altLang="ja-JP" sz="1600" dirty="0" smtClean="0"/>
+              <a:t/>
+            </a:r>
+            <a:br>
+              <a:rPr lang="en-US" altLang="ja-JP" sz="1600" dirty="0" smtClean="0"/>
+            </a:br>
+            <a:r>
+              <a:rPr lang="en-US" altLang="ja-JP" sz="1600" dirty="0" smtClean="0"/>
+              <a:t>(</a:t>
+            </a:r>
+            <a:r>
+              <a:rPr lang="ja-JP" altLang="en-US" sz="1600" dirty="0"/>
+              <a:t>コメント記号の除去など</a:t>
+            </a:r>
+            <a:r>
+              <a:rPr lang="en-US" altLang="ja-JP" sz="1600" dirty="0"/>
+              <a:t>)</a:t>
+            </a:r>
+            <a:endParaRPr lang="en-US" sz="1600" b="0" strike="noStrike" spc="-1" dirty="0">
               <a:latin typeface="Arial"/>
             </a:endParaRPr>
           </a:p>
@@ -24169,14 +24069,35 @@
               <a:buChar char="∙"/>
             </a:pPr>
             <a:r>
-              <a:rPr lang="ja-JP" altLang="en-US" sz="1700" spc="-1" dirty="0" smtClean="0"/>
-              <a:t>候補</a:t>
-            </a:r>
-            <a:r>
-              <a:rPr lang="ja-JP" altLang="en-US" sz="1700" spc="-1" dirty="0"/>
-              <a:t>ライセンスから選択</a:t>
-            </a:r>
-            <a:endParaRPr lang="en-US" sz="1700" b="0" strike="noStrike" spc="-1" dirty="0" smtClean="0">
+              <a:rPr lang="ja-JP" altLang="en-US" sz="1600" dirty="0"/>
+              <a:t>ファイルビューに</a:t>
+            </a:r>
+            <a:r>
+              <a:rPr lang="ja-JP" altLang="en-US" sz="1600" dirty="0" smtClean="0"/>
+              <a:t>戻る</a:t>
+            </a:r>
+            <a:endParaRPr lang="en-US" altLang="ja-JP" sz="1600" dirty="0" smtClean="0"/>
+          </a:p>
+          <a:p>
+            <a:pPr marL="355680" lvl="2" indent="-195840">
+              <a:lnSpc>
+                <a:spcPct val="100000"/>
+              </a:lnSpc>
+              <a:buClr>
+                <a:srgbClr val="879BAA"/>
+              </a:buClr>
+              <a:buFont typeface="Noto Sans Symbols"/>
+              <a:buChar char="∙"/>
+            </a:pPr>
+            <a:r>
+              <a:rPr lang="en-US" altLang="ja-JP" sz="1600" dirty="0"/>
+              <a:t>User Decision </a:t>
+            </a:r>
+            <a:r>
+              <a:rPr lang="ja-JP" altLang="en-US" sz="1600" dirty="0"/>
+              <a:t>ボタンを押してライセンスを選択</a:t>
+            </a:r>
+            <a:endParaRPr lang="en-US" sz="1600" b="0" strike="noStrike" spc="-1" dirty="0" smtClean="0">
               <a:latin typeface="Arial"/>
             </a:endParaRPr>
           </a:p>
@@ -24195,26 +24116,10 @@
               <a:buChar char="•"/>
             </a:pPr>
             <a:r>
-              <a:rPr lang="en-US" sz="1700" b="0" strike="noStrike" spc="-1" dirty="0" smtClean="0">
-                <a:solidFill>
-                  <a:srgbClr val="000000"/>
-                </a:solidFill>
-                <a:latin typeface="Arial"/>
-                <a:ea typeface="Arial"/>
-              </a:rPr>
-              <a:t>Admin </a:t>
-            </a:r>
-            <a:r>
-              <a:rPr lang="ja-JP" altLang="en-US" sz="1700" b="0" strike="noStrike" spc="-1" dirty="0" smtClean="0">
-                <a:solidFill>
-                  <a:srgbClr val="000000"/>
-                </a:solidFill>
-                <a:latin typeface="Arial"/>
-                <a:ea typeface="Arial"/>
-              </a:rPr>
-              <a:t>ログイン</a:t>
-            </a:r>
-            <a:endParaRPr lang="en-US" sz="1700" b="0" strike="noStrike" spc="-1" dirty="0" smtClean="0">
+              <a:rPr lang="ja-JP" altLang="en-US" sz="1600" dirty="0"/>
+              <a:t>管理者の作業</a:t>
+            </a:r>
+            <a:endParaRPr lang="en-US" sz="1600" b="0" strike="noStrike" spc="-1" dirty="0" smtClean="0">
               <a:latin typeface="Arial"/>
             </a:endParaRPr>
           </a:p>
@@ -24230,17 +24135,18 @@
               <a:buChar char="∙"/>
             </a:pPr>
             <a:r>
-              <a:rPr lang="ja-JP" altLang="en-US" sz="1700" spc="-1" dirty="0" smtClean="0">
-                <a:solidFill>
-                  <a:srgbClr val="000000"/>
-                </a:solidFill>
-                <a:latin typeface="Arial"/>
-              </a:rPr>
-              <a:t>候補ライセンス確認</a:t>
-            </a:r>
-            <a:endParaRPr lang="en-US" sz="1700" b="0" strike="noStrike" spc="-1" dirty="0">
-              <a:latin typeface="Arial"/>
-            </a:endParaRPr>
+              <a:rPr lang="en-US" altLang="ja-JP" sz="1600" dirty="0"/>
+              <a:t>Candidate License </a:t>
+            </a:r>
+            <a:r>
+              <a:rPr lang="ja-JP" altLang="en-US" sz="1600" dirty="0"/>
+              <a:t>を</a:t>
+            </a:r>
+            <a:r>
+              <a:rPr lang="ja-JP" altLang="en-US" sz="1600" dirty="0" smtClean="0"/>
+              <a:t>チェック</a:t>
+            </a:r>
+            <a:endParaRPr lang="en-US" altLang="ja-JP" sz="1600" dirty="0" smtClean="0"/>
           </a:p>
           <a:p>
             <a:pPr marL="355680" lvl="2" indent="-195840">
@@ -24254,51 +24160,10 @@
               <a:buChar char="∙"/>
             </a:pPr>
             <a:r>
-              <a:rPr lang="ja-JP" altLang="en-US" sz="1700" spc="-1" dirty="0" smtClean="0">
-                <a:solidFill>
-                  <a:srgbClr val="000000"/>
-                </a:solidFill>
-                <a:latin typeface="Arial"/>
-              </a:rPr>
-              <a:t>マージ</a:t>
-            </a:r>
-            <a:r>
-              <a:rPr lang="ja-JP" altLang="en-US" sz="1700" spc="-1" dirty="0">
-                <a:solidFill>
-                  <a:srgbClr val="000000"/>
-                </a:solidFill>
-                <a:latin typeface="Arial"/>
-              </a:rPr>
-              <a:t>リクエスト</a:t>
-            </a:r>
-            <a:r>
-              <a:rPr lang="ja-JP" altLang="en-US" sz="1700" spc="-1" dirty="0" smtClean="0">
-                <a:solidFill>
-                  <a:srgbClr val="000000"/>
-                </a:solidFill>
-                <a:latin typeface="Arial"/>
-              </a:rPr>
-              <a:t>を</a:t>
-            </a:r>
-            <a:r>
-              <a:rPr lang="ja-JP" altLang="en-US" sz="1700" spc="-1" dirty="0">
-                <a:solidFill>
-                  <a:srgbClr val="000000"/>
-                </a:solidFill>
-                <a:latin typeface="Arial"/>
-              </a:rPr>
-              <a:t>行</a:t>
-            </a:r>
-            <a:r>
-              <a:rPr lang="ja-JP" altLang="en-US" sz="1700" spc="-1" dirty="0" smtClean="0">
-                <a:solidFill>
-                  <a:srgbClr val="000000"/>
-                </a:solidFill>
-                <a:latin typeface="Arial"/>
-              </a:rPr>
-              <a:t>う</a:t>
-            </a:r>
-            <a:endParaRPr lang="en-US" sz="1700" b="0" strike="noStrike" spc="-1" dirty="0">
+              <a:rPr lang="ja-JP" altLang="en-US" sz="1600" dirty="0"/>
+              <a:t>マージリクエストの処理</a:t>
+            </a:r>
+            <a:endParaRPr lang="en-US" sz="1600" b="0" strike="noStrike" spc="-1" dirty="0">
               <a:latin typeface="Arial"/>
             </a:endParaRPr>
           </a:p>
@@ -25977,7 +25842,7 @@
                 </a:solidFill>
                 <a:ea typeface="Arial"/>
               </a:rPr>
-              <a:t>スキャナーが</a:t>
+              <a:t>レビュー作業は退屈。スキャナーが</a:t>
             </a:r>
             <a:r>
               <a:rPr lang="en-US" altLang="ja-JP" sz="1600" i="1" spc="-1" dirty="0">
@@ -25995,7 +25860,7 @@
                 </a:solidFill>
                 <a:ea typeface="Arial"/>
               </a:rPr>
-              <a:t>つある場合、レビュー作業は面倒です</a:t>
+              <a:t>つあるのだから、それらに仕事をさせよう</a:t>
             </a:r>
             <a:r>
               <a:rPr lang="ja-JP" altLang="en-US" sz="1600" i="1" spc="-1" dirty="0" smtClean="0">
@@ -26004,17 +25869,7 @@
                 </a:solidFill>
                 <a:ea typeface="Arial"/>
               </a:rPr>
-              <a:t>。どうしていきましょう？</a:t>
-            </a:r>
-            <a:r>
-              <a:rPr lang="en-US" sz="1600" b="0" i="1" strike="noStrike" spc="-1" dirty="0" smtClean="0">
-                <a:solidFill>
-                  <a:srgbClr val="000000"/>
-                </a:solidFill>
-                <a:latin typeface="Arial"/>
-                <a:ea typeface="Arial"/>
-              </a:rPr>
-              <a:t>?</a:t>
+              <a:t>。</a:t>
             </a:r>
             <a:endParaRPr lang="en-US" sz="1600" b="0" strike="noStrike" spc="-1" dirty="0">
               <a:latin typeface="Arial"/>
@@ -26145,25 +26000,16 @@
               <a:buChar char="∙"/>
             </a:pPr>
             <a:r>
-              <a:rPr lang="ja-JP" altLang="en-US" sz="1900" spc="-1" dirty="0" smtClean="0">
-                <a:solidFill>
-                  <a:srgbClr val="000000"/>
-                </a:solidFill>
-                <a:ea typeface="Arial"/>
-              </a:rPr>
-              <a:t>いくつ</a:t>
-            </a:r>
-            <a:r>
               <a:rPr lang="ja-JP" altLang="en-US" sz="1900" spc="-1" dirty="0">
                 <a:solidFill>
                   <a:srgbClr val="000000"/>
                 </a:solidFill>
                 <a:ea typeface="Arial"/>
               </a:rPr>
-              <a:t>かのスキャナ、正規表現を持つ</a:t>
-            </a:r>
-            <a:r>
-              <a:rPr lang="en-US" altLang="ja-JP" sz="1900" spc="-1" dirty="0" err="1">
+              <a:t>正規表現による</a:t>
+            </a:r>
+            <a:r>
+              <a:rPr lang="en-US" altLang="ja-JP" sz="1900" spc="-1" dirty="0">
                 <a:solidFill>
                   <a:srgbClr val="000000"/>
                 </a:solidFill>
@@ -26187,7 +26033,7 @@
                 </a:solidFill>
                 <a:ea typeface="Arial"/>
               </a:rPr>
-              <a:t>テキストを類似させる</a:t>
+              <a:t>テキストの類似性による</a:t>
             </a:r>
             <a:r>
               <a:rPr lang="en-US" altLang="ja-JP" sz="1900" spc="-1" dirty="0">
@@ -26199,13 +26045,22 @@
               <a:t>Monk</a:t>
             </a:r>
             <a:r>
-              <a:rPr lang="ja-JP" altLang="en-US" sz="1900" spc="-1" dirty="0" smtClean="0">
-                <a:solidFill>
-                  <a:srgbClr val="000000"/>
-                </a:solidFill>
-                <a:ea typeface="Arial"/>
-              </a:rPr>
-              <a:t>がある。</a:t>
+              <a:rPr lang="ja-JP" altLang="en-US" sz="1900" spc="-1" dirty="0" err="1">
+                <a:solidFill>
+                  <a:srgbClr val="000000"/>
+                </a:solidFill>
+                <a:ea typeface="Arial"/>
+              </a:rPr>
+              <a:t>、</a:t>
+            </a:r>
+            <a:r>
+              <a:rPr lang="ja-JP" altLang="en-US" sz="1900" spc="-1" dirty="0">
+                <a:solidFill>
+                  <a:srgbClr val="000000"/>
+                </a:solidFill>
+                <a:ea typeface="Arial"/>
+              </a:rPr>
+              <a:t>複数のスキャナーがある。</a:t>
             </a:r>
             <a:endParaRPr lang="en-US" sz="1900" b="0" strike="noStrike" spc="-1" dirty="0">
               <a:latin typeface="Arial"/>
@@ -26834,75 +26689,41 @@
               <a:buChar char="∙"/>
             </a:pPr>
             <a:r>
-              <a:rPr lang="en-US" sz="1900" spc="-1" dirty="0" smtClean="0">
-                <a:solidFill>
-                  <a:srgbClr val="000000"/>
-                </a:solidFill>
-                <a:latin typeface="Arial"/>
+              <a:rPr lang="en-US" altLang="ja-JP" sz="1900" spc="-1" dirty="0">
+                <a:solidFill>
+                  <a:srgbClr val="000000"/>
+                </a:solidFill>
                 <a:ea typeface="Arial"/>
               </a:rPr>
               <a:t>3</a:t>
             </a:r>
             <a:r>
-              <a:rPr lang="ja-JP" altLang="en-US" sz="1900" spc="-1" dirty="0" smtClean="0">
-                <a:solidFill>
-                  <a:srgbClr val="000000"/>
-                </a:solidFill>
-                <a:latin typeface="Arial"/>
-                <a:ea typeface="Arial"/>
-              </a:rPr>
-              <a:t>つ目の</a:t>
-            </a:r>
-            <a:r>
-              <a:rPr lang="en-US" sz="1900" b="0" strike="noStrike" spc="-1" dirty="0" smtClean="0">
-                <a:solidFill>
-                  <a:srgbClr val="000000"/>
-                </a:solidFill>
-                <a:latin typeface="Arial"/>
-                <a:ea typeface="Arial"/>
-              </a:rPr>
-              <a:t> </a:t>
-            </a:r>
-            <a:r>
-              <a:rPr lang="en-US" sz="1900" b="0" strike="noStrike" spc="-1" dirty="0" err="1">
-                <a:solidFill>
-                  <a:srgbClr val="000000"/>
-                </a:solidFill>
-                <a:latin typeface="Arial"/>
+              <a:rPr lang="ja-JP" altLang="en-US" sz="1900" spc="-1" dirty="0">
+                <a:solidFill>
+                  <a:srgbClr val="000000"/>
+                </a:solidFill>
+                <a:ea typeface="Arial"/>
+              </a:rPr>
+              <a:t>つめのスキャナーである</a:t>
+            </a:r>
+            <a:r>
+              <a:rPr lang="en-US" altLang="ja-JP" sz="1900" spc="-1" dirty="0" err="1">
+                <a:solidFill>
+                  <a:srgbClr val="000000"/>
+                </a:solidFill>
                 <a:ea typeface="Arial"/>
               </a:rPr>
               <a:t>Ninka</a:t>
             </a:r>
             <a:r>
-              <a:rPr lang="en-US" sz="1900" b="0" strike="noStrike" spc="-1" dirty="0">
-                <a:solidFill>
-                  <a:srgbClr val="000000"/>
-                </a:solidFill>
-                <a:latin typeface="Arial"/>
-                <a:ea typeface="Arial"/>
-              </a:rPr>
-              <a:t> </a:t>
-            </a:r>
-            <a:r>
-              <a:rPr lang="ja-JP" altLang="en-US" sz="1900" spc="-1" dirty="0" smtClean="0">
-                <a:solidFill>
-                  <a:srgbClr val="000000"/>
-                </a:solidFill>
-                <a:latin typeface="Arial"/>
-                <a:ea typeface="Arial"/>
-              </a:rPr>
-              <a:t>スキャナーも同様に動かす</a:t>
-            </a:r>
-            <a:endParaRPr lang="en-US" sz="1900" b="0" strike="noStrike" spc="-1" dirty="0">
-              <a:latin typeface="Arial"/>
-            </a:endParaRPr>
-          </a:p>
-          <a:p>
-            <a:pPr>
-              <a:lnSpc>
-                <a:spcPct val="100000"/>
-              </a:lnSpc>
-            </a:pPr>
+              <a:rPr lang="ja-JP" altLang="en-US" sz="1900" spc="-1" dirty="0">
+                <a:solidFill>
+                  <a:srgbClr val="000000"/>
+                </a:solidFill>
+                <a:ea typeface="Arial"/>
+              </a:rPr>
+              <a:t>でも同様の効果</a:t>
+            </a:r>
             <a:endParaRPr lang="en-US" sz="1900" b="0" strike="noStrike" spc="-1" dirty="0">
               <a:latin typeface="Arial"/>
             </a:endParaRPr>
@@ -27434,13 +27255,13 @@
         </p:nvSpPr>
         <p:spPr>
           <a:xfrm>
-            <a:off x="9390960" y="3865320"/>
-            <a:ext cx="2113560" cy="774720"/>
+            <a:off x="8131698" y="4543200"/>
+            <a:ext cx="3620502" cy="774720"/>
           </a:xfrm>
           <a:prstGeom prst="wedgeRoundRectCallout">
             <a:avLst>
-              <a:gd name="adj1" fmla="val -71915"/>
-              <a:gd name="adj2" fmla="val -33104"/>
+              <a:gd name="adj1" fmla="val -33410"/>
+              <a:gd name="adj2" fmla="val -102761"/>
               <a:gd name="adj3" fmla="val 16667"/>
             </a:avLst>
           </a:prstGeom>
@@ -27511,13 +27332,40 @@
               <a:t>.</a:t>
             </a:r>
             <a:r>
+              <a:rPr lang="en-US" altLang="ja-JP" sz="1200" b="1" spc="-1" dirty="0">
+                <a:solidFill>
+                  <a:srgbClr val="000000"/>
+                </a:solidFill>
+                <a:ea typeface="Arial"/>
+              </a:rPr>
+              <a:t> .</a:t>
+            </a:r>
+            <a:r>
+              <a:rPr lang="en-US" altLang="ja-JP" sz="1200" b="1" spc="-1" dirty="0" smtClean="0">
+                <a:solidFill>
+                  <a:srgbClr val="000000"/>
+                </a:solidFill>
+                <a:ea typeface="Arial"/>
+              </a:rPr>
+              <a:t>.. </a:t>
+            </a:r>
+            <a:r>
+              <a:rPr lang="en-US" altLang="ja-JP" sz="1200" b="1" spc="-1" dirty="0">
+                <a:solidFill>
+                  <a:srgbClr val="000000"/>
+                </a:solidFill>
+                <a:ea typeface="Arial"/>
+              </a:rPr>
+              <a:t>scanners matches if all Nomos findings are within the Monk findings </a:t>
+            </a:r>
+            <a:r>
               <a:rPr lang="ja-JP" altLang="en-US" sz="1200" b="1" spc="-1" dirty="0">
                 <a:solidFill>
                   <a:srgbClr val="000000"/>
                 </a:solidFill>
                 <a:ea typeface="Arial"/>
               </a:rPr>
-              <a:t>ライセンス決定を再利用する場所から既存のアップロードを選択</a:t>
+              <a:t>を選択</a:t>
             </a:r>
             <a:endParaRPr lang="en-US" sz="1200" b="0" strike="noStrike" spc="-1" dirty="0">
               <a:latin typeface="Arial"/>
@@ -32860,8 +32708,8 @@
         </p:nvSpPr>
         <p:spPr>
           <a:xfrm>
-            <a:off x="618120" y="1199870"/>
-            <a:ext cx="7303680" cy="325810"/>
+            <a:off x="469557" y="1199870"/>
+            <a:ext cx="7452243" cy="325810"/>
           </a:xfrm>
           <a:prstGeom prst="rect">
             <a:avLst/>
@@ -35845,16 +35693,7 @@
                 </a:solidFill>
                 <a:ea typeface="Arial"/>
               </a:rPr>
-              <a:t>で、検出されたライセンスをレビューと</a:t>
-            </a:r>
-            <a:r>
-              <a:rPr lang="ja-JP" altLang="en-US" sz="1700" spc="-1" dirty="0">
-                <a:solidFill>
-                  <a:srgbClr val="000000"/>
-                </a:solidFill>
-                <a:ea typeface="Arial"/>
-              </a:rPr>
-              <a:t>単一ファイルビューを</a:t>
+              <a:t>で、検出されたライセンスをレビューと単一ファイルビューを</a:t>
             </a:r>
             <a:r>
               <a:rPr lang="ja-JP" altLang="en-US" sz="1700" spc="-1" dirty="0" smtClean="0">
@@ -41150,8 +40989,8 @@
         </p:nvSpPr>
         <p:spPr>
           <a:xfrm>
-            <a:off x="247135" y="1686998"/>
-            <a:ext cx="5848865" cy="3084480"/>
+            <a:off x="112562" y="1942119"/>
+            <a:ext cx="5657518" cy="3622724"/>
           </a:xfrm>
           <a:prstGeom prst="rect">
             <a:avLst/>
@@ -41188,43 +41027,48 @@
               <a:buChar char="∙"/>
             </a:pPr>
             <a:r>
-              <a:rPr lang="en-US" altLang="ja-JP" sz="1900" spc="-1" dirty="0" smtClean="0">
-                <a:solidFill>
-                  <a:srgbClr val="000000"/>
-                </a:solidFill>
-                <a:ea typeface="Arial"/>
+              <a:rPr lang="en-US" altLang="ja-JP" spc="-1" dirty="0" smtClean="0">
+                <a:solidFill>
+                  <a:srgbClr val="000000"/>
+                </a:solidFill>
+                <a:latin typeface="ＭＳ ゴシック" panose="020B0609070205080204" pitchFamily="49" charset="-128"/>
+                <a:ea typeface="ＭＳ ゴシック" panose="020B0609070205080204" pitchFamily="49" charset="-128"/>
               </a:rPr>
               <a:t>(1)</a:t>
             </a:r>
             <a:r>
-              <a:rPr lang="ja-JP" altLang="en-US" sz="1900" spc="-1" dirty="0" smtClean="0">
-                <a:solidFill>
-                  <a:srgbClr val="000000"/>
-                </a:solidFill>
-                <a:ea typeface="Arial"/>
+              <a:rPr lang="ja-JP" altLang="en-US" spc="-1" dirty="0" smtClean="0">
+                <a:solidFill>
+                  <a:srgbClr val="000000"/>
+                </a:solidFill>
+                <a:latin typeface="ＭＳ ゴシック" panose="020B0609070205080204" pitchFamily="49" charset="-128"/>
+                <a:ea typeface="ＭＳ ゴシック" panose="020B0609070205080204" pitchFamily="49" charset="-128"/>
               </a:rPr>
               <a:t>左側</a:t>
             </a:r>
             <a:r>
-              <a:rPr lang="ja-JP" altLang="en-US" sz="1900" spc="-1" dirty="0">
-                <a:solidFill>
-                  <a:srgbClr val="000000"/>
-                </a:solidFill>
-                <a:ea typeface="Arial"/>
+              <a:rPr lang="ja-JP" altLang="en-US" spc="-1" dirty="0">
+                <a:solidFill>
+                  <a:srgbClr val="000000"/>
+                </a:solidFill>
+                <a:latin typeface="ＭＳ ゴシック" panose="020B0609070205080204" pitchFamily="49" charset="-128"/>
+                <a:ea typeface="ＭＳ ゴシック" panose="020B0609070205080204" pitchFamily="49" charset="-128"/>
               </a:rPr>
               <a:t>のファイルビューから特徴的なテキストフレーズをコピー</a:t>
             </a:r>
             <a:r>
-              <a:rPr lang="ja-JP" altLang="en-US" sz="1900" spc="-1" dirty="0" smtClean="0">
-                <a:solidFill>
-                  <a:srgbClr val="000000"/>
-                </a:solidFill>
-                <a:ea typeface="Arial"/>
+              <a:rPr lang="ja-JP" altLang="en-US" spc="-1" dirty="0" smtClean="0">
+                <a:solidFill>
+                  <a:srgbClr val="000000"/>
+                </a:solidFill>
+                <a:latin typeface="ＭＳ ゴシック" panose="020B0609070205080204" pitchFamily="49" charset="-128"/>
+                <a:ea typeface="ＭＳ ゴシック" panose="020B0609070205080204" pitchFamily="49" charset="-128"/>
               </a:rPr>
               <a:t>する</a:t>
             </a:r>
-            <a:endParaRPr lang="en-US" sz="1900" b="0" strike="noStrike" spc="-1" dirty="0" smtClean="0">
-              <a:latin typeface="Arial"/>
+            <a:endParaRPr lang="en-US" b="0" strike="noStrike" spc="-1" dirty="0" smtClean="0">
+              <a:latin typeface="ＭＳ ゴシック" panose="020B0609070205080204" pitchFamily="49" charset="-128"/>
+              <a:ea typeface="ＭＳ ゴシック" panose="020B0609070205080204" pitchFamily="49" charset="-128"/>
             </a:endParaRPr>
           </a:p>
           <a:p>
@@ -41242,25 +41086,28 @@
               <a:buChar char="∙"/>
             </a:pPr>
             <a:r>
-              <a:rPr lang="en-US" altLang="ja-JP" sz="1900" spc="-1" dirty="0" smtClean="0">
-                <a:solidFill>
-                  <a:srgbClr val="000000"/>
-                </a:solidFill>
-                <a:ea typeface="Arial"/>
+              <a:rPr lang="en-US" altLang="ja-JP" spc="-1" dirty="0" smtClean="0">
+                <a:solidFill>
+                  <a:srgbClr val="000000"/>
+                </a:solidFill>
+                <a:latin typeface="ＭＳ ゴシック" panose="020B0609070205080204" pitchFamily="49" charset="-128"/>
+                <a:ea typeface="ＭＳ ゴシック" panose="020B0609070205080204" pitchFamily="49" charset="-128"/>
               </a:rPr>
               <a:t>(2)</a:t>
             </a:r>
             <a:r>
-              <a:rPr lang="ja-JP" altLang="en-US" sz="1900" spc="-1" dirty="0" smtClean="0">
-                <a:solidFill>
-                  <a:srgbClr val="000000"/>
-                </a:solidFill>
-                <a:ea typeface="Arial"/>
+              <a:rPr lang="ja-JP" altLang="en-US" spc="-1" dirty="0" smtClean="0">
+                <a:solidFill>
+                  <a:srgbClr val="000000"/>
+                </a:solidFill>
+                <a:latin typeface="ＭＳ ゴシック" panose="020B0609070205080204" pitchFamily="49" charset="-128"/>
+                <a:ea typeface="ＭＳ ゴシック" panose="020B0609070205080204" pitchFamily="49" charset="-128"/>
               </a:rPr>
               <a:t>バルクスキャンテキストフィールドに貼り付ける</a:t>
             </a:r>
-            <a:endParaRPr lang="en-US" sz="1900" b="0" strike="noStrike" spc="-1" dirty="0" smtClean="0">
-              <a:latin typeface="Arial"/>
+            <a:endParaRPr lang="en-US" b="0" strike="noStrike" spc="-1" dirty="0" smtClean="0">
+              <a:latin typeface="ＭＳ ゴシック" panose="020B0609070205080204" pitchFamily="49" charset="-128"/>
+              <a:ea typeface="ＭＳ ゴシック" panose="020B0609070205080204" pitchFamily="49" charset="-128"/>
             </a:endParaRPr>
           </a:p>
           <a:p>
@@ -41275,43 +41122,48 @@
               <a:buChar char="∙"/>
             </a:pPr>
             <a:r>
-              <a:rPr lang="ja-JP" altLang="en-US" sz="1900" spc="-1" dirty="0" smtClean="0">
-                <a:solidFill>
-                  <a:srgbClr val="000000"/>
-                </a:solidFill>
-                <a:ea typeface="Arial"/>
+              <a:rPr lang="ja-JP" altLang="en-US" spc="-1" dirty="0" smtClean="0">
+                <a:solidFill>
+                  <a:srgbClr val="000000"/>
+                </a:solidFill>
+                <a:latin typeface="ＭＳ ゴシック" panose="020B0609070205080204" pitchFamily="49" charset="-128"/>
+                <a:ea typeface="ＭＳ ゴシック" panose="020B0609070205080204" pitchFamily="49" charset="-128"/>
               </a:rPr>
               <a:t>アプリケーションはこの</a:t>
             </a:r>
             <a:r>
-              <a:rPr lang="ja-JP" altLang="en-US" sz="1900" spc="-1" dirty="0">
-                <a:solidFill>
-                  <a:srgbClr val="000000"/>
-                </a:solidFill>
-                <a:ea typeface="Arial"/>
+              <a:rPr lang="ja-JP" altLang="en-US" spc="-1" dirty="0">
+                <a:solidFill>
+                  <a:srgbClr val="000000"/>
+                </a:solidFill>
+                <a:latin typeface="ＭＳ ゴシック" panose="020B0609070205080204" pitchFamily="49" charset="-128"/>
+                <a:ea typeface="ＭＳ ゴシック" panose="020B0609070205080204" pitchFamily="49" charset="-128"/>
               </a:rPr>
               <a:t>テキストでファイルを</a:t>
             </a:r>
             <a:r>
-              <a:rPr lang="ja-JP" altLang="en-US" sz="1900" spc="-1" dirty="0" smtClean="0">
-                <a:solidFill>
-                  <a:srgbClr val="000000"/>
-                </a:solidFill>
-                <a:ea typeface="Arial"/>
+              <a:rPr lang="ja-JP" altLang="en-US" spc="-1" dirty="0" smtClean="0">
+                <a:solidFill>
+                  <a:srgbClr val="000000"/>
+                </a:solidFill>
+                <a:latin typeface="ＭＳ ゴシック" panose="020B0609070205080204" pitchFamily="49" charset="-128"/>
+                <a:ea typeface="ＭＳ ゴシック" panose="020B0609070205080204" pitchFamily="49" charset="-128"/>
               </a:rPr>
               <a:t>検索す</a:t>
             </a:r>
             <a:r>
-              <a:rPr lang="ja-JP" altLang="en-US" sz="1900" spc="-1" dirty="0">
-                <a:solidFill>
-                  <a:srgbClr val="000000"/>
-                </a:solidFill>
-                <a:ea typeface="Arial"/>
+              <a:rPr lang="ja-JP" altLang="en-US" spc="-1" dirty="0">
+                <a:solidFill>
+                  <a:srgbClr val="000000"/>
+                </a:solidFill>
+                <a:latin typeface="ＭＳ ゴシック" panose="020B0609070205080204" pitchFamily="49" charset="-128"/>
+                <a:ea typeface="ＭＳ ゴシック" panose="020B0609070205080204" pitchFamily="49" charset="-128"/>
               </a:rPr>
               <a:t>る</a:t>
             </a:r>
-            <a:endParaRPr lang="en-US" sz="1900" b="0" strike="noStrike" spc="-1" dirty="0" smtClean="0">
-              <a:latin typeface="Arial"/>
+            <a:endParaRPr lang="en-US" b="0" strike="noStrike" spc="-1" dirty="0" smtClean="0">
+              <a:latin typeface="ＭＳ ゴシック" panose="020B0609070205080204" pitchFamily="49" charset="-128"/>
+              <a:ea typeface="ＭＳ ゴシック" panose="020B0609070205080204" pitchFamily="49" charset="-128"/>
             </a:endParaRPr>
           </a:p>
           <a:p>
@@ -41329,43 +41181,48 @@
               <a:buChar char="∙"/>
             </a:pPr>
             <a:r>
-              <a:rPr lang="en-US" altLang="ja-JP" sz="1900" spc="-1" dirty="0" smtClean="0">
-                <a:solidFill>
-                  <a:srgbClr val="000000"/>
-                </a:solidFill>
-                <a:ea typeface="Arial"/>
+              <a:rPr lang="en-US" altLang="ja-JP" spc="-1" dirty="0" smtClean="0">
+                <a:solidFill>
+                  <a:srgbClr val="000000"/>
+                </a:solidFill>
+                <a:latin typeface="ＭＳ ゴシック" panose="020B0609070205080204" pitchFamily="49" charset="-128"/>
+                <a:ea typeface="ＭＳ ゴシック" panose="020B0609070205080204" pitchFamily="49" charset="-128"/>
               </a:rPr>
               <a:t>(3)</a:t>
             </a:r>
             <a:r>
-              <a:rPr lang="ja-JP" altLang="en-US" sz="1900" spc="-1" dirty="0" smtClean="0">
-                <a:solidFill>
-                  <a:srgbClr val="000000"/>
-                </a:solidFill>
-                <a:ea typeface="Arial"/>
+              <a:rPr lang="ja-JP" altLang="en-US" spc="-1" dirty="0" smtClean="0">
+                <a:solidFill>
+                  <a:srgbClr val="000000"/>
+                </a:solidFill>
+                <a:latin typeface="ＭＳ ゴシック" panose="020B0609070205080204" pitchFamily="49" charset="-128"/>
+                <a:ea typeface="ＭＳ ゴシック" panose="020B0609070205080204" pitchFamily="49" charset="-128"/>
               </a:rPr>
               <a:t>スキャナーライセンス</a:t>
             </a:r>
             <a:r>
-              <a:rPr lang="ja-JP" altLang="en-US" sz="1900" spc="-1" dirty="0">
-                <a:solidFill>
-                  <a:srgbClr val="000000"/>
-                </a:solidFill>
-                <a:ea typeface="Arial"/>
+              <a:rPr lang="ja-JP" altLang="en-US" spc="-1" dirty="0">
+                <a:solidFill>
+                  <a:srgbClr val="000000"/>
+                </a:solidFill>
+                <a:latin typeface="ＭＳ ゴシック" panose="020B0609070205080204" pitchFamily="49" charset="-128"/>
+                <a:ea typeface="ＭＳ ゴシック" panose="020B0609070205080204" pitchFamily="49" charset="-128"/>
               </a:rPr>
               <a:t>の調査結果を</a:t>
             </a:r>
             <a:r>
-              <a:rPr lang="ja-JP" altLang="en-US" sz="1900" spc="-1" dirty="0" smtClean="0">
-                <a:solidFill>
-                  <a:srgbClr val="000000"/>
-                </a:solidFill>
-                <a:ea typeface="Arial"/>
+              <a:rPr lang="ja-JP" altLang="en-US" spc="-1" dirty="0" smtClean="0">
+                <a:solidFill>
+                  <a:srgbClr val="000000"/>
+                </a:solidFill>
+                <a:latin typeface="ＭＳ ゴシック" panose="020B0609070205080204" pitchFamily="49" charset="-128"/>
+                <a:ea typeface="ＭＳ ゴシック" panose="020B0609070205080204" pitchFamily="49" charset="-128"/>
               </a:rPr>
               <a:t>定義</a:t>
             </a:r>
-            <a:endParaRPr lang="en-US" sz="1900" b="0" strike="noStrike" spc="-1" dirty="0" smtClean="0">
-              <a:latin typeface="Arial"/>
+            <a:endParaRPr lang="en-US" b="0" strike="noStrike" spc="-1" dirty="0" smtClean="0">
+              <a:latin typeface="ＭＳ ゴシック" panose="020B0609070205080204" pitchFamily="49" charset="-128"/>
+              <a:ea typeface="ＭＳ ゴシック" panose="020B0609070205080204" pitchFamily="49" charset="-128"/>
             </a:endParaRPr>
           </a:p>
           <a:p>
@@ -41380,47 +41237,48 @@
               <a:buChar char="∙"/>
             </a:pPr>
             <a:r>
-              <a:rPr lang="ja-JP" altLang="en-US" sz="1900" b="0" strike="noStrike" spc="-1" dirty="0" smtClean="0">
-                <a:solidFill>
-                  <a:srgbClr val="000000"/>
-                </a:solidFill>
-                <a:latin typeface="Arial"/>
-                <a:ea typeface="Arial"/>
+              <a:rPr lang="ja-JP" altLang="en-US" b="0" strike="noStrike" spc="-1" dirty="0" smtClean="0">
+                <a:solidFill>
+                  <a:srgbClr val="000000"/>
+                </a:solidFill>
+                <a:latin typeface="ＭＳ ゴシック" panose="020B0609070205080204" pitchFamily="49" charset="-128"/>
+                <a:ea typeface="ＭＳ ゴシック" panose="020B0609070205080204" pitchFamily="49" charset="-128"/>
               </a:rPr>
               <a:t>修正</a:t>
             </a:r>
             <a:r>
-              <a:rPr lang="en-US" sz="1900" b="0" strike="noStrike" spc="-1" dirty="0" smtClean="0">
-                <a:solidFill>
-                  <a:srgbClr val="000000"/>
-                </a:solidFill>
-                <a:latin typeface="Arial"/>
-                <a:ea typeface="Arial"/>
+              <a:rPr lang="en-US" b="0" strike="noStrike" spc="-1" dirty="0" smtClean="0">
+                <a:solidFill>
+                  <a:srgbClr val="000000"/>
+                </a:solidFill>
+                <a:latin typeface="ＭＳ ゴシック" panose="020B0609070205080204" pitchFamily="49" charset="-128"/>
+                <a:ea typeface="ＭＳ ゴシック" panose="020B0609070205080204" pitchFamily="49" charset="-128"/>
               </a:rPr>
               <a:t> </a:t>
             </a:r>
             <a:r>
-              <a:rPr lang="en-US" sz="1900" b="0" strike="noStrike" spc="-1" dirty="0">
-                <a:solidFill>
-                  <a:srgbClr val="000000"/>
-                </a:solidFill>
-                <a:latin typeface="Arial"/>
-                <a:ea typeface="Arial"/>
+              <a:rPr lang="en-US" b="0" strike="noStrike" spc="-1" dirty="0">
+                <a:solidFill>
+                  <a:srgbClr val="000000"/>
+                </a:solidFill>
+                <a:latin typeface="ＭＳ ゴシック" panose="020B0609070205080204" pitchFamily="49" charset="-128"/>
+                <a:ea typeface="ＭＳ ゴシック" panose="020B0609070205080204" pitchFamily="49" charset="-128"/>
               </a:rPr>
               <a:t>/ </a:t>
             </a:r>
             <a:r>
-              <a:rPr lang="ja-JP" altLang="en-US" sz="1900" spc="-1" dirty="0" smtClean="0">
-                <a:solidFill>
-                  <a:srgbClr val="000000"/>
-                </a:solidFill>
-                <a:latin typeface="Arial"/>
-                <a:ea typeface="Arial"/>
+              <a:rPr lang="ja-JP" altLang="en-US" spc="-1" dirty="0" smtClean="0">
+                <a:solidFill>
+                  <a:srgbClr val="000000"/>
+                </a:solidFill>
+                <a:latin typeface="ＭＳ ゴシック" panose="020B0609070205080204" pitchFamily="49" charset="-128"/>
+                <a:ea typeface="ＭＳ ゴシック" panose="020B0609070205080204" pitchFamily="49" charset="-128"/>
               </a:rPr>
               <a:t>除去　のため</a:t>
             </a:r>
-            <a:endParaRPr lang="en-US" sz="1900" b="0" strike="noStrike" spc="-1" dirty="0">
-              <a:latin typeface="Arial"/>
+            <a:endParaRPr lang="en-US" b="0" strike="noStrike" spc="-1" dirty="0">
+              <a:latin typeface="ＭＳ ゴシック" panose="020B0609070205080204" pitchFamily="49" charset="-128"/>
+              <a:ea typeface="ＭＳ ゴシック" panose="020B0609070205080204" pitchFamily="49" charset="-128"/>
             </a:endParaRPr>
           </a:p>
           <a:p>
@@ -41435,77 +41293,78 @@
               <a:buChar char="∙"/>
             </a:pPr>
             <a:r>
-              <a:rPr lang="ja-JP" altLang="en-US" sz="1900" spc="-1" dirty="0">
-                <a:solidFill>
-                  <a:srgbClr val="000000"/>
-                </a:solidFill>
-                <a:latin typeface="Arial"/>
-                <a:ea typeface="Arial"/>
+              <a:rPr lang="ja-JP" altLang="en-US" spc="-1" dirty="0">
+                <a:solidFill>
+                  <a:srgbClr val="000000"/>
+                </a:solidFill>
+                <a:latin typeface="ＭＳ ゴシック" panose="020B0609070205080204" pitchFamily="49" charset="-128"/>
+                <a:ea typeface="ＭＳ ゴシック" panose="020B0609070205080204" pitchFamily="49" charset="-128"/>
               </a:rPr>
               <a:t>確認</a:t>
             </a:r>
             <a:r>
-              <a:rPr lang="en-US" sz="1900" b="0" strike="noStrike" spc="-1" dirty="0" smtClean="0">
-                <a:solidFill>
-                  <a:srgbClr val="000000"/>
-                </a:solidFill>
-                <a:latin typeface="Arial"/>
-                <a:ea typeface="Arial"/>
+              <a:rPr lang="en-US" b="0" strike="noStrike" spc="-1" dirty="0" smtClean="0">
+                <a:solidFill>
+                  <a:srgbClr val="000000"/>
+                </a:solidFill>
+                <a:latin typeface="ＭＳ ゴシック" panose="020B0609070205080204" pitchFamily="49" charset="-128"/>
+                <a:ea typeface="ＭＳ ゴシック" panose="020B0609070205080204" pitchFamily="49" charset="-128"/>
               </a:rPr>
               <a:t>, </a:t>
             </a:r>
             <a:r>
-              <a:rPr lang="ja-JP" altLang="en-US" sz="1900" spc="-1" dirty="0" smtClean="0">
-                <a:solidFill>
-                  <a:srgbClr val="000000"/>
-                </a:solidFill>
-                <a:latin typeface="Arial"/>
-                <a:ea typeface="Arial"/>
+              <a:rPr lang="ja-JP" altLang="en-US" spc="-1" dirty="0" smtClean="0">
+                <a:solidFill>
+                  <a:srgbClr val="000000"/>
+                </a:solidFill>
+                <a:latin typeface="ＭＳ ゴシック" panose="020B0609070205080204" pitchFamily="49" charset="-128"/>
+                <a:ea typeface="ＭＳ ゴシック" panose="020B0609070205080204" pitchFamily="49" charset="-128"/>
               </a:rPr>
               <a:t>「</a:t>
             </a:r>
             <a:r>
-              <a:rPr lang="en-US" sz="1900" b="0" strike="noStrike" spc="-1" dirty="0" smtClean="0">
-                <a:solidFill>
-                  <a:srgbClr val="000000"/>
-                </a:solidFill>
-                <a:latin typeface="Arial"/>
-                <a:ea typeface="Arial"/>
+              <a:rPr lang="en-US" b="0" strike="noStrike" spc="-1" dirty="0" smtClean="0">
+                <a:solidFill>
+                  <a:srgbClr val="000000"/>
+                </a:solidFill>
+                <a:latin typeface="ＭＳ ゴシック" panose="020B0609070205080204" pitchFamily="49" charset="-128"/>
+                <a:ea typeface="ＭＳ ゴシック" panose="020B0609070205080204" pitchFamily="49" charset="-128"/>
               </a:rPr>
               <a:t>clearing</a:t>
             </a:r>
             <a:r>
-              <a:rPr lang="ja-JP" altLang="en-US" sz="1900" b="0" strike="noStrike" spc="-1" dirty="0" smtClean="0">
-                <a:solidFill>
-                  <a:srgbClr val="000000"/>
-                </a:solidFill>
-                <a:latin typeface="Arial"/>
-                <a:ea typeface="Arial"/>
+              <a:rPr lang="ja-JP" altLang="en-US" b="0" strike="noStrike" spc="-1" dirty="0" smtClean="0">
+                <a:solidFill>
+                  <a:srgbClr val="000000"/>
+                </a:solidFill>
+                <a:latin typeface="ＭＳ ゴシック" panose="020B0609070205080204" pitchFamily="49" charset="-128"/>
+                <a:ea typeface="ＭＳ ゴシック" panose="020B0609070205080204" pitchFamily="49" charset="-128"/>
               </a:rPr>
               <a:t>」</a:t>
             </a:r>
             <a:r>
-              <a:rPr lang="en-US" sz="1900" b="0" strike="noStrike" spc="-1" dirty="0" smtClean="0">
-                <a:solidFill>
-                  <a:srgbClr val="000000"/>
-                </a:solidFill>
-                <a:latin typeface="Arial"/>
-                <a:ea typeface="Arial"/>
+              <a:rPr lang="en-US" b="0" strike="noStrike" spc="-1" dirty="0" smtClean="0">
+                <a:solidFill>
+                  <a:srgbClr val="000000"/>
+                </a:solidFill>
+                <a:latin typeface="ＭＳ ゴシック" panose="020B0609070205080204" pitchFamily="49" charset="-128"/>
+                <a:ea typeface="ＭＳ ゴシック" panose="020B0609070205080204" pitchFamily="49" charset="-128"/>
               </a:rPr>
               <a:t> </a:t>
             </a:r>
             <a:r>
-              <a:rPr lang="ja-JP" altLang="en-US" sz="1900" spc="-1" dirty="0" smtClean="0">
-                <a:solidFill>
-                  <a:srgbClr val="000000"/>
-                </a:solidFill>
-                <a:latin typeface="Arial"/>
-                <a:ea typeface="Arial"/>
+              <a:rPr lang="ja-JP" altLang="en-US" spc="-1" dirty="0" smtClean="0">
+                <a:solidFill>
+                  <a:srgbClr val="000000"/>
+                </a:solidFill>
+                <a:latin typeface="ＭＳ ゴシック" panose="020B0609070205080204" pitchFamily="49" charset="-128"/>
+                <a:ea typeface="ＭＳ ゴシック" panose="020B0609070205080204" pitchFamily="49" charset="-128"/>
               </a:rPr>
               <a:t>決定のため</a:t>
             </a:r>
-            <a:endParaRPr lang="en-US" sz="1900" b="0" strike="noStrike" spc="-1" dirty="0">
-              <a:latin typeface="Arial"/>
+            <a:endParaRPr lang="en-US" b="0" strike="noStrike" spc="-1" dirty="0">
+              <a:latin typeface="ＭＳ ゴシック" panose="020B0609070205080204" pitchFamily="49" charset="-128"/>
+              <a:ea typeface="ＭＳ ゴシック" panose="020B0609070205080204" pitchFamily="49" charset="-128"/>
             </a:endParaRPr>
           </a:p>
           <a:p>
@@ -41523,85 +41382,103 @@
               <a:buChar char="∙"/>
             </a:pPr>
             <a:r>
-              <a:rPr lang="en-US" altLang="ja-JP" sz="1900" spc="-1" dirty="0" smtClean="0">
-                <a:solidFill>
-                  <a:srgbClr val="000000"/>
-                </a:solidFill>
-                <a:ea typeface="Arial"/>
+              <a:rPr lang="en-US" altLang="ja-JP" spc="-1" dirty="0" smtClean="0">
+                <a:solidFill>
+                  <a:srgbClr val="000000"/>
+                </a:solidFill>
+                <a:latin typeface="ＭＳ ゴシック" panose="020B0609070205080204" pitchFamily="49" charset="-128"/>
+                <a:ea typeface="ＭＳ ゴシック" panose="020B0609070205080204" pitchFamily="49" charset="-128"/>
               </a:rPr>
               <a:t>(4)</a:t>
             </a:r>
             <a:r>
-              <a:rPr lang="ja-JP" altLang="en-US" sz="1900" spc="-1" dirty="0">
-                <a:solidFill>
-                  <a:srgbClr val="000000"/>
-                </a:solidFill>
-                <a:ea typeface="Arial"/>
+              <a:rPr lang="ja-JP" altLang="en-US" spc="-1" dirty="0">
+                <a:solidFill>
+                  <a:srgbClr val="000000"/>
+                </a:solidFill>
+                <a:latin typeface="ＭＳ ゴシック" panose="020B0609070205080204" pitchFamily="49" charset="-128"/>
+                <a:ea typeface="ＭＳ ゴシック" panose="020B0609070205080204" pitchFamily="49" charset="-128"/>
               </a:rPr>
               <a:t>バルク</a:t>
             </a:r>
             <a:r>
+              <a:rPr lang="ja-JP" altLang="en-US" spc="-1" dirty="0" smtClean="0">
+                <a:solidFill>
+                  <a:srgbClr val="000000"/>
+                </a:solidFill>
+                <a:latin typeface="ＭＳ ゴシック" panose="020B0609070205080204" pitchFamily="49" charset="-128"/>
+                <a:ea typeface="ＭＳ ゴシック" panose="020B0609070205080204" pitchFamily="49" charset="-128"/>
+              </a:rPr>
+              <a:t>スキャン</a:t>
+            </a:r>
+            <a:r>
+              <a:rPr lang="ja-JP" altLang="en-US" spc="-1" dirty="0">
+                <a:solidFill>
+                  <a:srgbClr val="000000"/>
+                </a:solidFill>
+                <a:latin typeface="ＭＳ ゴシック" panose="020B0609070205080204" pitchFamily="49" charset="-128"/>
+                <a:ea typeface="ＭＳ ゴシック" panose="020B0609070205080204" pitchFamily="49" charset="-128"/>
+              </a:rPr>
+              <a:t>は、パッケージのすべてのファイルに対して実行</a:t>
+            </a:r>
+            <a:r>
+              <a:rPr lang="ja-JP" altLang="en-US" spc="-1" dirty="0" smtClean="0">
+                <a:solidFill>
+                  <a:srgbClr val="000000"/>
+                </a:solidFill>
+                <a:latin typeface="ＭＳ ゴシック" panose="020B0609070205080204" pitchFamily="49" charset="-128"/>
+                <a:ea typeface="ＭＳ ゴシック" panose="020B0609070205080204" pitchFamily="49" charset="-128"/>
+              </a:rPr>
+              <a:t>され</a:t>
+            </a:r>
+            <a:r>
+              <a:rPr lang="ja-JP" altLang="en-US" spc="-1" dirty="0">
+                <a:solidFill>
+                  <a:srgbClr val="000000"/>
+                </a:solidFill>
+                <a:latin typeface="ＭＳ ゴシック" panose="020B0609070205080204" pitchFamily="49" charset="-128"/>
+                <a:ea typeface="ＭＳ ゴシック" panose="020B0609070205080204" pitchFamily="49" charset="-128"/>
+              </a:rPr>
+              <a:t>、</a:t>
+            </a:r>
+            <a:r>
+              <a:rPr lang="ja-JP" altLang="en-US" spc="-1" dirty="0" smtClean="0">
+                <a:solidFill>
+                  <a:srgbClr val="000000"/>
+                </a:solidFill>
+                <a:latin typeface="ＭＳ ゴシック" panose="020B0609070205080204" pitchFamily="49" charset="-128"/>
+                <a:ea typeface="ＭＳ ゴシック" panose="020B0609070205080204" pitchFamily="49" charset="-128"/>
+              </a:rPr>
+              <a:t>「</a:t>
+            </a:r>
+            <a:r>
+              <a:rPr lang="en-US" altLang="ja-JP" spc="-1" dirty="0" smtClean="0">
+                <a:solidFill>
+                  <a:srgbClr val="000000"/>
+                </a:solidFill>
+                <a:latin typeface="ＭＳ ゴシック" panose="020B0609070205080204" pitchFamily="49" charset="-128"/>
+                <a:ea typeface="ＭＳ ゴシック" panose="020B0609070205080204" pitchFamily="49" charset="-128"/>
+              </a:rPr>
+              <a:t>clearing</a:t>
+            </a:r>
+            <a:r>
+              <a:rPr lang="ja-JP" altLang="en-US" spc="-1" dirty="0" smtClean="0">
+                <a:solidFill>
+                  <a:srgbClr val="000000"/>
+                </a:solidFill>
+                <a:latin typeface="ＭＳ ゴシック" panose="020B0609070205080204" pitchFamily="49" charset="-128"/>
+                <a:ea typeface="ＭＳ ゴシック" panose="020B0609070205080204" pitchFamily="49" charset="-128"/>
+              </a:rPr>
+              <a:t>」決定またはスキャン結果の修正を一致した部分に行う</a:t>
+            </a:r>
+            <a:r>
               <a:rPr lang="ja-JP" altLang="en-US" sz="1900" spc="-1" dirty="0" smtClean="0">
                 <a:solidFill>
                   <a:srgbClr val="000000"/>
                 </a:solidFill>
                 <a:ea typeface="Arial"/>
               </a:rPr>
-              <a:t>スキャン</a:t>
-            </a:r>
-            <a:r>
-              <a:rPr lang="ja-JP" altLang="en-US" sz="1900" spc="-1" dirty="0">
-                <a:solidFill>
-                  <a:srgbClr val="000000"/>
-                </a:solidFill>
-                <a:ea typeface="Arial"/>
-              </a:rPr>
-              <a:t>は、パッケージのすべてのファイルに対して実行</a:t>
-            </a:r>
-            <a:r>
-              <a:rPr lang="ja-JP" altLang="en-US" sz="1900" spc="-1" dirty="0" smtClean="0">
-                <a:solidFill>
-                  <a:srgbClr val="000000"/>
-                </a:solidFill>
-                <a:ea typeface="Arial"/>
-              </a:rPr>
-              <a:t>され</a:t>
-            </a:r>
-            <a:r>
-              <a:rPr lang="ja-JP" altLang="en-US" sz="1900" spc="-1" dirty="0">
-                <a:solidFill>
-                  <a:srgbClr val="000000"/>
-                </a:solidFill>
-                <a:ea typeface="Arial"/>
-              </a:rPr>
-              <a:t>、</a:t>
-            </a:r>
-            <a:r>
-              <a:rPr lang="ja-JP" altLang="en-US" sz="1900" spc="-1" dirty="0" smtClean="0">
-                <a:solidFill>
-                  <a:srgbClr val="000000"/>
-                </a:solidFill>
-                <a:ea typeface="Arial"/>
-              </a:rPr>
-              <a:t>「</a:t>
-            </a:r>
-            <a:r>
-              <a:rPr lang="en-US" altLang="ja-JP" sz="1900" spc="-1" dirty="0" smtClean="0">
-                <a:solidFill>
-                  <a:srgbClr val="000000"/>
-                </a:solidFill>
-                <a:ea typeface="Arial"/>
-              </a:rPr>
-              <a:t>clearing</a:t>
-            </a:r>
-            <a:r>
-              <a:rPr lang="ja-JP" altLang="en-US" sz="1900" spc="-1" dirty="0" smtClean="0">
-                <a:solidFill>
-                  <a:srgbClr val="000000"/>
-                </a:solidFill>
-                <a:ea typeface="Arial"/>
-              </a:rPr>
-              <a:t>」決定またはスキャン結果の修正を一致した部分に行う。</a:t>
+              <a:t>。</a:t>
             </a:r>
             <a:endParaRPr lang="en-US" sz="1900" b="0" strike="noStrike" spc="-1" dirty="0">
               <a:latin typeface="Arial"/>
@@ -41717,7 +41594,7 @@
         </p:nvSpPr>
         <p:spPr>
           <a:xfrm>
-            <a:off x="6449760" y="2621160"/>
+            <a:off x="6530940" y="2620440"/>
             <a:ext cx="2605320" cy="317880"/>
           </a:xfrm>
           <a:prstGeom prst="roundRect">
@@ -42207,7 +42084,7 @@
         </p:nvSpPr>
         <p:spPr>
           <a:xfrm>
-            <a:off x="7575764" y="1432620"/>
+            <a:off x="7489136" y="1432620"/>
             <a:ext cx="4572000" cy="4877460"/>
           </a:xfrm>
           <a:prstGeom prst="rect">
@@ -42250,57 +42127,58 @@
               <a:buChar char="•"/>
             </a:pPr>
             <a:r>
-              <a:rPr lang="en-US" sz="1900" b="0" strike="noStrike" spc="-1" dirty="0" smtClean="0">
-                <a:solidFill>
-                  <a:srgbClr val="000000"/>
-                </a:solidFill>
-                <a:latin typeface="Arial"/>
-                <a:ea typeface="Arial"/>
+              <a:rPr lang="en-US" b="0" strike="noStrike" spc="-1" dirty="0" smtClean="0">
+                <a:solidFill>
+                  <a:srgbClr val="000000"/>
+                </a:solidFill>
+                <a:latin typeface="ＭＳ ゴシック" panose="020B0609070205080204" pitchFamily="49" charset="-128"/>
+                <a:ea typeface="ＭＳ ゴシック" panose="020B0609070205080204" pitchFamily="49" charset="-128"/>
               </a:rPr>
               <a:t> </a:t>
             </a:r>
             <a:r>
-              <a:rPr lang="en-US" sz="1900" b="0" strike="noStrike" spc="-1" dirty="0" err="1">
-                <a:solidFill>
-                  <a:srgbClr val="000000"/>
-                </a:solidFill>
-                <a:latin typeface="Arial"/>
-                <a:ea typeface="Arial"/>
+              <a:rPr lang="en-US" b="0" strike="noStrike" spc="-1" dirty="0" err="1">
+                <a:solidFill>
+                  <a:srgbClr val="000000"/>
+                </a:solidFill>
+                <a:latin typeface="ＭＳ ゴシック" panose="020B0609070205080204" pitchFamily="49" charset="-128"/>
+                <a:ea typeface="ＭＳ ゴシック" panose="020B0609070205080204" pitchFamily="49" charset="-128"/>
               </a:rPr>
               <a:t>zlib</a:t>
             </a:r>
             <a:r>
-              <a:rPr lang="en-US" sz="1900" b="0" strike="noStrike" spc="-1" dirty="0">
-                <a:solidFill>
-                  <a:srgbClr val="000000"/>
-                </a:solidFill>
-                <a:latin typeface="Arial"/>
-                <a:ea typeface="Arial"/>
+              <a:rPr lang="en-US" b="0" strike="noStrike" spc="-1" dirty="0">
+                <a:solidFill>
+                  <a:srgbClr val="000000"/>
+                </a:solidFill>
+                <a:latin typeface="ＭＳ ゴシック" panose="020B0609070205080204" pitchFamily="49" charset="-128"/>
+                <a:ea typeface="ＭＳ ゴシック" panose="020B0609070205080204" pitchFamily="49" charset="-128"/>
               </a:rPr>
               <a:t> </a:t>
             </a:r>
             <a:r>
-              <a:rPr lang="en-US" sz="1900" b="0" strike="noStrike" spc="-1" dirty="0" smtClean="0">
-                <a:solidFill>
-                  <a:srgbClr val="000000"/>
-                </a:solidFill>
-                <a:latin typeface="Arial"/>
-                <a:ea typeface="Arial"/>
+              <a:rPr lang="en-US" b="0" strike="noStrike" spc="-1" dirty="0" smtClean="0">
+                <a:solidFill>
+                  <a:srgbClr val="000000"/>
+                </a:solidFill>
+                <a:latin typeface="ＭＳ ゴシック" panose="020B0609070205080204" pitchFamily="49" charset="-128"/>
+                <a:ea typeface="ＭＳ ゴシック" panose="020B0609070205080204" pitchFamily="49" charset="-128"/>
               </a:rPr>
               <a:t>1.2.7</a:t>
             </a:r>
             <a:r>
-              <a:rPr lang="ja-JP" altLang="en-US" sz="1900" b="0" strike="noStrike" spc="-1" dirty="0" smtClean="0">
-                <a:solidFill>
-                  <a:srgbClr val="000000"/>
-                </a:solidFill>
-                <a:latin typeface="Arial"/>
-                <a:ea typeface="Arial"/>
+              <a:rPr lang="ja-JP" altLang="en-US" b="0" strike="noStrike" spc="-1" dirty="0" smtClean="0">
+                <a:solidFill>
+                  <a:srgbClr val="000000"/>
+                </a:solidFill>
+                <a:latin typeface="ＭＳ ゴシック" panose="020B0609070205080204" pitchFamily="49" charset="-128"/>
+                <a:ea typeface="ＭＳ ゴシック" panose="020B0609070205080204" pitchFamily="49" charset="-128"/>
               </a:rPr>
               <a:t>のソースをアップロード</a:t>
             </a:r>
-            <a:endParaRPr lang="en-US" sz="1900" b="0" strike="noStrike" spc="-1" dirty="0">
-              <a:latin typeface="Arial"/>
+            <a:endParaRPr lang="en-US" b="0" strike="noStrike" spc="-1" dirty="0">
+              <a:latin typeface="ＭＳ ゴシック" panose="020B0609070205080204" pitchFamily="49" charset="-128"/>
+              <a:ea typeface="ＭＳ ゴシック" panose="020B0609070205080204" pitchFamily="49" charset="-128"/>
             </a:endParaRPr>
           </a:p>
           <a:p>
@@ -42315,25 +42193,28 @@
               <a:buChar char="∙"/>
             </a:pPr>
             <a:r>
-              <a:rPr lang="ja-JP" altLang="en-US" sz="1900" spc="-1" dirty="0">
-                <a:solidFill>
-                  <a:srgbClr val="000000"/>
-                </a:solidFill>
-                <a:latin typeface="Arial"/>
+              <a:rPr lang="ja-JP" altLang="en-US" spc="-1" dirty="0">
+                <a:solidFill>
+                  <a:srgbClr val="000000"/>
+                </a:solidFill>
+                <a:latin typeface="ＭＳ ゴシック" panose="020B0609070205080204" pitchFamily="49" charset="-128"/>
+                <a:ea typeface="ＭＳ ゴシック" panose="020B0609070205080204" pitchFamily="49" charset="-128"/>
               </a:rPr>
               <a:t>リスト</a:t>
             </a:r>
             <a:r>
-              <a:rPr lang="ja-JP" altLang="en-US" sz="1900" spc="-1" dirty="0" smtClean="0">
-                <a:solidFill>
-                  <a:srgbClr val="000000"/>
-                </a:solidFill>
-                <a:latin typeface="Arial"/>
+              <a:rPr lang="ja-JP" altLang="en-US" spc="-1" dirty="0" smtClean="0">
+                <a:solidFill>
+                  <a:srgbClr val="000000"/>
+                </a:solidFill>
+                <a:latin typeface="ＭＳ ゴシック" panose="020B0609070205080204" pitchFamily="49" charset="-128"/>
+                <a:ea typeface="ＭＳ ゴシック" panose="020B0609070205080204" pitchFamily="49" charset="-128"/>
               </a:rPr>
               <a:t>の最初のファイルに行く</a:t>
             </a:r>
-            <a:endParaRPr lang="en-US" sz="1900" b="0" strike="noStrike" spc="-1" dirty="0">
-              <a:latin typeface="Arial"/>
+            <a:endParaRPr lang="en-US" b="0" strike="noStrike" spc="-1" dirty="0">
+              <a:latin typeface="ＭＳ ゴシック" panose="020B0609070205080204" pitchFamily="49" charset="-128"/>
+              <a:ea typeface="ＭＳ ゴシック" panose="020B0609070205080204" pitchFamily="49" charset="-128"/>
             </a:endParaRPr>
           </a:p>
           <a:p>
@@ -42348,30 +42229,51 @@
               <a:buChar char="∙"/>
             </a:pPr>
             <a:r>
-              <a:rPr lang="en-US" altLang="ja-JP" dirty="0"/>
+              <a:rPr lang="en-US" altLang="ja-JP" dirty="0">
+                <a:latin typeface="ＭＳ ゴシック" panose="020B0609070205080204" pitchFamily="49" charset="-128"/>
+                <a:ea typeface="ＭＳ ゴシック" panose="020B0609070205080204" pitchFamily="49" charset="-128"/>
+              </a:rPr>
               <a:t>(</a:t>
             </a:r>
             <a:r>
-              <a:rPr lang="en-US" altLang="ja-JP" dirty="0" err="1"/>
+              <a:rPr lang="en-US" altLang="ja-JP" dirty="0" err="1">
+                <a:latin typeface="ＭＳ ゴシック" panose="020B0609070205080204" pitchFamily="49" charset="-128"/>
+                <a:ea typeface="ＭＳ ゴシック" panose="020B0609070205080204" pitchFamily="49" charset="-128"/>
+              </a:rPr>
               <a:t>Zlib</a:t>
             </a:r>
             <a:r>
-              <a:rPr lang="en-US" altLang="ja-JP" dirty="0"/>
+              <a:rPr lang="en-US" altLang="ja-JP" dirty="0">
+                <a:latin typeface="ＭＳ ゴシック" panose="020B0609070205080204" pitchFamily="49" charset="-128"/>
+                <a:ea typeface="ＭＳ ゴシック" panose="020B0609070205080204" pitchFamily="49" charset="-128"/>
+              </a:rPr>
               <a:t>-possibility </a:t>
             </a:r>
             <a:r>
-              <a:rPr lang="ja-JP" altLang="en-US" dirty="0" err="1"/>
+              <a:rPr lang="ja-JP" altLang="en-US" dirty="0" err="1">
+                <a:latin typeface="ＭＳ ゴシック" panose="020B0609070205080204" pitchFamily="49" charset="-128"/>
+                <a:ea typeface="ＭＳ ゴシック" panose="020B0609070205080204" pitchFamily="49" charset="-128"/>
+              </a:rPr>
               <a:t>と検</a:t>
             </a:r>
             <a:r>
-              <a:rPr lang="ja-JP" altLang="en-US" dirty="0"/>
+              <a:rPr lang="ja-JP" altLang="en-US" dirty="0">
+                <a:latin typeface="ＭＳ ゴシック" panose="020B0609070205080204" pitchFamily="49" charset="-128"/>
+                <a:ea typeface="ＭＳ ゴシック" panose="020B0609070205080204" pitchFamily="49" charset="-128"/>
+              </a:rPr>
               <a:t>出されたファイルがいくつかある</a:t>
             </a:r>
             <a:r>
-              <a:rPr lang="en-US" altLang="ja-JP" dirty="0"/>
+              <a:rPr lang="en-US" altLang="ja-JP" dirty="0">
+                <a:latin typeface="ＭＳ ゴシック" panose="020B0609070205080204" pitchFamily="49" charset="-128"/>
+                <a:ea typeface="ＭＳ ゴシック" panose="020B0609070205080204" pitchFamily="49" charset="-128"/>
+              </a:rPr>
               <a:t>) </a:t>
             </a:r>
-            <a:endParaRPr lang="en-US" altLang="ja-JP" dirty="0" smtClean="0"/>
+            <a:endParaRPr lang="en-US" altLang="ja-JP" dirty="0" smtClean="0">
+              <a:latin typeface="ＭＳ ゴシック" panose="020B0609070205080204" pitchFamily="49" charset="-128"/>
+              <a:ea typeface="ＭＳ ゴシック" panose="020B0609070205080204" pitchFamily="49" charset="-128"/>
+            </a:endParaRPr>
           </a:p>
           <a:p>
             <a:pPr marL="355680" lvl="2" indent="-208440">
@@ -42385,34 +42287,58 @@
               <a:buChar char="∙"/>
             </a:pPr>
             <a:r>
-              <a:rPr lang="en-US" altLang="ja-JP" dirty="0" err="1"/>
+              <a:rPr lang="en-US" altLang="ja-JP" dirty="0" err="1">
+                <a:latin typeface="ＭＳ ゴシック" panose="020B0609070205080204" pitchFamily="49" charset="-128"/>
+                <a:ea typeface="ＭＳ ゴシック" panose="020B0609070205080204" pitchFamily="49" charset="-128"/>
+              </a:rPr>
               <a:t>Zlib</a:t>
             </a:r>
             <a:r>
-              <a:rPr lang="ja-JP" altLang="en-US" dirty="0"/>
+              <a:rPr lang="ja-JP" altLang="en-US" dirty="0">
+                <a:latin typeface="ＭＳ ゴシック" panose="020B0609070205080204" pitchFamily="49" charset="-128"/>
+                <a:ea typeface="ＭＳ ゴシック" panose="020B0609070205080204" pitchFamily="49" charset="-128"/>
+              </a:rPr>
               <a:t>を選択し、</a:t>
             </a:r>
             <a:r>
-              <a:rPr lang="en-US" altLang="ja-JP" dirty="0" err="1"/>
+              <a:rPr lang="en-US" altLang="ja-JP" dirty="0" err="1">
+                <a:latin typeface="ＭＳ ゴシック" panose="020B0609070205080204" pitchFamily="49" charset="-128"/>
+                <a:ea typeface="ＭＳ ゴシック" panose="020B0609070205080204" pitchFamily="49" charset="-128"/>
+              </a:rPr>
               <a:t>Zlib</a:t>
             </a:r>
             <a:r>
-              <a:rPr lang="en-US" altLang="ja-JP" dirty="0"/>
+              <a:rPr lang="en-US" altLang="ja-JP" dirty="0">
+                <a:latin typeface="ＭＳ ゴシック" panose="020B0609070205080204" pitchFamily="49" charset="-128"/>
+                <a:ea typeface="ＭＳ ゴシック" panose="020B0609070205080204" pitchFamily="49" charset="-128"/>
+              </a:rPr>
               <a:t>-possibility</a:t>
             </a:r>
             <a:r>
-              <a:rPr lang="ja-JP" altLang="en-US" dirty="0" err="1"/>
+              <a:rPr lang="ja-JP" altLang="en-US" dirty="0" err="1">
+                <a:latin typeface="ＭＳ ゴシック" panose="020B0609070205080204" pitchFamily="49" charset="-128"/>
+                <a:ea typeface="ＭＳ ゴシック" panose="020B0609070205080204" pitchFamily="49" charset="-128"/>
+              </a:rPr>
               <a:t>を削</a:t>
             </a:r>
             <a:r>
-              <a:rPr lang="ja-JP" altLang="en-US" dirty="0"/>
+              <a:rPr lang="ja-JP" altLang="en-US" dirty="0">
+                <a:latin typeface="ＭＳ ゴシック" panose="020B0609070205080204" pitchFamily="49" charset="-128"/>
+                <a:ea typeface="ＭＳ ゴシック" panose="020B0609070205080204" pitchFamily="49" charset="-128"/>
+              </a:rPr>
               <a:t>除して、次のファイル</a:t>
             </a:r>
             <a:r>
-              <a:rPr lang="ja-JP" altLang="en-US" dirty="0" smtClean="0"/>
+              <a:rPr lang="ja-JP" altLang="en-US" dirty="0" smtClean="0">
+                <a:latin typeface="ＭＳ ゴシック" panose="020B0609070205080204" pitchFamily="49" charset="-128"/>
+                <a:ea typeface="ＭＳ ゴシック" panose="020B0609070205080204" pitchFamily="49" charset="-128"/>
+              </a:rPr>
               <a:t>へ</a:t>
             </a:r>
-            <a:endParaRPr lang="en-US" altLang="ja-JP" dirty="0"/>
+            <a:endParaRPr lang="en-US" altLang="ja-JP" dirty="0">
+              <a:latin typeface="ＭＳ ゴシック" panose="020B0609070205080204" pitchFamily="49" charset="-128"/>
+              <a:ea typeface="ＭＳ ゴシック" panose="020B0609070205080204" pitchFamily="49" charset="-128"/>
+            </a:endParaRPr>
           </a:p>
           <a:p>
             <a:pPr marL="342900" indent="-342900">
@@ -42423,34 +42349,38 @@
               <a:buChar char="•"/>
             </a:pPr>
             <a:r>
-              <a:rPr lang="ja-JP" altLang="en-US" sz="1900" spc="-1" dirty="0" smtClean="0">
-                <a:solidFill>
-                  <a:srgbClr val="000000"/>
-                </a:solidFill>
-                <a:latin typeface="Arial"/>
+              <a:rPr lang="ja-JP" altLang="en-US" spc="-1" dirty="0" smtClean="0">
+                <a:solidFill>
+                  <a:srgbClr val="000000"/>
+                </a:solidFill>
+                <a:latin typeface="ＭＳ ゴシック" panose="020B0609070205080204" pitchFamily="49" charset="-128"/>
+                <a:ea typeface="ＭＳ ゴシック" panose="020B0609070205080204" pitchFamily="49" charset="-128"/>
               </a:rPr>
               <a:t>もう</a:t>
             </a:r>
             <a:r>
-              <a:rPr lang="ja-JP" altLang="en-US" sz="1900" spc="-1" dirty="0">
-                <a:solidFill>
-                  <a:srgbClr val="000000"/>
-                </a:solidFill>
-                <a:latin typeface="Arial"/>
+              <a:rPr lang="ja-JP" altLang="en-US" spc="-1" dirty="0">
+                <a:solidFill>
+                  <a:srgbClr val="000000"/>
+                </a:solidFill>
+                <a:latin typeface="ＭＳ ゴシック" panose="020B0609070205080204" pitchFamily="49" charset="-128"/>
+                <a:ea typeface="ＭＳ ゴシック" panose="020B0609070205080204" pitchFamily="49" charset="-128"/>
               </a:rPr>
               <a:t>一</a:t>
             </a:r>
             <a:r>
-              <a:rPr lang="ja-JP" altLang="en-US" sz="1900" spc="-1" dirty="0" smtClean="0">
-                <a:solidFill>
-                  <a:srgbClr val="000000"/>
-                </a:solidFill>
-                <a:latin typeface="Arial"/>
+              <a:rPr lang="ja-JP" altLang="en-US" spc="-1" dirty="0" smtClean="0">
+                <a:solidFill>
+                  <a:srgbClr val="000000"/>
+                </a:solidFill>
+                <a:latin typeface="ＭＳ ゴシック" panose="020B0609070205080204" pitchFamily="49" charset="-128"/>
+                <a:ea typeface="ＭＳ ゴシック" panose="020B0609070205080204" pitchFamily="49" charset="-128"/>
               </a:rPr>
               <a:t>つのファイルへ</a:t>
             </a:r>
-            <a:endParaRPr lang="en-US" sz="1900" b="0" strike="noStrike" spc="-1" dirty="0">
-              <a:latin typeface="Arial"/>
+            <a:endParaRPr lang="en-US" b="0" strike="noStrike" spc="-1" dirty="0">
+              <a:latin typeface="ＭＳ ゴシック" panose="020B0609070205080204" pitchFamily="49" charset="-128"/>
+              <a:ea typeface="ＭＳ ゴシック" panose="020B0609070205080204" pitchFamily="49" charset="-128"/>
             </a:endParaRPr>
           </a:p>
           <a:p>
@@ -42462,37 +42392,29 @@
               <a:buChar char="∙"/>
             </a:pPr>
             <a:r>
-              <a:rPr lang="en-US" sz="1900" b="0" strike="noStrike" spc="-1" dirty="0" err="1" smtClean="0">
-                <a:solidFill>
-                  <a:srgbClr val="000000"/>
-                </a:solidFill>
-                <a:latin typeface="Arial"/>
-                <a:ea typeface="Arial"/>
+              <a:rPr lang="en-US" spc="-1" dirty="0" err="1" smtClean="0">
+                <a:latin typeface="ＭＳ ゴシック" panose="020B0609070205080204" pitchFamily="49" charset="-128"/>
+                <a:ea typeface="ＭＳ ゴシック" panose="020B0609070205080204" pitchFamily="49" charset="-128"/>
               </a:rPr>
               <a:t>zlib</a:t>
             </a:r>
             <a:r>
-              <a:rPr lang="en-US" sz="1900" b="0" strike="noStrike" spc="-1" dirty="0" smtClean="0">
-                <a:solidFill>
-                  <a:srgbClr val="000000"/>
-                </a:solidFill>
-                <a:latin typeface="Arial"/>
-                <a:ea typeface="Arial"/>
-              </a:rPr>
-              <a:t> </a:t>
-            </a:r>
-            <a:r>
-              <a:rPr lang="ja-JP" altLang="en-US" sz="1900" b="0" strike="noStrike" spc="-1" dirty="0" smtClean="0">
-                <a:solidFill>
-                  <a:srgbClr val="000000"/>
-                </a:solidFill>
-                <a:latin typeface="Arial"/>
-                <a:ea typeface="Arial"/>
-              </a:rPr>
-              <a:t>候補の方を選ぶ</a:t>
-            </a:r>
-            <a:endParaRPr lang="en-US" sz="1900" b="0" strike="noStrike" spc="-1" dirty="0">
-              <a:latin typeface="Arial"/>
+              <a:rPr lang="en-US" spc="-1" dirty="0" smtClean="0">
+                <a:latin typeface="ＭＳ ゴシック" panose="020B0609070205080204" pitchFamily="49" charset="-128"/>
+                <a:ea typeface="ＭＳ ゴシック" panose="020B0609070205080204" pitchFamily="49" charset="-128"/>
+              </a:rPr>
+              <a:t>-possibility </a:t>
+            </a:r>
+            <a:r>
+              <a:rPr lang="ja-JP" altLang="en-US" spc="-1" dirty="0">
+                <a:latin typeface="ＭＳ ゴシック" panose="020B0609070205080204" pitchFamily="49" charset="-128"/>
+                <a:ea typeface="ＭＳ ゴシック" panose="020B0609070205080204" pitchFamily="49" charset="-128"/>
+              </a:rPr>
+              <a:t>を選択</a:t>
+            </a:r>
+            <a:endParaRPr lang="en-US" b="0" strike="noStrike" spc="-1" dirty="0" smtClean="0">
+              <a:latin typeface="ＭＳ ゴシック" panose="020B0609070205080204" pitchFamily="49" charset="-128"/>
+              <a:ea typeface="ＭＳ ゴシック" panose="020B0609070205080204" pitchFamily="49" charset="-128"/>
             </a:endParaRPr>
           </a:p>
           <a:p>
@@ -42504,96 +42426,36 @@
               <a:buChar char="∙"/>
             </a:pPr>
             <a:r>
-              <a:rPr lang="ja-JP" altLang="en-US" sz="1900" spc="-1" dirty="0" smtClean="0">
-                <a:solidFill>
-                  <a:srgbClr val="000000"/>
-                </a:solidFill>
-                <a:latin typeface="Arial"/>
-                <a:ea typeface="Arial"/>
-              </a:rPr>
-              <a:t>一括</a:t>
-            </a:r>
-            <a:r>
-              <a:rPr lang="ja-JP" altLang="en-US" sz="1900" spc="-1" dirty="0">
-                <a:solidFill>
-                  <a:srgbClr val="000000"/>
-                </a:solidFill>
-                <a:latin typeface="Arial"/>
-                <a:ea typeface="Arial"/>
-              </a:rPr>
-              <a:t>作業</a:t>
-            </a:r>
-            <a:r>
-              <a:rPr lang="ja-JP" altLang="en-US" sz="1900" spc="-1" dirty="0" smtClean="0">
-                <a:solidFill>
-                  <a:srgbClr val="000000"/>
-                </a:solidFill>
-                <a:latin typeface="Arial"/>
-                <a:ea typeface="Arial"/>
-              </a:rPr>
-              <a:t>で行うことの定義</a:t>
-            </a:r>
-            <a:r>
-              <a:rPr lang="en-US" sz="1900" b="0" strike="noStrike" spc="-1" dirty="0" smtClean="0">
-                <a:solidFill>
-                  <a:srgbClr val="000000"/>
-                </a:solidFill>
-                <a:latin typeface="Arial"/>
-                <a:ea typeface="Arial"/>
-              </a:rPr>
-              <a:t>: </a:t>
-            </a:r>
-            <a:r>
-              <a:rPr lang="en-US" sz="1900" b="0" strike="noStrike" spc="-1" dirty="0" err="1" smtClean="0">
-                <a:solidFill>
-                  <a:srgbClr val="000000"/>
-                </a:solidFill>
-                <a:latin typeface="Arial"/>
-                <a:ea typeface="Arial"/>
-              </a:rPr>
-              <a:t>zlib</a:t>
-            </a:r>
-            <a:r>
-              <a:rPr lang="en-US" sz="1900" b="0" strike="noStrike" spc="-1" dirty="0" smtClean="0">
-                <a:solidFill>
-                  <a:srgbClr val="000000"/>
-                </a:solidFill>
-                <a:latin typeface="Arial"/>
-                <a:ea typeface="Arial"/>
-              </a:rPr>
-              <a:t/>
-            </a:r>
-            <a:br>
-              <a:rPr lang="en-US" sz="1900" b="0" strike="noStrike" spc="-1" dirty="0" smtClean="0">
-                <a:solidFill>
-                  <a:srgbClr val="000000"/>
-                </a:solidFill>
-                <a:latin typeface="Arial"/>
-                <a:ea typeface="Arial"/>
-              </a:rPr>
-            </a:br>
-            <a:r>
-              <a:rPr lang="en-US" sz="1900" b="0" strike="noStrike" spc="-1" dirty="0" smtClean="0">
-                <a:solidFill>
-                  <a:srgbClr val="000000"/>
-                </a:solidFill>
-                <a:latin typeface="Arial"/>
-                <a:ea typeface="Arial"/>
-              </a:rPr>
-              <a:t> </a:t>
-            </a:r>
-            <a:r>
-              <a:rPr lang="ja-JP" altLang="en-US" sz="1900" spc="-1" dirty="0" smtClean="0">
-                <a:solidFill>
-                  <a:srgbClr val="000000"/>
-                </a:solidFill>
-                <a:latin typeface="Arial"/>
-                <a:ea typeface="Arial"/>
-              </a:rPr>
-              <a:t>でありそうなものを取り除く</a:t>
-            </a:r>
-            <a:endParaRPr lang="en-US" sz="1900" b="0" strike="noStrike" spc="-1" dirty="0">
-              <a:latin typeface="Arial"/>
+              <a:rPr lang="ja-JP" altLang="en-US" spc="-1" dirty="0" smtClean="0">
+                <a:latin typeface="ＭＳ ゴシック" panose="020B0609070205080204" pitchFamily="49" charset="-128"/>
+                <a:ea typeface="ＭＳ ゴシック" panose="020B0609070205080204" pitchFamily="49" charset="-128"/>
+              </a:rPr>
+              <a:t>バルクスキャンの定義：</a:t>
+            </a:r>
+            <a:r>
+              <a:rPr lang="en-US" altLang="ja-JP" spc="-1" dirty="0" err="1" smtClean="0">
+                <a:latin typeface="ＭＳ ゴシック" panose="020B0609070205080204" pitchFamily="49" charset="-128"/>
+                <a:ea typeface="ＭＳ ゴシック" panose="020B0609070205080204" pitchFamily="49" charset="-128"/>
+              </a:rPr>
+              <a:t>Zlib</a:t>
+            </a:r>
+            <a:r>
+              <a:rPr lang="en-US" altLang="ja-JP" spc="-1" dirty="0" smtClean="0">
+                <a:latin typeface="ＭＳ ゴシック" panose="020B0609070205080204" pitchFamily="49" charset="-128"/>
+                <a:ea typeface="ＭＳ ゴシック" panose="020B0609070205080204" pitchFamily="49" charset="-128"/>
+              </a:rPr>
+              <a:t>-possibility </a:t>
+            </a:r>
+            <a:r>
+              <a:rPr lang="ja-JP" altLang="en-US" spc="-1" dirty="0" smtClean="0">
+                <a:latin typeface="ＭＳ ゴシック" panose="020B0609070205080204" pitchFamily="49" charset="-128"/>
+                <a:ea typeface="ＭＳ ゴシック" panose="020B0609070205080204" pitchFamily="49" charset="-128"/>
+              </a:rPr>
+              <a:t>を削除</a:t>
+            </a:r>
+            <a:endParaRPr lang="en-US" b="0" strike="noStrike" spc="-1" dirty="0" smtClean="0">
+              <a:latin typeface="ＭＳ ゴシック" panose="020B0609070205080204" pitchFamily="49" charset="-128"/>
+              <a:ea typeface="ＭＳ ゴシック" panose="020B0609070205080204" pitchFamily="49" charset="-128"/>
             </a:endParaRPr>
           </a:p>
           <a:p>
@@ -42608,23 +42470,60 @@
               <a:buChar char="∙"/>
             </a:pPr>
             <a:r>
-              <a:rPr lang="en-US" sz="1900" b="0" strike="noStrike" spc="-1" dirty="0" err="1" smtClean="0">
-                <a:latin typeface="Arial"/>
+              <a:rPr lang="ja-JP" altLang="en-US" spc="-1" dirty="0" smtClean="0">
+                <a:latin typeface="ＭＳ ゴシック" panose="020B0609070205080204" pitchFamily="49" charset="-128"/>
+                <a:ea typeface="ＭＳ ゴシック" panose="020B0609070205080204" pitchFamily="49" charset="-128"/>
+              </a:rPr>
+              <a:t>バルクスキャン</a:t>
+            </a:r>
+            <a:r>
+              <a:rPr lang="ja-JP" altLang="en-US" spc="-1" dirty="0">
+                <a:latin typeface="ＭＳ ゴシック" panose="020B0609070205080204" pitchFamily="49" charset="-128"/>
+                <a:ea typeface="ＭＳ ゴシック" panose="020B0609070205080204" pitchFamily="49" charset="-128"/>
+              </a:rPr>
+              <a:t>の定義</a:t>
+            </a:r>
+            <a:r>
+              <a:rPr lang="ja-JP" altLang="en-US" spc="-1" dirty="0" smtClean="0">
+                <a:latin typeface="ＭＳ ゴシック" panose="020B0609070205080204" pitchFamily="49" charset="-128"/>
+                <a:ea typeface="ＭＳ ゴシック" panose="020B0609070205080204" pitchFamily="49" charset="-128"/>
+              </a:rPr>
+              <a:t>：</a:t>
+            </a:r>
+            <a:r>
+              <a:rPr lang="en-US" altLang="ja-JP" spc="-1" dirty="0" err="1" smtClean="0">
+                <a:latin typeface="ＭＳ ゴシック" panose="020B0609070205080204" pitchFamily="49" charset="-128"/>
+                <a:ea typeface="ＭＳ ゴシック" panose="020B0609070205080204" pitchFamily="49" charset="-128"/>
               </a:rPr>
               <a:t>zlib</a:t>
             </a:r>
             <a:r>
-              <a:rPr lang="ja-JP" altLang="en-US" sz="1900" b="0" strike="noStrike" spc="-1" dirty="0" smtClean="0">
-                <a:latin typeface="Arial"/>
-              </a:rPr>
-              <a:t>に一括追加する項目を定義</a:t>
-            </a:r>
-            <a:endParaRPr lang="en-US" sz="1900" b="0" strike="noStrike" spc="-1" dirty="0" smtClean="0">
+              <a:rPr lang="en-US" altLang="ja-JP" spc="-1" dirty="0" smtClean="0">
+                <a:latin typeface="ＭＳ ゴシック" panose="020B0609070205080204" pitchFamily="49" charset="-128"/>
+                <a:ea typeface="ＭＳ ゴシック" panose="020B0609070205080204" pitchFamily="49" charset="-128"/>
+              </a:rPr>
+              <a:t> </a:t>
+            </a:r>
+            <a:r>
+              <a:rPr lang="ja-JP" altLang="en-US" spc="-1" dirty="0">
+                <a:latin typeface="ＭＳ ゴシック" panose="020B0609070205080204" pitchFamily="49" charset="-128"/>
+                <a:ea typeface="ＭＳ ゴシック" panose="020B0609070205080204" pitchFamily="49" charset="-128"/>
+              </a:rPr>
+              <a:t>を</a:t>
+            </a:r>
+            <a:r>
+              <a:rPr lang="ja-JP" altLang="en-US" spc="-1" dirty="0" smtClean="0">
+                <a:latin typeface="ＭＳ ゴシック" panose="020B0609070205080204" pitchFamily="49" charset="-128"/>
+                <a:ea typeface="ＭＳ ゴシック" panose="020B0609070205080204" pitchFamily="49" charset="-128"/>
+              </a:rPr>
+              <a:t>追加</a:t>
+            </a:r>
+            <a:endParaRPr lang="en-US" b="0" strike="noStrike" spc="-1" dirty="0" smtClean="0">
               <a:solidFill>
                 <a:srgbClr val="000000"/>
               </a:solidFill>
-              <a:latin typeface="Arial"/>
-              <a:ea typeface="Arial"/>
+              <a:latin typeface="ＭＳ ゴシック" panose="020B0609070205080204" pitchFamily="49" charset="-128"/>
+              <a:ea typeface="ＭＳ ゴシック" panose="020B0609070205080204" pitchFamily="49" charset="-128"/>
             </a:endParaRPr>
           </a:p>
           <a:p>
@@ -42639,25 +42538,28 @@
               <a:buChar char="∙"/>
             </a:pPr>
             <a:r>
-              <a:rPr lang="ja-JP" altLang="en-US" sz="1900" spc="-1" dirty="0">
-                <a:solidFill>
-                  <a:srgbClr val="000000"/>
-                </a:solidFill>
-                <a:latin typeface="Arial"/>
-              </a:rPr>
-              <a:t>作成</a:t>
-            </a:r>
-            <a:r>
-              <a:rPr lang="ja-JP" altLang="en-US" sz="1900" spc="-1" dirty="0" smtClean="0">
-                <a:solidFill>
-                  <a:srgbClr val="000000"/>
-                </a:solidFill>
-                <a:latin typeface="Arial"/>
-              </a:rPr>
-              <a:t>された決定を確認</a:t>
-            </a:r>
-            <a:endParaRPr lang="en-US" sz="1900" b="0" strike="noStrike" spc="-1" dirty="0">
-              <a:latin typeface="Arial"/>
+              <a:rPr lang="ja-JP" altLang="en-US" spc="-1" dirty="0">
+                <a:solidFill>
+                  <a:srgbClr val="000000"/>
+                </a:solidFill>
+                <a:latin typeface="ＭＳ ゴシック" panose="020B0609070205080204" pitchFamily="49" charset="-128"/>
+                <a:ea typeface="ＭＳ ゴシック" panose="020B0609070205080204" pitchFamily="49" charset="-128"/>
+              </a:rPr>
+              <a:t>決定が適用されたことを</a:t>
+            </a:r>
+            <a:r>
+              <a:rPr lang="ja-JP" altLang="en-US" spc="-1" dirty="0" smtClean="0">
+                <a:solidFill>
+                  <a:srgbClr val="000000"/>
+                </a:solidFill>
+                <a:latin typeface="ＭＳ ゴシック" panose="020B0609070205080204" pitchFamily="49" charset="-128"/>
+                <a:ea typeface="ＭＳ ゴシック" panose="020B0609070205080204" pitchFamily="49" charset="-128"/>
+              </a:rPr>
+              <a:t>確認</a:t>
+            </a:r>
+            <a:endParaRPr lang="en-US" b="0" strike="noStrike" spc="-1" dirty="0" smtClean="0">
+              <a:latin typeface="ＭＳ ゴシック" panose="020B0609070205080204" pitchFamily="49" charset="-128"/>
+              <a:ea typeface="ＭＳ ゴシック" panose="020B0609070205080204" pitchFamily="49" charset="-128"/>
             </a:endParaRPr>
           </a:p>
           <a:p>
@@ -42675,25 +42577,18 @@
               <a:buChar char="•"/>
             </a:pPr>
             <a:r>
-              <a:rPr lang="ja-JP" altLang="en-US" sz="1900" spc="-1" dirty="0" smtClean="0">
-                <a:solidFill>
-                  <a:srgbClr val="000000"/>
-                </a:solidFill>
-                <a:latin typeface="Arial"/>
-              </a:rPr>
-              <a:t>もう</a:t>
-            </a:r>
-            <a:r>
-              <a:rPr lang="ja-JP" altLang="en-US" sz="1900" spc="-1" dirty="0">
-                <a:solidFill>
-                  <a:srgbClr val="000000"/>
-                </a:solidFill>
-                <a:latin typeface="Arial"/>
-              </a:rPr>
-              <a:t>一度</a:t>
-            </a:r>
-            <a:endParaRPr lang="en-US" sz="1900" b="0" strike="noStrike" spc="-1" dirty="0">
-              <a:latin typeface="Arial"/>
+              <a:rPr lang="ja-JP" altLang="en-US" spc="-1" dirty="0" smtClean="0">
+                <a:solidFill>
+                  <a:srgbClr val="000000"/>
+                </a:solidFill>
+                <a:latin typeface="ＭＳ ゴシック" panose="020B0609070205080204" pitchFamily="49" charset="-128"/>
+                <a:ea typeface="ＭＳ ゴシック" panose="020B0609070205080204" pitchFamily="49" charset="-128"/>
+              </a:rPr>
+              <a:t>もう一度</a:t>
+            </a:r>
+            <a:endParaRPr lang="en-US" b="0" strike="noStrike" spc="-1" dirty="0" smtClean="0">
+              <a:latin typeface="ＭＳ ゴシック" panose="020B0609070205080204" pitchFamily="49" charset="-128"/>
+              <a:ea typeface="ＭＳ ゴシック" panose="020B0609070205080204" pitchFamily="49" charset="-128"/>
             </a:endParaRPr>
           </a:p>
           <a:p>
@@ -42708,35 +42603,78 @@
               <a:buChar char="∙"/>
             </a:pPr>
             <a:r>
-              <a:rPr lang="ja-JP" altLang="en-US" dirty="0"/>
-              <a:t>もう一つの例として、</a:t>
-            </a:r>
-            <a:r>
-              <a:rPr lang="en-US" altLang="ja-JP" dirty="0" err="1"/>
-              <a:t>Zlib</a:t>
-            </a:r>
-            <a:r>
-              <a:rPr lang="ja-JP" altLang="en-US" dirty="0"/>
+              <a:rPr lang="ja-JP" altLang="en-US" dirty="0" smtClean="0">
+                <a:latin typeface="ＭＳ ゴシック" panose="020B0609070205080204" pitchFamily="49" charset="-128"/>
+                <a:ea typeface="ＭＳ ゴシック" panose="020B0609070205080204" pitchFamily="49" charset="-128"/>
+              </a:rPr>
+              <a:t>もう</a:t>
+            </a:r>
+            <a:r>
+              <a:rPr lang="ja-JP" altLang="en-US" dirty="0">
+                <a:latin typeface="ＭＳ ゴシック" panose="020B0609070205080204" pitchFamily="49" charset="-128"/>
+                <a:ea typeface="ＭＳ ゴシック" panose="020B0609070205080204" pitchFamily="49" charset="-128"/>
+              </a:rPr>
+              <a:t>一つの例として</a:t>
+            </a:r>
+            <a:r>
+              <a:rPr lang="ja-JP" altLang="en-US" dirty="0" smtClean="0">
+                <a:latin typeface="ＭＳ ゴシック" panose="020B0609070205080204" pitchFamily="49" charset="-128"/>
+                <a:ea typeface="ＭＳ ゴシック" panose="020B0609070205080204" pitchFamily="49" charset="-128"/>
+              </a:rPr>
+              <a:t>、</a:t>
+            </a:r>
+            <a:r>
+              <a:rPr lang="en-US" altLang="ja-JP" dirty="0" err="1">
+                <a:latin typeface="ＭＳ ゴシック" panose="020B0609070205080204" pitchFamily="49" charset="-128"/>
+                <a:ea typeface="ＭＳ ゴシック" panose="020B0609070205080204" pitchFamily="49" charset="-128"/>
+              </a:rPr>
+              <a:t>z</a:t>
+            </a:r>
+            <a:r>
+              <a:rPr lang="en-US" altLang="ja-JP" dirty="0" err="1" smtClean="0">
+                <a:latin typeface="ＭＳ ゴシック" panose="020B0609070205080204" pitchFamily="49" charset="-128"/>
+                <a:ea typeface="ＭＳ ゴシック" panose="020B0609070205080204" pitchFamily="49" charset="-128"/>
+              </a:rPr>
+              <a:t>lib</a:t>
+            </a:r>
+            <a:r>
+              <a:rPr lang="ja-JP" altLang="en-US" dirty="0">
+                <a:latin typeface="ＭＳ ゴシック" panose="020B0609070205080204" pitchFamily="49" charset="-128"/>
+                <a:ea typeface="ＭＳ ゴシック" panose="020B0609070205080204" pitchFamily="49" charset="-128"/>
+              </a:rPr>
               <a:t>の</a:t>
             </a:r>
             <a:r>
-              <a:rPr lang="en-US" altLang="ja-JP" dirty="0" err="1"/>
+              <a:rPr lang="en-US" altLang="ja-JP" dirty="0" err="1">
+                <a:latin typeface="ＭＳ ゴシック" panose="020B0609070205080204" pitchFamily="49" charset="-128"/>
+                <a:ea typeface="ＭＳ ゴシック" panose="020B0609070205080204" pitchFamily="49" charset="-128"/>
+              </a:rPr>
               <a:t>contrib</a:t>
             </a:r>
             <a:r>
-              <a:rPr lang="ja-JP" altLang="en-US" dirty="0"/>
+              <a:rPr lang="ja-JP" altLang="en-US" dirty="0">
+                <a:latin typeface="ＭＳ ゴシック" panose="020B0609070205080204" pitchFamily="49" charset="-128"/>
+                <a:ea typeface="ＭＳ ゴシック" panose="020B0609070205080204" pitchFamily="49" charset="-128"/>
+              </a:rPr>
               <a:t>配下の</a:t>
             </a:r>
             <a:r>
-              <a:rPr lang="en-US" altLang="ja-JP" dirty="0"/>
+              <a:rPr lang="en-US" altLang="ja-JP" dirty="0">
+                <a:latin typeface="ＭＳ ゴシック" panose="020B0609070205080204" pitchFamily="49" charset="-128"/>
+                <a:ea typeface="ＭＳ ゴシック" panose="020B0609070205080204" pitchFamily="49" charset="-128"/>
+              </a:rPr>
               <a:t>BSL</a:t>
             </a:r>
             <a:r>
-              <a:rPr lang="ja-JP" altLang="en-US" dirty="0"/>
+              <a:rPr lang="ja-JP" altLang="en-US" dirty="0">
+                <a:latin typeface="ＭＳ ゴシック" panose="020B0609070205080204" pitchFamily="49" charset="-128"/>
+                <a:ea typeface="ＭＳ ゴシック" panose="020B0609070205080204" pitchFamily="49" charset="-128"/>
+              </a:rPr>
               <a:t>のケース</a:t>
             </a:r>
-            <a:endParaRPr lang="en-US" sz="1900" b="0" strike="noStrike" spc="-1" dirty="0">
-              <a:latin typeface="Arial"/>
+            <a:endParaRPr lang="en-US" b="0" strike="noStrike" spc="-1" dirty="0">
+              <a:latin typeface="ＭＳ ゴシック" panose="020B0609070205080204" pitchFamily="49" charset="-128"/>
+              <a:ea typeface="ＭＳ ゴシック" panose="020B0609070205080204" pitchFamily="49" charset="-128"/>
             </a:endParaRPr>
           </a:p>
         </p:txBody>
@@ -42749,7 +42687,7 @@
         </p:nvSpPr>
         <p:spPr>
           <a:xfrm>
-            <a:off x="173256" y="1432620"/>
+            <a:off x="86628" y="1420560"/>
             <a:ext cx="7402508" cy="4877460"/>
           </a:xfrm>
           <a:prstGeom prst="rect">
@@ -43417,7 +43355,7 @@
         </p:nvSpPr>
         <p:spPr>
           <a:xfrm>
-            <a:off x="7575764" y="1082160"/>
+            <a:off x="7489136" y="1082160"/>
             <a:ext cx="4572000" cy="338400"/>
           </a:xfrm>
           <a:prstGeom prst="rect">
@@ -43493,7 +43431,7 @@
         </p:nvSpPr>
         <p:spPr>
           <a:xfrm>
-            <a:off x="173256" y="1082160"/>
+            <a:off x="86629" y="1082160"/>
             <a:ext cx="7402507" cy="338400"/>
           </a:xfrm>
           <a:prstGeom prst="rect">
